--- a/regulus/interface/ui.pptx
+++ b/regulus/interface/ui.pptx
@@ -199,11 +199,11 @@
         </c:dLbls>
         <c:marker val="1"/>
         <c:smooth val="0"/>
-        <c:axId val="721976344"/>
-        <c:axId val="721979336"/>
+        <c:axId val="1574600"/>
+        <c:axId val="1577592"/>
       </c:lineChart>
       <c:catAx>
-        <c:axId val="721976344"/>
+        <c:axId val="1574600"/>
         <c:scaling>
           <c:orientation val="minMax"/>
         </c:scaling>
@@ -212,7 +212,7 @@
         <c:majorTickMark val="out"/>
         <c:minorTickMark val="none"/>
         <c:tickLblPos val="nextTo"/>
-        <c:crossAx val="721979336"/>
+        <c:crossAx val="1577592"/>
         <c:crosses val="autoZero"/>
         <c:auto val="1"/>
         <c:lblAlgn val="ctr"/>
@@ -220,7 +220,7 @@
         <c:noMultiLvlLbl val="0"/>
       </c:catAx>
       <c:valAx>
-        <c:axId val="721979336"/>
+        <c:axId val="1577592"/>
         <c:scaling>
           <c:orientation val="minMax"/>
         </c:scaling>
@@ -231,7 +231,7 @@
         <c:majorTickMark val="out"/>
         <c:minorTickMark val="none"/>
         <c:tickLblPos val="nextTo"/>
-        <c:crossAx val="721976344"/>
+        <c:crossAx val="1574600"/>
         <c:crosses val="autoZero"/>
         <c:crossBetween val="between"/>
       </c:valAx>
@@ -437,7 +437,7 @@
           <a:p>
             <a:fld id="{B56DC137-3F13-8D43-AA57-5640E0D90177}" type="datetimeFigureOut">
               <a:rPr kumimoji="1" lang="ja-JP" altLang="en-US" smtClean="0"/>
-              <a:t>15/02/22</a:t>
+              <a:t>15/03/07</a:t>
             </a:fld>
             <a:endParaRPr kumimoji="1" lang="ja-JP" altLang="en-US"/>
           </a:p>
@@ -639,7 +639,7 @@
           <a:p>
             <a:fld id="{B56DC137-3F13-8D43-AA57-5640E0D90177}" type="datetimeFigureOut">
               <a:rPr kumimoji="1" lang="ja-JP" altLang="en-US" smtClean="0"/>
-              <a:t>15/02/22</a:t>
+              <a:t>15/03/07</a:t>
             </a:fld>
             <a:endParaRPr kumimoji="1" lang="ja-JP" altLang="en-US"/>
           </a:p>
@@ -851,7 +851,7 @@
           <a:p>
             <a:fld id="{B56DC137-3F13-8D43-AA57-5640E0D90177}" type="datetimeFigureOut">
               <a:rPr kumimoji="1" lang="ja-JP" altLang="en-US" smtClean="0"/>
-              <a:t>15/02/22</a:t>
+              <a:t>15/03/07</a:t>
             </a:fld>
             <a:endParaRPr kumimoji="1" lang="ja-JP" altLang="en-US"/>
           </a:p>
@@ -1053,7 +1053,7 @@
           <a:p>
             <a:fld id="{B56DC137-3F13-8D43-AA57-5640E0D90177}" type="datetimeFigureOut">
               <a:rPr kumimoji="1" lang="ja-JP" altLang="en-US" smtClean="0"/>
-              <a:t>15/02/22</a:t>
+              <a:t>15/03/07</a:t>
             </a:fld>
             <a:endParaRPr kumimoji="1" lang="ja-JP" altLang="en-US"/>
           </a:p>
@@ -1299,7 +1299,7 @@
           <a:p>
             <a:fld id="{B56DC137-3F13-8D43-AA57-5640E0D90177}" type="datetimeFigureOut">
               <a:rPr kumimoji="1" lang="ja-JP" altLang="en-US" smtClean="0"/>
-              <a:t>15/02/22</a:t>
+              <a:t>15/03/07</a:t>
             </a:fld>
             <a:endParaRPr kumimoji="1" lang="ja-JP" altLang="en-US"/>
           </a:p>
@@ -1651,7 +1651,7 @@
           <a:p>
             <a:fld id="{B56DC137-3F13-8D43-AA57-5640E0D90177}" type="datetimeFigureOut">
               <a:rPr kumimoji="1" lang="ja-JP" altLang="en-US" smtClean="0"/>
-              <a:t>15/02/22</a:t>
+              <a:t>15/03/07</a:t>
             </a:fld>
             <a:endParaRPr kumimoji="1" lang="ja-JP" altLang="en-US"/>
           </a:p>
@@ -2137,7 +2137,7 @@
           <a:p>
             <a:fld id="{B56DC137-3F13-8D43-AA57-5640E0D90177}" type="datetimeFigureOut">
               <a:rPr kumimoji="1" lang="ja-JP" altLang="en-US" smtClean="0"/>
-              <a:t>15/02/22</a:t>
+              <a:t>15/03/07</a:t>
             </a:fld>
             <a:endParaRPr kumimoji="1" lang="ja-JP" altLang="en-US"/>
           </a:p>
@@ -2255,7 +2255,7 @@
           <a:p>
             <a:fld id="{B56DC137-3F13-8D43-AA57-5640E0D90177}" type="datetimeFigureOut">
               <a:rPr kumimoji="1" lang="ja-JP" altLang="en-US" smtClean="0"/>
-              <a:t>15/02/22</a:t>
+              <a:t>15/03/07</a:t>
             </a:fld>
             <a:endParaRPr kumimoji="1" lang="ja-JP" altLang="en-US"/>
           </a:p>
@@ -2350,7 +2350,7 @@
           <a:p>
             <a:fld id="{B56DC137-3F13-8D43-AA57-5640E0D90177}" type="datetimeFigureOut">
               <a:rPr kumimoji="1" lang="ja-JP" altLang="en-US" smtClean="0"/>
-              <a:t>15/02/22</a:t>
+              <a:t>15/03/07</a:t>
             </a:fld>
             <a:endParaRPr kumimoji="1" lang="ja-JP" altLang="en-US"/>
           </a:p>
@@ -2659,7 +2659,7 @@
           <a:p>
             <a:fld id="{B56DC137-3F13-8D43-AA57-5640E0D90177}" type="datetimeFigureOut">
               <a:rPr kumimoji="1" lang="ja-JP" altLang="en-US" smtClean="0"/>
-              <a:t>15/02/22</a:t>
+              <a:t>15/03/07</a:t>
             </a:fld>
             <a:endParaRPr kumimoji="1" lang="ja-JP" altLang="en-US"/>
           </a:p>
@@ -2912,7 +2912,7 @@
           <a:p>
             <a:fld id="{B56DC137-3F13-8D43-AA57-5640E0D90177}" type="datetimeFigureOut">
               <a:rPr kumimoji="1" lang="ja-JP" altLang="en-US" smtClean="0"/>
-              <a:t>15/02/22</a:t>
+              <a:t>15/03/07</a:t>
             </a:fld>
             <a:endParaRPr kumimoji="1" lang="ja-JP" altLang="en-US"/>
           </a:p>
@@ -3157,7 +3157,7 @@
           <a:p>
             <a:fld id="{B56DC137-3F13-8D43-AA57-5640E0D90177}" type="datetimeFigureOut">
               <a:rPr kumimoji="1" lang="ja-JP" altLang="en-US" smtClean="0"/>
-              <a:t>15/02/22</a:t>
+              <a:t>15/03/07</a:t>
             </a:fld>
             <a:endParaRPr kumimoji="1" lang="ja-JP" altLang="en-US"/>
           </a:p>
@@ -3654,453 +3654,75 @@
           </a:p>
         </p:txBody>
       </p:sp>
-      <p:sp>
-        <p:nvSpPr>
-          <p:cNvPr id="3" name="正方形/長方形 2"/>
-          <p:cNvSpPr/>
-          <p:nvPr/>
-        </p:nvSpPr>
-        <p:spPr>
-          <a:xfrm>
-            <a:off x="457200" y="1296736"/>
-            <a:ext cx="8229600" cy="5106737"/>
-          </a:xfrm>
-          <a:prstGeom prst="rect">
-            <a:avLst/>
-          </a:prstGeom>
-          <a:noFill/>
-          <a:ln w="38100">
-            <a:solidFill>
-              <a:schemeClr val="tx1"/>
-            </a:solidFill>
-          </a:ln>
-          <a:effectLst/>
-        </p:spPr>
-        <p:style>
-          <a:lnRef idx="1">
-            <a:schemeClr val="accent1"/>
-          </a:lnRef>
-          <a:fillRef idx="3">
-            <a:schemeClr val="accent1"/>
-          </a:fillRef>
-          <a:effectRef idx="2">
-            <a:schemeClr val="accent1"/>
-          </a:effectRef>
-          <a:fontRef idx="minor">
-            <a:schemeClr val="lt1"/>
-          </a:fontRef>
-        </p:style>
-        <p:txBody>
-          <a:bodyPr rtlCol="0" anchor="ctr"/>
-          <a:lstStyle/>
-          <a:p>
-            <a:pPr algn="ctr"/>
-            <a:endParaRPr kumimoji="1" lang="ja-JP" altLang="en-US"/>
-          </a:p>
-        </p:txBody>
-      </p:sp>
-      <p:sp>
-        <p:nvSpPr>
-          <p:cNvPr id="4" name="正方形/長方形 3"/>
-          <p:cNvSpPr/>
-          <p:nvPr/>
-        </p:nvSpPr>
-        <p:spPr>
-          <a:xfrm>
-            <a:off x="588211" y="1430421"/>
-            <a:ext cx="2045368" cy="2312737"/>
-          </a:xfrm>
-          <a:prstGeom prst="rect">
-            <a:avLst/>
-          </a:prstGeom>
-          <a:solidFill>
-            <a:schemeClr val="bg1"/>
-          </a:solidFill>
-          <a:ln w="25400">
-            <a:solidFill>
-              <a:schemeClr val="tx1"/>
-            </a:solidFill>
-          </a:ln>
-          <a:effectLst/>
-        </p:spPr>
-        <p:style>
-          <a:lnRef idx="1">
-            <a:schemeClr val="accent1"/>
-          </a:lnRef>
-          <a:fillRef idx="3">
-            <a:schemeClr val="accent1"/>
-          </a:fillRef>
-          <a:effectRef idx="2">
-            <a:schemeClr val="accent1"/>
-          </a:effectRef>
-          <a:fontRef idx="minor">
-            <a:schemeClr val="lt1"/>
-          </a:fontRef>
-        </p:style>
-        <p:txBody>
-          <a:bodyPr rtlCol="0" anchor="ctr"/>
-          <a:lstStyle/>
-          <a:p>
-            <a:pPr algn="ctr"/>
-            <a:r>
-              <a:rPr kumimoji="1" lang="ja-JP" altLang="en-US" dirty="0" smtClean="0">
-                <a:solidFill>
-                  <a:srgbClr val="FF0000"/>
-                </a:solidFill>
-              </a:rPr>
-              <a:t>グラフ</a:t>
-            </a:r>
-            <a:endParaRPr kumimoji="1" lang="ja-JP" altLang="en-US" dirty="0">
-              <a:solidFill>
-                <a:srgbClr val="FF0000"/>
-              </a:solidFill>
-            </a:endParaRPr>
-          </a:p>
-        </p:txBody>
-      </p:sp>
-      <p:sp>
-        <p:nvSpPr>
-          <p:cNvPr id="5" name="正方形/長方形 4"/>
-          <p:cNvSpPr/>
-          <p:nvPr/>
-        </p:nvSpPr>
-        <p:spPr>
-          <a:xfrm>
-            <a:off x="593558" y="3930315"/>
-            <a:ext cx="2045368" cy="2312737"/>
-          </a:xfrm>
-          <a:prstGeom prst="rect">
-            <a:avLst/>
-          </a:prstGeom>
-          <a:solidFill>
-            <a:schemeClr val="bg1"/>
-          </a:solidFill>
-          <a:ln w="25400">
-            <a:solidFill>
-              <a:schemeClr val="tx1"/>
-            </a:solidFill>
-          </a:ln>
-          <a:effectLst/>
-        </p:spPr>
-        <p:style>
-          <a:lnRef idx="1">
-            <a:schemeClr val="accent1"/>
-          </a:lnRef>
-          <a:fillRef idx="3">
-            <a:schemeClr val="accent1"/>
-          </a:fillRef>
-          <a:effectRef idx="2">
-            <a:schemeClr val="accent1"/>
-          </a:effectRef>
-          <a:fontRef idx="minor">
-            <a:schemeClr val="lt1"/>
-          </a:fontRef>
-        </p:style>
-        <p:txBody>
-          <a:bodyPr rtlCol="0" anchor="ctr"/>
-          <a:lstStyle/>
-          <a:p>
-            <a:pPr algn="ctr"/>
-            <a:r>
-              <a:rPr kumimoji="1" lang="ja-JP" altLang="en-US" dirty="0" smtClean="0">
-                <a:solidFill>
-                  <a:srgbClr val="FF0000"/>
-                </a:solidFill>
-              </a:rPr>
-              <a:t>グラフ</a:t>
-            </a:r>
-            <a:endParaRPr kumimoji="1" lang="en-US" altLang="ja-JP" dirty="0" smtClean="0">
-              <a:solidFill>
-                <a:srgbClr val="FF0000"/>
-              </a:solidFill>
-            </a:endParaRPr>
-          </a:p>
-        </p:txBody>
-      </p:sp>
-      <p:sp>
-        <p:nvSpPr>
-          <p:cNvPr id="6" name="正方形/長方形 5"/>
-          <p:cNvSpPr/>
-          <p:nvPr/>
-        </p:nvSpPr>
-        <p:spPr>
-          <a:xfrm>
-            <a:off x="2785979" y="1430421"/>
-            <a:ext cx="2045368" cy="2312737"/>
-          </a:xfrm>
-          <a:prstGeom prst="rect">
-            <a:avLst/>
-          </a:prstGeom>
-          <a:solidFill>
-            <a:schemeClr val="bg1"/>
-          </a:solidFill>
-          <a:ln w="25400">
-            <a:solidFill>
-              <a:schemeClr val="tx1"/>
-            </a:solidFill>
-          </a:ln>
-          <a:effectLst/>
-        </p:spPr>
-        <p:style>
-          <a:lnRef idx="1">
-            <a:schemeClr val="accent1"/>
-          </a:lnRef>
-          <a:fillRef idx="3">
-            <a:schemeClr val="accent1"/>
-          </a:fillRef>
-          <a:effectRef idx="2">
-            <a:schemeClr val="accent1"/>
-          </a:effectRef>
-          <a:fontRef idx="minor">
-            <a:schemeClr val="lt1"/>
-          </a:fontRef>
-        </p:style>
-        <p:txBody>
-          <a:bodyPr rtlCol="0" anchor="ctr"/>
-          <a:lstStyle/>
-          <a:p>
-            <a:pPr algn="ctr"/>
-            <a:r>
-              <a:rPr kumimoji="1" lang="ja-JP" altLang="en-US" dirty="0" smtClean="0">
-                <a:solidFill>
-                  <a:srgbClr val="FF0000"/>
-                </a:solidFill>
-              </a:rPr>
-              <a:t>グラフ</a:t>
-            </a:r>
-            <a:endParaRPr kumimoji="1" lang="ja-JP" altLang="en-US" dirty="0">
-              <a:solidFill>
-                <a:srgbClr val="FF0000"/>
-              </a:solidFill>
-            </a:endParaRPr>
-          </a:p>
-        </p:txBody>
-      </p:sp>
-      <p:sp>
-        <p:nvSpPr>
-          <p:cNvPr id="7" name="正方形/長方形 6"/>
-          <p:cNvSpPr/>
-          <p:nvPr/>
-        </p:nvSpPr>
-        <p:spPr>
-          <a:xfrm>
-            <a:off x="2785979" y="3930315"/>
-            <a:ext cx="2045368" cy="2312737"/>
-          </a:xfrm>
-          <a:prstGeom prst="rect">
-            <a:avLst/>
-          </a:prstGeom>
-          <a:solidFill>
-            <a:schemeClr val="bg1"/>
-          </a:solidFill>
-          <a:ln w="25400">
-            <a:solidFill>
-              <a:schemeClr val="tx1"/>
-            </a:solidFill>
-          </a:ln>
-          <a:effectLst/>
-        </p:spPr>
-        <p:style>
-          <a:lnRef idx="1">
-            <a:schemeClr val="accent1"/>
-          </a:lnRef>
-          <a:fillRef idx="3">
-            <a:schemeClr val="accent1"/>
-          </a:fillRef>
-          <a:effectRef idx="2">
-            <a:schemeClr val="accent1"/>
-          </a:effectRef>
-          <a:fontRef idx="minor">
-            <a:schemeClr val="lt1"/>
-          </a:fontRef>
-        </p:style>
-        <p:txBody>
-          <a:bodyPr rtlCol="0" anchor="ctr"/>
-          <a:lstStyle/>
-          <a:p>
-            <a:pPr algn="ctr"/>
-            <a:r>
-              <a:rPr kumimoji="1" lang="ja-JP" altLang="en-US" dirty="0" smtClean="0">
-                <a:solidFill>
-                  <a:srgbClr val="FF0000"/>
-                </a:solidFill>
-              </a:rPr>
-              <a:t>グラフ</a:t>
-            </a:r>
-            <a:endParaRPr kumimoji="1" lang="ja-JP" altLang="en-US" dirty="0">
-              <a:solidFill>
-                <a:srgbClr val="FF0000"/>
-              </a:solidFill>
-            </a:endParaRPr>
-          </a:p>
-        </p:txBody>
-      </p:sp>
-      <p:sp>
-        <p:nvSpPr>
-          <p:cNvPr id="8" name="正方形/長方形 7"/>
-          <p:cNvSpPr/>
-          <p:nvPr/>
-        </p:nvSpPr>
-        <p:spPr>
-          <a:xfrm>
-            <a:off x="4978399" y="1430421"/>
-            <a:ext cx="3564021" cy="2312737"/>
-          </a:xfrm>
-          <a:prstGeom prst="rect">
-            <a:avLst/>
-          </a:prstGeom>
-          <a:solidFill>
-            <a:schemeClr val="bg1"/>
-          </a:solidFill>
-          <a:ln w="25400">
-            <a:solidFill>
-              <a:schemeClr val="tx1"/>
-            </a:solidFill>
-          </a:ln>
-          <a:effectLst/>
-        </p:spPr>
-        <p:style>
-          <a:lnRef idx="1">
-            <a:schemeClr val="accent1"/>
-          </a:lnRef>
-          <a:fillRef idx="3">
-            <a:schemeClr val="accent1"/>
-          </a:fillRef>
-          <a:effectRef idx="2">
-            <a:schemeClr val="accent1"/>
-          </a:effectRef>
-          <a:fontRef idx="minor">
-            <a:schemeClr val="lt1"/>
-          </a:fontRef>
-        </p:style>
-        <p:txBody>
-          <a:bodyPr rtlCol="0" anchor="ctr"/>
-          <a:lstStyle/>
-          <a:p>
-            <a:pPr algn="ctr"/>
-            <a:r>
-              <a:rPr kumimoji="1" lang="ja-JP" altLang="en-US" dirty="0" smtClean="0">
-                <a:solidFill>
-                  <a:srgbClr val="FF0000"/>
-                </a:solidFill>
-              </a:rPr>
-              <a:t>ニュース</a:t>
-            </a:r>
-            <a:r>
-              <a:rPr lang="ja-JP" altLang="en-US" dirty="0" smtClean="0">
-                <a:solidFill>
-                  <a:srgbClr val="FF0000"/>
-                </a:solidFill>
-              </a:rPr>
-              <a:t>（日経）</a:t>
-            </a:r>
-            <a:endParaRPr kumimoji="1" lang="ja-JP" altLang="en-US" dirty="0">
-              <a:solidFill>
-                <a:srgbClr val="FF0000"/>
-              </a:solidFill>
-            </a:endParaRPr>
-          </a:p>
-        </p:txBody>
-      </p:sp>
-      <p:sp>
-        <p:nvSpPr>
-          <p:cNvPr id="9" name="正方形/長方形 8"/>
-          <p:cNvSpPr/>
-          <p:nvPr/>
-        </p:nvSpPr>
-        <p:spPr>
-          <a:xfrm>
-            <a:off x="4978399" y="3930315"/>
-            <a:ext cx="3564021" cy="2312737"/>
-          </a:xfrm>
-          <a:prstGeom prst="rect">
-            <a:avLst/>
-          </a:prstGeom>
-          <a:solidFill>
-            <a:schemeClr val="bg1"/>
-          </a:solidFill>
-          <a:ln w="25400">
-            <a:solidFill>
-              <a:schemeClr val="tx1"/>
-            </a:solidFill>
-          </a:ln>
-          <a:effectLst/>
-        </p:spPr>
-        <p:style>
-          <a:lnRef idx="1">
-            <a:schemeClr val="accent1"/>
-          </a:lnRef>
-          <a:fillRef idx="3">
-            <a:schemeClr val="accent1"/>
-          </a:fillRef>
-          <a:effectRef idx="2">
-            <a:schemeClr val="accent1"/>
-          </a:effectRef>
-          <a:fontRef idx="minor">
-            <a:schemeClr val="lt1"/>
-          </a:fontRef>
-        </p:style>
-        <p:txBody>
-          <a:bodyPr rtlCol="0" anchor="ctr"/>
-          <a:lstStyle/>
-          <a:p>
-            <a:pPr algn="ctr"/>
-            <a:r>
-              <a:rPr kumimoji="1" lang="ja-JP" altLang="en-US" dirty="0" smtClean="0">
-                <a:solidFill>
-                  <a:srgbClr val="FF0000"/>
-                </a:solidFill>
-              </a:rPr>
-              <a:t>ニュース（</a:t>
-            </a:r>
-            <a:r>
-              <a:rPr kumimoji="1" lang="en-US" altLang="ja-JP" dirty="0" smtClean="0">
-                <a:solidFill>
-                  <a:srgbClr val="FF0000"/>
-                </a:solidFill>
-              </a:rPr>
-              <a:t>Twitter</a:t>
-            </a:r>
-            <a:r>
-              <a:rPr kumimoji="1" lang="ja-JP" altLang="en-US" dirty="0" smtClean="0">
-                <a:solidFill>
-                  <a:srgbClr val="FF0000"/>
-                </a:solidFill>
-              </a:rPr>
-              <a:t>）</a:t>
-            </a:r>
-            <a:endParaRPr kumimoji="1" lang="ja-JP" altLang="en-US" dirty="0">
-              <a:solidFill>
-                <a:srgbClr val="FF0000"/>
-              </a:solidFill>
-            </a:endParaRPr>
-          </a:p>
-        </p:txBody>
-      </p:sp>
       <p:grpSp>
         <p:nvGrpSpPr>
-          <p:cNvPr id="12" name="図形グループ 11"/>
+          <p:cNvPr id="17" name="図形グループ 16"/>
           <p:cNvGrpSpPr/>
           <p:nvPr/>
         </p:nvGrpSpPr>
         <p:grpSpPr>
           <a:xfrm>
-            <a:off x="8271041" y="1561431"/>
-            <a:ext cx="137695" cy="2048043"/>
-            <a:chOff x="8271041" y="1561431"/>
-            <a:chExt cx="137695" cy="2048043"/>
+            <a:off x="457200" y="1296736"/>
+            <a:ext cx="8229600" cy="5106737"/>
+            <a:chOff x="457200" y="1296736"/>
+            <a:chExt cx="8229600" cy="5106737"/>
           </a:xfrm>
         </p:grpSpPr>
         <p:sp>
           <p:nvSpPr>
-            <p:cNvPr id="10" name="正方形/長方形 9"/>
+            <p:cNvPr id="3" name="正方形/長方形 2"/>
             <p:cNvSpPr/>
             <p:nvPr/>
           </p:nvSpPr>
           <p:spPr>
             <a:xfrm>
-              <a:off x="8271041" y="1561431"/>
-              <a:ext cx="137695" cy="2048043"/>
+              <a:off x="457200" y="1296736"/>
+              <a:ext cx="8229600" cy="5106737"/>
+            </a:xfrm>
+            <a:prstGeom prst="rect">
+              <a:avLst/>
+            </a:prstGeom>
+            <a:noFill/>
+            <a:ln w="38100">
+              <a:solidFill>
+                <a:schemeClr val="tx1"/>
+              </a:solidFill>
+            </a:ln>
+            <a:effectLst/>
+          </p:spPr>
+          <p:style>
+            <a:lnRef idx="1">
+              <a:schemeClr val="accent1"/>
+            </a:lnRef>
+            <a:fillRef idx="3">
+              <a:schemeClr val="accent1"/>
+            </a:fillRef>
+            <a:effectRef idx="2">
+              <a:schemeClr val="accent1"/>
+            </a:effectRef>
+            <a:fontRef idx="minor">
+              <a:schemeClr val="lt1"/>
+            </a:fontRef>
+          </p:style>
+          <p:txBody>
+            <a:bodyPr rtlCol="0" anchor="ctr"/>
+            <a:lstStyle/>
+            <a:p>
+              <a:pPr algn="ctr"/>
+              <a:endParaRPr kumimoji="1" lang="ja-JP" altLang="en-US"/>
+            </a:p>
+          </p:txBody>
+        </p:sp>
+        <p:sp>
+          <p:nvSpPr>
+            <p:cNvPr id="4" name="正方形/長方形 3"/>
+            <p:cNvSpPr/>
+            <p:nvPr/>
+          </p:nvSpPr>
+          <p:spPr>
+            <a:xfrm>
+              <a:off x="588211" y="1430421"/>
+              <a:ext cx="2045368" cy="2312737"/>
             </a:xfrm>
             <a:prstGeom prst="rect">
               <a:avLst/>
@@ -4134,6 +3756,14 @@
             <a:lstStyle/>
             <a:p>
               <a:pPr algn="ctr"/>
+              <a:r>
+                <a:rPr kumimoji="1" lang="ja-JP" altLang="en-US" dirty="0" smtClean="0">
+                  <a:solidFill>
+                    <a:srgbClr val="FF0000"/>
+                  </a:solidFill>
+                </a:rPr>
+                <a:t>グラフ</a:t>
+              </a:r>
               <a:endParaRPr kumimoji="1" lang="ja-JP" altLang="en-US" dirty="0">
                 <a:solidFill>
                   <a:srgbClr val="FF0000"/>
@@ -4144,79 +3774,14 @@
         </p:sp>
         <p:sp>
           <p:nvSpPr>
-            <p:cNvPr id="11" name="角丸四角形 10"/>
+            <p:cNvPr id="5" name="正方形/長方形 4"/>
             <p:cNvSpPr/>
             <p:nvPr/>
           </p:nvSpPr>
           <p:spPr>
             <a:xfrm>
-              <a:off x="8297775" y="1684422"/>
-              <a:ext cx="85559" cy="294105"/>
-            </a:xfrm>
-            <a:prstGeom prst="roundRect">
-              <a:avLst/>
-            </a:prstGeom>
-            <a:solidFill>
-              <a:srgbClr val="0000FF"/>
-            </a:solidFill>
-            <a:ln>
-              <a:noFill/>
-            </a:ln>
-            <a:effectLst/>
-          </p:spPr>
-          <p:style>
-            <a:lnRef idx="1">
-              <a:schemeClr val="accent1"/>
-            </a:lnRef>
-            <a:fillRef idx="3">
-              <a:schemeClr val="accent1"/>
-            </a:fillRef>
-            <a:effectRef idx="2">
-              <a:schemeClr val="accent1"/>
-            </a:effectRef>
-            <a:fontRef idx="minor">
-              <a:schemeClr val="lt1"/>
-            </a:fontRef>
-          </p:style>
-          <p:txBody>
-            <a:bodyPr rot="0" spcFirstLastPara="0" vertOverflow="overflow" horzOverflow="overflow" vert="horz" wrap="square" lIns="91440" tIns="45720" rIns="91440" bIns="45720" numCol="1" spcCol="0" rtlCol="0" fromWordArt="0" anchor="ctr" anchorCtr="0" forceAA="0" compatLnSpc="1">
-              <a:prstTxWarp prst="textNoShape">
-                <a:avLst/>
-              </a:prstTxWarp>
-              <a:noAutofit/>
-            </a:bodyPr>
-            <a:lstStyle/>
-            <a:p>
-              <a:pPr algn="ctr"/>
-              <a:endParaRPr kumimoji="1" lang="ja-JP" altLang="en-US"/>
-            </a:p>
-          </p:txBody>
-        </p:sp>
-      </p:grpSp>
-      <p:grpSp>
-        <p:nvGrpSpPr>
-          <p:cNvPr id="13" name="図形グループ 12"/>
-          <p:cNvGrpSpPr/>
-          <p:nvPr/>
-        </p:nvGrpSpPr>
-        <p:grpSpPr>
-          <a:xfrm>
-            <a:off x="8280392" y="4066673"/>
-            <a:ext cx="137695" cy="2048043"/>
-            <a:chOff x="8271041" y="1561431"/>
-            <a:chExt cx="137695" cy="2048043"/>
-          </a:xfrm>
-        </p:grpSpPr>
-        <p:sp>
-          <p:nvSpPr>
-            <p:cNvPr id="14" name="正方形/長方形 13"/>
-            <p:cNvSpPr/>
-            <p:nvPr/>
-          </p:nvSpPr>
-          <p:spPr>
-            <a:xfrm>
-              <a:off x="8271041" y="1561431"/>
-              <a:ext cx="137695" cy="2048043"/>
+              <a:off x="593558" y="3930315"/>
+              <a:ext cx="2045368" cy="2312737"/>
             </a:xfrm>
             <a:prstGeom prst="rect">
               <a:avLst/>
@@ -4250,7 +3815,15 @@
             <a:lstStyle/>
             <a:p>
               <a:pPr algn="ctr"/>
-              <a:endParaRPr kumimoji="1" lang="ja-JP" altLang="en-US" dirty="0">
+              <a:r>
+                <a:rPr kumimoji="1" lang="ja-JP" altLang="en-US" dirty="0" smtClean="0">
+                  <a:solidFill>
+                    <a:srgbClr val="FF0000"/>
+                  </a:solidFill>
+                </a:rPr>
+                <a:t>グラフ</a:t>
+              </a:r>
+              <a:endParaRPr kumimoji="1" lang="en-US" altLang="ja-JP" dirty="0" smtClean="0">
                 <a:solidFill>
                   <a:srgbClr val="FF0000"/>
                 </a:solidFill>
@@ -4260,23 +3833,25 @@
         </p:sp>
         <p:sp>
           <p:nvSpPr>
-            <p:cNvPr id="15" name="角丸四角形 14"/>
+            <p:cNvPr id="6" name="正方形/長方形 5"/>
             <p:cNvSpPr/>
             <p:nvPr/>
           </p:nvSpPr>
           <p:spPr>
             <a:xfrm>
-              <a:off x="8297775" y="1684422"/>
-              <a:ext cx="85559" cy="294105"/>
+              <a:off x="2785979" y="1430421"/>
+              <a:ext cx="2045368" cy="2312737"/>
             </a:xfrm>
-            <a:prstGeom prst="roundRect">
+            <a:prstGeom prst="rect">
               <a:avLst/>
             </a:prstGeom>
             <a:solidFill>
-              <a:srgbClr val="0000FF"/>
+              <a:schemeClr val="bg1"/>
             </a:solidFill>
-            <a:ln>
-              <a:noFill/>
+            <a:ln w="25400">
+              <a:solidFill>
+                <a:schemeClr val="tx1"/>
+              </a:solidFill>
             </a:ln>
             <a:effectLst/>
           </p:spPr>
@@ -4295,42 +3870,482 @@
             </a:fontRef>
           </p:style>
           <p:txBody>
-            <a:bodyPr rot="0" spcFirstLastPara="0" vertOverflow="overflow" horzOverflow="overflow" vert="horz" wrap="square" lIns="91440" tIns="45720" rIns="91440" bIns="45720" numCol="1" spcCol="0" rtlCol="0" fromWordArt="0" anchor="ctr" anchorCtr="0" forceAA="0" compatLnSpc="1">
-              <a:prstTxWarp prst="textNoShape">
-                <a:avLst/>
-              </a:prstTxWarp>
-              <a:noAutofit/>
-            </a:bodyPr>
+            <a:bodyPr rtlCol="0" anchor="ctr"/>
             <a:lstStyle/>
             <a:p>
               <a:pPr algn="ctr"/>
-              <a:endParaRPr kumimoji="1" lang="ja-JP" altLang="en-US"/>
+              <a:r>
+                <a:rPr kumimoji="1" lang="ja-JP" altLang="en-US" dirty="0" smtClean="0">
+                  <a:solidFill>
+                    <a:srgbClr val="FF0000"/>
+                  </a:solidFill>
+                </a:rPr>
+                <a:t>グラフ</a:t>
+              </a:r>
+              <a:endParaRPr kumimoji="1" lang="ja-JP" altLang="en-US" dirty="0">
+                <a:solidFill>
+                  <a:srgbClr val="FF0000"/>
+                </a:solidFill>
+              </a:endParaRPr>
             </a:p>
           </p:txBody>
         </p:sp>
+        <p:sp>
+          <p:nvSpPr>
+            <p:cNvPr id="7" name="正方形/長方形 6"/>
+            <p:cNvSpPr/>
+            <p:nvPr/>
+          </p:nvSpPr>
+          <p:spPr>
+            <a:xfrm>
+              <a:off x="2785979" y="3930315"/>
+              <a:ext cx="2045368" cy="2312737"/>
+            </a:xfrm>
+            <a:prstGeom prst="rect">
+              <a:avLst/>
+            </a:prstGeom>
+            <a:solidFill>
+              <a:schemeClr val="bg1"/>
+            </a:solidFill>
+            <a:ln w="25400">
+              <a:solidFill>
+                <a:schemeClr val="tx1"/>
+              </a:solidFill>
+            </a:ln>
+            <a:effectLst/>
+          </p:spPr>
+          <p:style>
+            <a:lnRef idx="1">
+              <a:schemeClr val="accent1"/>
+            </a:lnRef>
+            <a:fillRef idx="3">
+              <a:schemeClr val="accent1"/>
+            </a:fillRef>
+            <a:effectRef idx="2">
+              <a:schemeClr val="accent1"/>
+            </a:effectRef>
+            <a:fontRef idx="minor">
+              <a:schemeClr val="lt1"/>
+            </a:fontRef>
+          </p:style>
+          <p:txBody>
+            <a:bodyPr rtlCol="0" anchor="ctr"/>
+            <a:lstStyle/>
+            <a:p>
+              <a:pPr algn="ctr"/>
+              <a:r>
+                <a:rPr kumimoji="1" lang="ja-JP" altLang="en-US" dirty="0" smtClean="0">
+                  <a:solidFill>
+                    <a:srgbClr val="FF0000"/>
+                  </a:solidFill>
+                </a:rPr>
+                <a:t>グラフ</a:t>
+              </a:r>
+              <a:endParaRPr kumimoji="1" lang="ja-JP" altLang="en-US" dirty="0">
+                <a:solidFill>
+                  <a:srgbClr val="FF0000"/>
+                </a:solidFill>
+              </a:endParaRPr>
+            </a:p>
+          </p:txBody>
+        </p:sp>
+        <p:sp>
+          <p:nvSpPr>
+            <p:cNvPr id="8" name="正方形/長方形 7"/>
+            <p:cNvSpPr/>
+            <p:nvPr/>
+          </p:nvSpPr>
+          <p:spPr>
+            <a:xfrm>
+              <a:off x="4978399" y="1430421"/>
+              <a:ext cx="3564021" cy="2312737"/>
+            </a:xfrm>
+            <a:prstGeom prst="rect">
+              <a:avLst/>
+            </a:prstGeom>
+            <a:solidFill>
+              <a:schemeClr val="bg1"/>
+            </a:solidFill>
+            <a:ln w="25400">
+              <a:solidFill>
+                <a:schemeClr val="tx1"/>
+              </a:solidFill>
+            </a:ln>
+            <a:effectLst/>
+          </p:spPr>
+          <p:style>
+            <a:lnRef idx="1">
+              <a:schemeClr val="accent1"/>
+            </a:lnRef>
+            <a:fillRef idx="3">
+              <a:schemeClr val="accent1"/>
+            </a:fillRef>
+            <a:effectRef idx="2">
+              <a:schemeClr val="accent1"/>
+            </a:effectRef>
+            <a:fontRef idx="minor">
+              <a:schemeClr val="lt1"/>
+            </a:fontRef>
+          </p:style>
+          <p:txBody>
+            <a:bodyPr rtlCol="0" anchor="ctr"/>
+            <a:lstStyle/>
+            <a:p>
+              <a:pPr algn="ctr"/>
+              <a:r>
+                <a:rPr kumimoji="1" lang="ja-JP" altLang="en-US" dirty="0" smtClean="0">
+                  <a:solidFill>
+                    <a:srgbClr val="FF0000"/>
+                  </a:solidFill>
+                </a:rPr>
+                <a:t>ニュース</a:t>
+              </a:r>
+              <a:r>
+                <a:rPr lang="ja-JP" altLang="en-US" dirty="0" smtClean="0">
+                  <a:solidFill>
+                    <a:srgbClr val="FF0000"/>
+                  </a:solidFill>
+                </a:rPr>
+                <a:t>（日経）</a:t>
+              </a:r>
+              <a:endParaRPr kumimoji="1" lang="ja-JP" altLang="en-US" dirty="0">
+                <a:solidFill>
+                  <a:srgbClr val="FF0000"/>
+                </a:solidFill>
+              </a:endParaRPr>
+            </a:p>
+          </p:txBody>
+        </p:sp>
+        <p:sp>
+          <p:nvSpPr>
+            <p:cNvPr id="9" name="正方形/長方形 8"/>
+            <p:cNvSpPr/>
+            <p:nvPr/>
+          </p:nvSpPr>
+          <p:spPr>
+            <a:xfrm>
+              <a:off x="4978399" y="3930315"/>
+              <a:ext cx="3564021" cy="2312737"/>
+            </a:xfrm>
+            <a:prstGeom prst="rect">
+              <a:avLst/>
+            </a:prstGeom>
+            <a:solidFill>
+              <a:schemeClr val="bg1"/>
+            </a:solidFill>
+            <a:ln w="25400">
+              <a:solidFill>
+                <a:schemeClr val="tx1"/>
+              </a:solidFill>
+            </a:ln>
+            <a:effectLst/>
+          </p:spPr>
+          <p:style>
+            <a:lnRef idx="1">
+              <a:schemeClr val="accent1"/>
+            </a:lnRef>
+            <a:fillRef idx="3">
+              <a:schemeClr val="accent1"/>
+            </a:fillRef>
+            <a:effectRef idx="2">
+              <a:schemeClr val="accent1"/>
+            </a:effectRef>
+            <a:fontRef idx="minor">
+              <a:schemeClr val="lt1"/>
+            </a:fontRef>
+          </p:style>
+          <p:txBody>
+            <a:bodyPr rtlCol="0" anchor="ctr"/>
+            <a:lstStyle/>
+            <a:p>
+              <a:pPr algn="ctr"/>
+              <a:r>
+                <a:rPr kumimoji="1" lang="ja-JP" altLang="en-US" dirty="0" smtClean="0">
+                  <a:solidFill>
+                    <a:srgbClr val="FF0000"/>
+                  </a:solidFill>
+                </a:rPr>
+                <a:t>ニュース（</a:t>
+              </a:r>
+              <a:r>
+                <a:rPr kumimoji="1" lang="en-US" altLang="ja-JP" dirty="0" smtClean="0">
+                  <a:solidFill>
+                    <a:srgbClr val="FF0000"/>
+                  </a:solidFill>
+                </a:rPr>
+                <a:t>Twitter</a:t>
+              </a:r>
+              <a:r>
+                <a:rPr kumimoji="1" lang="ja-JP" altLang="en-US" dirty="0" smtClean="0">
+                  <a:solidFill>
+                    <a:srgbClr val="FF0000"/>
+                  </a:solidFill>
+                </a:rPr>
+                <a:t>）</a:t>
+              </a:r>
+              <a:endParaRPr kumimoji="1" lang="ja-JP" altLang="en-US" dirty="0">
+                <a:solidFill>
+                  <a:srgbClr val="FF0000"/>
+                </a:solidFill>
+              </a:endParaRPr>
+            </a:p>
+          </p:txBody>
+        </p:sp>
+        <p:grpSp>
+          <p:nvGrpSpPr>
+            <p:cNvPr id="12" name="図形グループ 11"/>
+            <p:cNvGrpSpPr/>
+            <p:nvPr/>
+          </p:nvGrpSpPr>
+          <p:grpSpPr>
+            <a:xfrm>
+              <a:off x="8271041" y="1561431"/>
+              <a:ext cx="137695" cy="2048043"/>
+              <a:chOff x="8271041" y="1561431"/>
+              <a:chExt cx="137695" cy="2048043"/>
+            </a:xfrm>
+          </p:grpSpPr>
+          <p:sp>
+            <p:nvSpPr>
+              <p:cNvPr id="10" name="正方形/長方形 9"/>
+              <p:cNvSpPr/>
+              <p:nvPr/>
+            </p:nvSpPr>
+            <p:spPr>
+              <a:xfrm>
+                <a:off x="8271041" y="1561431"/>
+                <a:ext cx="137695" cy="2048043"/>
+              </a:xfrm>
+              <a:prstGeom prst="rect">
+                <a:avLst/>
+              </a:prstGeom>
+              <a:solidFill>
+                <a:schemeClr val="bg1"/>
+              </a:solidFill>
+              <a:ln w="25400">
+                <a:solidFill>
+                  <a:schemeClr val="tx1"/>
+                </a:solidFill>
+              </a:ln>
+              <a:effectLst/>
+            </p:spPr>
+            <p:style>
+              <a:lnRef idx="1">
+                <a:schemeClr val="accent1"/>
+              </a:lnRef>
+              <a:fillRef idx="3">
+                <a:schemeClr val="accent1"/>
+              </a:fillRef>
+              <a:effectRef idx="2">
+                <a:schemeClr val="accent1"/>
+              </a:effectRef>
+              <a:fontRef idx="minor">
+                <a:schemeClr val="lt1"/>
+              </a:fontRef>
+            </p:style>
+            <p:txBody>
+              <a:bodyPr rtlCol="0" anchor="ctr"/>
+              <a:lstStyle/>
+              <a:p>
+                <a:pPr algn="ctr"/>
+                <a:endParaRPr kumimoji="1" lang="ja-JP" altLang="en-US" dirty="0">
+                  <a:solidFill>
+                    <a:srgbClr val="FF0000"/>
+                  </a:solidFill>
+                </a:endParaRPr>
+              </a:p>
+            </p:txBody>
+          </p:sp>
+          <p:sp>
+            <p:nvSpPr>
+              <p:cNvPr id="11" name="角丸四角形 10"/>
+              <p:cNvSpPr/>
+              <p:nvPr/>
+            </p:nvSpPr>
+            <p:spPr>
+              <a:xfrm>
+                <a:off x="8297775" y="1684422"/>
+                <a:ext cx="85559" cy="294105"/>
+              </a:xfrm>
+              <a:prstGeom prst="roundRect">
+                <a:avLst/>
+              </a:prstGeom>
+              <a:solidFill>
+                <a:srgbClr val="0000FF"/>
+              </a:solidFill>
+              <a:ln>
+                <a:noFill/>
+              </a:ln>
+              <a:effectLst/>
+            </p:spPr>
+            <p:style>
+              <a:lnRef idx="1">
+                <a:schemeClr val="accent1"/>
+              </a:lnRef>
+              <a:fillRef idx="3">
+                <a:schemeClr val="accent1"/>
+              </a:fillRef>
+              <a:effectRef idx="2">
+                <a:schemeClr val="accent1"/>
+              </a:effectRef>
+              <a:fontRef idx="minor">
+                <a:schemeClr val="lt1"/>
+              </a:fontRef>
+            </p:style>
+            <p:txBody>
+              <a:bodyPr rot="0" spcFirstLastPara="0" vertOverflow="overflow" horzOverflow="overflow" vert="horz" wrap="square" lIns="91440" tIns="45720" rIns="91440" bIns="45720" numCol="1" spcCol="0" rtlCol="0" fromWordArt="0" anchor="ctr" anchorCtr="0" forceAA="0" compatLnSpc="1">
+                <a:prstTxWarp prst="textNoShape">
+                  <a:avLst/>
+                </a:prstTxWarp>
+                <a:noAutofit/>
+              </a:bodyPr>
+              <a:lstStyle/>
+              <a:p>
+                <a:pPr algn="ctr"/>
+                <a:endParaRPr kumimoji="1" lang="ja-JP" altLang="en-US"/>
+              </a:p>
+            </p:txBody>
+          </p:sp>
+        </p:grpSp>
+        <p:grpSp>
+          <p:nvGrpSpPr>
+            <p:cNvPr id="13" name="図形グループ 12"/>
+            <p:cNvGrpSpPr/>
+            <p:nvPr/>
+          </p:nvGrpSpPr>
+          <p:grpSpPr>
+            <a:xfrm>
+              <a:off x="8280392" y="4066673"/>
+              <a:ext cx="137695" cy="2048043"/>
+              <a:chOff x="8271041" y="1561431"/>
+              <a:chExt cx="137695" cy="2048043"/>
+            </a:xfrm>
+          </p:grpSpPr>
+          <p:sp>
+            <p:nvSpPr>
+              <p:cNvPr id="14" name="正方形/長方形 13"/>
+              <p:cNvSpPr/>
+              <p:nvPr/>
+            </p:nvSpPr>
+            <p:spPr>
+              <a:xfrm>
+                <a:off x="8271041" y="1561431"/>
+                <a:ext cx="137695" cy="2048043"/>
+              </a:xfrm>
+              <a:prstGeom prst="rect">
+                <a:avLst/>
+              </a:prstGeom>
+              <a:solidFill>
+                <a:schemeClr val="bg1"/>
+              </a:solidFill>
+              <a:ln w="25400">
+                <a:solidFill>
+                  <a:schemeClr val="tx1"/>
+                </a:solidFill>
+              </a:ln>
+              <a:effectLst/>
+            </p:spPr>
+            <p:style>
+              <a:lnRef idx="1">
+                <a:schemeClr val="accent1"/>
+              </a:lnRef>
+              <a:fillRef idx="3">
+                <a:schemeClr val="accent1"/>
+              </a:fillRef>
+              <a:effectRef idx="2">
+                <a:schemeClr val="accent1"/>
+              </a:effectRef>
+              <a:fontRef idx="minor">
+                <a:schemeClr val="lt1"/>
+              </a:fontRef>
+            </p:style>
+            <p:txBody>
+              <a:bodyPr rtlCol="0" anchor="ctr"/>
+              <a:lstStyle/>
+              <a:p>
+                <a:pPr algn="ctr"/>
+                <a:endParaRPr kumimoji="1" lang="ja-JP" altLang="en-US" dirty="0">
+                  <a:solidFill>
+                    <a:srgbClr val="FF0000"/>
+                  </a:solidFill>
+                </a:endParaRPr>
+              </a:p>
+            </p:txBody>
+          </p:sp>
+          <p:sp>
+            <p:nvSpPr>
+              <p:cNvPr id="15" name="角丸四角形 14"/>
+              <p:cNvSpPr/>
+              <p:nvPr/>
+            </p:nvSpPr>
+            <p:spPr>
+              <a:xfrm>
+                <a:off x="8297775" y="1684422"/>
+                <a:ext cx="85559" cy="294105"/>
+              </a:xfrm>
+              <a:prstGeom prst="roundRect">
+                <a:avLst/>
+              </a:prstGeom>
+              <a:solidFill>
+                <a:srgbClr val="0000FF"/>
+              </a:solidFill>
+              <a:ln>
+                <a:noFill/>
+              </a:ln>
+              <a:effectLst/>
+            </p:spPr>
+            <p:style>
+              <a:lnRef idx="1">
+                <a:schemeClr val="accent1"/>
+              </a:lnRef>
+              <a:fillRef idx="3">
+                <a:schemeClr val="accent1"/>
+              </a:fillRef>
+              <a:effectRef idx="2">
+                <a:schemeClr val="accent1"/>
+              </a:effectRef>
+              <a:fontRef idx="minor">
+                <a:schemeClr val="lt1"/>
+              </a:fontRef>
+            </p:style>
+            <p:txBody>
+              <a:bodyPr rot="0" spcFirstLastPara="0" vertOverflow="overflow" horzOverflow="overflow" vert="horz" wrap="square" lIns="91440" tIns="45720" rIns="91440" bIns="45720" numCol="1" spcCol="0" rtlCol="0" fromWordArt="0" anchor="ctr" anchorCtr="0" forceAA="0" compatLnSpc="1">
+                <a:prstTxWarp prst="textNoShape">
+                  <a:avLst/>
+                </a:prstTxWarp>
+                <a:noAutofit/>
+              </a:bodyPr>
+              <a:lstStyle/>
+              <a:p>
+                <a:pPr algn="ctr"/>
+                <a:endParaRPr kumimoji="1" lang="ja-JP" altLang="en-US"/>
+              </a:p>
+            </p:txBody>
+          </p:sp>
+        </p:grpSp>
+        <p:graphicFrame>
+          <p:nvGraphicFramePr>
+            <p:cNvPr id="16" name="グラフ 15"/>
+            <p:cNvGraphicFramePr/>
+            <p:nvPr>
+              <p:extLst>
+                <p:ext uri="{D42A27DB-BD31-4B8C-83A1-F6EECF244321}">
+                  <p14:modId xmlns:p14="http://schemas.microsoft.com/office/powerpoint/2010/main" val="1761882966"/>
+                </p:ext>
+              </p:extLst>
+            </p:nvPr>
+          </p:nvGraphicFramePr>
+          <p:xfrm>
+            <a:off x="593558" y="1561430"/>
+            <a:ext cx="2040021" cy="2048043"/>
+          </p:xfrm>
+          <a:graphic>
+            <a:graphicData uri="http://schemas.openxmlformats.org/drawingml/2006/chart">
+              <c:chart xmlns:c="http://schemas.openxmlformats.org/drawingml/2006/chart" xmlns:r="http://schemas.openxmlformats.org/officeDocument/2006/relationships" r:id="rId2"/>
+            </a:graphicData>
+          </a:graphic>
+        </p:graphicFrame>
       </p:grpSp>
-      <p:graphicFrame>
-        <p:nvGraphicFramePr>
-          <p:cNvPr id="16" name="グラフ 15"/>
-          <p:cNvGraphicFramePr/>
-          <p:nvPr>
-            <p:extLst>
-              <p:ext uri="{D42A27DB-BD31-4B8C-83A1-F6EECF244321}">
-                <p14:modId xmlns:p14="http://schemas.microsoft.com/office/powerpoint/2010/main" val="888024695"/>
-              </p:ext>
-            </p:extLst>
-          </p:nvPr>
-        </p:nvGraphicFramePr>
-        <p:xfrm>
-          <a:off x="593558" y="1561430"/>
-          <a:ext cx="2040021" cy="2048043"/>
-        </p:xfrm>
-        <a:graphic>
-          <a:graphicData uri="http://schemas.openxmlformats.org/drawingml/2006/chart">
-            <c:chart xmlns:c="http://schemas.openxmlformats.org/drawingml/2006/chart" xmlns:r="http://schemas.openxmlformats.org/officeDocument/2006/relationships" r:id="rId2"/>
-          </a:graphicData>
-        </a:graphic>
-      </p:graphicFrame>
     </p:spTree>
     <p:extLst>
       <p:ext uri="{BB962C8B-B14F-4D97-AF65-F5344CB8AC3E}">

--- a/regulus/interface/ui.pptx
+++ b/regulus/interface/ui.pptx
@@ -199,11 +199,11 @@
         </c:dLbls>
         <c:marker val="1"/>
         <c:smooth val="0"/>
-        <c:axId val="1574600"/>
-        <c:axId val="1577592"/>
+        <c:axId val="545832120"/>
+        <c:axId val="545834680"/>
       </c:lineChart>
       <c:catAx>
-        <c:axId val="1574600"/>
+        <c:axId val="545832120"/>
         <c:scaling>
           <c:orientation val="minMax"/>
         </c:scaling>
@@ -212,7 +212,7 @@
         <c:majorTickMark val="out"/>
         <c:minorTickMark val="none"/>
         <c:tickLblPos val="nextTo"/>
-        <c:crossAx val="1577592"/>
+        <c:crossAx val="545834680"/>
         <c:crosses val="autoZero"/>
         <c:auto val="1"/>
         <c:lblAlgn val="ctr"/>
@@ -220,7 +220,7 @@
         <c:noMultiLvlLbl val="0"/>
       </c:catAx>
       <c:valAx>
-        <c:axId val="1577592"/>
+        <c:axId val="545834680"/>
         <c:scaling>
           <c:orientation val="minMax"/>
         </c:scaling>
@@ -231,7 +231,7 @@
         <c:majorTickMark val="out"/>
         <c:minorTickMark val="none"/>
         <c:tickLblPos val="nextTo"/>
-        <c:crossAx val="1574600"/>
+        <c:crossAx val="545832120"/>
         <c:crosses val="autoZero"/>
         <c:crossBetween val="between"/>
       </c:valAx>
@@ -437,7 +437,7 @@
           <a:p>
             <a:fld id="{B56DC137-3F13-8D43-AA57-5640E0D90177}" type="datetimeFigureOut">
               <a:rPr kumimoji="1" lang="ja-JP" altLang="en-US" smtClean="0"/>
-              <a:t>15/03/07</a:t>
+              <a:t>15/09/06</a:t>
             </a:fld>
             <a:endParaRPr kumimoji="1" lang="ja-JP" altLang="en-US"/>
           </a:p>
@@ -639,7 +639,7 @@
           <a:p>
             <a:fld id="{B56DC137-3F13-8D43-AA57-5640E0D90177}" type="datetimeFigureOut">
               <a:rPr kumimoji="1" lang="ja-JP" altLang="en-US" smtClean="0"/>
-              <a:t>15/03/07</a:t>
+              <a:t>15/09/06</a:t>
             </a:fld>
             <a:endParaRPr kumimoji="1" lang="ja-JP" altLang="en-US"/>
           </a:p>
@@ -851,7 +851,7 @@
           <a:p>
             <a:fld id="{B56DC137-3F13-8D43-AA57-5640E0D90177}" type="datetimeFigureOut">
               <a:rPr kumimoji="1" lang="ja-JP" altLang="en-US" smtClean="0"/>
-              <a:t>15/03/07</a:t>
+              <a:t>15/09/06</a:t>
             </a:fld>
             <a:endParaRPr kumimoji="1" lang="ja-JP" altLang="en-US"/>
           </a:p>
@@ -1053,7 +1053,7 @@
           <a:p>
             <a:fld id="{B56DC137-3F13-8D43-AA57-5640E0D90177}" type="datetimeFigureOut">
               <a:rPr kumimoji="1" lang="ja-JP" altLang="en-US" smtClean="0"/>
-              <a:t>15/03/07</a:t>
+              <a:t>15/09/06</a:t>
             </a:fld>
             <a:endParaRPr kumimoji="1" lang="ja-JP" altLang="en-US"/>
           </a:p>
@@ -1299,7 +1299,7 @@
           <a:p>
             <a:fld id="{B56DC137-3F13-8D43-AA57-5640E0D90177}" type="datetimeFigureOut">
               <a:rPr kumimoji="1" lang="ja-JP" altLang="en-US" smtClean="0"/>
-              <a:t>15/03/07</a:t>
+              <a:t>15/09/06</a:t>
             </a:fld>
             <a:endParaRPr kumimoji="1" lang="ja-JP" altLang="en-US"/>
           </a:p>
@@ -1651,7 +1651,7 @@
           <a:p>
             <a:fld id="{B56DC137-3F13-8D43-AA57-5640E0D90177}" type="datetimeFigureOut">
               <a:rPr kumimoji="1" lang="ja-JP" altLang="en-US" smtClean="0"/>
-              <a:t>15/03/07</a:t>
+              <a:t>15/09/06</a:t>
             </a:fld>
             <a:endParaRPr kumimoji="1" lang="ja-JP" altLang="en-US"/>
           </a:p>
@@ -2137,7 +2137,7 @@
           <a:p>
             <a:fld id="{B56DC137-3F13-8D43-AA57-5640E0D90177}" type="datetimeFigureOut">
               <a:rPr kumimoji="1" lang="ja-JP" altLang="en-US" smtClean="0"/>
-              <a:t>15/03/07</a:t>
+              <a:t>15/09/06</a:t>
             </a:fld>
             <a:endParaRPr kumimoji="1" lang="ja-JP" altLang="en-US"/>
           </a:p>
@@ -2255,7 +2255,7 @@
           <a:p>
             <a:fld id="{B56DC137-3F13-8D43-AA57-5640E0D90177}" type="datetimeFigureOut">
               <a:rPr kumimoji="1" lang="ja-JP" altLang="en-US" smtClean="0"/>
-              <a:t>15/03/07</a:t>
+              <a:t>15/09/06</a:t>
             </a:fld>
             <a:endParaRPr kumimoji="1" lang="ja-JP" altLang="en-US"/>
           </a:p>
@@ -2350,7 +2350,7 @@
           <a:p>
             <a:fld id="{B56DC137-3F13-8D43-AA57-5640E0D90177}" type="datetimeFigureOut">
               <a:rPr kumimoji="1" lang="ja-JP" altLang="en-US" smtClean="0"/>
-              <a:t>15/03/07</a:t>
+              <a:t>15/09/06</a:t>
             </a:fld>
             <a:endParaRPr kumimoji="1" lang="ja-JP" altLang="en-US"/>
           </a:p>
@@ -2659,7 +2659,7 @@
           <a:p>
             <a:fld id="{B56DC137-3F13-8D43-AA57-5640E0D90177}" type="datetimeFigureOut">
               <a:rPr kumimoji="1" lang="ja-JP" altLang="en-US" smtClean="0"/>
-              <a:t>15/03/07</a:t>
+              <a:t>15/09/06</a:t>
             </a:fld>
             <a:endParaRPr kumimoji="1" lang="ja-JP" altLang="en-US"/>
           </a:p>
@@ -2912,7 +2912,7 @@
           <a:p>
             <a:fld id="{B56DC137-3F13-8D43-AA57-5640E0D90177}" type="datetimeFigureOut">
               <a:rPr kumimoji="1" lang="ja-JP" altLang="en-US" smtClean="0"/>
-              <a:t>15/03/07</a:t>
+              <a:t>15/09/06</a:t>
             </a:fld>
             <a:endParaRPr kumimoji="1" lang="ja-JP" altLang="en-US"/>
           </a:p>
@@ -3157,7 +3157,7 @@
           <a:p>
             <a:fld id="{B56DC137-3F13-8D43-AA57-5640E0D90177}" type="datetimeFigureOut">
               <a:rPr kumimoji="1" lang="ja-JP" altLang="en-US" smtClean="0"/>
-              <a:t>15/03/07</a:t>
+              <a:t>15/09/06</a:t>
             </a:fld>
             <a:endParaRPr kumimoji="1" lang="ja-JP" altLang="en-US"/>
           </a:p>
@@ -3587,7 +3587,11 @@
             </a:r>
             <a:r>
               <a:rPr kumimoji="1" lang="en-US" altLang="ja-JP" dirty="0" smtClean="0"/>
-              <a:t>2015/02/22</a:t>
+              <a:t>2015/</a:t>
+            </a:r>
+            <a:r>
+              <a:rPr kumimoji="1" lang="en-US" altLang="ja-JP" dirty="0" smtClean="0"/>
+              <a:t>09/06</a:t>
             </a:r>
             <a:endParaRPr kumimoji="1" lang="ja-JP" altLang="en-US" dirty="0"/>
           </a:p>
@@ -4006,7 +4010,23 @@
                     <a:srgbClr val="FF0000"/>
                   </a:solidFill>
                 </a:rPr>
-                <a:t>（日経）</a:t>
+                <a:t>（</a:t>
+              </a:r>
+              <a:r>
+                <a:rPr lang="en-US" altLang="ja-JP" dirty="0" smtClean="0">
+                  <a:solidFill>
+                    <a:srgbClr val="FF0000"/>
+                  </a:solidFill>
+                </a:rPr>
+                <a:t>Twitter</a:t>
+              </a:r>
+              <a:r>
+                <a:rPr lang="ja-JP" altLang="en-US" dirty="0" smtClean="0">
+                  <a:solidFill>
+                    <a:srgbClr val="FF0000"/>
+                  </a:solidFill>
+                </a:rPr>
+                <a:t>）</a:t>
               </a:r>
               <a:endParaRPr kumimoji="1" lang="ja-JP" altLang="en-US" dirty="0">
                 <a:solidFill>
@@ -4065,15 +4085,31 @@
                     <a:srgbClr val="FF0000"/>
                   </a:solidFill>
                 </a:rPr>
-                <a:t>ニュース（</a:t>
+                <a:t>ニュース</a:t>
               </a:r>
               <a:r>
-                <a:rPr kumimoji="1" lang="en-US" altLang="ja-JP" dirty="0" smtClean="0">
+                <a:rPr kumimoji="1" lang="ja-JP" altLang="en-US" dirty="0" smtClean="0">
                   <a:solidFill>
                     <a:srgbClr val="FF0000"/>
                   </a:solidFill>
                 </a:rPr>
-                <a:t>Twitter</a:t>
+                <a:t>（</a:t>
+              </a:r>
+              <a:r>
+                <a:rPr lang="ja-JP" altLang="en-US" dirty="0" smtClean="0">
+                  <a:solidFill>
+                    <a:srgbClr val="FF0000"/>
+                  </a:solidFill>
+                </a:rPr>
+                <a:t>日経</a:t>
+              </a:r>
+              <a:r>
+                <a:rPr lang="en-US" altLang="ja-JP" dirty="0" smtClean="0">
+                  <a:solidFill>
+                    <a:srgbClr val="FF0000"/>
+                  </a:solidFill>
+                </a:rPr>
+                <a:t>RSS</a:t>
               </a:r>
               <a:r>
                 <a:rPr kumimoji="1" lang="ja-JP" altLang="en-US" dirty="0" smtClean="0">
@@ -4416,7 +4452,7 @@
         <p:spPr>
           <a:xfrm>
             <a:off x="457200" y="1205650"/>
-            <a:ext cx="7366119" cy="4093428"/>
+            <a:ext cx="7173759" cy="4031873"/>
           </a:xfrm>
           <a:prstGeom prst="rect">
             <a:avLst/>
@@ -4461,7 +4497,31 @@
             </a:pPr>
             <a:r>
               <a:rPr lang="ja-JP" altLang="en-US" sz="2400" dirty="0" smtClean="0"/>
-              <a:t>左側に折れ線グラフを４種類の通貨に対して表示する</a:t>
+              <a:t>左側</a:t>
+            </a:r>
+            <a:r>
+              <a:rPr lang="ja-JP" altLang="en-US" sz="2400" dirty="0" smtClean="0"/>
+              <a:t>に</a:t>
+            </a:r>
+            <a:r>
+              <a:rPr lang="ja-JP" altLang="en-US" sz="2400" dirty="0" smtClean="0"/>
+              <a:t>ローソク足</a:t>
+            </a:r>
+            <a:r>
+              <a:rPr lang="ja-JP" altLang="en-US" sz="2400" dirty="0" smtClean="0"/>
+              <a:t>を</a:t>
+            </a:r>
+            <a:r>
+              <a:rPr lang="ja-JP" altLang="en-US" sz="2400" dirty="0" smtClean="0"/>
+              <a:t>３</a:t>
+            </a:r>
+            <a:r>
+              <a:rPr lang="ja-JP" altLang="en-US" sz="2400" dirty="0" smtClean="0"/>
+              <a:t>種類</a:t>
+            </a:r>
+            <a:r>
+              <a:rPr lang="ja-JP" altLang="en-US" sz="2400" dirty="0" smtClean="0"/>
+              <a:t>の通貨に対して表示する</a:t>
             </a:r>
             <a:endParaRPr lang="en-US" altLang="ja-JP" sz="2400" dirty="0" smtClean="0"/>
           </a:p>
@@ -4479,7 +4539,23 @@
             </a:pPr>
             <a:r>
               <a:rPr lang="ja-JP" altLang="en-US" sz="2400" dirty="0" smtClean="0"/>
-              <a:t>右上に日経の価格変動に関する情報を表示する</a:t>
+              <a:t>右上</a:t>
+            </a:r>
+            <a:r>
+              <a:rPr lang="ja-JP" altLang="en-US" sz="2400" dirty="0" smtClean="0"/>
+              <a:t>に</a:t>
+            </a:r>
+            <a:r>
+              <a:rPr lang="en-US" altLang="ja-JP" sz="2400" dirty="0" smtClean="0"/>
+              <a:t>Twitter</a:t>
+            </a:r>
+            <a:r>
+              <a:rPr lang="ja-JP" altLang="en-US" sz="2400" dirty="0" smtClean="0"/>
+              <a:t>の</a:t>
+            </a:r>
+            <a:r>
+              <a:rPr lang="ja-JP" altLang="en-US" sz="2400" dirty="0" smtClean="0"/>
+              <a:t>価格変動に関する情報を表示する</a:t>
             </a:r>
             <a:endParaRPr lang="en-US" altLang="ja-JP" sz="2400" dirty="0" smtClean="0"/>
           </a:p>
@@ -4508,15 +4584,23 @@
             </a:pPr>
             <a:r>
               <a:rPr lang="ja-JP" altLang="en-US" sz="2400" dirty="0" smtClean="0"/>
-              <a:t>右下に</a:t>
-            </a:r>
-            <a:r>
-              <a:rPr lang="en-US" altLang="ja-JP" sz="2400" dirty="0" smtClean="0"/>
-              <a:t>Twitter</a:t>
+              <a:t>右下</a:t>
             </a:r>
             <a:r>
               <a:rPr lang="ja-JP" altLang="en-US" sz="2400" dirty="0" smtClean="0"/>
-              <a:t>の価格変動に関する情報を表示する</a:t>
+              <a:t>に</a:t>
+            </a:r>
+            <a:r>
+              <a:rPr lang="ja-JP" altLang="en-US" sz="2400" dirty="0" smtClean="0"/>
+              <a:t>日経</a:t>
+            </a:r>
+            <a:r>
+              <a:rPr lang="ja-JP" altLang="en-US" sz="2400" dirty="0" smtClean="0"/>
+              <a:t>の価格</a:t>
+            </a:r>
+            <a:r>
+              <a:rPr lang="ja-JP" altLang="en-US" sz="2400" dirty="0" smtClean="0"/>
+              <a:t>変動に関する情報を表示する</a:t>
             </a:r>
             <a:endParaRPr lang="en-US" altLang="ja-JP" sz="2400" dirty="0" smtClean="0"/>
           </a:p>

--- a/regulus/interface/ui.pptx
+++ b/regulus/interface/ui.pptx
@@ -7,7 +7,9 @@
   <p:sldIdLst>
     <p:sldId id="257" r:id="rId2"/>
     <p:sldId id="259" r:id="rId3"/>
-    <p:sldId id="260" r:id="rId4"/>
+    <p:sldId id="261" r:id="rId4"/>
+    <p:sldId id="262" r:id="rId5"/>
+    <p:sldId id="260" r:id="rId6"/>
   </p:sldIdLst>
   <p:sldSz cx="9144000" cy="6858000" type="screen4x3"/>
   <p:notesSz cx="6858000" cy="9144000"/>
@@ -199,11 +201,11 @@
         </c:dLbls>
         <c:marker val="1"/>
         <c:smooth val="0"/>
-        <c:axId val="545832120"/>
-        <c:axId val="545834680"/>
+        <c:axId val="514547432"/>
+        <c:axId val="514550152"/>
       </c:lineChart>
       <c:catAx>
-        <c:axId val="545832120"/>
+        <c:axId val="514547432"/>
         <c:scaling>
           <c:orientation val="minMax"/>
         </c:scaling>
@@ -212,7 +214,7 @@
         <c:majorTickMark val="out"/>
         <c:minorTickMark val="none"/>
         <c:tickLblPos val="nextTo"/>
-        <c:crossAx val="545834680"/>
+        <c:crossAx val="514550152"/>
         <c:crosses val="autoZero"/>
         <c:auto val="1"/>
         <c:lblAlgn val="ctr"/>
@@ -220,7 +222,7 @@
         <c:noMultiLvlLbl val="0"/>
       </c:catAx>
       <c:valAx>
-        <c:axId val="545834680"/>
+        <c:axId val="514550152"/>
         <c:scaling>
           <c:orientation val="minMax"/>
         </c:scaling>
@@ -231,7 +233,7 @@
         <c:majorTickMark val="out"/>
         <c:minorTickMark val="none"/>
         <c:tickLblPos val="nextTo"/>
-        <c:crossAx val="545832120"/>
+        <c:crossAx val="514547432"/>
         <c:crosses val="autoZero"/>
         <c:crossBetween val="between"/>
       </c:valAx>
@@ -437,7 +439,7 @@
           <a:p>
             <a:fld id="{B56DC137-3F13-8D43-AA57-5640E0D90177}" type="datetimeFigureOut">
               <a:rPr kumimoji="1" lang="ja-JP" altLang="en-US" smtClean="0"/>
-              <a:t>15/09/06</a:t>
+              <a:t>16/01/16</a:t>
             </a:fld>
             <a:endParaRPr kumimoji="1" lang="ja-JP" altLang="en-US"/>
           </a:p>
@@ -639,7 +641,7 @@
           <a:p>
             <a:fld id="{B56DC137-3F13-8D43-AA57-5640E0D90177}" type="datetimeFigureOut">
               <a:rPr kumimoji="1" lang="ja-JP" altLang="en-US" smtClean="0"/>
-              <a:t>15/09/06</a:t>
+              <a:t>16/01/16</a:t>
             </a:fld>
             <a:endParaRPr kumimoji="1" lang="ja-JP" altLang="en-US"/>
           </a:p>
@@ -851,7 +853,7 @@
           <a:p>
             <a:fld id="{B56DC137-3F13-8D43-AA57-5640E0D90177}" type="datetimeFigureOut">
               <a:rPr kumimoji="1" lang="ja-JP" altLang="en-US" smtClean="0"/>
-              <a:t>15/09/06</a:t>
+              <a:t>16/01/16</a:t>
             </a:fld>
             <a:endParaRPr kumimoji="1" lang="ja-JP" altLang="en-US"/>
           </a:p>
@@ -1053,7 +1055,7 @@
           <a:p>
             <a:fld id="{B56DC137-3F13-8D43-AA57-5640E0D90177}" type="datetimeFigureOut">
               <a:rPr kumimoji="1" lang="ja-JP" altLang="en-US" smtClean="0"/>
-              <a:t>15/09/06</a:t>
+              <a:t>16/01/16</a:t>
             </a:fld>
             <a:endParaRPr kumimoji="1" lang="ja-JP" altLang="en-US"/>
           </a:p>
@@ -1299,7 +1301,7 @@
           <a:p>
             <a:fld id="{B56DC137-3F13-8D43-AA57-5640E0D90177}" type="datetimeFigureOut">
               <a:rPr kumimoji="1" lang="ja-JP" altLang="en-US" smtClean="0"/>
-              <a:t>15/09/06</a:t>
+              <a:t>16/01/16</a:t>
             </a:fld>
             <a:endParaRPr kumimoji="1" lang="ja-JP" altLang="en-US"/>
           </a:p>
@@ -1651,7 +1653,7 @@
           <a:p>
             <a:fld id="{B56DC137-3F13-8D43-AA57-5640E0D90177}" type="datetimeFigureOut">
               <a:rPr kumimoji="1" lang="ja-JP" altLang="en-US" smtClean="0"/>
-              <a:t>15/09/06</a:t>
+              <a:t>16/01/16</a:t>
             </a:fld>
             <a:endParaRPr kumimoji="1" lang="ja-JP" altLang="en-US"/>
           </a:p>
@@ -2137,7 +2139,7 @@
           <a:p>
             <a:fld id="{B56DC137-3F13-8D43-AA57-5640E0D90177}" type="datetimeFigureOut">
               <a:rPr kumimoji="1" lang="ja-JP" altLang="en-US" smtClean="0"/>
-              <a:t>15/09/06</a:t>
+              <a:t>16/01/16</a:t>
             </a:fld>
             <a:endParaRPr kumimoji="1" lang="ja-JP" altLang="en-US"/>
           </a:p>
@@ -2255,7 +2257,7 @@
           <a:p>
             <a:fld id="{B56DC137-3F13-8D43-AA57-5640E0D90177}" type="datetimeFigureOut">
               <a:rPr kumimoji="1" lang="ja-JP" altLang="en-US" smtClean="0"/>
-              <a:t>15/09/06</a:t>
+              <a:t>16/01/16</a:t>
             </a:fld>
             <a:endParaRPr kumimoji="1" lang="ja-JP" altLang="en-US"/>
           </a:p>
@@ -2350,7 +2352,7 @@
           <a:p>
             <a:fld id="{B56DC137-3F13-8D43-AA57-5640E0D90177}" type="datetimeFigureOut">
               <a:rPr kumimoji="1" lang="ja-JP" altLang="en-US" smtClean="0"/>
-              <a:t>15/09/06</a:t>
+              <a:t>16/01/16</a:t>
             </a:fld>
             <a:endParaRPr kumimoji="1" lang="ja-JP" altLang="en-US"/>
           </a:p>
@@ -2659,7 +2661,7 @@
           <a:p>
             <a:fld id="{B56DC137-3F13-8D43-AA57-5640E0D90177}" type="datetimeFigureOut">
               <a:rPr kumimoji="1" lang="ja-JP" altLang="en-US" smtClean="0"/>
-              <a:t>15/09/06</a:t>
+              <a:t>16/01/16</a:t>
             </a:fld>
             <a:endParaRPr kumimoji="1" lang="ja-JP" altLang="en-US"/>
           </a:p>
@@ -2912,7 +2914,7 @@
           <a:p>
             <a:fld id="{B56DC137-3F13-8D43-AA57-5640E0D90177}" type="datetimeFigureOut">
               <a:rPr kumimoji="1" lang="ja-JP" altLang="en-US" smtClean="0"/>
-              <a:t>15/09/06</a:t>
+              <a:t>16/01/16</a:t>
             </a:fld>
             <a:endParaRPr kumimoji="1" lang="ja-JP" altLang="en-US"/>
           </a:p>
@@ -3157,7 +3159,7 @@
           <a:p>
             <a:fld id="{B56DC137-3F13-8D43-AA57-5640E0D90177}" type="datetimeFigureOut">
               <a:rPr kumimoji="1" lang="ja-JP" altLang="en-US" smtClean="0"/>
-              <a:t>15/09/06</a:t>
+              <a:t>16/01/16</a:t>
             </a:fld>
             <a:endParaRPr kumimoji="1" lang="ja-JP" altLang="en-US"/>
           </a:p>
@@ -3587,11 +3589,15 @@
             </a:r>
             <a:r>
               <a:rPr kumimoji="1" lang="en-US" altLang="ja-JP" dirty="0" smtClean="0"/>
-              <a:t>2015/</a:t>
+              <a:t>2016/01/</a:t>
+            </a:r>
+            <a:r>
+              <a:rPr lang="en-US" altLang="ja-JP" dirty="0"/>
+              <a:t>1</a:t>
             </a:r>
             <a:r>
               <a:rPr kumimoji="1" lang="en-US" altLang="ja-JP" dirty="0" smtClean="0"/>
-              <a:t>09/06</a:t>
+              <a:t>6</a:t>
             </a:r>
             <a:endParaRPr kumimoji="1" lang="ja-JP" altLang="en-US" dirty="0"/>
           </a:p>
@@ -3652,7 +3658,15 @@
             <a:pPr algn="l"/>
             <a:r>
               <a:rPr kumimoji="1" lang="ja-JP" altLang="en-US" dirty="0" smtClean="0"/>
-              <a:t>ブラウザ画面</a:t>
+              <a:t>ブラウザ</a:t>
+            </a:r>
+            <a:r>
+              <a:rPr kumimoji="1" lang="ja-JP" altLang="en-US" dirty="0" smtClean="0"/>
+              <a:t>画面</a:t>
+            </a:r>
+            <a:r>
+              <a:rPr kumimoji="1" lang="ja-JP" altLang="en-US" dirty="0" smtClean="0"/>
+              <a:t>（レート表示）</a:t>
             </a:r>
             <a:endParaRPr kumimoji="1" lang="ja-JP" altLang="en-US" dirty="0"/>
           </a:p>
@@ -3660,7 +3674,7 @@
       </p:sp>
       <p:grpSp>
         <p:nvGrpSpPr>
-          <p:cNvPr id="17" name="図形グループ 16"/>
+          <p:cNvPr id="29" name="図形グループ 28"/>
           <p:cNvGrpSpPr/>
           <p:nvPr/>
         </p:nvGrpSpPr>
@@ -3717,648 +3731,6 @@
             </a:p>
           </p:txBody>
         </p:sp>
-        <p:sp>
-          <p:nvSpPr>
-            <p:cNvPr id="4" name="正方形/長方形 3"/>
-            <p:cNvSpPr/>
-            <p:nvPr/>
-          </p:nvSpPr>
-          <p:spPr>
-            <a:xfrm>
-              <a:off x="588211" y="1430421"/>
-              <a:ext cx="2045368" cy="2312737"/>
-            </a:xfrm>
-            <a:prstGeom prst="rect">
-              <a:avLst/>
-            </a:prstGeom>
-            <a:solidFill>
-              <a:schemeClr val="bg1"/>
-            </a:solidFill>
-            <a:ln w="25400">
-              <a:solidFill>
-                <a:schemeClr val="tx1"/>
-              </a:solidFill>
-            </a:ln>
-            <a:effectLst/>
-          </p:spPr>
-          <p:style>
-            <a:lnRef idx="1">
-              <a:schemeClr val="accent1"/>
-            </a:lnRef>
-            <a:fillRef idx="3">
-              <a:schemeClr val="accent1"/>
-            </a:fillRef>
-            <a:effectRef idx="2">
-              <a:schemeClr val="accent1"/>
-            </a:effectRef>
-            <a:fontRef idx="minor">
-              <a:schemeClr val="lt1"/>
-            </a:fontRef>
-          </p:style>
-          <p:txBody>
-            <a:bodyPr rtlCol="0" anchor="ctr"/>
-            <a:lstStyle/>
-            <a:p>
-              <a:pPr algn="ctr"/>
-              <a:r>
-                <a:rPr kumimoji="1" lang="ja-JP" altLang="en-US" dirty="0" smtClean="0">
-                  <a:solidFill>
-                    <a:srgbClr val="FF0000"/>
-                  </a:solidFill>
-                </a:rPr>
-                <a:t>グラフ</a:t>
-              </a:r>
-              <a:endParaRPr kumimoji="1" lang="ja-JP" altLang="en-US" dirty="0">
-                <a:solidFill>
-                  <a:srgbClr val="FF0000"/>
-                </a:solidFill>
-              </a:endParaRPr>
-            </a:p>
-          </p:txBody>
-        </p:sp>
-        <p:sp>
-          <p:nvSpPr>
-            <p:cNvPr id="5" name="正方形/長方形 4"/>
-            <p:cNvSpPr/>
-            <p:nvPr/>
-          </p:nvSpPr>
-          <p:spPr>
-            <a:xfrm>
-              <a:off x="593558" y="3930315"/>
-              <a:ext cx="2045368" cy="2312737"/>
-            </a:xfrm>
-            <a:prstGeom prst="rect">
-              <a:avLst/>
-            </a:prstGeom>
-            <a:solidFill>
-              <a:schemeClr val="bg1"/>
-            </a:solidFill>
-            <a:ln w="25400">
-              <a:solidFill>
-                <a:schemeClr val="tx1"/>
-              </a:solidFill>
-            </a:ln>
-            <a:effectLst/>
-          </p:spPr>
-          <p:style>
-            <a:lnRef idx="1">
-              <a:schemeClr val="accent1"/>
-            </a:lnRef>
-            <a:fillRef idx="3">
-              <a:schemeClr val="accent1"/>
-            </a:fillRef>
-            <a:effectRef idx="2">
-              <a:schemeClr val="accent1"/>
-            </a:effectRef>
-            <a:fontRef idx="minor">
-              <a:schemeClr val="lt1"/>
-            </a:fontRef>
-          </p:style>
-          <p:txBody>
-            <a:bodyPr rtlCol="0" anchor="ctr"/>
-            <a:lstStyle/>
-            <a:p>
-              <a:pPr algn="ctr"/>
-              <a:r>
-                <a:rPr kumimoji="1" lang="ja-JP" altLang="en-US" dirty="0" smtClean="0">
-                  <a:solidFill>
-                    <a:srgbClr val="FF0000"/>
-                  </a:solidFill>
-                </a:rPr>
-                <a:t>グラフ</a:t>
-              </a:r>
-              <a:endParaRPr kumimoji="1" lang="en-US" altLang="ja-JP" dirty="0" smtClean="0">
-                <a:solidFill>
-                  <a:srgbClr val="FF0000"/>
-                </a:solidFill>
-              </a:endParaRPr>
-            </a:p>
-          </p:txBody>
-        </p:sp>
-        <p:sp>
-          <p:nvSpPr>
-            <p:cNvPr id="6" name="正方形/長方形 5"/>
-            <p:cNvSpPr/>
-            <p:nvPr/>
-          </p:nvSpPr>
-          <p:spPr>
-            <a:xfrm>
-              <a:off x="2785979" y="1430421"/>
-              <a:ext cx="2045368" cy="2312737"/>
-            </a:xfrm>
-            <a:prstGeom prst="rect">
-              <a:avLst/>
-            </a:prstGeom>
-            <a:solidFill>
-              <a:schemeClr val="bg1"/>
-            </a:solidFill>
-            <a:ln w="25400">
-              <a:solidFill>
-                <a:schemeClr val="tx1"/>
-              </a:solidFill>
-            </a:ln>
-            <a:effectLst/>
-          </p:spPr>
-          <p:style>
-            <a:lnRef idx="1">
-              <a:schemeClr val="accent1"/>
-            </a:lnRef>
-            <a:fillRef idx="3">
-              <a:schemeClr val="accent1"/>
-            </a:fillRef>
-            <a:effectRef idx="2">
-              <a:schemeClr val="accent1"/>
-            </a:effectRef>
-            <a:fontRef idx="minor">
-              <a:schemeClr val="lt1"/>
-            </a:fontRef>
-          </p:style>
-          <p:txBody>
-            <a:bodyPr rtlCol="0" anchor="ctr"/>
-            <a:lstStyle/>
-            <a:p>
-              <a:pPr algn="ctr"/>
-              <a:r>
-                <a:rPr kumimoji="1" lang="ja-JP" altLang="en-US" dirty="0" smtClean="0">
-                  <a:solidFill>
-                    <a:srgbClr val="FF0000"/>
-                  </a:solidFill>
-                </a:rPr>
-                <a:t>グラフ</a:t>
-              </a:r>
-              <a:endParaRPr kumimoji="1" lang="ja-JP" altLang="en-US" dirty="0">
-                <a:solidFill>
-                  <a:srgbClr val="FF0000"/>
-                </a:solidFill>
-              </a:endParaRPr>
-            </a:p>
-          </p:txBody>
-        </p:sp>
-        <p:sp>
-          <p:nvSpPr>
-            <p:cNvPr id="7" name="正方形/長方形 6"/>
-            <p:cNvSpPr/>
-            <p:nvPr/>
-          </p:nvSpPr>
-          <p:spPr>
-            <a:xfrm>
-              <a:off x="2785979" y="3930315"/>
-              <a:ext cx="2045368" cy="2312737"/>
-            </a:xfrm>
-            <a:prstGeom prst="rect">
-              <a:avLst/>
-            </a:prstGeom>
-            <a:solidFill>
-              <a:schemeClr val="bg1"/>
-            </a:solidFill>
-            <a:ln w="25400">
-              <a:solidFill>
-                <a:schemeClr val="tx1"/>
-              </a:solidFill>
-            </a:ln>
-            <a:effectLst/>
-          </p:spPr>
-          <p:style>
-            <a:lnRef idx="1">
-              <a:schemeClr val="accent1"/>
-            </a:lnRef>
-            <a:fillRef idx="3">
-              <a:schemeClr val="accent1"/>
-            </a:fillRef>
-            <a:effectRef idx="2">
-              <a:schemeClr val="accent1"/>
-            </a:effectRef>
-            <a:fontRef idx="minor">
-              <a:schemeClr val="lt1"/>
-            </a:fontRef>
-          </p:style>
-          <p:txBody>
-            <a:bodyPr rtlCol="0" anchor="ctr"/>
-            <a:lstStyle/>
-            <a:p>
-              <a:pPr algn="ctr"/>
-              <a:r>
-                <a:rPr kumimoji="1" lang="ja-JP" altLang="en-US" dirty="0" smtClean="0">
-                  <a:solidFill>
-                    <a:srgbClr val="FF0000"/>
-                  </a:solidFill>
-                </a:rPr>
-                <a:t>グラフ</a:t>
-              </a:r>
-              <a:endParaRPr kumimoji="1" lang="ja-JP" altLang="en-US" dirty="0">
-                <a:solidFill>
-                  <a:srgbClr val="FF0000"/>
-                </a:solidFill>
-              </a:endParaRPr>
-            </a:p>
-          </p:txBody>
-        </p:sp>
-        <p:sp>
-          <p:nvSpPr>
-            <p:cNvPr id="8" name="正方形/長方形 7"/>
-            <p:cNvSpPr/>
-            <p:nvPr/>
-          </p:nvSpPr>
-          <p:spPr>
-            <a:xfrm>
-              <a:off x="4978399" y="1430421"/>
-              <a:ext cx="3564021" cy="2312737"/>
-            </a:xfrm>
-            <a:prstGeom prst="rect">
-              <a:avLst/>
-            </a:prstGeom>
-            <a:solidFill>
-              <a:schemeClr val="bg1"/>
-            </a:solidFill>
-            <a:ln w="25400">
-              <a:solidFill>
-                <a:schemeClr val="tx1"/>
-              </a:solidFill>
-            </a:ln>
-            <a:effectLst/>
-          </p:spPr>
-          <p:style>
-            <a:lnRef idx="1">
-              <a:schemeClr val="accent1"/>
-            </a:lnRef>
-            <a:fillRef idx="3">
-              <a:schemeClr val="accent1"/>
-            </a:fillRef>
-            <a:effectRef idx="2">
-              <a:schemeClr val="accent1"/>
-            </a:effectRef>
-            <a:fontRef idx="minor">
-              <a:schemeClr val="lt1"/>
-            </a:fontRef>
-          </p:style>
-          <p:txBody>
-            <a:bodyPr rtlCol="0" anchor="ctr"/>
-            <a:lstStyle/>
-            <a:p>
-              <a:pPr algn="ctr"/>
-              <a:r>
-                <a:rPr kumimoji="1" lang="ja-JP" altLang="en-US" dirty="0" smtClean="0">
-                  <a:solidFill>
-                    <a:srgbClr val="FF0000"/>
-                  </a:solidFill>
-                </a:rPr>
-                <a:t>ニュース</a:t>
-              </a:r>
-              <a:r>
-                <a:rPr lang="ja-JP" altLang="en-US" dirty="0" smtClean="0">
-                  <a:solidFill>
-                    <a:srgbClr val="FF0000"/>
-                  </a:solidFill>
-                </a:rPr>
-                <a:t>（</a:t>
-              </a:r>
-              <a:r>
-                <a:rPr lang="en-US" altLang="ja-JP" dirty="0" smtClean="0">
-                  <a:solidFill>
-                    <a:srgbClr val="FF0000"/>
-                  </a:solidFill>
-                </a:rPr>
-                <a:t>Twitter</a:t>
-              </a:r>
-              <a:r>
-                <a:rPr lang="ja-JP" altLang="en-US" dirty="0" smtClean="0">
-                  <a:solidFill>
-                    <a:srgbClr val="FF0000"/>
-                  </a:solidFill>
-                </a:rPr>
-                <a:t>）</a:t>
-              </a:r>
-              <a:endParaRPr kumimoji="1" lang="ja-JP" altLang="en-US" dirty="0">
-                <a:solidFill>
-                  <a:srgbClr val="FF0000"/>
-                </a:solidFill>
-              </a:endParaRPr>
-            </a:p>
-          </p:txBody>
-        </p:sp>
-        <p:sp>
-          <p:nvSpPr>
-            <p:cNvPr id="9" name="正方形/長方形 8"/>
-            <p:cNvSpPr/>
-            <p:nvPr/>
-          </p:nvSpPr>
-          <p:spPr>
-            <a:xfrm>
-              <a:off x="4978399" y="3930315"/>
-              <a:ext cx="3564021" cy="2312737"/>
-            </a:xfrm>
-            <a:prstGeom prst="rect">
-              <a:avLst/>
-            </a:prstGeom>
-            <a:solidFill>
-              <a:schemeClr val="bg1"/>
-            </a:solidFill>
-            <a:ln w="25400">
-              <a:solidFill>
-                <a:schemeClr val="tx1"/>
-              </a:solidFill>
-            </a:ln>
-            <a:effectLst/>
-          </p:spPr>
-          <p:style>
-            <a:lnRef idx="1">
-              <a:schemeClr val="accent1"/>
-            </a:lnRef>
-            <a:fillRef idx="3">
-              <a:schemeClr val="accent1"/>
-            </a:fillRef>
-            <a:effectRef idx="2">
-              <a:schemeClr val="accent1"/>
-            </a:effectRef>
-            <a:fontRef idx="minor">
-              <a:schemeClr val="lt1"/>
-            </a:fontRef>
-          </p:style>
-          <p:txBody>
-            <a:bodyPr rtlCol="0" anchor="ctr"/>
-            <a:lstStyle/>
-            <a:p>
-              <a:pPr algn="ctr"/>
-              <a:r>
-                <a:rPr kumimoji="1" lang="ja-JP" altLang="en-US" dirty="0" smtClean="0">
-                  <a:solidFill>
-                    <a:srgbClr val="FF0000"/>
-                  </a:solidFill>
-                </a:rPr>
-                <a:t>ニュース</a:t>
-              </a:r>
-              <a:r>
-                <a:rPr kumimoji="1" lang="ja-JP" altLang="en-US" dirty="0" smtClean="0">
-                  <a:solidFill>
-                    <a:srgbClr val="FF0000"/>
-                  </a:solidFill>
-                </a:rPr>
-                <a:t>（</a:t>
-              </a:r>
-              <a:r>
-                <a:rPr lang="ja-JP" altLang="en-US" dirty="0" smtClean="0">
-                  <a:solidFill>
-                    <a:srgbClr val="FF0000"/>
-                  </a:solidFill>
-                </a:rPr>
-                <a:t>日経</a:t>
-              </a:r>
-              <a:r>
-                <a:rPr lang="en-US" altLang="ja-JP" dirty="0" smtClean="0">
-                  <a:solidFill>
-                    <a:srgbClr val="FF0000"/>
-                  </a:solidFill>
-                </a:rPr>
-                <a:t>RSS</a:t>
-              </a:r>
-              <a:r>
-                <a:rPr kumimoji="1" lang="ja-JP" altLang="en-US" dirty="0" smtClean="0">
-                  <a:solidFill>
-                    <a:srgbClr val="FF0000"/>
-                  </a:solidFill>
-                </a:rPr>
-                <a:t>）</a:t>
-              </a:r>
-              <a:endParaRPr kumimoji="1" lang="ja-JP" altLang="en-US" dirty="0">
-                <a:solidFill>
-                  <a:srgbClr val="FF0000"/>
-                </a:solidFill>
-              </a:endParaRPr>
-            </a:p>
-          </p:txBody>
-        </p:sp>
-        <p:grpSp>
-          <p:nvGrpSpPr>
-            <p:cNvPr id="12" name="図形グループ 11"/>
-            <p:cNvGrpSpPr/>
-            <p:nvPr/>
-          </p:nvGrpSpPr>
-          <p:grpSpPr>
-            <a:xfrm>
-              <a:off x="8271041" y="1561431"/>
-              <a:ext cx="137695" cy="2048043"/>
-              <a:chOff x="8271041" y="1561431"/>
-              <a:chExt cx="137695" cy="2048043"/>
-            </a:xfrm>
-          </p:grpSpPr>
-          <p:sp>
-            <p:nvSpPr>
-              <p:cNvPr id="10" name="正方形/長方形 9"/>
-              <p:cNvSpPr/>
-              <p:nvPr/>
-            </p:nvSpPr>
-            <p:spPr>
-              <a:xfrm>
-                <a:off x="8271041" y="1561431"/>
-                <a:ext cx="137695" cy="2048043"/>
-              </a:xfrm>
-              <a:prstGeom prst="rect">
-                <a:avLst/>
-              </a:prstGeom>
-              <a:solidFill>
-                <a:schemeClr val="bg1"/>
-              </a:solidFill>
-              <a:ln w="25400">
-                <a:solidFill>
-                  <a:schemeClr val="tx1"/>
-                </a:solidFill>
-              </a:ln>
-              <a:effectLst/>
-            </p:spPr>
-            <p:style>
-              <a:lnRef idx="1">
-                <a:schemeClr val="accent1"/>
-              </a:lnRef>
-              <a:fillRef idx="3">
-                <a:schemeClr val="accent1"/>
-              </a:fillRef>
-              <a:effectRef idx="2">
-                <a:schemeClr val="accent1"/>
-              </a:effectRef>
-              <a:fontRef idx="minor">
-                <a:schemeClr val="lt1"/>
-              </a:fontRef>
-            </p:style>
-            <p:txBody>
-              <a:bodyPr rtlCol="0" anchor="ctr"/>
-              <a:lstStyle/>
-              <a:p>
-                <a:pPr algn="ctr"/>
-                <a:endParaRPr kumimoji="1" lang="ja-JP" altLang="en-US" dirty="0">
-                  <a:solidFill>
-                    <a:srgbClr val="FF0000"/>
-                  </a:solidFill>
-                </a:endParaRPr>
-              </a:p>
-            </p:txBody>
-          </p:sp>
-          <p:sp>
-            <p:nvSpPr>
-              <p:cNvPr id="11" name="角丸四角形 10"/>
-              <p:cNvSpPr/>
-              <p:nvPr/>
-            </p:nvSpPr>
-            <p:spPr>
-              <a:xfrm>
-                <a:off x="8297775" y="1684422"/>
-                <a:ext cx="85559" cy="294105"/>
-              </a:xfrm>
-              <a:prstGeom prst="roundRect">
-                <a:avLst/>
-              </a:prstGeom>
-              <a:solidFill>
-                <a:srgbClr val="0000FF"/>
-              </a:solidFill>
-              <a:ln>
-                <a:noFill/>
-              </a:ln>
-              <a:effectLst/>
-            </p:spPr>
-            <p:style>
-              <a:lnRef idx="1">
-                <a:schemeClr val="accent1"/>
-              </a:lnRef>
-              <a:fillRef idx="3">
-                <a:schemeClr val="accent1"/>
-              </a:fillRef>
-              <a:effectRef idx="2">
-                <a:schemeClr val="accent1"/>
-              </a:effectRef>
-              <a:fontRef idx="minor">
-                <a:schemeClr val="lt1"/>
-              </a:fontRef>
-            </p:style>
-            <p:txBody>
-              <a:bodyPr rot="0" spcFirstLastPara="0" vertOverflow="overflow" horzOverflow="overflow" vert="horz" wrap="square" lIns="91440" tIns="45720" rIns="91440" bIns="45720" numCol="1" spcCol="0" rtlCol="0" fromWordArt="0" anchor="ctr" anchorCtr="0" forceAA="0" compatLnSpc="1">
-                <a:prstTxWarp prst="textNoShape">
-                  <a:avLst/>
-                </a:prstTxWarp>
-                <a:noAutofit/>
-              </a:bodyPr>
-              <a:lstStyle/>
-              <a:p>
-                <a:pPr algn="ctr"/>
-                <a:endParaRPr kumimoji="1" lang="ja-JP" altLang="en-US"/>
-              </a:p>
-            </p:txBody>
-          </p:sp>
-        </p:grpSp>
-        <p:grpSp>
-          <p:nvGrpSpPr>
-            <p:cNvPr id="13" name="図形グループ 12"/>
-            <p:cNvGrpSpPr/>
-            <p:nvPr/>
-          </p:nvGrpSpPr>
-          <p:grpSpPr>
-            <a:xfrm>
-              <a:off x="8280392" y="4066673"/>
-              <a:ext cx="137695" cy="2048043"/>
-              <a:chOff x="8271041" y="1561431"/>
-              <a:chExt cx="137695" cy="2048043"/>
-            </a:xfrm>
-          </p:grpSpPr>
-          <p:sp>
-            <p:nvSpPr>
-              <p:cNvPr id="14" name="正方形/長方形 13"/>
-              <p:cNvSpPr/>
-              <p:nvPr/>
-            </p:nvSpPr>
-            <p:spPr>
-              <a:xfrm>
-                <a:off x="8271041" y="1561431"/>
-                <a:ext cx="137695" cy="2048043"/>
-              </a:xfrm>
-              <a:prstGeom prst="rect">
-                <a:avLst/>
-              </a:prstGeom>
-              <a:solidFill>
-                <a:schemeClr val="bg1"/>
-              </a:solidFill>
-              <a:ln w="25400">
-                <a:solidFill>
-                  <a:schemeClr val="tx1"/>
-                </a:solidFill>
-              </a:ln>
-              <a:effectLst/>
-            </p:spPr>
-            <p:style>
-              <a:lnRef idx="1">
-                <a:schemeClr val="accent1"/>
-              </a:lnRef>
-              <a:fillRef idx="3">
-                <a:schemeClr val="accent1"/>
-              </a:fillRef>
-              <a:effectRef idx="2">
-                <a:schemeClr val="accent1"/>
-              </a:effectRef>
-              <a:fontRef idx="minor">
-                <a:schemeClr val="lt1"/>
-              </a:fontRef>
-            </p:style>
-            <p:txBody>
-              <a:bodyPr rtlCol="0" anchor="ctr"/>
-              <a:lstStyle/>
-              <a:p>
-                <a:pPr algn="ctr"/>
-                <a:endParaRPr kumimoji="1" lang="ja-JP" altLang="en-US" dirty="0">
-                  <a:solidFill>
-                    <a:srgbClr val="FF0000"/>
-                  </a:solidFill>
-                </a:endParaRPr>
-              </a:p>
-            </p:txBody>
-          </p:sp>
-          <p:sp>
-            <p:nvSpPr>
-              <p:cNvPr id="15" name="角丸四角形 14"/>
-              <p:cNvSpPr/>
-              <p:nvPr/>
-            </p:nvSpPr>
-            <p:spPr>
-              <a:xfrm>
-                <a:off x="8297775" y="1684422"/>
-                <a:ext cx="85559" cy="294105"/>
-              </a:xfrm>
-              <a:prstGeom prst="roundRect">
-                <a:avLst/>
-              </a:prstGeom>
-              <a:solidFill>
-                <a:srgbClr val="0000FF"/>
-              </a:solidFill>
-              <a:ln>
-                <a:noFill/>
-              </a:ln>
-              <a:effectLst/>
-            </p:spPr>
-            <p:style>
-              <a:lnRef idx="1">
-                <a:schemeClr val="accent1"/>
-              </a:lnRef>
-              <a:fillRef idx="3">
-                <a:schemeClr val="accent1"/>
-              </a:fillRef>
-              <a:effectRef idx="2">
-                <a:schemeClr val="accent1"/>
-              </a:effectRef>
-              <a:fontRef idx="minor">
-                <a:schemeClr val="lt1"/>
-              </a:fontRef>
-            </p:style>
-            <p:txBody>
-              <a:bodyPr rot="0" spcFirstLastPara="0" vertOverflow="overflow" horzOverflow="overflow" vert="horz" wrap="square" lIns="91440" tIns="45720" rIns="91440" bIns="45720" numCol="1" spcCol="0" rtlCol="0" fromWordArt="0" anchor="ctr" anchorCtr="0" forceAA="0" compatLnSpc="1">
-                <a:prstTxWarp prst="textNoShape">
-                  <a:avLst/>
-                </a:prstTxWarp>
-                <a:noAutofit/>
-              </a:bodyPr>
-              <a:lstStyle/>
-              <a:p>
-                <a:pPr algn="ctr"/>
-                <a:endParaRPr kumimoji="1" lang="ja-JP" altLang="en-US"/>
-              </a:p>
-            </p:txBody>
-          </p:sp>
-        </p:grpSp>
         <p:graphicFrame>
           <p:nvGraphicFramePr>
             <p:cNvPr id="16" name="グラフ 15"/>
@@ -4366,14 +3738,14 @@
             <p:nvPr>
               <p:extLst>
                 <p:ext uri="{D42A27DB-BD31-4B8C-83A1-F6EECF244321}">
-                  <p14:modId xmlns:p14="http://schemas.microsoft.com/office/powerpoint/2010/main" val="1761882966"/>
+                  <p14:modId xmlns:p14="http://schemas.microsoft.com/office/powerpoint/2010/main" val="3131844476"/>
                 </p:ext>
               </p:extLst>
             </p:nvPr>
           </p:nvGraphicFramePr>
           <p:xfrm>
-            <a:off x="593558" y="1561430"/>
-            <a:ext cx="2040021" cy="2048043"/>
+            <a:off x="593558" y="1834359"/>
+            <a:ext cx="7963507" cy="4451206"/>
           </p:xfrm>
           <a:graphic>
             <a:graphicData uri="http://schemas.openxmlformats.org/drawingml/2006/chart">
@@ -4381,6 +3753,280 @@
             </a:graphicData>
           </a:graphic>
         </p:graphicFrame>
+        <p:cxnSp>
+          <p:nvCxnSpPr>
+            <p:cNvPr id="19" name="直線コネクタ 18"/>
+            <p:cNvCxnSpPr/>
+            <p:nvPr/>
+          </p:nvCxnSpPr>
+          <p:spPr>
+            <a:xfrm>
+              <a:off x="593558" y="1770219"/>
+              <a:ext cx="7963507" cy="0"/>
+            </a:xfrm>
+            <a:prstGeom prst="line">
+              <a:avLst/>
+            </a:prstGeom>
+            <a:ln w="12700">
+              <a:solidFill>
+                <a:schemeClr val="bg1">
+                  <a:lumMod val="85000"/>
+                </a:schemeClr>
+              </a:solidFill>
+            </a:ln>
+            <a:effectLst/>
+          </p:spPr>
+          <p:style>
+            <a:lnRef idx="2">
+              <a:schemeClr val="accent1"/>
+            </a:lnRef>
+            <a:fillRef idx="0">
+              <a:schemeClr val="accent1"/>
+            </a:fillRef>
+            <a:effectRef idx="1">
+              <a:schemeClr val="accent1"/>
+            </a:effectRef>
+            <a:fontRef idx="minor">
+              <a:schemeClr val="tx1"/>
+            </a:fontRef>
+          </p:style>
+        </p:cxnSp>
+        <p:cxnSp>
+          <p:nvCxnSpPr>
+            <p:cNvPr id="21" name="直線コネクタ 20"/>
+            <p:cNvCxnSpPr/>
+            <p:nvPr/>
+          </p:nvCxnSpPr>
+          <p:spPr>
+            <a:xfrm flipV="1">
+              <a:off x="1717558" y="1373704"/>
+              <a:ext cx="0" cy="347880"/>
+            </a:xfrm>
+            <a:prstGeom prst="line">
+              <a:avLst/>
+            </a:prstGeom>
+            <a:ln w="12700">
+              <a:solidFill>
+                <a:schemeClr val="bg1">
+                  <a:lumMod val="85000"/>
+                </a:schemeClr>
+              </a:solidFill>
+            </a:ln>
+            <a:effectLst/>
+          </p:spPr>
+          <p:style>
+            <a:lnRef idx="2">
+              <a:schemeClr val="accent1"/>
+            </a:lnRef>
+            <a:fillRef idx="0">
+              <a:schemeClr val="accent1"/>
+            </a:fillRef>
+            <a:effectRef idx="1">
+              <a:schemeClr val="accent1"/>
+            </a:effectRef>
+            <a:fontRef idx="minor">
+              <a:schemeClr val="tx1"/>
+            </a:fontRef>
+          </p:style>
+        </p:cxnSp>
+        <p:cxnSp>
+          <p:nvCxnSpPr>
+            <p:cNvPr id="24" name="直線コネクタ 23"/>
+            <p:cNvCxnSpPr/>
+            <p:nvPr/>
+          </p:nvCxnSpPr>
+          <p:spPr>
+            <a:xfrm flipV="1">
+              <a:off x="2868891" y="1373704"/>
+              <a:ext cx="0" cy="347880"/>
+            </a:xfrm>
+            <a:prstGeom prst="line">
+              <a:avLst/>
+            </a:prstGeom>
+            <a:ln w="12700">
+              <a:solidFill>
+                <a:schemeClr val="bg1">
+                  <a:lumMod val="85000"/>
+                </a:schemeClr>
+              </a:solidFill>
+            </a:ln>
+            <a:effectLst/>
+          </p:spPr>
+          <p:style>
+            <a:lnRef idx="2">
+              <a:schemeClr val="accent1"/>
+            </a:lnRef>
+            <a:fillRef idx="0">
+              <a:schemeClr val="accent1"/>
+            </a:fillRef>
+            <a:effectRef idx="1">
+              <a:schemeClr val="accent1"/>
+            </a:effectRef>
+            <a:fontRef idx="minor">
+              <a:schemeClr val="tx1"/>
+            </a:fontRef>
+          </p:style>
+        </p:cxnSp>
+        <p:sp>
+          <p:nvSpPr>
+            <p:cNvPr id="25" name="テキスト ボックス 24"/>
+            <p:cNvSpPr txBox="1"/>
+            <p:nvPr/>
+          </p:nvSpPr>
+          <p:spPr>
+            <a:xfrm>
+              <a:off x="756922" y="1383030"/>
+              <a:ext cx="800219" cy="338554"/>
+            </a:xfrm>
+            <a:prstGeom prst="rect">
+              <a:avLst/>
+            </a:prstGeom>
+            <a:solidFill>
+              <a:schemeClr val="tx1"/>
+            </a:solidFill>
+          </p:spPr>
+          <p:txBody>
+            <a:bodyPr wrap="none" rtlCol="0">
+              <a:spAutoFit/>
+            </a:bodyPr>
+            <a:lstStyle/>
+            <a:p>
+              <a:r>
+                <a:rPr kumimoji="1" lang="ja-JP" altLang="en-US" sz="1600" dirty="0" smtClean="0">
+                  <a:solidFill>
+                    <a:schemeClr val="bg1"/>
+                  </a:solidFill>
+                  <a:latin typeface="メイリオ"/>
+                  <a:ea typeface="メイリオ"/>
+                  <a:cs typeface="メイリオ"/>
+                </a:rPr>
+                <a:t>レート</a:t>
+              </a:r>
+              <a:endParaRPr kumimoji="1" lang="ja-JP" altLang="en-US" sz="1600" dirty="0">
+                <a:solidFill>
+                  <a:schemeClr val="bg1"/>
+                </a:solidFill>
+                <a:latin typeface="メイリオ"/>
+                <a:ea typeface="メイリオ"/>
+                <a:cs typeface="メイリオ"/>
+              </a:endParaRPr>
+            </a:p>
+          </p:txBody>
+        </p:sp>
+        <p:sp>
+          <p:nvSpPr>
+            <p:cNvPr id="26" name="テキスト ボックス 25"/>
+            <p:cNvSpPr txBox="1"/>
+            <p:nvPr/>
+          </p:nvSpPr>
+          <p:spPr>
+            <a:xfrm>
+              <a:off x="1799343" y="1383030"/>
+              <a:ext cx="1005403" cy="338554"/>
+            </a:xfrm>
+            <a:prstGeom prst="rect">
+              <a:avLst/>
+            </a:prstGeom>
+            <a:noFill/>
+          </p:spPr>
+          <p:txBody>
+            <a:bodyPr wrap="none" rtlCol="0">
+              <a:spAutoFit/>
+            </a:bodyPr>
+            <a:lstStyle/>
+            <a:p>
+              <a:r>
+                <a:rPr lang="ja-JP" altLang="en-US" sz="1600" dirty="0" smtClean="0">
+                  <a:latin typeface="メイリオ"/>
+                  <a:ea typeface="メイリオ"/>
+                  <a:cs typeface="メイリオ"/>
+                </a:rPr>
+                <a:t>ツイート</a:t>
+              </a:r>
+              <a:endParaRPr kumimoji="1" lang="ja-JP" altLang="en-US" sz="1600" dirty="0">
+                <a:latin typeface="メイリオ"/>
+                <a:ea typeface="メイリオ"/>
+                <a:cs typeface="メイリオ"/>
+              </a:endParaRPr>
+            </a:p>
+          </p:txBody>
+        </p:sp>
+        <p:cxnSp>
+          <p:nvCxnSpPr>
+            <p:cNvPr id="27" name="直線コネクタ 26"/>
+            <p:cNvCxnSpPr/>
+            <p:nvPr/>
+          </p:nvCxnSpPr>
+          <p:spPr>
+            <a:xfrm flipV="1">
+              <a:off x="3611434" y="1397437"/>
+              <a:ext cx="0" cy="347880"/>
+            </a:xfrm>
+            <a:prstGeom prst="line">
+              <a:avLst/>
+            </a:prstGeom>
+            <a:ln w="12700">
+              <a:solidFill>
+                <a:schemeClr val="bg1">
+                  <a:lumMod val="85000"/>
+                </a:schemeClr>
+              </a:solidFill>
+            </a:ln>
+            <a:effectLst/>
+          </p:spPr>
+          <p:style>
+            <a:lnRef idx="2">
+              <a:schemeClr val="accent1"/>
+            </a:lnRef>
+            <a:fillRef idx="0">
+              <a:schemeClr val="accent1"/>
+            </a:fillRef>
+            <a:effectRef idx="1">
+              <a:schemeClr val="accent1"/>
+            </a:effectRef>
+            <a:fontRef idx="minor">
+              <a:schemeClr val="tx1"/>
+            </a:fontRef>
+          </p:style>
+        </p:cxnSp>
+        <p:sp>
+          <p:nvSpPr>
+            <p:cNvPr id="28" name="テキスト ボックス 27"/>
+            <p:cNvSpPr txBox="1"/>
+            <p:nvPr/>
+          </p:nvSpPr>
+          <p:spPr>
+            <a:xfrm>
+              <a:off x="2957146" y="1383030"/>
+              <a:ext cx="595035" cy="338554"/>
+            </a:xfrm>
+            <a:prstGeom prst="rect">
+              <a:avLst/>
+            </a:prstGeom>
+            <a:noFill/>
+          </p:spPr>
+          <p:txBody>
+            <a:bodyPr wrap="none" rtlCol="0">
+              <a:spAutoFit/>
+            </a:bodyPr>
+            <a:lstStyle/>
+            <a:p>
+              <a:r>
+                <a:rPr lang="ja-JP" altLang="en-US" sz="1600" dirty="0" smtClean="0">
+                  <a:latin typeface="メイリオ"/>
+                  <a:ea typeface="メイリオ"/>
+                  <a:cs typeface="メイリオ"/>
+                </a:rPr>
+                <a:t>記事</a:t>
+              </a:r>
+              <a:endParaRPr kumimoji="1" lang="ja-JP" altLang="en-US" sz="1600" dirty="0">
+                <a:latin typeface="メイリオ"/>
+                <a:ea typeface="メイリオ"/>
+                <a:cs typeface="メイリオ"/>
+              </a:endParaRPr>
+            </a:p>
+          </p:txBody>
+        </p:sp>
       </p:grpSp>
     </p:spTree>
     <p:extLst>
@@ -4437,6 +4083,1242 @@
             <a:pPr algn="l"/>
             <a:r>
               <a:rPr kumimoji="1" lang="ja-JP" altLang="en-US" dirty="0" smtClean="0"/>
+              <a:t>ブラウザ</a:t>
+            </a:r>
+            <a:r>
+              <a:rPr kumimoji="1" lang="ja-JP" altLang="en-US" dirty="0" smtClean="0"/>
+              <a:t>画面</a:t>
+            </a:r>
+            <a:r>
+              <a:rPr kumimoji="1" lang="ja-JP" altLang="en-US" dirty="0" smtClean="0"/>
+              <a:t>（ツイート表示）</a:t>
+            </a:r>
+            <a:endParaRPr kumimoji="1" lang="ja-JP" altLang="en-US" dirty="0"/>
+          </a:p>
+        </p:txBody>
+      </p:sp>
+      <p:grpSp>
+        <p:nvGrpSpPr>
+          <p:cNvPr id="34" name="図形グループ 33"/>
+          <p:cNvGrpSpPr/>
+          <p:nvPr/>
+        </p:nvGrpSpPr>
+        <p:grpSpPr>
+          <a:xfrm>
+            <a:off x="457200" y="1296736"/>
+            <a:ext cx="8229600" cy="5106737"/>
+            <a:chOff x="457200" y="1296736"/>
+            <a:chExt cx="8229600" cy="5106737"/>
+          </a:xfrm>
+        </p:grpSpPr>
+        <p:sp>
+          <p:nvSpPr>
+            <p:cNvPr id="19" name="正方形/長方形 18"/>
+            <p:cNvSpPr/>
+            <p:nvPr/>
+          </p:nvSpPr>
+          <p:spPr>
+            <a:xfrm>
+              <a:off x="457200" y="1296736"/>
+              <a:ext cx="8229600" cy="5106737"/>
+            </a:xfrm>
+            <a:prstGeom prst="rect">
+              <a:avLst/>
+            </a:prstGeom>
+            <a:noFill/>
+            <a:ln w="38100">
+              <a:solidFill>
+                <a:schemeClr val="tx1"/>
+              </a:solidFill>
+            </a:ln>
+            <a:effectLst/>
+          </p:spPr>
+          <p:style>
+            <a:lnRef idx="1">
+              <a:schemeClr val="accent1"/>
+            </a:lnRef>
+            <a:fillRef idx="3">
+              <a:schemeClr val="accent1"/>
+            </a:fillRef>
+            <a:effectRef idx="2">
+              <a:schemeClr val="accent1"/>
+            </a:effectRef>
+            <a:fontRef idx="minor">
+              <a:schemeClr val="lt1"/>
+            </a:fontRef>
+          </p:style>
+          <p:txBody>
+            <a:bodyPr rtlCol="0" anchor="ctr"/>
+            <a:lstStyle/>
+            <a:p>
+              <a:pPr algn="ctr"/>
+              <a:endParaRPr kumimoji="1" lang="ja-JP" altLang="en-US"/>
+            </a:p>
+          </p:txBody>
+        </p:sp>
+        <p:cxnSp>
+          <p:nvCxnSpPr>
+            <p:cNvPr id="21" name="直線コネクタ 20"/>
+            <p:cNvCxnSpPr/>
+            <p:nvPr/>
+          </p:nvCxnSpPr>
+          <p:spPr>
+            <a:xfrm>
+              <a:off x="593558" y="1770219"/>
+              <a:ext cx="7963507" cy="0"/>
+            </a:xfrm>
+            <a:prstGeom prst="line">
+              <a:avLst/>
+            </a:prstGeom>
+            <a:ln w="12700">
+              <a:solidFill>
+                <a:schemeClr val="bg1">
+                  <a:lumMod val="85000"/>
+                </a:schemeClr>
+              </a:solidFill>
+            </a:ln>
+            <a:effectLst/>
+          </p:spPr>
+          <p:style>
+            <a:lnRef idx="2">
+              <a:schemeClr val="accent1"/>
+            </a:lnRef>
+            <a:fillRef idx="0">
+              <a:schemeClr val="accent1"/>
+            </a:fillRef>
+            <a:effectRef idx="1">
+              <a:schemeClr val="accent1"/>
+            </a:effectRef>
+            <a:fontRef idx="minor">
+              <a:schemeClr val="tx1"/>
+            </a:fontRef>
+          </p:style>
+        </p:cxnSp>
+        <p:cxnSp>
+          <p:nvCxnSpPr>
+            <p:cNvPr id="22" name="直線コネクタ 21"/>
+            <p:cNvCxnSpPr/>
+            <p:nvPr/>
+          </p:nvCxnSpPr>
+          <p:spPr>
+            <a:xfrm flipV="1">
+              <a:off x="1717558" y="1373704"/>
+              <a:ext cx="0" cy="347880"/>
+            </a:xfrm>
+            <a:prstGeom prst="line">
+              <a:avLst/>
+            </a:prstGeom>
+            <a:ln w="12700">
+              <a:solidFill>
+                <a:schemeClr val="bg1">
+                  <a:lumMod val="85000"/>
+                </a:schemeClr>
+              </a:solidFill>
+            </a:ln>
+            <a:effectLst/>
+          </p:spPr>
+          <p:style>
+            <a:lnRef idx="2">
+              <a:schemeClr val="accent1"/>
+            </a:lnRef>
+            <a:fillRef idx="0">
+              <a:schemeClr val="accent1"/>
+            </a:fillRef>
+            <a:effectRef idx="1">
+              <a:schemeClr val="accent1"/>
+            </a:effectRef>
+            <a:fontRef idx="minor">
+              <a:schemeClr val="tx1"/>
+            </a:fontRef>
+          </p:style>
+        </p:cxnSp>
+        <p:cxnSp>
+          <p:nvCxnSpPr>
+            <p:cNvPr id="23" name="直線コネクタ 22"/>
+            <p:cNvCxnSpPr/>
+            <p:nvPr/>
+          </p:nvCxnSpPr>
+          <p:spPr>
+            <a:xfrm flipV="1">
+              <a:off x="2868891" y="1373704"/>
+              <a:ext cx="0" cy="347880"/>
+            </a:xfrm>
+            <a:prstGeom prst="line">
+              <a:avLst/>
+            </a:prstGeom>
+            <a:ln w="12700">
+              <a:solidFill>
+                <a:schemeClr val="bg1">
+                  <a:lumMod val="85000"/>
+                </a:schemeClr>
+              </a:solidFill>
+            </a:ln>
+            <a:effectLst/>
+          </p:spPr>
+          <p:style>
+            <a:lnRef idx="2">
+              <a:schemeClr val="accent1"/>
+            </a:lnRef>
+            <a:fillRef idx="0">
+              <a:schemeClr val="accent1"/>
+            </a:fillRef>
+            <a:effectRef idx="1">
+              <a:schemeClr val="accent1"/>
+            </a:effectRef>
+            <a:fontRef idx="minor">
+              <a:schemeClr val="tx1"/>
+            </a:fontRef>
+          </p:style>
+        </p:cxnSp>
+        <p:sp>
+          <p:nvSpPr>
+            <p:cNvPr id="24" name="テキスト ボックス 23"/>
+            <p:cNvSpPr txBox="1"/>
+            <p:nvPr/>
+          </p:nvSpPr>
+          <p:spPr>
+            <a:xfrm>
+              <a:off x="756922" y="1383030"/>
+              <a:ext cx="800219" cy="338554"/>
+            </a:xfrm>
+            <a:prstGeom prst="rect">
+              <a:avLst/>
+            </a:prstGeom>
+            <a:solidFill>
+              <a:schemeClr val="bg1"/>
+            </a:solidFill>
+          </p:spPr>
+          <p:txBody>
+            <a:bodyPr wrap="none" rtlCol="0">
+              <a:spAutoFit/>
+            </a:bodyPr>
+            <a:lstStyle/>
+            <a:p>
+              <a:r>
+                <a:rPr kumimoji="1" lang="ja-JP" altLang="en-US" sz="1600" dirty="0" smtClean="0">
+                  <a:latin typeface="メイリオ"/>
+                  <a:ea typeface="メイリオ"/>
+                  <a:cs typeface="メイリオ"/>
+                </a:rPr>
+                <a:t>レート</a:t>
+              </a:r>
+              <a:endParaRPr kumimoji="1" lang="ja-JP" altLang="en-US" sz="1600" dirty="0">
+                <a:latin typeface="メイリオ"/>
+                <a:ea typeface="メイリオ"/>
+                <a:cs typeface="メイリオ"/>
+              </a:endParaRPr>
+            </a:p>
+          </p:txBody>
+        </p:sp>
+        <p:sp>
+          <p:nvSpPr>
+            <p:cNvPr id="25" name="テキスト ボックス 24"/>
+            <p:cNvSpPr txBox="1"/>
+            <p:nvPr/>
+          </p:nvSpPr>
+          <p:spPr>
+            <a:xfrm>
+              <a:off x="1799343" y="1383030"/>
+              <a:ext cx="1005403" cy="338554"/>
+            </a:xfrm>
+            <a:prstGeom prst="rect">
+              <a:avLst/>
+            </a:prstGeom>
+            <a:solidFill>
+              <a:schemeClr val="tx1"/>
+            </a:solidFill>
+          </p:spPr>
+          <p:txBody>
+            <a:bodyPr wrap="none" rtlCol="0">
+              <a:spAutoFit/>
+            </a:bodyPr>
+            <a:lstStyle/>
+            <a:p>
+              <a:r>
+                <a:rPr lang="ja-JP" altLang="en-US" sz="1600" dirty="0" smtClean="0">
+                  <a:solidFill>
+                    <a:schemeClr val="bg1"/>
+                  </a:solidFill>
+                  <a:latin typeface="メイリオ"/>
+                  <a:ea typeface="メイリオ"/>
+                  <a:cs typeface="メイリオ"/>
+                </a:rPr>
+                <a:t>ツイート</a:t>
+              </a:r>
+              <a:endParaRPr kumimoji="1" lang="ja-JP" altLang="en-US" sz="1600" dirty="0">
+                <a:solidFill>
+                  <a:schemeClr val="bg1"/>
+                </a:solidFill>
+                <a:latin typeface="メイリオ"/>
+                <a:ea typeface="メイリオ"/>
+                <a:cs typeface="メイリオ"/>
+              </a:endParaRPr>
+            </a:p>
+          </p:txBody>
+        </p:sp>
+        <p:cxnSp>
+          <p:nvCxnSpPr>
+            <p:cNvPr id="26" name="直線コネクタ 25"/>
+            <p:cNvCxnSpPr/>
+            <p:nvPr/>
+          </p:nvCxnSpPr>
+          <p:spPr>
+            <a:xfrm flipV="1">
+              <a:off x="3611434" y="1397437"/>
+              <a:ext cx="0" cy="347880"/>
+            </a:xfrm>
+            <a:prstGeom prst="line">
+              <a:avLst/>
+            </a:prstGeom>
+            <a:ln w="12700">
+              <a:solidFill>
+                <a:schemeClr val="bg1">
+                  <a:lumMod val="85000"/>
+                </a:schemeClr>
+              </a:solidFill>
+            </a:ln>
+            <a:effectLst/>
+          </p:spPr>
+          <p:style>
+            <a:lnRef idx="2">
+              <a:schemeClr val="accent1"/>
+            </a:lnRef>
+            <a:fillRef idx="0">
+              <a:schemeClr val="accent1"/>
+            </a:fillRef>
+            <a:effectRef idx="1">
+              <a:schemeClr val="accent1"/>
+            </a:effectRef>
+            <a:fontRef idx="minor">
+              <a:schemeClr val="tx1"/>
+            </a:fontRef>
+          </p:style>
+        </p:cxnSp>
+        <p:sp>
+          <p:nvSpPr>
+            <p:cNvPr id="27" name="テキスト ボックス 26"/>
+            <p:cNvSpPr txBox="1"/>
+            <p:nvPr/>
+          </p:nvSpPr>
+          <p:spPr>
+            <a:xfrm>
+              <a:off x="2957146" y="1383030"/>
+              <a:ext cx="595035" cy="338554"/>
+            </a:xfrm>
+            <a:prstGeom prst="rect">
+              <a:avLst/>
+            </a:prstGeom>
+            <a:noFill/>
+          </p:spPr>
+          <p:txBody>
+            <a:bodyPr wrap="none" rtlCol="0">
+              <a:spAutoFit/>
+            </a:bodyPr>
+            <a:lstStyle/>
+            <a:p>
+              <a:r>
+                <a:rPr lang="ja-JP" altLang="en-US" sz="1600" dirty="0" smtClean="0">
+                  <a:latin typeface="メイリオ"/>
+                  <a:ea typeface="メイリオ"/>
+                  <a:cs typeface="メイリオ"/>
+                </a:rPr>
+                <a:t>記事</a:t>
+              </a:r>
+              <a:endParaRPr kumimoji="1" lang="ja-JP" altLang="en-US" sz="1600" dirty="0">
+                <a:latin typeface="メイリオ"/>
+                <a:ea typeface="メイリオ"/>
+                <a:cs typeface="メイリオ"/>
+              </a:endParaRPr>
+            </a:p>
+          </p:txBody>
+        </p:sp>
+        <p:sp>
+          <p:nvSpPr>
+            <p:cNvPr id="28" name="正方形/長方形 27"/>
+            <p:cNvSpPr/>
+            <p:nvPr/>
+          </p:nvSpPr>
+          <p:spPr>
+            <a:xfrm>
+              <a:off x="593559" y="1892229"/>
+              <a:ext cx="7948862" cy="596341"/>
+            </a:xfrm>
+            <a:prstGeom prst="rect">
+              <a:avLst/>
+            </a:prstGeom>
+            <a:solidFill>
+              <a:schemeClr val="bg1"/>
+            </a:solidFill>
+            <a:ln w="19050">
+              <a:solidFill>
+                <a:schemeClr val="bg1">
+                  <a:lumMod val="65000"/>
+                </a:schemeClr>
+              </a:solidFill>
+            </a:ln>
+            <a:effectLst/>
+          </p:spPr>
+          <p:style>
+            <a:lnRef idx="1">
+              <a:schemeClr val="accent1"/>
+            </a:lnRef>
+            <a:fillRef idx="3">
+              <a:schemeClr val="accent1"/>
+            </a:fillRef>
+            <a:effectRef idx="2">
+              <a:schemeClr val="accent1"/>
+            </a:effectRef>
+            <a:fontRef idx="minor">
+              <a:schemeClr val="lt1"/>
+            </a:fontRef>
+          </p:style>
+          <p:txBody>
+            <a:bodyPr rtlCol="0" anchor="ctr"/>
+            <a:lstStyle/>
+            <a:p>
+              <a:pPr algn="ctr"/>
+              <a:r>
+                <a:rPr lang="en-US" altLang="en-US" dirty="0" smtClean="0">
+                  <a:solidFill>
+                    <a:srgbClr val="FF0000"/>
+                  </a:solidFill>
+                </a:rPr>
+                <a:t>ツイート</a:t>
+              </a:r>
+              <a:endParaRPr kumimoji="1" lang="ja-JP" altLang="en-US" dirty="0">
+                <a:solidFill>
+                  <a:srgbClr val="FF0000"/>
+                </a:solidFill>
+              </a:endParaRPr>
+            </a:p>
+          </p:txBody>
+        </p:sp>
+        <p:sp>
+          <p:nvSpPr>
+            <p:cNvPr id="31" name="正方形/長方形 30"/>
+            <p:cNvSpPr/>
+            <p:nvPr/>
+          </p:nvSpPr>
+          <p:spPr>
+            <a:xfrm>
+              <a:off x="593558" y="2549642"/>
+              <a:ext cx="7948862" cy="596341"/>
+            </a:xfrm>
+            <a:prstGeom prst="rect">
+              <a:avLst/>
+            </a:prstGeom>
+            <a:solidFill>
+              <a:schemeClr val="bg1"/>
+            </a:solidFill>
+            <a:ln w="19050">
+              <a:solidFill>
+                <a:schemeClr val="bg1">
+                  <a:lumMod val="65000"/>
+                </a:schemeClr>
+              </a:solidFill>
+            </a:ln>
+            <a:effectLst/>
+          </p:spPr>
+          <p:style>
+            <a:lnRef idx="1">
+              <a:schemeClr val="accent1"/>
+            </a:lnRef>
+            <a:fillRef idx="3">
+              <a:schemeClr val="accent1"/>
+            </a:fillRef>
+            <a:effectRef idx="2">
+              <a:schemeClr val="accent1"/>
+            </a:effectRef>
+            <a:fontRef idx="minor">
+              <a:schemeClr val="lt1"/>
+            </a:fontRef>
+          </p:style>
+          <p:txBody>
+            <a:bodyPr rtlCol="0" anchor="ctr"/>
+            <a:lstStyle/>
+            <a:p>
+              <a:pPr algn="ctr"/>
+              <a:r>
+                <a:rPr lang="en-US" altLang="en-US" dirty="0" smtClean="0">
+                  <a:solidFill>
+                    <a:srgbClr val="FF0000"/>
+                  </a:solidFill>
+                </a:rPr>
+                <a:t>ツイート</a:t>
+              </a:r>
+              <a:endParaRPr kumimoji="1" lang="ja-JP" altLang="en-US" dirty="0">
+                <a:solidFill>
+                  <a:srgbClr val="FF0000"/>
+                </a:solidFill>
+              </a:endParaRPr>
+            </a:p>
+          </p:txBody>
+        </p:sp>
+        <p:sp>
+          <p:nvSpPr>
+            <p:cNvPr id="32" name="正方形/長方形 31"/>
+            <p:cNvSpPr/>
+            <p:nvPr/>
+          </p:nvSpPr>
+          <p:spPr>
+            <a:xfrm>
+              <a:off x="593558" y="3211791"/>
+              <a:ext cx="7948862" cy="596341"/>
+            </a:xfrm>
+            <a:prstGeom prst="rect">
+              <a:avLst/>
+            </a:prstGeom>
+            <a:solidFill>
+              <a:schemeClr val="bg1"/>
+            </a:solidFill>
+            <a:ln w="19050">
+              <a:solidFill>
+                <a:schemeClr val="bg1">
+                  <a:lumMod val="65000"/>
+                </a:schemeClr>
+              </a:solidFill>
+            </a:ln>
+            <a:effectLst/>
+          </p:spPr>
+          <p:style>
+            <a:lnRef idx="1">
+              <a:schemeClr val="accent1"/>
+            </a:lnRef>
+            <a:fillRef idx="3">
+              <a:schemeClr val="accent1"/>
+            </a:fillRef>
+            <a:effectRef idx="2">
+              <a:schemeClr val="accent1"/>
+            </a:effectRef>
+            <a:fontRef idx="minor">
+              <a:schemeClr val="lt1"/>
+            </a:fontRef>
+          </p:style>
+          <p:txBody>
+            <a:bodyPr rtlCol="0" anchor="ctr"/>
+            <a:lstStyle/>
+            <a:p>
+              <a:pPr algn="ctr"/>
+              <a:r>
+                <a:rPr lang="en-US" altLang="en-US" dirty="0" smtClean="0">
+                  <a:solidFill>
+                    <a:srgbClr val="FF0000"/>
+                  </a:solidFill>
+                </a:rPr>
+                <a:t>ツイート</a:t>
+              </a:r>
+              <a:endParaRPr kumimoji="1" lang="ja-JP" altLang="en-US" dirty="0">
+                <a:solidFill>
+                  <a:srgbClr val="FF0000"/>
+                </a:solidFill>
+              </a:endParaRPr>
+            </a:p>
+          </p:txBody>
+        </p:sp>
+        <p:sp>
+          <p:nvSpPr>
+            <p:cNvPr id="33" name="テキスト ボックス 32"/>
+            <p:cNvSpPr txBox="1"/>
+            <p:nvPr/>
+          </p:nvSpPr>
+          <p:spPr>
+            <a:xfrm>
+              <a:off x="4336356" y="3936404"/>
+              <a:ext cx="461665" cy="1013859"/>
+            </a:xfrm>
+            <a:prstGeom prst="rect">
+              <a:avLst/>
+            </a:prstGeom>
+            <a:noFill/>
+          </p:spPr>
+          <p:txBody>
+            <a:bodyPr vert="eaVert" wrap="none" rtlCol="0">
+              <a:spAutoFit/>
+            </a:bodyPr>
+            <a:lstStyle/>
+            <a:p>
+              <a:r>
+                <a:rPr kumimoji="1" lang="ja-JP" altLang="en-US" dirty="0" smtClean="0"/>
+                <a:t>・　・　・　・</a:t>
+              </a:r>
+              <a:endParaRPr kumimoji="1" lang="ja-JP" altLang="en-US" dirty="0"/>
+            </a:p>
+          </p:txBody>
+        </p:sp>
+      </p:grpSp>
+    </p:spTree>
+    <p:extLst>
+      <p:ext uri="{BB962C8B-B14F-4D97-AF65-F5344CB8AC3E}">
+        <p14:creationId xmlns:p14="http://schemas.microsoft.com/office/powerpoint/2010/main" val="2317927665"/>
+      </p:ext>
+    </p:extLst>
+  </p:cSld>
+  <p:clrMapOvr>
+    <a:masterClrMapping/>
+  </p:clrMapOvr>
+</p:sld>
+</file>
+
+<file path=ppt/slides/slide4.xml><?xml version="1.0" encoding="utf-8"?>
+<p:sld xmlns:a="http://schemas.openxmlformats.org/drawingml/2006/main" xmlns:r="http://schemas.openxmlformats.org/officeDocument/2006/relationships" xmlns:p="http://schemas.openxmlformats.org/presentationml/2006/main">
+  <p:cSld>
+    <p:spTree>
+      <p:nvGrpSpPr>
+        <p:cNvPr id="1" name=""/>
+        <p:cNvGrpSpPr/>
+        <p:nvPr/>
+      </p:nvGrpSpPr>
+      <p:grpSpPr>
+        <a:xfrm>
+          <a:off x="0" y="0"/>
+          <a:ext cx="0" cy="0"/>
+          <a:chOff x="0" y="0"/>
+          <a:chExt cx="0" cy="0"/>
+        </a:xfrm>
+      </p:grpSpPr>
+      <p:sp>
+        <p:nvSpPr>
+          <p:cNvPr id="2" name="タイトル 1"/>
+          <p:cNvSpPr>
+            <a:spLocks noGrp="1"/>
+          </p:cNvSpPr>
+          <p:nvPr>
+            <p:ph type="title"/>
+          </p:nvPr>
+        </p:nvSpPr>
+        <p:spPr>
+          <a:xfrm>
+            <a:off x="457200" y="274638"/>
+            <a:ext cx="8229600" cy="714625"/>
+          </a:xfrm>
+        </p:spPr>
+        <p:txBody>
+          <a:bodyPr>
+            <a:normAutofit fontScale="90000"/>
+          </a:bodyPr>
+          <a:lstStyle/>
+          <a:p>
+            <a:pPr algn="l"/>
+            <a:r>
+              <a:rPr kumimoji="1" lang="ja-JP" altLang="en-US" dirty="0" smtClean="0"/>
+              <a:t>ブラウザ</a:t>
+            </a:r>
+            <a:r>
+              <a:rPr kumimoji="1" lang="ja-JP" altLang="en-US" dirty="0" smtClean="0"/>
+              <a:t>画面</a:t>
+            </a:r>
+            <a:r>
+              <a:rPr kumimoji="1" lang="ja-JP" altLang="en-US" dirty="0" smtClean="0"/>
+              <a:t>（記事表示）</a:t>
+            </a:r>
+            <a:endParaRPr kumimoji="1" lang="ja-JP" altLang="en-US" dirty="0"/>
+          </a:p>
+        </p:txBody>
+      </p:sp>
+      <p:grpSp>
+        <p:nvGrpSpPr>
+          <p:cNvPr id="18" name="図形グループ 17"/>
+          <p:cNvGrpSpPr/>
+          <p:nvPr/>
+        </p:nvGrpSpPr>
+        <p:grpSpPr>
+          <a:xfrm>
+            <a:off x="457200" y="1296736"/>
+            <a:ext cx="8229600" cy="5106737"/>
+            <a:chOff x="457200" y="1296736"/>
+            <a:chExt cx="8229600" cy="5106737"/>
+          </a:xfrm>
+        </p:grpSpPr>
+        <p:sp>
+          <p:nvSpPr>
+            <p:cNvPr id="19" name="正方形/長方形 18"/>
+            <p:cNvSpPr/>
+            <p:nvPr/>
+          </p:nvSpPr>
+          <p:spPr>
+            <a:xfrm>
+              <a:off x="457200" y="1296736"/>
+              <a:ext cx="8229600" cy="5106737"/>
+            </a:xfrm>
+            <a:prstGeom prst="rect">
+              <a:avLst/>
+            </a:prstGeom>
+            <a:noFill/>
+            <a:ln w="38100">
+              <a:solidFill>
+                <a:schemeClr val="tx1"/>
+              </a:solidFill>
+            </a:ln>
+            <a:effectLst/>
+          </p:spPr>
+          <p:style>
+            <a:lnRef idx="1">
+              <a:schemeClr val="accent1"/>
+            </a:lnRef>
+            <a:fillRef idx="3">
+              <a:schemeClr val="accent1"/>
+            </a:fillRef>
+            <a:effectRef idx="2">
+              <a:schemeClr val="accent1"/>
+            </a:effectRef>
+            <a:fontRef idx="minor">
+              <a:schemeClr val="lt1"/>
+            </a:fontRef>
+          </p:style>
+          <p:txBody>
+            <a:bodyPr rtlCol="0" anchor="ctr"/>
+            <a:lstStyle/>
+            <a:p>
+              <a:pPr algn="ctr"/>
+              <a:endParaRPr kumimoji="1" lang="ja-JP" altLang="en-US"/>
+            </a:p>
+          </p:txBody>
+        </p:sp>
+        <p:cxnSp>
+          <p:nvCxnSpPr>
+            <p:cNvPr id="20" name="直線コネクタ 19"/>
+            <p:cNvCxnSpPr/>
+            <p:nvPr/>
+          </p:nvCxnSpPr>
+          <p:spPr>
+            <a:xfrm>
+              <a:off x="593558" y="1770219"/>
+              <a:ext cx="7963507" cy="0"/>
+            </a:xfrm>
+            <a:prstGeom prst="line">
+              <a:avLst/>
+            </a:prstGeom>
+            <a:ln w="12700">
+              <a:solidFill>
+                <a:schemeClr val="bg1">
+                  <a:lumMod val="85000"/>
+                </a:schemeClr>
+              </a:solidFill>
+            </a:ln>
+            <a:effectLst/>
+          </p:spPr>
+          <p:style>
+            <a:lnRef idx="2">
+              <a:schemeClr val="accent1"/>
+            </a:lnRef>
+            <a:fillRef idx="0">
+              <a:schemeClr val="accent1"/>
+            </a:fillRef>
+            <a:effectRef idx="1">
+              <a:schemeClr val="accent1"/>
+            </a:effectRef>
+            <a:fontRef idx="minor">
+              <a:schemeClr val="tx1"/>
+            </a:fontRef>
+          </p:style>
+        </p:cxnSp>
+        <p:cxnSp>
+          <p:nvCxnSpPr>
+            <p:cNvPr id="21" name="直線コネクタ 20"/>
+            <p:cNvCxnSpPr/>
+            <p:nvPr/>
+          </p:nvCxnSpPr>
+          <p:spPr>
+            <a:xfrm flipV="1">
+              <a:off x="1717558" y="1373704"/>
+              <a:ext cx="0" cy="347880"/>
+            </a:xfrm>
+            <a:prstGeom prst="line">
+              <a:avLst/>
+            </a:prstGeom>
+            <a:ln w="12700">
+              <a:solidFill>
+                <a:schemeClr val="bg1">
+                  <a:lumMod val="85000"/>
+                </a:schemeClr>
+              </a:solidFill>
+            </a:ln>
+            <a:effectLst/>
+          </p:spPr>
+          <p:style>
+            <a:lnRef idx="2">
+              <a:schemeClr val="accent1"/>
+            </a:lnRef>
+            <a:fillRef idx="0">
+              <a:schemeClr val="accent1"/>
+            </a:fillRef>
+            <a:effectRef idx="1">
+              <a:schemeClr val="accent1"/>
+            </a:effectRef>
+            <a:fontRef idx="minor">
+              <a:schemeClr val="tx1"/>
+            </a:fontRef>
+          </p:style>
+        </p:cxnSp>
+        <p:cxnSp>
+          <p:nvCxnSpPr>
+            <p:cNvPr id="22" name="直線コネクタ 21"/>
+            <p:cNvCxnSpPr/>
+            <p:nvPr/>
+          </p:nvCxnSpPr>
+          <p:spPr>
+            <a:xfrm flipV="1">
+              <a:off x="2868891" y="1373704"/>
+              <a:ext cx="0" cy="347880"/>
+            </a:xfrm>
+            <a:prstGeom prst="line">
+              <a:avLst/>
+            </a:prstGeom>
+            <a:ln w="12700">
+              <a:solidFill>
+                <a:schemeClr val="bg1">
+                  <a:lumMod val="85000"/>
+                </a:schemeClr>
+              </a:solidFill>
+            </a:ln>
+            <a:effectLst/>
+          </p:spPr>
+          <p:style>
+            <a:lnRef idx="2">
+              <a:schemeClr val="accent1"/>
+            </a:lnRef>
+            <a:fillRef idx="0">
+              <a:schemeClr val="accent1"/>
+            </a:fillRef>
+            <a:effectRef idx="1">
+              <a:schemeClr val="accent1"/>
+            </a:effectRef>
+            <a:fontRef idx="minor">
+              <a:schemeClr val="tx1"/>
+            </a:fontRef>
+          </p:style>
+        </p:cxnSp>
+        <p:sp>
+          <p:nvSpPr>
+            <p:cNvPr id="23" name="テキスト ボックス 22"/>
+            <p:cNvSpPr txBox="1"/>
+            <p:nvPr/>
+          </p:nvSpPr>
+          <p:spPr>
+            <a:xfrm>
+              <a:off x="756922" y="1383030"/>
+              <a:ext cx="800219" cy="338554"/>
+            </a:xfrm>
+            <a:prstGeom prst="rect">
+              <a:avLst/>
+            </a:prstGeom>
+            <a:solidFill>
+              <a:schemeClr val="bg1"/>
+            </a:solidFill>
+          </p:spPr>
+          <p:txBody>
+            <a:bodyPr wrap="none" rtlCol="0">
+              <a:spAutoFit/>
+            </a:bodyPr>
+            <a:lstStyle/>
+            <a:p>
+              <a:r>
+                <a:rPr kumimoji="1" lang="ja-JP" altLang="en-US" sz="1600" dirty="0" smtClean="0">
+                  <a:latin typeface="メイリオ"/>
+                  <a:ea typeface="メイリオ"/>
+                  <a:cs typeface="メイリオ"/>
+                </a:rPr>
+                <a:t>レート</a:t>
+              </a:r>
+              <a:endParaRPr kumimoji="1" lang="ja-JP" altLang="en-US" sz="1600" dirty="0">
+                <a:latin typeface="メイリオ"/>
+                <a:ea typeface="メイリオ"/>
+                <a:cs typeface="メイリオ"/>
+              </a:endParaRPr>
+            </a:p>
+          </p:txBody>
+        </p:sp>
+        <p:sp>
+          <p:nvSpPr>
+            <p:cNvPr id="24" name="テキスト ボックス 23"/>
+            <p:cNvSpPr txBox="1"/>
+            <p:nvPr/>
+          </p:nvSpPr>
+          <p:spPr>
+            <a:xfrm>
+              <a:off x="1799343" y="1383030"/>
+              <a:ext cx="1005403" cy="338554"/>
+            </a:xfrm>
+            <a:prstGeom prst="rect">
+              <a:avLst/>
+            </a:prstGeom>
+            <a:noFill/>
+          </p:spPr>
+          <p:txBody>
+            <a:bodyPr wrap="none" rtlCol="0">
+              <a:spAutoFit/>
+            </a:bodyPr>
+            <a:lstStyle/>
+            <a:p>
+              <a:r>
+                <a:rPr lang="ja-JP" altLang="en-US" sz="1600" dirty="0" smtClean="0">
+                  <a:latin typeface="メイリオ"/>
+                  <a:ea typeface="メイリオ"/>
+                  <a:cs typeface="メイリオ"/>
+                </a:rPr>
+                <a:t>ツイート</a:t>
+              </a:r>
+              <a:endParaRPr kumimoji="1" lang="ja-JP" altLang="en-US" sz="1600" dirty="0">
+                <a:latin typeface="メイリオ"/>
+                <a:ea typeface="メイリオ"/>
+                <a:cs typeface="メイリオ"/>
+              </a:endParaRPr>
+            </a:p>
+          </p:txBody>
+        </p:sp>
+        <p:cxnSp>
+          <p:nvCxnSpPr>
+            <p:cNvPr id="25" name="直線コネクタ 24"/>
+            <p:cNvCxnSpPr/>
+            <p:nvPr/>
+          </p:nvCxnSpPr>
+          <p:spPr>
+            <a:xfrm flipV="1">
+              <a:off x="3611434" y="1397437"/>
+              <a:ext cx="0" cy="347880"/>
+            </a:xfrm>
+            <a:prstGeom prst="line">
+              <a:avLst/>
+            </a:prstGeom>
+            <a:ln w="12700">
+              <a:solidFill>
+                <a:schemeClr val="bg1">
+                  <a:lumMod val="85000"/>
+                </a:schemeClr>
+              </a:solidFill>
+            </a:ln>
+            <a:effectLst/>
+          </p:spPr>
+          <p:style>
+            <a:lnRef idx="2">
+              <a:schemeClr val="accent1"/>
+            </a:lnRef>
+            <a:fillRef idx="0">
+              <a:schemeClr val="accent1"/>
+            </a:fillRef>
+            <a:effectRef idx="1">
+              <a:schemeClr val="accent1"/>
+            </a:effectRef>
+            <a:fontRef idx="minor">
+              <a:schemeClr val="tx1"/>
+            </a:fontRef>
+          </p:style>
+        </p:cxnSp>
+        <p:sp>
+          <p:nvSpPr>
+            <p:cNvPr id="26" name="テキスト ボックス 25"/>
+            <p:cNvSpPr txBox="1"/>
+            <p:nvPr/>
+          </p:nvSpPr>
+          <p:spPr>
+            <a:xfrm>
+              <a:off x="2957146" y="1383030"/>
+              <a:ext cx="595035" cy="338554"/>
+            </a:xfrm>
+            <a:prstGeom prst="rect">
+              <a:avLst/>
+            </a:prstGeom>
+            <a:solidFill>
+              <a:schemeClr val="tx1"/>
+            </a:solidFill>
+          </p:spPr>
+          <p:txBody>
+            <a:bodyPr wrap="none" rtlCol="0">
+              <a:spAutoFit/>
+            </a:bodyPr>
+            <a:lstStyle/>
+            <a:p>
+              <a:r>
+                <a:rPr lang="ja-JP" altLang="en-US" sz="1600" dirty="0" smtClean="0">
+                  <a:solidFill>
+                    <a:schemeClr val="bg1"/>
+                  </a:solidFill>
+                  <a:latin typeface="メイリオ"/>
+                  <a:ea typeface="メイリオ"/>
+                  <a:cs typeface="メイリオ"/>
+                </a:rPr>
+                <a:t>記事</a:t>
+              </a:r>
+              <a:endParaRPr kumimoji="1" lang="ja-JP" altLang="en-US" sz="1600" dirty="0">
+                <a:solidFill>
+                  <a:schemeClr val="bg1"/>
+                </a:solidFill>
+                <a:latin typeface="メイリオ"/>
+                <a:ea typeface="メイリオ"/>
+                <a:cs typeface="メイリオ"/>
+              </a:endParaRPr>
+            </a:p>
+          </p:txBody>
+        </p:sp>
+        <p:sp>
+          <p:nvSpPr>
+            <p:cNvPr id="27" name="正方形/長方形 26"/>
+            <p:cNvSpPr/>
+            <p:nvPr/>
+          </p:nvSpPr>
+          <p:spPr>
+            <a:xfrm>
+              <a:off x="593559" y="1892229"/>
+              <a:ext cx="7948862" cy="596341"/>
+            </a:xfrm>
+            <a:prstGeom prst="rect">
+              <a:avLst/>
+            </a:prstGeom>
+            <a:solidFill>
+              <a:schemeClr val="bg1"/>
+            </a:solidFill>
+            <a:ln w="19050">
+              <a:solidFill>
+                <a:schemeClr val="bg1">
+                  <a:lumMod val="65000"/>
+                </a:schemeClr>
+              </a:solidFill>
+            </a:ln>
+            <a:effectLst/>
+          </p:spPr>
+          <p:style>
+            <a:lnRef idx="1">
+              <a:schemeClr val="accent1"/>
+            </a:lnRef>
+            <a:fillRef idx="3">
+              <a:schemeClr val="accent1"/>
+            </a:fillRef>
+            <a:effectRef idx="2">
+              <a:schemeClr val="accent1"/>
+            </a:effectRef>
+            <a:fontRef idx="minor">
+              <a:schemeClr val="lt1"/>
+            </a:fontRef>
+          </p:style>
+          <p:txBody>
+            <a:bodyPr rtlCol="0" anchor="ctr"/>
+            <a:lstStyle/>
+            <a:p>
+              <a:pPr algn="ctr"/>
+              <a:r>
+                <a:rPr lang="en-US" altLang="en-US" dirty="0" smtClean="0">
+                  <a:solidFill>
+                    <a:srgbClr val="FF0000"/>
+                  </a:solidFill>
+                </a:rPr>
+                <a:t>記事</a:t>
+              </a:r>
+              <a:endParaRPr kumimoji="1" lang="ja-JP" altLang="en-US" dirty="0">
+                <a:solidFill>
+                  <a:srgbClr val="FF0000"/>
+                </a:solidFill>
+              </a:endParaRPr>
+            </a:p>
+          </p:txBody>
+        </p:sp>
+        <p:sp>
+          <p:nvSpPr>
+            <p:cNvPr id="28" name="正方形/長方形 27"/>
+            <p:cNvSpPr/>
+            <p:nvPr/>
+          </p:nvSpPr>
+          <p:spPr>
+            <a:xfrm>
+              <a:off x="593558" y="2549642"/>
+              <a:ext cx="7948862" cy="596341"/>
+            </a:xfrm>
+            <a:prstGeom prst="rect">
+              <a:avLst/>
+            </a:prstGeom>
+            <a:solidFill>
+              <a:schemeClr val="bg1"/>
+            </a:solidFill>
+            <a:ln w="19050">
+              <a:solidFill>
+                <a:schemeClr val="bg1">
+                  <a:lumMod val="65000"/>
+                </a:schemeClr>
+              </a:solidFill>
+            </a:ln>
+            <a:effectLst/>
+          </p:spPr>
+          <p:style>
+            <a:lnRef idx="1">
+              <a:schemeClr val="accent1"/>
+            </a:lnRef>
+            <a:fillRef idx="3">
+              <a:schemeClr val="accent1"/>
+            </a:fillRef>
+            <a:effectRef idx="2">
+              <a:schemeClr val="accent1"/>
+            </a:effectRef>
+            <a:fontRef idx="minor">
+              <a:schemeClr val="lt1"/>
+            </a:fontRef>
+          </p:style>
+          <p:txBody>
+            <a:bodyPr rtlCol="0" anchor="ctr"/>
+            <a:lstStyle/>
+            <a:p>
+              <a:pPr algn="ctr"/>
+              <a:r>
+                <a:rPr lang="ja-JP" altLang="en-US" dirty="0" smtClean="0">
+                  <a:solidFill>
+                    <a:srgbClr val="FF0000"/>
+                  </a:solidFill>
+                </a:rPr>
+                <a:t>記事</a:t>
+              </a:r>
+              <a:endParaRPr kumimoji="1" lang="ja-JP" altLang="en-US" dirty="0">
+                <a:solidFill>
+                  <a:srgbClr val="FF0000"/>
+                </a:solidFill>
+              </a:endParaRPr>
+            </a:p>
+          </p:txBody>
+        </p:sp>
+        <p:sp>
+          <p:nvSpPr>
+            <p:cNvPr id="29" name="正方形/長方形 28"/>
+            <p:cNvSpPr/>
+            <p:nvPr/>
+          </p:nvSpPr>
+          <p:spPr>
+            <a:xfrm>
+              <a:off x="593558" y="3211791"/>
+              <a:ext cx="7948862" cy="596341"/>
+            </a:xfrm>
+            <a:prstGeom prst="rect">
+              <a:avLst/>
+            </a:prstGeom>
+            <a:solidFill>
+              <a:schemeClr val="bg1"/>
+            </a:solidFill>
+            <a:ln w="19050">
+              <a:solidFill>
+                <a:schemeClr val="bg1">
+                  <a:lumMod val="65000"/>
+                </a:schemeClr>
+              </a:solidFill>
+            </a:ln>
+            <a:effectLst/>
+          </p:spPr>
+          <p:style>
+            <a:lnRef idx="1">
+              <a:schemeClr val="accent1"/>
+            </a:lnRef>
+            <a:fillRef idx="3">
+              <a:schemeClr val="accent1"/>
+            </a:fillRef>
+            <a:effectRef idx="2">
+              <a:schemeClr val="accent1"/>
+            </a:effectRef>
+            <a:fontRef idx="minor">
+              <a:schemeClr val="lt1"/>
+            </a:fontRef>
+          </p:style>
+          <p:txBody>
+            <a:bodyPr rtlCol="0" anchor="ctr"/>
+            <a:lstStyle/>
+            <a:p>
+              <a:pPr algn="ctr"/>
+              <a:r>
+                <a:rPr lang="ja-JP" altLang="en-US" dirty="0" smtClean="0">
+                  <a:solidFill>
+                    <a:srgbClr val="FF0000"/>
+                  </a:solidFill>
+                </a:rPr>
+                <a:t>記事</a:t>
+              </a:r>
+              <a:endParaRPr kumimoji="1" lang="ja-JP" altLang="en-US" dirty="0">
+                <a:solidFill>
+                  <a:srgbClr val="FF0000"/>
+                </a:solidFill>
+              </a:endParaRPr>
+            </a:p>
+          </p:txBody>
+        </p:sp>
+        <p:sp>
+          <p:nvSpPr>
+            <p:cNvPr id="30" name="テキスト ボックス 29"/>
+            <p:cNvSpPr txBox="1"/>
+            <p:nvPr/>
+          </p:nvSpPr>
+          <p:spPr>
+            <a:xfrm>
+              <a:off x="4336356" y="3936404"/>
+              <a:ext cx="461665" cy="1013859"/>
+            </a:xfrm>
+            <a:prstGeom prst="rect">
+              <a:avLst/>
+            </a:prstGeom>
+            <a:noFill/>
+          </p:spPr>
+          <p:txBody>
+            <a:bodyPr vert="eaVert" wrap="none" rtlCol="0">
+              <a:spAutoFit/>
+            </a:bodyPr>
+            <a:lstStyle/>
+            <a:p>
+              <a:r>
+                <a:rPr kumimoji="1" lang="ja-JP" altLang="en-US" dirty="0" smtClean="0"/>
+                <a:t>・　・　・　・</a:t>
+              </a:r>
+              <a:endParaRPr kumimoji="1" lang="ja-JP" altLang="en-US" dirty="0"/>
+            </a:p>
+          </p:txBody>
+        </p:sp>
+      </p:grpSp>
+    </p:spTree>
+    <p:extLst>
+      <p:ext uri="{BB962C8B-B14F-4D97-AF65-F5344CB8AC3E}">
+        <p14:creationId xmlns:p14="http://schemas.microsoft.com/office/powerpoint/2010/main" val="2317927665"/>
+      </p:ext>
+    </p:extLst>
+  </p:cSld>
+  <p:clrMapOvr>
+    <a:masterClrMapping/>
+  </p:clrMapOvr>
+</p:sld>
+</file>
+
+<file path=ppt/slides/slide5.xml><?xml version="1.0" encoding="utf-8"?>
+<p:sld xmlns:a="http://schemas.openxmlformats.org/drawingml/2006/main" xmlns:r="http://schemas.openxmlformats.org/officeDocument/2006/relationships" xmlns:p="http://schemas.openxmlformats.org/presentationml/2006/main">
+  <p:cSld>
+    <p:spTree>
+      <p:nvGrpSpPr>
+        <p:cNvPr id="1" name=""/>
+        <p:cNvGrpSpPr/>
+        <p:nvPr/>
+      </p:nvGrpSpPr>
+      <p:grpSpPr>
+        <a:xfrm>
+          <a:off x="0" y="0"/>
+          <a:ext cx="0" cy="0"/>
+          <a:chOff x="0" y="0"/>
+          <a:chExt cx="0" cy="0"/>
+        </a:xfrm>
+      </p:grpSpPr>
+      <p:sp>
+        <p:nvSpPr>
+          <p:cNvPr id="2" name="タイトル 1"/>
+          <p:cNvSpPr>
+            <a:spLocks noGrp="1"/>
+          </p:cNvSpPr>
+          <p:nvPr>
+            <p:ph type="title"/>
+          </p:nvPr>
+        </p:nvSpPr>
+        <p:spPr>
+          <a:xfrm>
+            <a:off x="457200" y="274638"/>
+            <a:ext cx="8229600" cy="714625"/>
+          </a:xfrm>
+        </p:spPr>
+        <p:txBody>
+          <a:bodyPr>
+            <a:normAutofit fontScale="90000"/>
+          </a:bodyPr>
+          <a:lstStyle/>
+          <a:p>
+            <a:pPr algn="l"/>
+            <a:r>
+              <a:rPr kumimoji="1" lang="ja-JP" altLang="en-US" dirty="0" smtClean="0"/>
               <a:t>機能仕様</a:t>
             </a:r>
             <a:endParaRPr kumimoji="1" lang="ja-JP" altLang="en-US" dirty="0"/>
@@ -4452,7 +5334,7 @@
         <p:spPr>
           <a:xfrm>
             <a:off x="457200" y="1205650"/>
-            <a:ext cx="7173759" cy="4031873"/>
+            <a:ext cx="7596951" cy="3046988"/>
           </a:xfrm>
           <a:prstGeom prst="rect">
             <a:avLst/>
@@ -4497,65 +5379,7 @@
             </a:pPr>
             <a:r>
               <a:rPr lang="ja-JP" altLang="en-US" sz="2400" dirty="0" smtClean="0"/>
-              <a:t>左側</a:t>
-            </a:r>
-            <a:r>
-              <a:rPr lang="ja-JP" altLang="en-US" sz="2400" dirty="0" smtClean="0"/>
-              <a:t>に</a:t>
-            </a:r>
-            <a:r>
-              <a:rPr lang="ja-JP" altLang="en-US" sz="2400" dirty="0" smtClean="0"/>
-              <a:t>ローソク足</a:t>
-            </a:r>
-            <a:r>
-              <a:rPr lang="ja-JP" altLang="en-US" sz="2400" dirty="0" smtClean="0"/>
-              <a:t>を</a:t>
-            </a:r>
-            <a:r>
-              <a:rPr lang="ja-JP" altLang="en-US" sz="2400" dirty="0" smtClean="0"/>
-              <a:t>３</a:t>
-            </a:r>
-            <a:r>
-              <a:rPr lang="ja-JP" altLang="en-US" sz="2400" dirty="0" smtClean="0"/>
-              <a:t>種類</a:t>
-            </a:r>
-            <a:r>
-              <a:rPr lang="ja-JP" altLang="en-US" sz="2400" dirty="0" smtClean="0"/>
-              <a:t>の通貨に対して表示する</a:t>
-            </a:r>
-            <a:endParaRPr lang="en-US" altLang="ja-JP" sz="2400" dirty="0" smtClean="0"/>
-          </a:p>
-          <a:p>
-            <a:pPr marL="285750" indent="-285750">
-              <a:buFont typeface="Wingdings" charset="2"/>
-              <a:buChar char="l"/>
-            </a:pPr>
-            <a:endParaRPr lang="en-US" altLang="ja-JP" sz="2400" dirty="0"/>
-          </a:p>
-          <a:p>
-            <a:pPr marL="285750" indent="-285750">
-              <a:buFont typeface="Wingdings" charset="2"/>
-              <a:buChar char="l"/>
-            </a:pPr>
-            <a:r>
-              <a:rPr lang="ja-JP" altLang="en-US" sz="2400" dirty="0" smtClean="0"/>
-              <a:t>右上</a:t>
-            </a:r>
-            <a:r>
-              <a:rPr lang="ja-JP" altLang="en-US" sz="2400" dirty="0" smtClean="0"/>
-              <a:t>に</a:t>
-            </a:r>
-            <a:r>
-              <a:rPr lang="en-US" altLang="ja-JP" sz="2400" dirty="0" smtClean="0"/>
-              <a:t>Twitter</a:t>
-            </a:r>
-            <a:r>
-              <a:rPr lang="ja-JP" altLang="en-US" sz="2400" dirty="0" smtClean="0"/>
-              <a:t>の</a:t>
-            </a:r>
-            <a:r>
-              <a:rPr lang="ja-JP" altLang="en-US" sz="2400" dirty="0" smtClean="0"/>
-              <a:t>価格変動に関する情報を表示する</a:t>
+              <a:t>タブでレート・ツイート・記事表示を分けている</a:t>
             </a:r>
             <a:endParaRPr lang="en-US" altLang="ja-JP" sz="2400" dirty="0" smtClean="0"/>
           </a:p>
@@ -4565,42 +5389,28 @@
               <a:buChar char="•"/>
             </a:pPr>
             <a:r>
-              <a:rPr lang="ja-JP" altLang="en-US" sz="2000" dirty="0" smtClean="0"/>
-              <a:t>スクロールすることで古い記事を参照できる</a:t>
-            </a:r>
-            <a:endParaRPr lang="en-US" altLang="ja-JP" sz="2000" dirty="0" smtClean="0"/>
-          </a:p>
-          <a:p>
-            <a:pPr marL="285750" indent="-285750">
-              <a:buFont typeface="Wingdings" charset="2"/>
-              <a:buChar char="l"/>
-            </a:pPr>
-            <a:endParaRPr lang="en-US" altLang="ja-JP" sz="2400" dirty="0"/>
-          </a:p>
-          <a:p>
-            <a:pPr marL="285750" indent="-285750">
-              <a:buFont typeface="Wingdings" charset="2"/>
-              <a:buChar char="l"/>
-            </a:pPr>
-            <a:r>
               <a:rPr lang="ja-JP" altLang="en-US" sz="2400" dirty="0" smtClean="0"/>
-              <a:t>右下</a:t>
+              <a:t>レートは</a:t>
+            </a:r>
+            <a:r>
+              <a:rPr lang="en-US" altLang="ja-JP" sz="2400" dirty="0" smtClean="0"/>
+              <a:t>USDJPY</a:t>
             </a:r>
             <a:r>
               <a:rPr lang="ja-JP" altLang="en-US" sz="2400" dirty="0" smtClean="0"/>
-              <a:t>に</a:t>
+              <a:t>を</a:t>
+            </a:r>
+            <a:r>
+              <a:rPr lang="en-US" altLang="ja-JP" sz="2400" dirty="0" smtClean="0"/>
+              <a:t>5</a:t>
             </a:r>
             <a:r>
               <a:rPr lang="ja-JP" altLang="en-US" sz="2400" dirty="0" smtClean="0"/>
-              <a:t>日経</a:t>
+              <a:t>分足ローソク足グラフで</a:t>
             </a:r>
             <a:r>
               <a:rPr lang="ja-JP" altLang="en-US" sz="2400" dirty="0" smtClean="0"/>
-              <a:t>の価格</a:t>
-            </a:r>
-            <a:r>
-              <a:rPr lang="ja-JP" altLang="en-US" sz="2400" dirty="0" smtClean="0"/>
-              <a:t>変動に関する情報を表示する</a:t>
+              <a:t>表示する</a:t>
             </a:r>
             <a:endParaRPr lang="en-US" altLang="ja-JP" sz="2400" dirty="0" smtClean="0"/>
           </a:p>
@@ -4610,16 +5420,39 @@
               <a:buChar char="•"/>
             </a:pPr>
             <a:r>
-              <a:rPr lang="ja-JP" altLang="en-US" sz="2000" dirty="0" smtClean="0"/>
-              <a:t>スクロールすることで古いツイートを参照できる</a:t>
-            </a:r>
-            <a:endParaRPr lang="en-US" altLang="ja-JP" sz="2000" dirty="0" smtClean="0"/>
-          </a:p>
-          <a:p>
-            <a:pPr marL="285750" indent="-285750">
-              <a:buFont typeface="Wingdings" charset="2"/>
-              <a:buChar char="l"/>
+              <a:rPr lang="ja-JP" altLang="en-US" sz="2400" dirty="0" smtClean="0"/>
+              <a:t>ツイートは最新</a:t>
+            </a:r>
+            <a:r>
+              <a:rPr lang="en-US" altLang="ja-JP" sz="2400" dirty="0" smtClean="0"/>
+              <a:t>100</a:t>
+            </a:r>
+            <a:r>
+              <a:rPr lang="ja-JP" altLang="en-US" sz="2400" dirty="0" smtClean="0"/>
+              <a:t>件を表示する</a:t>
+            </a:r>
+            <a:endParaRPr lang="en-US" altLang="ja-JP" sz="2400" dirty="0" smtClean="0"/>
+          </a:p>
+          <a:p>
+            <a:pPr marL="800100" lvl="1" indent="-342900">
+              <a:buFont typeface="Arial"/>
+              <a:buChar char="•"/>
             </a:pPr>
+            <a:r>
+              <a:rPr lang="ja-JP" altLang="en-US" sz="2400" dirty="0" smtClean="0"/>
+              <a:t>記事は最新</a:t>
+            </a:r>
+            <a:r>
+              <a:rPr lang="en-US" altLang="ja-JP" sz="2400" dirty="0" smtClean="0"/>
+              <a:t>100</a:t>
+            </a:r>
+            <a:r>
+              <a:rPr lang="ja-JP" altLang="en-US" sz="2400" dirty="0" smtClean="0"/>
+              <a:t>件を表示する</a:t>
+            </a:r>
+            <a:endParaRPr lang="en-US" altLang="ja-JP" sz="2400" dirty="0"/>
+          </a:p>
+          <a:p>
             <a:endParaRPr kumimoji="1" lang="en-US" altLang="ja-JP" sz="2400" dirty="0"/>
           </a:p>
           <a:p>

--- a/regulus/interface/ui.pptx
+++ b/regulus/interface/ui.pptx
@@ -6,10 +6,11 @@
   </p:sldMasterIdLst>
   <p:sldIdLst>
     <p:sldId id="257" r:id="rId2"/>
-    <p:sldId id="259" r:id="rId3"/>
-    <p:sldId id="261" r:id="rId4"/>
-    <p:sldId id="262" r:id="rId5"/>
-    <p:sldId id="260" r:id="rId6"/>
+    <p:sldId id="260" r:id="rId3"/>
+    <p:sldId id="263" r:id="rId4"/>
+    <p:sldId id="259" r:id="rId5"/>
+    <p:sldId id="261" r:id="rId6"/>
+    <p:sldId id="262" r:id="rId7"/>
   </p:sldIdLst>
   <p:sldSz cx="9144000" cy="6858000" type="screen4x3"/>
   <p:notesSz cx="6858000" cy="9144000"/>
@@ -201,11 +202,11 @@
         </c:dLbls>
         <c:marker val="1"/>
         <c:smooth val="0"/>
-        <c:axId val="514547432"/>
-        <c:axId val="514550152"/>
+        <c:axId val="2052744"/>
+        <c:axId val="2055784"/>
       </c:lineChart>
       <c:catAx>
-        <c:axId val="514547432"/>
+        <c:axId val="2052744"/>
         <c:scaling>
           <c:orientation val="minMax"/>
         </c:scaling>
@@ -214,7 +215,7 @@
         <c:majorTickMark val="out"/>
         <c:minorTickMark val="none"/>
         <c:tickLblPos val="nextTo"/>
-        <c:crossAx val="514550152"/>
+        <c:crossAx val="2055784"/>
         <c:crosses val="autoZero"/>
         <c:auto val="1"/>
         <c:lblAlgn val="ctr"/>
@@ -222,7 +223,7 @@
         <c:noMultiLvlLbl val="0"/>
       </c:catAx>
       <c:valAx>
-        <c:axId val="514550152"/>
+        <c:axId val="2055784"/>
         <c:scaling>
           <c:orientation val="minMax"/>
         </c:scaling>
@@ -233,7 +234,7 @@
         <c:majorTickMark val="out"/>
         <c:minorTickMark val="none"/>
         <c:tickLblPos val="nextTo"/>
-        <c:crossAx val="514547432"/>
+        <c:crossAx val="2052744"/>
         <c:crosses val="autoZero"/>
         <c:crossBetween val="between"/>
       </c:valAx>
@@ -439,7 +440,7 @@
           <a:p>
             <a:fld id="{B56DC137-3F13-8D43-AA57-5640E0D90177}" type="datetimeFigureOut">
               <a:rPr kumimoji="1" lang="ja-JP" altLang="en-US" smtClean="0"/>
-              <a:t>16/01/16</a:t>
+              <a:t>16/01/18</a:t>
             </a:fld>
             <a:endParaRPr kumimoji="1" lang="ja-JP" altLang="en-US"/>
           </a:p>
@@ -641,7 +642,7 @@
           <a:p>
             <a:fld id="{B56DC137-3F13-8D43-AA57-5640E0D90177}" type="datetimeFigureOut">
               <a:rPr kumimoji="1" lang="ja-JP" altLang="en-US" smtClean="0"/>
-              <a:t>16/01/16</a:t>
+              <a:t>16/01/18</a:t>
             </a:fld>
             <a:endParaRPr kumimoji="1" lang="ja-JP" altLang="en-US"/>
           </a:p>
@@ -853,7 +854,7 @@
           <a:p>
             <a:fld id="{B56DC137-3F13-8D43-AA57-5640E0D90177}" type="datetimeFigureOut">
               <a:rPr kumimoji="1" lang="ja-JP" altLang="en-US" smtClean="0"/>
-              <a:t>16/01/16</a:t>
+              <a:t>16/01/18</a:t>
             </a:fld>
             <a:endParaRPr kumimoji="1" lang="ja-JP" altLang="en-US"/>
           </a:p>
@@ -1055,7 +1056,7 @@
           <a:p>
             <a:fld id="{B56DC137-3F13-8D43-AA57-5640E0D90177}" type="datetimeFigureOut">
               <a:rPr kumimoji="1" lang="ja-JP" altLang="en-US" smtClean="0"/>
-              <a:t>16/01/16</a:t>
+              <a:t>16/01/18</a:t>
             </a:fld>
             <a:endParaRPr kumimoji="1" lang="ja-JP" altLang="en-US"/>
           </a:p>
@@ -1301,7 +1302,7 @@
           <a:p>
             <a:fld id="{B56DC137-3F13-8D43-AA57-5640E0D90177}" type="datetimeFigureOut">
               <a:rPr kumimoji="1" lang="ja-JP" altLang="en-US" smtClean="0"/>
-              <a:t>16/01/16</a:t>
+              <a:t>16/01/18</a:t>
             </a:fld>
             <a:endParaRPr kumimoji="1" lang="ja-JP" altLang="en-US"/>
           </a:p>
@@ -1653,7 +1654,7 @@
           <a:p>
             <a:fld id="{B56DC137-3F13-8D43-AA57-5640E0D90177}" type="datetimeFigureOut">
               <a:rPr kumimoji="1" lang="ja-JP" altLang="en-US" smtClean="0"/>
-              <a:t>16/01/16</a:t>
+              <a:t>16/01/18</a:t>
             </a:fld>
             <a:endParaRPr kumimoji="1" lang="ja-JP" altLang="en-US"/>
           </a:p>
@@ -2139,7 +2140,7 @@
           <a:p>
             <a:fld id="{B56DC137-3F13-8D43-AA57-5640E0D90177}" type="datetimeFigureOut">
               <a:rPr kumimoji="1" lang="ja-JP" altLang="en-US" smtClean="0"/>
-              <a:t>16/01/16</a:t>
+              <a:t>16/01/18</a:t>
             </a:fld>
             <a:endParaRPr kumimoji="1" lang="ja-JP" altLang="en-US"/>
           </a:p>
@@ -2257,7 +2258,7 @@
           <a:p>
             <a:fld id="{B56DC137-3F13-8D43-AA57-5640E0D90177}" type="datetimeFigureOut">
               <a:rPr kumimoji="1" lang="ja-JP" altLang="en-US" smtClean="0"/>
-              <a:t>16/01/16</a:t>
+              <a:t>16/01/18</a:t>
             </a:fld>
             <a:endParaRPr kumimoji="1" lang="ja-JP" altLang="en-US"/>
           </a:p>
@@ -2352,7 +2353,7 @@
           <a:p>
             <a:fld id="{B56DC137-3F13-8D43-AA57-5640E0D90177}" type="datetimeFigureOut">
               <a:rPr kumimoji="1" lang="ja-JP" altLang="en-US" smtClean="0"/>
-              <a:t>16/01/16</a:t>
+              <a:t>16/01/18</a:t>
             </a:fld>
             <a:endParaRPr kumimoji="1" lang="ja-JP" altLang="en-US"/>
           </a:p>
@@ -2661,7 +2662,7 @@
           <a:p>
             <a:fld id="{B56DC137-3F13-8D43-AA57-5640E0D90177}" type="datetimeFigureOut">
               <a:rPr kumimoji="1" lang="ja-JP" altLang="en-US" smtClean="0"/>
-              <a:t>16/01/16</a:t>
+              <a:t>16/01/18</a:t>
             </a:fld>
             <a:endParaRPr kumimoji="1" lang="ja-JP" altLang="en-US"/>
           </a:p>
@@ -2914,7 +2915,7 @@
           <a:p>
             <a:fld id="{B56DC137-3F13-8D43-AA57-5640E0D90177}" type="datetimeFigureOut">
               <a:rPr kumimoji="1" lang="ja-JP" altLang="en-US" smtClean="0"/>
-              <a:t>16/01/16</a:t>
+              <a:t>16/01/18</a:t>
             </a:fld>
             <a:endParaRPr kumimoji="1" lang="ja-JP" altLang="en-US"/>
           </a:p>
@@ -3159,7 +3160,7 @@
           <a:p>
             <a:fld id="{B56DC137-3F13-8D43-AA57-5640E0D90177}" type="datetimeFigureOut">
               <a:rPr kumimoji="1" lang="ja-JP" altLang="en-US" smtClean="0"/>
-              <a:t>16/01/16</a:t>
+              <a:t>16/01/18</a:t>
             </a:fld>
             <a:endParaRPr kumimoji="1" lang="ja-JP" altLang="en-US"/>
           </a:p>
@@ -3592,12 +3593,12 @@
               <a:t>2016/01/</a:t>
             </a:r>
             <a:r>
+              <a:rPr lang="en-US" altLang="ja-JP" dirty="0" smtClean="0"/>
+              <a:t>1</a:t>
+            </a:r>
+            <a:r>
               <a:rPr lang="en-US" altLang="ja-JP" dirty="0"/>
-              <a:t>1</a:t>
-            </a:r>
-            <a:r>
-              <a:rPr kumimoji="1" lang="en-US" altLang="ja-JP" dirty="0" smtClean="0"/>
-              <a:t>6</a:t>
+              <a:t>8</a:t>
             </a:r>
             <a:endParaRPr kumimoji="1" lang="ja-JP" altLang="en-US" dirty="0"/>
           </a:p>
@@ -3657,16 +3658,1099 @@
           <a:p>
             <a:pPr algn="l"/>
             <a:r>
+              <a:rPr lang="ja-JP" altLang="en-US" dirty="0" smtClean="0"/>
+              <a:t>画面</a:t>
+            </a:r>
+            <a:r>
               <a:rPr kumimoji="1" lang="ja-JP" altLang="en-US" dirty="0" smtClean="0"/>
-              <a:t>ブラウザ</a:t>
-            </a:r>
+              <a:t>仕様</a:t>
+            </a:r>
+            <a:endParaRPr kumimoji="1" lang="ja-JP" altLang="en-US" dirty="0"/>
+          </a:p>
+        </p:txBody>
+      </p:sp>
+      <p:sp>
+        <p:nvSpPr>
+          <p:cNvPr id="3" name="テキスト ボックス 2"/>
+          <p:cNvSpPr txBox="1"/>
+          <p:nvPr/>
+        </p:nvSpPr>
+        <p:spPr>
+          <a:xfrm>
+            <a:off x="457200" y="1205650"/>
+            <a:ext cx="7609776" cy="3785652"/>
+          </a:xfrm>
+          <a:prstGeom prst="rect">
+            <a:avLst/>
+          </a:prstGeom>
+          <a:noFill/>
+        </p:spPr>
+        <p:txBody>
+          <a:bodyPr wrap="none" rtlCol="0">
+            <a:spAutoFit/>
+          </a:bodyPr>
+          <a:lstStyle/>
+          <a:p>
+            <a:pPr marL="285750" indent="-285750">
+              <a:buFont typeface="Wingdings" charset="2"/>
+              <a:buChar char="l"/>
+            </a:pPr>
+            <a:r>
+              <a:rPr kumimoji="1" lang="ja-JP" altLang="en-US" sz="2400" dirty="0" smtClean="0"/>
+              <a:t>ブラウザ上に情報を表示する（</a:t>
+            </a:r>
+            <a:r>
+              <a:rPr kumimoji="1" lang="en-US" altLang="ja-JP" sz="2400" dirty="0" smtClean="0"/>
+              <a:t>Web</a:t>
+            </a:r>
+            <a:r>
+              <a:rPr kumimoji="1" lang="ja-JP" altLang="en-US" sz="2400" dirty="0" smtClean="0"/>
+              <a:t>アプリ）</a:t>
+            </a:r>
+            <a:endParaRPr lang="en-US" altLang="ja-JP" dirty="0" smtClean="0"/>
+          </a:p>
+          <a:p>
+            <a:pPr marL="285750" indent="-285750">
+              <a:buFont typeface="Wingdings" charset="2"/>
+              <a:buChar char="l"/>
+            </a:pPr>
+            <a:endParaRPr kumimoji="1" lang="en-US" altLang="ja-JP" sz="2400" dirty="0"/>
+          </a:p>
+          <a:p>
+            <a:pPr marL="285750" indent="-285750">
+              <a:buFont typeface="Wingdings" charset="2"/>
+              <a:buChar char="l"/>
+            </a:pPr>
+            <a:r>
+              <a:rPr lang="ja-JP" altLang="en-US" sz="2400" dirty="0" smtClean="0"/>
+              <a:t>レート</a:t>
+            </a:r>
+            <a:r>
+              <a:rPr lang="ja-JP" altLang="en-US" sz="2400" dirty="0" smtClean="0"/>
+              <a:t>・ツイート・</a:t>
+            </a:r>
+            <a:r>
+              <a:rPr lang="ja-JP" altLang="en-US" sz="2400" dirty="0" smtClean="0"/>
+              <a:t>記事</a:t>
+            </a:r>
+            <a:r>
+              <a:rPr lang="ja-JP" altLang="en-US" sz="2400" dirty="0" smtClean="0"/>
+              <a:t>のどれか</a:t>
+            </a:r>
+            <a:r>
+              <a:rPr lang="ja-JP" altLang="en-US" sz="2400" dirty="0" smtClean="0"/>
+              <a:t>を</a:t>
+            </a:r>
+            <a:r>
+              <a:rPr lang="ja-JP" altLang="en-US" sz="2400" dirty="0" smtClean="0"/>
+              <a:t>表示する</a:t>
+            </a:r>
+            <a:endParaRPr lang="en-US" altLang="ja-JP" sz="2400" dirty="0" smtClean="0"/>
+          </a:p>
+          <a:p>
+            <a:pPr marL="800100" lvl="1" indent="-342900">
+              <a:buFont typeface="Arial"/>
+              <a:buChar char="•"/>
+            </a:pPr>
+            <a:r>
+              <a:rPr lang="ja-JP" altLang="en-US" sz="2400" dirty="0" smtClean="0"/>
+              <a:t>レートは</a:t>
+            </a:r>
+            <a:r>
+              <a:rPr lang="en-US" altLang="ja-JP" sz="2400" dirty="0" smtClean="0"/>
+              <a:t>USDJPY</a:t>
+            </a:r>
+            <a:r>
+              <a:rPr lang="ja-JP" altLang="en-US" sz="2400" dirty="0" smtClean="0"/>
+              <a:t>を</a:t>
+            </a:r>
+            <a:r>
+              <a:rPr lang="en-US" altLang="ja-JP" sz="2400" dirty="0" smtClean="0"/>
+              <a:t>5</a:t>
+            </a:r>
+            <a:r>
+              <a:rPr lang="ja-JP" altLang="en-US" sz="2400" dirty="0" smtClean="0"/>
+              <a:t>分足ローソク足グラフで表示する</a:t>
+            </a:r>
+            <a:endParaRPr lang="en-US" altLang="ja-JP" sz="2400" dirty="0" smtClean="0"/>
+          </a:p>
+          <a:p>
+            <a:pPr marL="800100" lvl="1" indent="-342900">
+              <a:buFont typeface="Arial"/>
+              <a:buChar char="•"/>
+            </a:pPr>
+            <a:r>
+              <a:rPr lang="ja-JP" altLang="en-US" sz="2400" dirty="0" smtClean="0"/>
+              <a:t>ツイートは最新</a:t>
+            </a:r>
+            <a:r>
+              <a:rPr lang="en-US" altLang="ja-JP" sz="2400" dirty="0" smtClean="0"/>
+              <a:t>100</a:t>
+            </a:r>
+            <a:r>
+              <a:rPr lang="ja-JP" altLang="en-US" sz="2400" dirty="0" smtClean="0"/>
+              <a:t>件を表示する</a:t>
+            </a:r>
+            <a:endParaRPr lang="en-US" altLang="ja-JP" sz="2400" dirty="0" smtClean="0"/>
+          </a:p>
+          <a:p>
+            <a:pPr marL="800100" lvl="1" indent="-342900">
+              <a:buFont typeface="Arial"/>
+              <a:buChar char="•"/>
+            </a:pPr>
+            <a:r>
+              <a:rPr lang="ja-JP" altLang="en-US" sz="2400" dirty="0" smtClean="0"/>
+              <a:t>記事は最新</a:t>
+            </a:r>
+            <a:r>
+              <a:rPr lang="en-US" altLang="ja-JP" sz="2400" dirty="0" smtClean="0"/>
+              <a:t>100</a:t>
+            </a:r>
+            <a:r>
+              <a:rPr lang="ja-JP" altLang="en-US" sz="2400" dirty="0" smtClean="0"/>
+              <a:t>件を表示</a:t>
+            </a:r>
+            <a:r>
+              <a:rPr lang="ja-JP" altLang="en-US" sz="2400" dirty="0" smtClean="0"/>
+              <a:t>する</a:t>
+            </a:r>
+            <a:endParaRPr lang="en-US" altLang="ja-JP" sz="2400" dirty="0" smtClean="0"/>
+          </a:p>
+          <a:p>
+            <a:pPr marL="342900" indent="-342900">
+              <a:buFont typeface="Arial"/>
+              <a:buChar char="•"/>
+            </a:pPr>
+            <a:endParaRPr lang="en-US" altLang="ja-JP" sz="2400" dirty="0"/>
+          </a:p>
+          <a:p>
+            <a:pPr marL="342900" indent="-342900">
+              <a:buFont typeface="Wingdings" charset="2"/>
+              <a:buChar char="l"/>
+            </a:pPr>
+            <a:r>
+              <a:rPr lang="ja-JP" altLang="en-US" sz="2400" dirty="0" smtClean="0"/>
+              <a:t>タブを押すことで表示するものを切り替える</a:t>
+            </a:r>
+            <a:endParaRPr lang="en-US" altLang="ja-JP" sz="2400" dirty="0"/>
+          </a:p>
+          <a:p>
+            <a:endParaRPr kumimoji="1" lang="en-US" altLang="ja-JP" sz="2400" dirty="0"/>
+          </a:p>
+          <a:p>
+            <a:pPr marL="285750" indent="-285750">
+              <a:buFont typeface="Wingdings" charset="2"/>
+              <a:buChar char="l"/>
+            </a:pPr>
+            <a:r>
+              <a:rPr lang="ja-JP" altLang="en-US" sz="2400" dirty="0" smtClean="0"/>
+              <a:t>ブラウザ全体はスクロールしない</a:t>
+            </a:r>
+            <a:endParaRPr kumimoji="1" lang="en-US" altLang="ja-JP" sz="2400" dirty="0" smtClean="0"/>
+          </a:p>
+        </p:txBody>
+      </p:sp>
+    </p:spTree>
+    <p:extLst>
+      <p:ext uri="{BB962C8B-B14F-4D97-AF65-F5344CB8AC3E}">
+        <p14:creationId xmlns:p14="http://schemas.microsoft.com/office/powerpoint/2010/main" val="3212679735"/>
+      </p:ext>
+    </p:extLst>
+  </p:cSld>
+  <p:clrMapOvr>
+    <a:masterClrMapping/>
+  </p:clrMapOvr>
+</p:sld>
+</file>
+
+<file path=ppt/slides/slide3.xml><?xml version="1.0" encoding="utf-8"?>
+<p:sld xmlns:a="http://schemas.openxmlformats.org/drawingml/2006/main" xmlns:r="http://schemas.openxmlformats.org/officeDocument/2006/relationships" xmlns:p="http://schemas.openxmlformats.org/presentationml/2006/main">
+  <p:cSld>
+    <p:spTree>
+      <p:nvGrpSpPr>
+        <p:cNvPr id="1" name=""/>
+        <p:cNvGrpSpPr/>
+        <p:nvPr/>
+      </p:nvGrpSpPr>
+      <p:grpSpPr>
+        <a:xfrm>
+          <a:off x="0" y="0"/>
+          <a:ext cx="0" cy="0"/>
+          <a:chOff x="0" y="0"/>
+          <a:chExt cx="0" cy="0"/>
+        </a:xfrm>
+      </p:grpSpPr>
+      <p:sp>
+        <p:nvSpPr>
+          <p:cNvPr id="2" name="タイトル 1"/>
+          <p:cNvSpPr>
+            <a:spLocks noGrp="1"/>
+          </p:cNvSpPr>
+          <p:nvPr>
+            <p:ph type="title"/>
+          </p:nvPr>
+        </p:nvSpPr>
+        <p:spPr>
+          <a:xfrm>
+            <a:off x="457200" y="274638"/>
+            <a:ext cx="8229600" cy="714625"/>
+          </a:xfrm>
+        </p:spPr>
+        <p:txBody>
+          <a:bodyPr>
+            <a:normAutofit fontScale="90000"/>
+          </a:bodyPr>
+          <a:lstStyle/>
+          <a:p>
+            <a:pPr algn="l"/>
+            <a:r>
+              <a:rPr lang="ja-JP" altLang="en-US" dirty="0" smtClean="0"/>
+              <a:t>画面遷移図</a:t>
+            </a:r>
+            <a:endParaRPr kumimoji="1" lang="ja-JP" altLang="en-US" dirty="0"/>
+          </a:p>
+        </p:txBody>
+      </p:sp>
+      <p:grpSp>
+        <p:nvGrpSpPr>
+          <p:cNvPr id="42" name="図形グループ 41"/>
+          <p:cNvGrpSpPr/>
+          <p:nvPr/>
+        </p:nvGrpSpPr>
+        <p:grpSpPr>
+          <a:xfrm>
+            <a:off x="884382" y="1353127"/>
+            <a:ext cx="7802633" cy="4916417"/>
+            <a:chOff x="884382" y="1353127"/>
+            <a:chExt cx="7802633" cy="4916417"/>
+          </a:xfrm>
+        </p:grpSpPr>
+        <p:sp>
+          <p:nvSpPr>
+            <p:cNvPr id="3" name="正方形/長方形 2"/>
+            <p:cNvSpPr/>
+            <p:nvPr/>
+          </p:nvSpPr>
+          <p:spPr>
+            <a:xfrm>
+              <a:off x="884382" y="1353128"/>
+              <a:ext cx="2140527" cy="1415835"/>
+            </a:xfrm>
+            <a:prstGeom prst="rect">
+              <a:avLst/>
+            </a:prstGeom>
+            <a:noFill/>
+            <a:ln w="38100">
+              <a:solidFill>
+                <a:schemeClr val="tx1"/>
+              </a:solidFill>
+            </a:ln>
+            <a:effectLst/>
+          </p:spPr>
+          <p:style>
+            <a:lnRef idx="1">
+              <a:schemeClr val="accent1"/>
+            </a:lnRef>
+            <a:fillRef idx="3">
+              <a:schemeClr val="accent1"/>
+            </a:fillRef>
+            <a:effectRef idx="2">
+              <a:schemeClr val="accent1"/>
+            </a:effectRef>
+            <a:fontRef idx="minor">
+              <a:schemeClr val="lt1"/>
+            </a:fontRef>
+          </p:style>
+          <p:txBody>
+            <a:bodyPr rtlCol="0" anchor="ctr"/>
+            <a:lstStyle/>
+            <a:p>
+              <a:pPr algn="ctr"/>
+              <a:r>
+                <a:rPr kumimoji="1" lang="ja-JP" altLang="en-US" sz="2800" dirty="0" smtClean="0">
+                  <a:solidFill>
+                    <a:schemeClr val="tx1"/>
+                  </a:solidFill>
+                </a:rPr>
+                <a:t>レート</a:t>
+              </a:r>
+              <a:endParaRPr kumimoji="1" lang="ja-JP" altLang="en-US" sz="2800" dirty="0">
+                <a:solidFill>
+                  <a:schemeClr val="tx1"/>
+                </a:solidFill>
+              </a:endParaRPr>
+            </a:p>
+          </p:txBody>
+        </p:sp>
+        <p:sp>
+          <p:nvSpPr>
+            <p:cNvPr id="13" name="正方形/長方形 12"/>
+            <p:cNvSpPr/>
+            <p:nvPr/>
+          </p:nvSpPr>
+          <p:spPr>
+            <a:xfrm>
+              <a:off x="6153728" y="1353128"/>
+              <a:ext cx="2140527" cy="1418145"/>
+            </a:xfrm>
+            <a:prstGeom prst="rect">
+              <a:avLst/>
+            </a:prstGeom>
+            <a:noFill/>
+            <a:ln w="38100">
+              <a:solidFill>
+                <a:schemeClr val="tx1"/>
+              </a:solidFill>
+            </a:ln>
+            <a:effectLst/>
+          </p:spPr>
+          <p:style>
+            <a:lnRef idx="1">
+              <a:schemeClr val="accent1"/>
+            </a:lnRef>
+            <a:fillRef idx="3">
+              <a:schemeClr val="accent1"/>
+            </a:fillRef>
+            <a:effectRef idx="2">
+              <a:schemeClr val="accent1"/>
+            </a:effectRef>
+            <a:fontRef idx="minor">
+              <a:schemeClr val="lt1"/>
+            </a:fontRef>
+          </p:style>
+          <p:txBody>
+            <a:bodyPr rtlCol="0" anchor="ctr"/>
+            <a:lstStyle/>
+            <a:p>
+              <a:pPr algn="ctr"/>
+              <a:r>
+                <a:rPr kumimoji="1" lang="ja-JP" altLang="en-US" sz="2800" dirty="0" smtClean="0">
+                  <a:solidFill>
+                    <a:srgbClr val="000000"/>
+                  </a:solidFill>
+                </a:rPr>
+                <a:t>ツイート</a:t>
+              </a:r>
+              <a:endParaRPr kumimoji="1" lang="ja-JP" altLang="en-US" sz="2800" dirty="0">
+                <a:solidFill>
+                  <a:srgbClr val="000000"/>
+                </a:solidFill>
+              </a:endParaRPr>
+            </a:p>
+          </p:txBody>
+        </p:sp>
+        <p:sp>
+          <p:nvSpPr>
+            <p:cNvPr id="14" name="正方形/長方形 13"/>
+            <p:cNvSpPr/>
+            <p:nvPr/>
+          </p:nvSpPr>
+          <p:spPr>
+            <a:xfrm>
+              <a:off x="3452092" y="4849091"/>
+              <a:ext cx="2128981" cy="1420453"/>
+            </a:xfrm>
+            <a:prstGeom prst="rect">
+              <a:avLst/>
+            </a:prstGeom>
+            <a:noFill/>
+            <a:ln w="38100">
+              <a:solidFill>
+                <a:schemeClr val="tx1"/>
+              </a:solidFill>
+            </a:ln>
+            <a:effectLst/>
+          </p:spPr>
+          <p:style>
+            <a:lnRef idx="1">
+              <a:schemeClr val="accent1"/>
+            </a:lnRef>
+            <a:fillRef idx="3">
+              <a:schemeClr val="accent1"/>
+            </a:fillRef>
+            <a:effectRef idx="2">
+              <a:schemeClr val="accent1"/>
+            </a:effectRef>
+            <a:fontRef idx="minor">
+              <a:schemeClr val="lt1"/>
+            </a:fontRef>
+          </p:style>
+          <p:txBody>
+            <a:bodyPr rtlCol="0" anchor="ctr"/>
+            <a:lstStyle/>
+            <a:p>
+              <a:pPr algn="ctr"/>
+              <a:r>
+                <a:rPr kumimoji="1" lang="ja-JP" altLang="en-US" sz="2800" dirty="0" smtClean="0">
+                  <a:solidFill>
+                    <a:srgbClr val="000000"/>
+                  </a:solidFill>
+                </a:rPr>
+                <a:t>記事</a:t>
+              </a:r>
+              <a:endParaRPr kumimoji="1" lang="ja-JP" altLang="en-US" sz="2800" dirty="0">
+                <a:solidFill>
+                  <a:srgbClr val="000000"/>
+                </a:solidFill>
+              </a:endParaRPr>
+            </a:p>
+          </p:txBody>
+        </p:sp>
+        <p:cxnSp>
+          <p:nvCxnSpPr>
+            <p:cNvPr id="5" name="直線矢印コネクタ 4"/>
+            <p:cNvCxnSpPr/>
+            <p:nvPr/>
+          </p:nvCxnSpPr>
+          <p:spPr>
+            <a:xfrm>
+              <a:off x="3359728" y="2470727"/>
+              <a:ext cx="2459182" cy="0"/>
+            </a:xfrm>
+            <a:prstGeom prst="straightConnector1">
+              <a:avLst/>
+            </a:prstGeom>
+            <a:ln>
+              <a:solidFill>
+                <a:srgbClr val="FF0000"/>
+              </a:solidFill>
+              <a:tailEnd type="arrow"/>
+            </a:ln>
+            <a:effectLst/>
+          </p:spPr>
+          <p:style>
+            <a:lnRef idx="2">
+              <a:schemeClr val="accent1"/>
+            </a:lnRef>
+            <a:fillRef idx="0">
+              <a:schemeClr val="accent1"/>
+            </a:fillRef>
+            <a:effectRef idx="1">
+              <a:schemeClr val="accent1"/>
+            </a:effectRef>
+            <a:fontRef idx="minor">
+              <a:schemeClr val="tx1"/>
+            </a:fontRef>
+          </p:style>
+        </p:cxnSp>
+        <p:cxnSp>
+          <p:nvCxnSpPr>
+            <p:cNvPr id="20" name="直線矢印コネクタ 19"/>
+            <p:cNvCxnSpPr/>
+            <p:nvPr/>
+          </p:nvCxnSpPr>
+          <p:spPr>
+            <a:xfrm flipH="1">
+              <a:off x="3359728" y="1674091"/>
+              <a:ext cx="2459182" cy="0"/>
+            </a:xfrm>
+            <a:prstGeom prst="straightConnector1">
+              <a:avLst/>
+            </a:prstGeom>
+            <a:ln>
+              <a:solidFill>
+                <a:srgbClr val="FF0000"/>
+              </a:solidFill>
+              <a:tailEnd type="arrow"/>
+            </a:ln>
+            <a:effectLst/>
+          </p:spPr>
+          <p:style>
+            <a:lnRef idx="2">
+              <a:schemeClr val="accent1"/>
+            </a:lnRef>
+            <a:fillRef idx="0">
+              <a:schemeClr val="accent1"/>
+            </a:fillRef>
+            <a:effectRef idx="1">
+              <a:schemeClr val="accent1"/>
+            </a:effectRef>
+            <a:fontRef idx="minor">
+              <a:schemeClr val="tx1"/>
+            </a:fontRef>
+          </p:style>
+        </p:cxnSp>
+        <p:cxnSp>
+          <p:nvCxnSpPr>
+            <p:cNvPr id="22" name="直線矢印コネクタ 21"/>
+            <p:cNvCxnSpPr/>
+            <p:nvPr/>
+          </p:nvCxnSpPr>
+          <p:spPr>
+            <a:xfrm flipH="1">
+              <a:off x="5738090" y="3001818"/>
+              <a:ext cx="1431637" cy="1720273"/>
+            </a:xfrm>
+            <a:prstGeom prst="straightConnector1">
+              <a:avLst/>
+            </a:prstGeom>
+            <a:ln>
+              <a:solidFill>
+                <a:srgbClr val="FF0000"/>
+              </a:solidFill>
+              <a:tailEnd type="arrow"/>
+            </a:ln>
+            <a:effectLst/>
+          </p:spPr>
+          <p:style>
+            <a:lnRef idx="2">
+              <a:schemeClr val="accent1"/>
+            </a:lnRef>
+            <a:fillRef idx="0">
+              <a:schemeClr val="accent1"/>
+            </a:fillRef>
+            <a:effectRef idx="1">
+              <a:schemeClr val="accent1"/>
+            </a:effectRef>
+            <a:fontRef idx="minor">
+              <a:schemeClr val="tx1"/>
+            </a:fontRef>
+          </p:style>
+        </p:cxnSp>
+        <p:cxnSp>
+          <p:nvCxnSpPr>
+            <p:cNvPr id="30" name="直線矢印コネクタ 29"/>
+            <p:cNvCxnSpPr/>
+            <p:nvPr/>
+          </p:nvCxnSpPr>
+          <p:spPr>
+            <a:xfrm flipV="1">
+              <a:off x="6373090" y="3001819"/>
+              <a:ext cx="1420091" cy="1720272"/>
+            </a:xfrm>
+            <a:prstGeom prst="straightConnector1">
+              <a:avLst/>
+            </a:prstGeom>
+            <a:ln>
+              <a:solidFill>
+                <a:srgbClr val="FF0000"/>
+              </a:solidFill>
+              <a:tailEnd type="arrow"/>
+            </a:ln>
+            <a:effectLst/>
+          </p:spPr>
+          <p:style>
+            <a:lnRef idx="2">
+              <a:schemeClr val="accent1"/>
+            </a:lnRef>
+            <a:fillRef idx="0">
+              <a:schemeClr val="accent1"/>
+            </a:fillRef>
+            <a:effectRef idx="1">
+              <a:schemeClr val="accent1"/>
+            </a:effectRef>
+            <a:fontRef idx="minor">
+              <a:schemeClr val="tx1"/>
+            </a:fontRef>
+          </p:style>
+        </p:cxnSp>
+        <p:cxnSp>
+          <p:nvCxnSpPr>
+            <p:cNvPr id="31" name="直線矢印コネクタ 30"/>
+            <p:cNvCxnSpPr/>
+            <p:nvPr/>
+          </p:nvCxnSpPr>
+          <p:spPr>
+            <a:xfrm flipH="1" flipV="1">
+              <a:off x="2205183" y="3001818"/>
+              <a:ext cx="1154545" cy="1720272"/>
+            </a:xfrm>
+            <a:prstGeom prst="straightConnector1">
+              <a:avLst/>
+            </a:prstGeom>
+            <a:ln>
+              <a:solidFill>
+                <a:srgbClr val="FF0000"/>
+              </a:solidFill>
+              <a:tailEnd type="arrow"/>
+            </a:ln>
+            <a:effectLst/>
+          </p:spPr>
+          <p:style>
+            <a:lnRef idx="2">
+              <a:schemeClr val="accent1"/>
+            </a:lnRef>
+            <a:fillRef idx="0">
+              <a:schemeClr val="accent1"/>
+            </a:fillRef>
+            <a:effectRef idx="1">
+              <a:schemeClr val="accent1"/>
+            </a:effectRef>
+            <a:fontRef idx="minor">
+              <a:schemeClr val="tx1"/>
+            </a:fontRef>
+          </p:style>
+        </p:cxnSp>
+        <p:cxnSp>
+          <p:nvCxnSpPr>
+            <p:cNvPr id="33" name="直線矢印コネクタ 32"/>
+            <p:cNvCxnSpPr/>
+            <p:nvPr/>
+          </p:nvCxnSpPr>
+          <p:spPr>
+            <a:xfrm>
+              <a:off x="1674092" y="3001818"/>
+              <a:ext cx="1154545" cy="1720272"/>
+            </a:xfrm>
+            <a:prstGeom prst="straightConnector1">
+              <a:avLst/>
+            </a:prstGeom>
+            <a:ln>
+              <a:solidFill>
+                <a:srgbClr val="FF0000"/>
+              </a:solidFill>
+              <a:tailEnd type="arrow"/>
+            </a:ln>
+            <a:effectLst/>
+          </p:spPr>
+          <p:style>
+            <a:lnRef idx="2">
+              <a:schemeClr val="accent1"/>
+            </a:lnRef>
+            <a:fillRef idx="0">
+              <a:schemeClr val="accent1"/>
+            </a:fillRef>
+            <a:effectRef idx="1">
+              <a:schemeClr val="accent1"/>
+            </a:effectRef>
+            <a:fontRef idx="minor">
+              <a:schemeClr val="tx1"/>
+            </a:fontRef>
+          </p:style>
+        </p:cxnSp>
+        <p:sp>
+          <p:nvSpPr>
+            <p:cNvPr id="36" name="テキスト ボックス 35"/>
+            <p:cNvSpPr txBox="1"/>
+            <p:nvPr/>
+          </p:nvSpPr>
+          <p:spPr>
+            <a:xfrm>
+              <a:off x="3798454" y="1353127"/>
+              <a:ext cx="1608133" cy="307777"/>
+            </a:xfrm>
+            <a:prstGeom prst="rect">
+              <a:avLst/>
+            </a:prstGeom>
+            <a:noFill/>
+          </p:spPr>
+          <p:txBody>
+            <a:bodyPr wrap="none" rtlCol="0">
+              <a:spAutoFit/>
+            </a:bodyPr>
+            <a:lstStyle/>
+            <a:p>
+              <a:r>
+                <a:rPr kumimoji="1" lang="en-US" altLang="ja-JP" sz="1400" dirty="0" smtClean="0">
+                  <a:latin typeface="メイリオ"/>
+                  <a:ea typeface="メイリオ"/>
+                  <a:cs typeface="メイリオ"/>
+                </a:rPr>
+                <a:t>“</a:t>
+              </a:r>
+              <a:r>
+                <a:rPr kumimoji="1" lang="ja-JP" altLang="en-US" sz="1400" dirty="0" smtClean="0">
+                  <a:latin typeface="メイリオ"/>
+                  <a:ea typeface="メイリオ"/>
+                  <a:cs typeface="メイリオ"/>
+                </a:rPr>
+                <a:t>レート</a:t>
+              </a:r>
+              <a:r>
+                <a:rPr kumimoji="1" lang="en-US" altLang="ja-JP" sz="1400" dirty="0" smtClean="0">
+                  <a:latin typeface="メイリオ"/>
+                  <a:ea typeface="メイリオ"/>
+                  <a:cs typeface="メイリオ"/>
+                </a:rPr>
+                <a:t>”</a:t>
+              </a:r>
+              <a:r>
+                <a:rPr kumimoji="1" lang="ja-JP" altLang="en-US" sz="1400" dirty="0" smtClean="0">
+                  <a:latin typeface="メイリオ"/>
+                  <a:ea typeface="メイリオ"/>
+                  <a:cs typeface="メイリオ"/>
+                </a:rPr>
+                <a:t>タブ押下</a:t>
+              </a:r>
+              <a:endParaRPr kumimoji="1" lang="ja-JP" altLang="en-US" sz="1400" dirty="0">
+                <a:latin typeface="メイリオ"/>
+                <a:ea typeface="メイリオ"/>
+                <a:cs typeface="メイリオ"/>
+              </a:endParaRPr>
+            </a:p>
+          </p:txBody>
+        </p:sp>
+        <p:sp>
+          <p:nvSpPr>
+            <p:cNvPr id="37" name="テキスト ボックス 36"/>
+            <p:cNvSpPr txBox="1"/>
+            <p:nvPr/>
+          </p:nvSpPr>
+          <p:spPr>
+            <a:xfrm>
+              <a:off x="3706090" y="2470727"/>
+              <a:ext cx="1787669" cy="307777"/>
+            </a:xfrm>
+            <a:prstGeom prst="rect">
+              <a:avLst/>
+            </a:prstGeom>
+            <a:noFill/>
+          </p:spPr>
+          <p:txBody>
+            <a:bodyPr wrap="none" rtlCol="0">
+              <a:spAutoFit/>
+            </a:bodyPr>
+            <a:lstStyle/>
+            <a:p>
+              <a:r>
+                <a:rPr kumimoji="1" lang="en-US" altLang="ja-JP" sz="1400" dirty="0" smtClean="0">
+                  <a:latin typeface="メイリオ"/>
+                  <a:ea typeface="メイリオ"/>
+                  <a:cs typeface="メイリオ"/>
+                </a:rPr>
+                <a:t>“</a:t>
+              </a:r>
+              <a:r>
+                <a:rPr lang="ja-JP" altLang="en-US" sz="1400" dirty="0" smtClean="0">
+                  <a:latin typeface="メイリオ"/>
+                  <a:ea typeface="メイリオ"/>
+                  <a:cs typeface="メイリオ"/>
+                </a:rPr>
+                <a:t>ツイート</a:t>
+              </a:r>
+              <a:r>
+                <a:rPr kumimoji="1" lang="en-US" altLang="ja-JP" sz="1400" dirty="0" smtClean="0">
+                  <a:latin typeface="メイリオ"/>
+                  <a:ea typeface="メイリオ"/>
+                  <a:cs typeface="メイリオ"/>
+                </a:rPr>
+                <a:t>”</a:t>
+              </a:r>
+              <a:r>
+                <a:rPr kumimoji="1" lang="ja-JP" altLang="en-US" sz="1400" dirty="0" smtClean="0">
+                  <a:latin typeface="メイリオ"/>
+                  <a:ea typeface="メイリオ"/>
+                  <a:cs typeface="メイリオ"/>
+                </a:rPr>
+                <a:t>タブ押下</a:t>
+              </a:r>
+              <a:endParaRPr kumimoji="1" lang="ja-JP" altLang="en-US" sz="1400" dirty="0">
+                <a:latin typeface="メイリオ"/>
+                <a:ea typeface="メイリオ"/>
+                <a:cs typeface="メイリオ"/>
+              </a:endParaRPr>
+            </a:p>
+          </p:txBody>
+        </p:sp>
+        <p:sp>
+          <p:nvSpPr>
+            <p:cNvPr id="38" name="テキスト ボックス 37"/>
+            <p:cNvSpPr txBox="1"/>
+            <p:nvPr/>
+          </p:nvSpPr>
+          <p:spPr>
+            <a:xfrm>
+              <a:off x="6899346" y="4251036"/>
+              <a:ext cx="1787669" cy="307777"/>
+            </a:xfrm>
+            <a:prstGeom prst="rect">
+              <a:avLst/>
+            </a:prstGeom>
+            <a:noFill/>
+          </p:spPr>
+          <p:txBody>
+            <a:bodyPr wrap="none" rtlCol="0">
+              <a:spAutoFit/>
+            </a:bodyPr>
+            <a:lstStyle/>
+            <a:p>
+              <a:r>
+                <a:rPr kumimoji="1" lang="en-US" altLang="ja-JP" sz="1400" dirty="0" smtClean="0">
+                  <a:latin typeface="メイリオ"/>
+                  <a:ea typeface="メイリオ"/>
+                  <a:cs typeface="メイリオ"/>
+                </a:rPr>
+                <a:t>“</a:t>
+              </a:r>
+              <a:r>
+                <a:rPr lang="ja-JP" altLang="en-US" sz="1400" dirty="0" smtClean="0">
+                  <a:latin typeface="メイリオ"/>
+                  <a:ea typeface="メイリオ"/>
+                  <a:cs typeface="メイリオ"/>
+                </a:rPr>
+                <a:t>ツイート</a:t>
+              </a:r>
+              <a:r>
+                <a:rPr kumimoji="1" lang="en-US" altLang="ja-JP" sz="1400" dirty="0" smtClean="0">
+                  <a:latin typeface="メイリオ"/>
+                  <a:ea typeface="メイリオ"/>
+                  <a:cs typeface="メイリオ"/>
+                </a:rPr>
+                <a:t>”</a:t>
+              </a:r>
+              <a:r>
+                <a:rPr kumimoji="1" lang="ja-JP" altLang="en-US" sz="1400" dirty="0" smtClean="0">
+                  <a:latin typeface="メイリオ"/>
+                  <a:ea typeface="メイリオ"/>
+                  <a:cs typeface="メイリオ"/>
+                </a:rPr>
+                <a:t>タブ押下</a:t>
+              </a:r>
+              <a:endParaRPr kumimoji="1" lang="ja-JP" altLang="en-US" sz="1400" dirty="0">
+                <a:latin typeface="メイリオ"/>
+                <a:ea typeface="メイリオ"/>
+                <a:cs typeface="メイリオ"/>
+              </a:endParaRPr>
+            </a:p>
+          </p:txBody>
+        </p:sp>
+        <p:sp>
+          <p:nvSpPr>
+            <p:cNvPr id="39" name="テキスト ボックス 38"/>
+            <p:cNvSpPr txBox="1"/>
+            <p:nvPr/>
+          </p:nvSpPr>
+          <p:spPr>
+            <a:xfrm>
+              <a:off x="2648025" y="3133436"/>
+              <a:ext cx="1608133" cy="307777"/>
+            </a:xfrm>
+            <a:prstGeom prst="rect">
+              <a:avLst/>
+            </a:prstGeom>
+            <a:noFill/>
+          </p:spPr>
+          <p:txBody>
+            <a:bodyPr wrap="none" rtlCol="0">
+              <a:spAutoFit/>
+            </a:bodyPr>
+            <a:lstStyle/>
+            <a:p>
+              <a:r>
+                <a:rPr kumimoji="1" lang="en-US" altLang="ja-JP" sz="1400" dirty="0" smtClean="0">
+                  <a:latin typeface="メイリオ"/>
+                  <a:ea typeface="メイリオ"/>
+                  <a:cs typeface="メイリオ"/>
+                </a:rPr>
+                <a:t>“</a:t>
+              </a:r>
+              <a:r>
+                <a:rPr kumimoji="1" lang="ja-JP" altLang="en-US" sz="1400" dirty="0" smtClean="0">
+                  <a:latin typeface="メイリオ"/>
+                  <a:ea typeface="メイリオ"/>
+                  <a:cs typeface="メイリオ"/>
+                </a:rPr>
+                <a:t>レート</a:t>
+              </a:r>
+              <a:r>
+                <a:rPr kumimoji="1" lang="en-US" altLang="ja-JP" sz="1400" dirty="0" smtClean="0">
+                  <a:latin typeface="メイリオ"/>
+                  <a:ea typeface="メイリオ"/>
+                  <a:cs typeface="メイリオ"/>
+                </a:rPr>
+                <a:t>”</a:t>
+              </a:r>
+              <a:r>
+                <a:rPr kumimoji="1" lang="ja-JP" altLang="en-US" sz="1400" dirty="0" smtClean="0">
+                  <a:latin typeface="メイリオ"/>
+                  <a:ea typeface="メイリオ"/>
+                  <a:cs typeface="メイリオ"/>
+                </a:rPr>
+                <a:t>タブ押下</a:t>
+              </a:r>
+              <a:endParaRPr kumimoji="1" lang="ja-JP" altLang="en-US" sz="1400" dirty="0">
+                <a:latin typeface="メイリオ"/>
+                <a:ea typeface="メイリオ"/>
+                <a:cs typeface="メイリオ"/>
+              </a:endParaRPr>
+            </a:p>
+          </p:txBody>
+        </p:sp>
+        <p:sp>
+          <p:nvSpPr>
+            <p:cNvPr id="40" name="テキスト ボックス 39"/>
+            <p:cNvSpPr txBox="1"/>
+            <p:nvPr/>
+          </p:nvSpPr>
+          <p:spPr>
+            <a:xfrm>
+              <a:off x="5269562" y="3133436"/>
+              <a:ext cx="1428596" cy="307777"/>
+            </a:xfrm>
+            <a:prstGeom prst="rect">
+              <a:avLst/>
+            </a:prstGeom>
+            <a:noFill/>
+          </p:spPr>
+          <p:txBody>
+            <a:bodyPr wrap="none" rtlCol="0">
+              <a:spAutoFit/>
+            </a:bodyPr>
+            <a:lstStyle/>
+            <a:p>
+              <a:r>
+                <a:rPr kumimoji="1" lang="en-US" altLang="ja-JP" sz="1400" dirty="0" smtClean="0">
+                  <a:latin typeface="メイリオ"/>
+                  <a:ea typeface="メイリオ"/>
+                  <a:cs typeface="メイリオ"/>
+                </a:rPr>
+                <a:t>“</a:t>
+              </a:r>
+              <a:r>
+                <a:rPr lang="ja-JP" altLang="en-US" sz="1400" dirty="0" smtClean="0">
+                  <a:latin typeface="メイリオ"/>
+                  <a:ea typeface="メイリオ"/>
+                  <a:cs typeface="メイリオ"/>
+                </a:rPr>
+                <a:t>記事</a:t>
+              </a:r>
+              <a:r>
+                <a:rPr kumimoji="1" lang="en-US" altLang="ja-JP" sz="1400" dirty="0" smtClean="0">
+                  <a:latin typeface="メイリオ"/>
+                  <a:ea typeface="メイリオ"/>
+                  <a:cs typeface="メイリオ"/>
+                </a:rPr>
+                <a:t>”</a:t>
+              </a:r>
+              <a:r>
+                <a:rPr kumimoji="1" lang="ja-JP" altLang="en-US" sz="1400" dirty="0" smtClean="0">
+                  <a:latin typeface="メイリオ"/>
+                  <a:ea typeface="メイリオ"/>
+                  <a:cs typeface="メイリオ"/>
+                </a:rPr>
+                <a:t>タブ押下</a:t>
+              </a:r>
+              <a:endParaRPr kumimoji="1" lang="ja-JP" altLang="en-US" sz="1400" dirty="0">
+                <a:latin typeface="メイリオ"/>
+                <a:ea typeface="メイリオ"/>
+                <a:cs typeface="メイリオ"/>
+              </a:endParaRPr>
+            </a:p>
+          </p:txBody>
+        </p:sp>
+        <p:sp>
+          <p:nvSpPr>
+            <p:cNvPr id="41" name="テキスト ボックス 40"/>
+            <p:cNvSpPr txBox="1"/>
+            <p:nvPr/>
+          </p:nvSpPr>
+          <p:spPr>
+            <a:xfrm>
+              <a:off x="884382" y="4254013"/>
+              <a:ext cx="1428596" cy="307777"/>
+            </a:xfrm>
+            <a:prstGeom prst="rect">
+              <a:avLst/>
+            </a:prstGeom>
+            <a:noFill/>
+          </p:spPr>
+          <p:txBody>
+            <a:bodyPr wrap="none" rtlCol="0">
+              <a:spAutoFit/>
+            </a:bodyPr>
+            <a:lstStyle/>
+            <a:p>
+              <a:r>
+                <a:rPr kumimoji="1" lang="en-US" altLang="ja-JP" sz="1400" dirty="0" smtClean="0">
+                  <a:latin typeface="メイリオ"/>
+                  <a:ea typeface="メイリオ"/>
+                  <a:cs typeface="メイリオ"/>
+                </a:rPr>
+                <a:t>“</a:t>
+              </a:r>
+              <a:r>
+                <a:rPr lang="ja-JP" altLang="en-US" sz="1400" dirty="0" smtClean="0">
+                  <a:latin typeface="メイリオ"/>
+                  <a:ea typeface="メイリオ"/>
+                  <a:cs typeface="メイリオ"/>
+                </a:rPr>
+                <a:t>記事</a:t>
+              </a:r>
+              <a:r>
+                <a:rPr kumimoji="1" lang="en-US" altLang="ja-JP" sz="1400" dirty="0" smtClean="0">
+                  <a:latin typeface="メイリオ"/>
+                  <a:ea typeface="メイリオ"/>
+                  <a:cs typeface="メイリオ"/>
+                </a:rPr>
+                <a:t>”</a:t>
+              </a:r>
+              <a:r>
+                <a:rPr kumimoji="1" lang="ja-JP" altLang="en-US" sz="1400" dirty="0" smtClean="0">
+                  <a:latin typeface="メイリオ"/>
+                  <a:ea typeface="メイリオ"/>
+                  <a:cs typeface="メイリオ"/>
+                </a:rPr>
+                <a:t>タブ押下</a:t>
+              </a:r>
+              <a:endParaRPr kumimoji="1" lang="ja-JP" altLang="en-US" sz="1400" dirty="0">
+                <a:latin typeface="メイリオ"/>
+                <a:ea typeface="メイリオ"/>
+                <a:cs typeface="メイリオ"/>
+              </a:endParaRPr>
+            </a:p>
+          </p:txBody>
+        </p:sp>
+      </p:grpSp>
+    </p:spTree>
+    <p:extLst>
+      <p:ext uri="{BB962C8B-B14F-4D97-AF65-F5344CB8AC3E}">
+        <p14:creationId xmlns:p14="http://schemas.microsoft.com/office/powerpoint/2010/main" val="2305108227"/>
+      </p:ext>
+    </p:extLst>
+  </p:cSld>
+  <p:clrMapOvr>
+    <a:masterClrMapping/>
+  </p:clrMapOvr>
+</p:sld>
+</file>
+
+<file path=ppt/slides/slide4.xml><?xml version="1.0" encoding="utf-8"?>
+<p:sld xmlns:a="http://schemas.openxmlformats.org/drawingml/2006/main" xmlns:r="http://schemas.openxmlformats.org/officeDocument/2006/relationships" xmlns:p="http://schemas.openxmlformats.org/presentationml/2006/main">
+  <p:cSld>
+    <p:spTree>
+      <p:nvGrpSpPr>
+        <p:cNvPr id="1" name=""/>
+        <p:cNvGrpSpPr/>
+        <p:nvPr/>
+      </p:nvGrpSpPr>
+      <p:grpSpPr>
+        <a:xfrm>
+          <a:off x="0" y="0"/>
+          <a:ext cx="0" cy="0"/>
+          <a:chOff x="0" y="0"/>
+          <a:chExt cx="0" cy="0"/>
+        </a:xfrm>
+      </p:grpSpPr>
+      <p:sp>
+        <p:nvSpPr>
+          <p:cNvPr id="2" name="タイトル 1"/>
+          <p:cNvSpPr>
+            <a:spLocks noGrp="1"/>
+          </p:cNvSpPr>
+          <p:nvPr>
+            <p:ph type="title"/>
+          </p:nvPr>
+        </p:nvSpPr>
+        <p:spPr>
+          <a:xfrm>
+            <a:off x="457200" y="274638"/>
+            <a:ext cx="8229600" cy="714625"/>
+          </a:xfrm>
+        </p:spPr>
+        <p:txBody>
+          <a:bodyPr>
+            <a:normAutofit fontScale="90000"/>
+          </a:bodyPr>
+          <a:lstStyle/>
+          <a:p>
+            <a:pPr algn="l"/>
             <a:r>
               <a:rPr kumimoji="1" lang="ja-JP" altLang="en-US" dirty="0" smtClean="0"/>
-              <a:t>画面</a:t>
+              <a:t>ブラウザ画面（</a:t>
             </a:r>
             <a:r>
               <a:rPr kumimoji="1" lang="ja-JP" altLang="en-US" dirty="0" smtClean="0"/>
-              <a:t>（レート表示）</a:t>
+              <a:t>レート）</a:t>
             </a:r>
             <a:endParaRPr kumimoji="1" lang="ja-JP" altLang="en-US" dirty="0"/>
           </a:p>
@@ -4041,7 +5125,7 @@
 </p:sld>
 </file>
 
-<file path=ppt/slides/slide3.xml><?xml version="1.0" encoding="utf-8"?>
+<file path=ppt/slides/slide5.xml><?xml version="1.0" encoding="utf-8"?>
 <p:sld xmlns:a="http://schemas.openxmlformats.org/drawingml/2006/main" xmlns:r="http://schemas.openxmlformats.org/officeDocument/2006/relationships" xmlns:p="http://schemas.openxmlformats.org/presentationml/2006/main">
   <p:cSld>
     <p:spTree>
@@ -4083,15 +5167,11 @@
             <a:pPr algn="l"/>
             <a:r>
               <a:rPr kumimoji="1" lang="ja-JP" altLang="en-US" dirty="0" smtClean="0"/>
-              <a:t>ブラウザ</a:t>
+              <a:t>ブラウザ画面（</a:t>
             </a:r>
             <a:r>
               <a:rPr kumimoji="1" lang="ja-JP" altLang="en-US" dirty="0" smtClean="0"/>
-              <a:t>画面</a:t>
-            </a:r>
-            <a:r>
-              <a:rPr kumimoji="1" lang="ja-JP" altLang="en-US" dirty="0" smtClean="0"/>
-              <a:t>（ツイート表示）</a:t>
+              <a:t>ツイート）</a:t>
             </a:r>
             <a:endParaRPr kumimoji="1" lang="ja-JP" altLang="en-US" dirty="0"/>
           </a:p>
@@ -4659,7 +5739,7 @@
 </p:sld>
 </file>
 
-<file path=ppt/slides/slide4.xml><?xml version="1.0" encoding="utf-8"?>
+<file path=ppt/slides/slide6.xml><?xml version="1.0" encoding="utf-8"?>
 <p:sld xmlns:a="http://schemas.openxmlformats.org/drawingml/2006/main" xmlns:r="http://schemas.openxmlformats.org/officeDocument/2006/relationships" xmlns:p="http://schemas.openxmlformats.org/presentationml/2006/main">
   <p:cSld>
     <p:spTree>
@@ -4701,15 +5781,11 @@
             <a:pPr algn="l"/>
             <a:r>
               <a:rPr kumimoji="1" lang="ja-JP" altLang="en-US" dirty="0" smtClean="0"/>
-              <a:t>ブラウザ</a:t>
+              <a:t>ブラウザ画面（</a:t>
             </a:r>
             <a:r>
               <a:rPr kumimoji="1" lang="ja-JP" altLang="en-US" dirty="0" smtClean="0"/>
-              <a:t>画面</a:t>
-            </a:r>
-            <a:r>
-              <a:rPr kumimoji="1" lang="ja-JP" altLang="en-US" dirty="0" smtClean="0"/>
-              <a:t>（記事表示）</a:t>
+              <a:t>記事）</a:t>
             </a:r>
             <a:endParaRPr kumimoji="1" lang="ja-JP" altLang="en-US" dirty="0"/>
           </a:p>
@@ -5268,210 +6344,6 @@
     <p:extLst>
       <p:ext uri="{BB962C8B-B14F-4D97-AF65-F5344CB8AC3E}">
         <p14:creationId xmlns:p14="http://schemas.microsoft.com/office/powerpoint/2010/main" val="2317927665"/>
-      </p:ext>
-    </p:extLst>
-  </p:cSld>
-  <p:clrMapOvr>
-    <a:masterClrMapping/>
-  </p:clrMapOvr>
-</p:sld>
-</file>
-
-<file path=ppt/slides/slide5.xml><?xml version="1.0" encoding="utf-8"?>
-<p:sld xmlns:a="http://schemas.openxmlformats.org/drawingml/2006/main" xmlns:r="http://schemas.openxmlformats.org/officeDocument/2006/relationships" xmlns:p="http://schemas.openxmlformats.org/presentationml/2006/main">
-  <p:cSld>
-    <p:spTree>
-      <p:nvGrpSpPr>
-        <p:cNvPr id="1" name=""/>
-        <p:cNvGrpSpPr/>
-        <p:nvPr/>
-      </p:nvGrpSpPr>
-      <p:grpSpPr>
-        <a:xfrm>
-          <a:off x="0" y="0"/>
-          <a:ext cx="0" cy="0"/>
-          <a:chOff x="0" y="0"/>
-          <a:chExt cx="0" cy="0"/>
-        </a:xfrm>
-      </p:grpSpPr>
-      <p:sp>
-        <p:nvSpPr>
-          <p:cNvPr id="2" name="タイトル 1"/>
-          <p:cNvSpPr>
-            <a:spLocks noGrp="1"/>
-          </p:cNvSpPr>
-          <p:nvPr>
-            <p:ph type="title"/>
-          </p:nvPr>
-        </p:nvSpPr>
-        <p:spPr>
-          <a:xfrm>
-            <a:off x="457200" y="274638"/>
-            <a:ext cx="8229600" cy="714625"/>
-          </a:xfrm>
-        </p:spPr>
-        <p:txBody>
-          <a:bodyPr>
-            <a:normAutofit fontScale="90000"/>
-          </a:bodyPr>
-          <a:lstStyle/>
-          <a:p>
-            <a:pPr algn="l"/>
-            <a:r>
-              <a:rPr kumimoji="1" lang="ja-JP" altLang="en-US" dirty="0" smtClean="0"/>
-              <a:t>機能仕様</a:t>
-            </a:r>
-            <a:endParaRPr kumimoji="1" lang="ja-JP" altLang="en-US" dirty="0"/>
-          </a:p>
-        </p:txBody>
-      </p:sp>
-      <p:sp>
-        <p:nvSpPr>
-          <p:cNvPr id="3" name="テキスト ボックス 2"/>
-          <p:cNvSpPr txBox="1"/>
-          <p:nvPr/>
-        </p:nvSpPr>
-        <p:spPr>
-          <a:xfrm>
-            <a:off x="457200" y="1205650"/>
-            <a:ext cx="7596951" cy="3046988"/>
-          </a:xfrm>
-          <a:prstGeom prst="rect">
-            <a:avLst/>
-          </a:prstGeom>
-          <a:noFill/>
-        </p:spPr>
-        <p:txBody>
-          <a:bodyPr wrap="none" rtlCol="0">
-            <a:spAutoFit/>
-          </a:bodyPr>
-          <a:lstStyle/>
-          <a:p>
-            <a:pPr marL="285750" indent="-285750">
-              <a:buFont typeface="Wingdings" charset="2"/>
-              <a:buChar char="l"/>
-            </a:pPr>
-            <a:r>
-              <a:rPr kumimoji="1" lang="ja-JP" altLang="en-US" sz="2400" dirty="0" smtClean="0"/>
-              <a:t>ブラウザ上に情報を表示する（</a:t>
-            </a:r>
-            <a:r>
-              <a:rPr kumimoji="1" lang="en-US" altLang="ja-JP" sz="2400" dirty="0" smtClean="0"/>
-              <a:t>Web</a:t>
-            </a:r>
-            <a:r>
-              <a:rPr kumimoji="1" lang="ja-JP" altLang="en-US" sz="2400" dirty="0" smtClean="0"/>
-              <a:t>アプリ）</a:t>
-            </a:r>
-            <a:endParaRPr lang="en-US" altLang="ja-JP" dirty="0" smtClean="0"/>
-          </a:p>
-          <a:p>
-            <a:pPr marL="285750" indent="-285750">
-              <a:buFont typeface="Wingdings" charset="2"/>
-              <a:buChar char="l"/>
-            </a:pPr>
-            <a:endParaRPr kumimoji="1" lang="en-US" altLang="ja-JP" sz="2400" dirty="0"/>
-          </a:p>
-          <a:p>
-            <a:pPr marL="285750" indent="-285750">
-              <a:buFont typeface="Wingdings" charset="2"/>
-              <a:buChar char="l"/>
-            </a:pPr>
-            <a:r>
-              <a:rPr lang="ja-JP" altLang="en-US" sz="2400" dirty="0" smtClean="0"/>
-              <a:t>タブでレート・ツイート・記事表示を分けている</a:t>
-            </a:r>
-            <a:endParaRPr lang="en-US" altLang="ja-JP" sz="2400" dirty="0" smtClean="0"/>
-          </a:p>
-          <a:p>
-            <a:pPr marL="800100" lvl="1" indent="-342900">
-              <a:buFont typeface="Arial"/>
-              <a:buChar char="•"/>
-            </a:pPr>
-            <a:r>
-              <a:rPr lang="ja-JP" altLang="en-US" sz="2400" dirty="0" smtClean="0"/>
-              <a:t>レートは</a:t>
-            </a:r>
-            <a:r>
-              <a:rPr lang="en-US" altLang="ja-JP" sz="2400" dirty="0" smtClean="0"/>
-              <a:t>USDJPY</a:t>
-            </a:r>
-            <a:r>
-              <a:rPr lang="ja-JP" altLang="en-US" sz="2400" dirty="0" smtClean="0"/>
-              <a:t>を</a:t>
-            </a:r>
-            <a:r>
-              <a:rPr lang="en-US" altLang="ja-JP" sz="2400" dirty="0" smtClean="0"/>
-              <a:t>5</a:t>
-            </a:r>
-            <a:r>
-              <a:rPr lang="ja-JP" altLang="en-US" sz="2400" dirty="0" smtClean="0"/>
-              <a:t>分足ローソク足グラフで</a:t>
-            </a:r>
-            <a:r>
-              <a:rPr lang="ja-JP" altLang="en-US" sz="2400" dirty="0" smtClean="0"/>
-              <a:t>表示する</a:t>
-            </a:r>
-            <a:endParaRPr lang="en-US" altLang="ja-JP" sz="2400" dirty="0" smtClean="0"/>
-          </a:p>
-          <a:p>
-            <a:pPr marL="800100" lvl="1" indent="-342900">
-              <a:buFont typeface="Arial"/>
-              <a:buChar char="•"/>
-            </a:pPr>
-            <a:r>
-              <a:rPr lang="ja-JP" altLang="en-US" sz="2400" dirty="0" smtClean="0"/>
-              <a:t>ツイートは最新</a:t>
-            </a:r>
-            <a:r>
-              <a:rPr lang="en-US" altLang="ja-JP" sz="2400" dirty="0" smtClean="0"/>
-              <a:t>100</a:t>
-            </a:r>
-            <a:r>
-              <a:rPr lang="ja-JP" altLang="en-US" sz="2400" dirty="0" smtClean="0"/>
-              <a:t>件を表示する</a:t>
-            </a:r>
-            <a:endParaRPr lang="en-US" altLang="ja-JP" sz="2400" dirty="0" smtClean="0"/>
-          </a:p>
-          <a:p>
-            <a:pPr marL="800100" lvl="1" indent="-342900">
-              <a:buFont typeface="Arial"/>
-              <a:buChar char="•"/>
-            </a:pPr>
-            <a:r>
-              <a:rPr lang="ja-JP" altLang="en-US" sz="2400" dirty="0" smtClean="0"/>
-              <a:t>記事は最新</a:t>
-            </a:r>
-            <a:r>
-              <a:rPr lang="en-US" altLang="ja-JP" sz="2400" dirty="0" smtClean="0"/>
-              <a:t>100</a:t>
-            </a:r>
-            <a:r>
-              <a:rPr lang="ja-JP" altLang="en-US" sz="2400" dirty="0" smtClean="0"/>
-              <a:t>件を表示する</a:t>
-            </a:r>
-            <a:endParaRPr lang="en-US" altLang="ja-JP" sz="2400" dirty="0"/>
-          </a:p>
-          <a:p>
-            <a:endParaRPr kumimoji="1" lang="en-US" altLang="ja-JP" sz="2400" dirty="0"/>
-          </a:p>
-          <a:p>
-            <a:pPr marL="285750" indent="-285750">
-              <a:buFont typeface="Wingdings" charset="2"/>
-              <a:buChar char="l"/>
-            </a:pPr>
-            <a:r>
-              <a:rPr lang="ja-JP" altLang="en-US" sz="2400" dirty="0" smtClean="0"/>
-              <a:t>ブラウザ全体はスクロールしない</a:t>
-            </a:r>
-            <a:endParaRPr kumimoji="1" lang="en-US" altLang="ja-JP" sz="2400" dirty="0" smtClean="0"/>
-          </a:p>
-        </p:txBody>
-      </p:sp>
-    </p:spTree>
-    <p:extLst>
-      <p:ext uri="{BB962C8B-B14F-4D97-AF65-F5344CB8AC3E}">
-        <p14:creationId xmlns:p14="http://schemas.microsoft.com/office/powerpoint/2010/main" val="3212679735"/>
       </p:ext>
     </p:extLst>
   </p:cSld>

--- a/regulus/interface/ui.pptx
+++ b/regulus/interface/ui.pptx
@@ -202,11 +202,11 @@
         </c:dLbls>
         <c:marker val="1"/>
         <c:smooth val="0"/>
-        <c:axId val="2052744"/>
-        <c:axId val="2055784"/>
+        <c:axId val="516357176"/>
+        <c:axId val="516361784"/>
       </c:lineChart>
       <c:catAx>
-        <c:axId val="2052744"/>
+        <c:axId val="516357176"/>
         <c:scaling>
           <c:orientation val="minMax"/>
         </c:scaling>
@@ -215,7 +215,7 @@
         <c:majorTickMark val="out"/>
         <c:minorTickMark val="none"/>
         <c:tickLblPos val="nextTo"/>
-        <c:crossAx val="2055784"/>
+        <c:crossAx val="516361784"/>
         <c:crosses val="autoZero"/>
         <c:auto val="1"/>
         <c:lblAlgn val="ctr"/>
@@ -223,7 +223,7 @@
         <c:noMultiLvlLbl val="0"/>
       </c:catAx>
       <c:valAx>
-        <c:axId val="2055784"/>
+        <c:axId val="516361784"/>
         <c:scaling>
           <c:orientation val="minMax"/>
         </c:scaling>
@@ -234,7 +234,7 @@
         <c:majorTickMark val="out"/>
         <c:minorTickMark val="none"/>
         <c:tickLblPos val="nextTo"/>
-        <c:crossAx val="2052744"/>
+        <c:crossAx val="516357176"/>
         <c:crosses val="autoZero"/>
         <c:crossBetween val="between"/>
       </c:valAx>
@@ -440,7 +440,7 @@
           <a:p>
             <a:fld id="{B56DC137-3F13-8D43-AA57-5640E0D90177}" type="datetimeFigureOut">
               <a:rPr kumimoji="1" lang="ja-JP" altLang="en-US" smtClean="0"/>
-              <a:t>16/01/18</a:t>
+              <a:t>16/05/01</a:t>
             </a:fld>
             <a:endParaRPr kumimoji="1" lang="ja-JP" altLang="en-US"/>
           </a:p>
@@ -642,7 +642,7 @@
           <a:p>
             <a:fld id="{B56DC137-3F13-8D43-AA57-5640E0D90177}" type="datetimeFigureOut">
               <a:rPr kumimoji="1" lang="ja-JP" altLang="en-US" smtClean="0"/>
-              <a:t>16/01/18</a:t>
+              <a:t>16/05/01</a:t>
             </a:fld>
             <a:endParaRPr kumimoji="1" lang="ja-JP" altLang="en-US"/>
           </a:p>
@@ -854,7 +854,7 @@
           <a:p>
             <a:fld id="{B56DC137-3F13-8D43-AA57-5640E0D90177}" type="datetimeFigureOut">
               <a:rPr kumimoji="1" lang="ja-JP" altLang="en-US" smtClean="0"/>
-              <a:t>16/01/18</a:t>
+              <a:t>16/05/01</a:t>
             </a:fld>
             <a:endParaRPr kumimoji="1" lang="ja-JP" altLang="en-US"/>
           </a:p>
@@ -1056,7 +1056,7 @@
           <a:p>
             <a:fld id="{B56DC137-3F13-8D43-AA57-5640E0D90177}" type="datetimeFigureOut">
               <a:rPr kumimoji="1" lang="ja-JP" altLang="en-US" smtClean="0"/>
-              <a:t>16/01/18</a:t>
+              <a:t>16/05/01</a:t>
             </a:fld>
             <a:endParaRPr kumimoji="1" lang="ja-JP" altLang="en-US"/>
           </a:p>
@@ -1302,7 +1302,7 @@
           <a:p>
             <a:fld id="{B56DC137-3F13-8D43-AA57-5640E0D90177}" type="datetimeFigureOut">
               <a:rPr kumimoji="1" lang="ja-JP" altLang="en-US" smtClean="0"/>
-              <a:t>16/01/18</a:t>
+              <a:t>16/05/01</a:t>
             </a:fld>
             <a:endParaRPr kumimoji="1" lang="ja-JP" altLang="en-US"/>
           </a:p>
@@ -1654,7 +1654,7 @@
           <a:p>
             <a:fld id="{B56DC137-3F13-8D43-AA57-5640E0D90177}" type="datetimeFigureOut">
               <a:rPr kumimoji="1" lang="ja-JP" altLang="en-US" smtClean="0"/>
-              <a:t>16/01/18</a:t>
+              <a:t>16/05/01</a:t>
             </a:fld>
             <a:endParaRPr kumimoji="1" lang="ja-JP" altLang="en-US"/>
           </a:p>
@@ -2140,7 +2140,7 @@
           <a:p>
             <a:fld id="{B56DC137-3F13-8D43-AA57-5640E0D90177}" type="datetimeFigureOut">
               <a:rPr kumimoji="1" lang="ja-JP" altLang="en-US" smtClean="0"/>
-              <a:t>16/01/18</a:t>
+              <a:t>16/05/01</a:t>
             </a:fld>
             <a:endParaRPr kumimoji="1" lang="ja-JP" altLang="en-US"/>
           </a:p>
@@ -2258,7 +2258,7 @@
           <a:p>
             <a:fld id="{B56DC137-3F13-8D43-AA57-5640E0D90177}" type="datetimeFigureOut">
               <a:rPr kumimoji="1" lang="ja-JP" altLang="en-US" smtClean="0"/>
-              <a:t>16/01/18</a:t>
+              <a:t>16/05/01</a:t>
             </a:fld>
             <a:endParaRPr kumimoji="1" lang="ja-JP" altLang="en-US"/>
           </a:p>
@@ -2353,7 +2353,7 @@
           <a:p>
             <a:fld id="{B56DC137-3F13-8D43-AA57-5640E0D90177}" type="datetimeFigureOut">
               <a:rPr kumimoji="1" lang="ja-JP" altLang="en-US" smtClean="0"/>
-              <a:t>16/01/18</a:t>
+              <a:t>16/05/01</a:t>
             </a:fld>
             <a:endParaRPr kumimoji="1" lang="ja-JP" altLang="en-US"/>
           </a:p>
@@ -2662,7 +2662,7 @@
           <a:p>
             <a:fld id="{B56DC137-3F13-8D43-AA57-5640E0D90177}" type="datetimeFigureOut">
               <a:rPr kumimoji="1" lang="ja-JP" altLang="en-US" smtClean="0"/>
-              <a:t>16/01/18</a:t>
+              <a:t>16/05/01</a:t>
             </a:fld>
             <a:endParaRPr kumimoji="1" lang="ja-JP" altLang="en-US"/>
           </a:p>
@@ -2915,7 +2915,7 @@
           <a:p>
             <a:fld id="{B56DC137-3F13-8D43-AA57-5640E0D90177}" type="datetimeFigureOut">
               <a:rPr kumimoji="1" lang="ja-JP" altLang="en-US" smtClean="0"/>
-              <a:t>16/01/18</a:t>
+              <a:t>16/05/01</a:t>
             </a:fld>
             <a:endParaRPr kumimoji="1" lang="ja-JP" altLang="en-US"/>
           </a:p>
@@ -3160,7 +3160,7 @@
           <a:p>
             <a:fld id="{B56DC137-3F13-8D43-AA57-5640E0D90177}" type="datetimeFigureOut">
               <a:rPr kumimoji="1" lang="ja-JP" altLang="en-US" smtClean="0"/>
-              <a:t>16/01/18</a:t>
+              <a:t>16/05/01</a:t>
             </a:fld>
             <a:endParaRPr kumimoji="1" lang="ja-JP" altLang="en-US"/>
           </a:p>
@@ -3590,15 +3590,15 @@
             </a:r>
             <a:r>
               <a:rPr kumimoji="1" lang="en-US" altLang="ja-JP" dirty="0" smtClean="0"/>
-              <a:t>2016/01/</a:t>
+              <a:t>2016/</a:t>
+            </a:r>
+            <a:r>
+              <a:rPr kumimoji="1" lang="en-US" altLang="ja-JP" dirty="0" smtClean="0"/>
+              <a:t>05/</a:t>
             </a:r>
             <a:r>
               <a:rPr lang="en-US" altLang="ja-JP" dirty="0" smtClean="0"/>
-              <a:t>1</a:t>
-            </a:r>
-            <a:r>
-              <a:rPr lang="en-US" altLang="ja-JP" dirty="0"/>
-              <a:t>8</a:t>
+              <a:t>01</a:t>
             </a:r>
             <a:endParaRPr kumimoji="1" lang="ja-JP" altLang="en-US" dirty="0"/>
           </a:p>
@@ -3678,7 +3678,7 @@
         <p:spPr>
           <a:xfrm>
             <a:off x="457200" y="1205650"/>
-            <a:ext cx="7609776" cy="3785652"/>
+            <a:ext cx="7430239" cy="2862322"/>
           </a:xfrm>
           <a:prstGeom prst="rect">
             <a:avLst/>
@@ -3723,27 +3723,7 @@
             </a:pPr>
             <a:r>
               <a:rPr lang="ja-JP" altLang="en-US" sz="2400" dirty="0" smtClean="0"/>
-              <a:t>レート</a:t>
-            </a:r>
-            <a:r>
-              <a:rPr lang="ja-JP" altLang="en-US" sz="2400" dirty="0" smtClean="0"/>
-              <a:t>・ツイート・</a:t>
-            </a:r>
-            <a:r>
-              <a:rPr lang="ja-JP" altLang="en-US" sz="2400" dirty="0" smtClean="0"/>
-              <a:t>記事</a:t>
-            </a:r>
-            <a:r>
-              <a:rPr lang="ja-JP" altLang="en-US" sz="2400" dirty="0" smtClean="0"/>
-              <a:t>のどれか</a:t>
-            </a:r>
-            <a:r>
-              <a:rPr lang="ja-JP" altLang="en-US" sz="2400" dirty="0" smtClean="0"/>
-              <a:t>を</a:t>
-            </a:r>
-            <a:r>
-              <a:rPr lang="ja-JP" altLang="en-US" sz="2400" dirty="0" smtClean="0"/>
-              <a:t>表示する</a:t>
+              <a:t>レート・ツイート・記事のどれかを表示する</a:t>
             </a:r>
             <a:endParaRPr lang="en-US" altLang="ja-JP" sz="2400" dirty="0" smtClean="0"/>
           </a:p>
@@ -3753,26 +3733,42 @@
               <a:buChar char="•"/>
             </a:pPr>
             <a:r>
-              <a:rPr lang="ja-JP" altLang="en-US" sz="2400" dirty="0" smtClean="0"/>
-              <a:t>レートは</a:t>
-            </a:r>
-            <a:r>
-              <a:rPr lang="en-US" altLang="ja-JP" sz="2400" dirty="0" smtClean="0"/>
-              <a:t>USDJPY</a:t>
-            </a:r>
-            <a:r>
-              <a:rPr lang="ja-JP" altLang="en-US" sz="2400" dirty="0" smtClean="0"/>
+              <a:rPr lang="ja-JP" altLang="en-US" sz="2000" dirty="0" smtClean="0"/>
+              <a:t>レート</a:t>
+            </a:r>
+            <a:r>
+              <a:rPr lang="ja-JP" altLang="en-US" sz="2000" dirty="0" smtClean="0"/>
+              <a:t>は</a:t>
+            </a:r>
+            <a:r>
+              <a:rPr lang="ja-JP" altLang="en-US" sz="2000" dirty="0" smtClean="0"/>
+              <a:t>指定されたペア・期間の</a:t>
+            </a:r>
+            <a:r>
+              <a:rPr lang="ja-JP" altLang="en-US" sz="2000" dirty="0" smtClean="0"/>
+              <a:t>ローソク</a:t>
+            </a:r>
+            <a:r>
+              <a:rPr lang="ja-JP" altLang="en-US" sz="2000" dirty="0" smtClean="0"/>
+              <a:t>足</a:t>
+            </a:r>
+            <a:r>
+              <a:rPr lang="ja-JP" altLang="en-US" sz="2000" dirty="0" smtClean="0"/>
+              <a:t>グラフ</a:t>
+            </a:r>
+            <a:r>
+              <a:rPr lang="ja-JP" altLang="en-US" sz="2000" dirty="0" smtClean="0"/>
               <a:t>を</a:t>
             </a:r>
             <a:r>
-              <a:rPr lang="en-US" altLang="ja-JP" sz="2400" dirty="0" smtClean="0"/>
-              <a:t>5</a:t>
-            </a:r>
-            <a:r>
-              <a:rPr lang="ja-JP" altLang="en-US" sz="2400" dirty="0" smtClean="0"/>
-              <a:t>分足ローソク足グラフで表示する</a:t>
-            </a:r>
-            <a:endParaRPr lang="en-US" altLang="ja-JP" sz="2400" dirty="0" smtClean="0"/>
+              <a:rPr lang="ja-JP" altLang="en-US" sz="2000" dirty="0" smtClean="0"/>
+              <a:t>表示</a:t>
+            </a:r>
+            <a:r>
+              <a:rPr lang="ja-JP" altLang="en-US" sz="2000" dirty="0" smtClean="0"/>
+              <a:t>する</a:t>
+            </a:r>
+            <a:endParaRPr lang="en-US" altLang="ja-JP" sz="2000" dirty="0" smtClean="0"/>
           </a:p>
           <a:p>
             <a:pPr marL="800100" lvl="1" indent="-342900">
@@ -3780,18 +3776,18 @@
               <a:buChar char="•"/>
             </a:pPr>
             <a:r>
-              <a:rPr lang="ja-JP" altLang="en-US" sz="2400" dirty="0" smtClean="0"/>
+              <a:rPr lang="ja-JP" altLang="en-US" sz="2000" dirty="0" smtClean="0"/>
               <a:t>ツイートは最新</a:t>
             </a:r>
             <a:r>
-              <a:rPr lang="en-US" altLang="ja-JP" sz="2400" dirty="0" smtClean="0"/>
+              <a:rPr lang="en-US" altLang="ja-JP" sz="2000" dirty="0" smtClean="0"/>
               <a:t>100</a:t>
             </a:r>
             <a:r>
-              <a:rPr lang="ja-JP" altLang="en-US" sz="2400" dirty="0" smtClean="0"/>
+              <a:rPr lang="ja-JP" altLang="en-US" sz="2000" dirty="0" smtClean="0"/>
               <a:t>件を表示する</a:t>
             </a:r>
-            <a:endParaRPr lang="en-US" altLang="ja-JP" sz="2400" dirty="0" smtClean="0"/>
+            <a:endParaRPr lang="en-US" altLang="ja-JP" sz="2000" dirty="0" smtClean="0"/>
           </a:p>
           <a:p>
             <a:pPr marL="800100" lvl="1" indent="-342900">
@@ -3799,22 +3795,18 @@
               <a:buChar char="•"/>
             </a:pPr>
             <a:r>
-              <a:rPr lang="ja-JP" altLang="en-US" sz="2400" dirty="0" smtClean="0"/>
+              <a:rPr lang="ja-JP" altLang="en-US" sz="2000" dirty="0" smtClean="0"/>
               <a:t>記事は最新</a:t>
             </a:r>
             <a:r>
-              <a:rPr lang="en-US" altLang="ja-JP" sz="2400" dirty="0" smtClean="0"/>
+              <a:rPr lang="en-US" altLang="ja-JP" sz="2000" dirty="0" smtClean="0"/>
               <a:t>100</a:t>
             </a:r>
             <a:r>
-              <a:rPr lang="ja-JP" altLang="en-US" sz="2400" dirty="0" smtClean="0"/>
-              <a:t>件を表示</a:t>
-            </a:r>
-            <a:r>
-              <a:rPr lang="ja-JP" altLang="en-US" sz="2400" dirty="0" smtClean="0"/>
-              <a:t>する</a:t>
-            </a:r>
-            <a:endParaRPr lang="en-US" altLang="ja-JP" sz="2400" dirty="0" smtClean="0"/>
+              <a:rPr lang="ja-JP" altLang="en-US" sz="2000" dirty="0" smtClean="0"/>
+              <a:t>件を表示する</a:t>
+            </a:r>
+            <a:endParaRPr lang="en-US" altLang="ja-JP" sz="2000" dirty="0" smtClean="0"/>
           </a:p>
           <a:p>
             <a:pPr marL="342900" indent="-342900">
@@ -3830,23 +3822,13 @@
             </a:pPr>
             <a:r>
               <a:rPr lang="ja-JP" altLang="en-US" sz="2400" dirty="0" smtClean="0"/>
-              <a:t>タブを押すことで表示するものを切り替える</a:t>
+              <a:t>タブを押すことで表示するものを</a:t>
+            </a:r>
+            <a:r>
+              <a:rPr lang="ja-JP" altLang="en-US" sz="2400" dirty="0" smtClean="0"/>
+              <a:t>切り替える</a:t>
             </a:r>
             <a:endParaRPr lang="en-US" altLang="ja-JP" sz="2400" dirty="0"/>
-          </a:p>
-          <a:p>
-            <a:endParaRPr kumimoji="1" lang="en-US" altLang="ja-JP" sz="2400" dirty="0"/>
-          </a:p>
-          <a:p>
-            <a:pPr marL="285750" indent="-285750">
-              <a:buFont typeface="Wingdings" charset="2"/>
-              <a:buChar char="l"/>
-            </a:pPr>
-            <a:r>
-              <a:rPr lang="ja-JP" altLang="en-US" sz="2400" dirty="0" smtClean="0"/>
-              <a:t>ブラウザ全体はスクロールしない</a:t>
-            </a:r>
-            <a:endParaRPr kumimoji="1" lang="en-US" altLang="ja-JP" sz="2400" dirty="0" smtClean="0"/>
           </a:p>
         </p:txBody>
       </p:sp>
@@ -4746,11 +4728,7 @@
             <a:pPr algn="l"/>
             <a:r>
               <a:rPr kumimoji="1" lang="ja-JP" altLang="en-US" dirty="0" smtClean="0"/>
-              <a:t>ブラウザ画面（</a:t>
-            </a:r>
-            <a:r>
-              <a:rPr kumimoji="1" lang="ja-JP" altLang="en-US" dirty="0" smtClean="0"/>
-              <a:t>レート）</a:t>
+              <a:t>ブラウザ画面（レート）</a:t>
             </a:r>
             <a:endParaRPr kumimoji="1" lang="ja-JP" altLang="en-US" dirty="0"/>
           </a:p>
@@ -4758,7 +4736,7 @@
       </p:sp>
       <p:grpSp>
         <p:nvGrpSpPr>
-          <p:cNvPr id="29" name="図形グループ 28"/>
+          <p:cNvPr id="7" name="図形グループ 6"/>
           <p:cNvGrpSpPr/>
           <p:nvPr/>
         </p:nvGrpSpPr>
@@ -4822,7 +4800,7 @@
             <p:nvPr>
               <p:extLst>
                 <p:ext uri="{D42A27DB-BD31-4B8C-83A1-F6EECF244321}">
-                  <p14:modId xmlns:p14="http://schemas.microsoft.com/office/powerpoint/2010/main" val="3131844476"/>
+                  <p14:modId xmlns:p14="http://schemas.microsoft.com/office/powerpoint/2010/main" val="3775934390"/>
                 </p:ext>
               </p:extLst>
             </p:nvPr>
@@ -5111,6 +5089,235 @@
             </a:p>
           </p:txBody>
         </p:sp>
+        <p:sp>
+          <p:nvSpPr>
+            <p:cNvPr id="5" name="角丸四角形 4"/>
+            <p:cNvSpPr/>
+            <p:nvPr/>
+          </p:nvSpPr>
+          <p:spPr>
+            <a:xfrm>
+              <a:off x="3867727" y="1397437"/>
+              <a:ext cx="1350818" cy="324147"/>
+            </a:xfrm>
+            <a:prstGeom prst="roundRect">
+              <a:avLst/>
+            </a:prstGeom>
+            <a:noFill/>
+            <a:ln w="12700">
+              <a:solidFill>
+                <a:schemeClr val="tx1"/>
+              </a:solidFill>
+            </a:ln>
+            <a:effectLst/>
+          </p:spPr>
+          <p:style>
+            <a:lnRef idx="1">
+              <a:schemeClr val="accent1"/>
+            </a:lnRef>
+            <a:fillRef idx="3">
+              <a:schemeClr val="accent1"/>
+            </a:fillRef>
+            <a:effectRef idx="2">
+              <a:schemeClr val="accent1"/>
+            </a:effectRef>
+            <a:fontRef idx="minor">
+              <a:schemeClr val="lt1"/>
+            </a:fontRef>
+          </p:style>
+          <p:txBody>
+            <a:bodyPr rtlCol="0" anchor="ctr"/>
+            <a:lstStyle/>
+            <a:p>
+              <a:r>
+                <a:rPr kumimoji="1" lang="en-US" altLang="ja-JP" dirty="0" smtClean="0">
+                  <a:solidFill>
+                    <a:schemeClr val="tx1"/>
+                  </a:solidFill>
+                  <a:latin typeface="メイリオ"/>
+                  <a:ea typeface="メイリオ"/>
+                  <a:cs typeface="メイリオ"/>
+                </a:rPr>
+                <a:t>USDJPY</a:t>
+              </a:r>
+              <a:endParaRPr kumimoji="1" lang="ja-JP" altLang="en-US" dirty="0">
+                <a:solidFill>
+                  <a:schemeClr val="tx1"/>
+                </a:solidFill>
+                <a:latin typeface="メイリオ"/>
+                <a:ea typeface="メイリオ"/>
+                <a:cs typeface="メイリオ"/>
+              </a:endParaRPr>
+            </a:p>
+          </p:txBody>
+        </p:sp>
+        <p:sp>
+          <p:nvSpPr>
+            <p:cNvPr id="6" name="二等辺三角形 5"/>
+            <p:cNvSpPr/>
+            <p:nvPr/>
+          </p:nvSpPr>
+          <p:spPr>
+            <a:xfrm rot="10800000">
+              <a:off x="4976089" y="1513765"/>
+              <a:ext cx="160159" cy="112776"/>
+            </a:xfrm>
+            <a:prstGeom prst="triangle">
+              <a:avLst/>
+            </a:prstGeom>
+            <a:solidFill>
+              <a:schemeClr val="tx1"/>
+            </a:solidFill>
+            <a:ln>
+              <a:solidFill>
+                <a:schemeClr val="tx1"/>
+              </a:solidFill>
+            </a:ln>
+            <a:effectLst/>
+          </p:spPr>
+          <p:style>
+            <a:lnRef idx="1">
+              <a:schemeClr val="accent1"/>
+            </a:lnRef>
+            <a:fillRef idx="3">
+              <a:schemeClr val="accent1"/>
+            </a:fillRef>
+            <a:effectRef idx="2">
+              <a:schemeClr val="accent1"/>
+            </a:effectRef>
+            <a:fontRef idx="minor">
+              <a:schemeClr val="lt1"/>
+            </a:fontRef>
+          </p:style>
+          <p:txBody>
+            <a:bodyPr rtlCol="0" anchor="ctr"/>
+            <a:lstStyle/>
+            <a:p>
+              <a:pPr algn="ctr"/>
+              <a:endParaRPr kumimoji="1" lang="ja-JP" altLang="en-US"/>
+            </a:p>
+          </p:txBody>
+        </p:sp>
+        <p:sp>
+          <p:nvSpPr>
+            <p:cNvPr id="17" name="角丸四角形 16"/>
+            <p:cNvSpPr/>
+            <p:nvPr/>
+          </p:nvSpPr>
+          <p:spPr>
+            <a:xfrm>
+              <a:off x="5428670" y="1397437"/>
+              <a:ext cx="1350818" cy="324147"/>
+            </a:xfrm>
+            <a:prstGeom prst="roundRect">
+              <a:avLst/>
+            </a:prstGeom>
+            <a:noFill/>
+            <a:ln w="12700">
+              <a:solidFill>
+                <a:schemeClr val="tx1"/>
+              </a:solidFill>
+            </a:ln>
+            <a:effectLst/>
+          </p:spPr>
+          <p:style>
+            <a:lnRef idx="1">
+              <a:schemeClr val="accent1"/>
+            </a:lnRef>
+            <a:fillRef idx="3">
+              <a:schemeClr val="accent1"/>
+            </a:fillRef>
+            <a:effectRef idx="2">
+              <a:schemeClr val="accent1"/>
+            </a:effectRef>
+            <a:fontRef idx="minor">
+              <a:schemeClr val="lt1"/>
+            </a:fontRef>
+          </p:style>
+          <p:txBody>
+            <a:bodyPr rtlCol="0" anchor="ctr"/>
+            <a:lstStyle/>
+            <a:p>
+              <a:r>
+                <a:rPr lang="en-US" altLang="ja-JP" dirty="0" smtClean="0">
+                  <a:solidFill>
+                    <a:schemeClr val="tx1"/>
+                  </a:solidFill>
+                  <a:latin typeface="メイリオ"/>
+                  <a:ea typeface="メイリオ"/>
+                  <a:cs typeface="メイリオ"/>
+                </a:rPr>
+                <a:t>5</a:t>
+              </a:r>
+              <a:r>
+                <a:rPr lang="ja-JP" altLang="en-US" dirty="0" smtClean="0">
+                  <a:solidFill>
+                    <a:schemeClr val="tx1"/>
+                  </a:solidFill>
+                  <a:latin typeface="メイリオ"/>
+                  <a:ea typeface="メイリオ"/>
+                  <a:cs typeface="メイリオ"/>
+                </a:rPr>
+                <a:t>分足</a:t>
+              </a:r>
+              <a:endParaRPr kumimoji="1" lang="ja-JP" altLang="en-US" dirty="0">
+                <a:solidFill>
+                  <a:schemeClr val="tx1"/>
+                </a:solidFill>
+                <a:latin typeface="メイリオ"/>
+                <a:ea typeface="メイリオ"/>
+                <a:cs typeface="メイリオ"/>
+              </a:endParaRPr>
+            </a:p>
+          </p:txBody>
+        </p:sp>
+        <p:sp>
+          <p:nvSpPr>
+            <p:cNvPr id="18" name="二等辺三角形 17"/>
+            <p:cNvSpPr/>
+            <p:nvPr/>
+          </p:nvSpPr>
+          <p:spPr>
+            <a:xfrm rot="10800000">
+              <a:off x="6537032" y="1513765"/>
+              <a:ext cx="160159" cy="112776"/>
+            </a:xfrm>
+            <a:prstGeom prst="triangle">
+              <a:avLst/>
+            </a:prstGeom>
+            <a:solidFill>
+              <a:schemeClr val="tx1"/>
+            </a:solidFill>
+            <a:ln>
+              <a:solidFill>
+                <a:schemeClr val="tx1"/>
+              </a:solidFill>
+            </a:ln>
+            <a:effectLst/>
+          </p:spPr>
+          <p:style>
+            <a:lnRef idx="1">
+              <a:schemeClr val="accent1"/>
+            </a:lnRef>
+            <a:fillRef idx="3">
+              <a:schemeClr val="accent1"/>
+            </a:fillRef>
+            <a:effectRef idx="2">
+              <a:schemeClr val="accent1"/>
+            </a:effectRef>
+            <a:fontRef idx="minor">
+              <a:schemeClr val="lt1"/>
+            </a:fontRef>
+          </p:style>
+          <p:txBody>
+            <a:bodyPr rtlCol="0" anchor="ctr"/>
+            <a:lstStyle/>
+            <a:p>
+              <a:pPr algn="ctr"/>
+              <a:endParaRPr kumimoji="1" lang="ja-JP" altLang="en-US"/>
+            </a:p>
+          </p:txBody>
+        </p:sp>
       </p:grpSp>
     </p:spTree>
     <p:extLst>
@@ -5167,11 +5374,7 @@
             <a:pPr algn="l"/>
             <a:r>
               <a:rPr kumimoji="1" lang="ja-JP" altLang="en-US" dirty="0" smtClean="0"/>
-              <a:t>ブラウザ画面（</a:t>
-            </a:r>
-            <a:r>
-              <a:rPr kumimoji="1" lang="ja-JP" altLang="en-US" dirty="0" smtClean="0"/>
-              <a:t>ツイート）</a:t>
+              <a:t>ブラウザ画面（ツイート）</a:t>
             </a:r>
             <a:endParaRPr kumimoji="1" lang="ja-JP" altLang="en-US" dirty="0"/>
           </a:p>
@@ -5781,11 +5984,7 @@
             <a:pPr algn="l"/>
             <a:r>
               <a:rPr kumimoji="1" lang="ja-JP" altLang="en-US" dirty="0" smtClean="0"/>
-              <a:t>ブラウザ画面（</a:t>
-            </a:r>
-            <a:r>
-              <a:rPr kumimoji="1" lang="ja-JP" altLang="en-US" dirty="0" smtClean="0"/>
-              <a:t>記事）</a:t>
+              <a:t>ブラウザ画面（記事）</a:t>
             </a:r>
             <a:endParaRPr kumimoji="1" lang="ja-JP" altLang="en-US" dirty="0"/>
           </a:p>

--- a/regulus/interface/ui.pptx
+++ b/regulus/interface/ui.pptx
@@ -202,11 +202,11 @@
         </c:dLbls>
         <c:marker val="1"/>
         <c:smooth val="0"/>
-        <c:axId val="516357176"/>
-        <c:axId val="516361784"/>
+        <c:axId val="473969384"/>
+        <c:axId val="473973288"/>
       </c:lineChart>
       <c:catAx>
-        <c:axId val="516357176"/>
+        <c:axId val="473969384"/>
         <c:scaling>
           <c:orientation val="minMax"/>
         </c:scaling>
@@ -215,7 +215,7 @@
         <c:majorTickMark val="out"/>
         <c:minorTickMark val="none"/>
         <c:tickLblPos val="nextTo"/>
-        <c:crossAx val="516361784"/>
+        <c:crossAx val="473973288"/>
         <c:crosses val="autoZero"/>
         <c:auto val="1"/>
         <c:lblAlgn val="ctr"/>
@@ -223,7 +223,7 @@
         <c:noMultiLvlLbl val="0"/>
       </c:catAx>
       <c:valAx>
-        <c:axId val="516361784"/>
+        <c:axId val="473973288"/>
         <c:scaling>
           <c:orientation val="minMax"/>
         </c:scaling>
@@ -234,7 +234,7 @@
         <c:majorTickMark val="out"/>
         <c:minorTickMark val="none"/>
         <c:tickLblPos val="nextTo"/>
-        <c:crossAx val="516357176"/>
+        <c:crossAx val="473969384"/>
         <c:crosses val="autoZero"/>
         <c:crossBetween val="between"/>
       </c:valAx>
@@ -440,7 +440,7 @@
           <a:p>
             <a:fld id="{B56DC137-3F13-8D43-AA57-5640E0D90177}" type="datetimeFigureOut">
               <a:rPr kumimoji="1" lang="ja-JP" altLang="en-US" smtClean="0"/>
-              <a:t>16/05/01</a:t>
+              <a:t>16/06/08</a:t>
             </a:fld>
             <a:endParaRPr kumimoji="1" lang="ja-JP" altLang="en-US"/>
           </a:p>
@@ -642,7 +642,7 @@
           <a:p>
             <a:fld id="{B56DC137-3F13-8D43-AA57-5640E0D90177}" type="datetimeFigureOut">
               <a:rPr kumimoji="1" lang="ja-JP" altLang="en-US" smtClean="0"/>
-              <a:t>16/05/01</a:t>
+              <a:t>16/06/08</a:t>
             </a:fld>
             <a:endParaRPr kumimoji="1" lang="ja-JP" altLang="en-US"/>
           </a:p>
@@ -854,7 +854,7 @@
           <a:p>
             <a:fld id="{B56DC137-3F13-8D43-AA57-5640E0D90177}" type="datetimeFigureOut">
               <a:rPr kumimoji="1" lang="ja-JP" altLang="en-US" smtClean="0"/>
-              <a:t>16/05/01</a:t>
+              <a:t>16/06/08</a:t>
             </a:fld>
             <a:endParaRPr kumimoji="1" lang="ja-JP" altLang="en-US"/>
           </a:p>
@@ -1056,7 +1056,7 @@
           <a:p>
             <a:fld id="{B56DC137-3F13-8D43-AA57-5640E0D90177}" type="datetimeFigureOut">
               <a:rPr kumimoji="1" lang="ja-JP" altLang="en-US" smtClean="0"/>
-              <a:t>16/05/01</a:t>
+              <a:t>16/06/08</a:t>
             </a:fld>
             <a:endParaRPr kumimoji="1" lang="ja-JP" altLang="en-US"/>
           </a:p>
@@ -1302,7 +1302,7 @@
           <a:p>
             <a:fld id="{B56DC137-3F13-8D43-AA57-5640E0D90177}" type="datetimeFigureOut">
               <a:rPr kumimoji="1" lang="ja-JP" altLang="en-US" smtClean="0"/>
-              <a:t>16/05/01</a:t>
+              <a:t>16/06/08</a:t>
             </a:fld>
             <a:endParaRPr kumimoji="1" lang="ja-JP" altLang="en-US"/>
           </a:p>
@@ -1654,7 +1654,7 @@
           <a:p>
             <a:fld id="{B56DC137-3F13-8D43-AA57-5640E0D90177}" type="datetimeFigureOut">
               <a:rPr kumimoji="1" lang="ja-JP" altLang="en-US" smtClean="0"/>
-              <a:t>16/05/01</a:t>
+              <a:t>16/06/08</a:t>
             </a:fld>
             <a:endParaRPr kumimoji="1" lang="ja-JP" altLang="en-US"/>
           </a:p>
@@ -2140,7 +2140,7 @@
           <a:p>
             <a:fld id="{B56DC137-3F13-8D43-AA57-5640E0D90177}" type="datetimeFigureOut">
               <a:rPr kumimoji="1" lang="ja-JP" altLang="en-US" smtClean="0"/>
-              <a:t>16/05/01</a:t>
+              <a:t>16/06/08</a:t>
             </a:fld>
             <a:endParaRPr kumimoji="1" lang="ja-JP" altLang="en-US"/>
           </a:p>
@@ -2258,7 +2258,7 @@
           <a:p>
             <a:fld id="{B56DC137-3F13-8D43-AA57-5640E0D90177}" type="datetimeFigureOut">
               <a:rPr kumimoji="1" lang="ja-JP" altLang="en-US" smtClean="0"/>
-              <a:t>16/05/01</a:t>
+              <a:t>16/06/08</a:t>
             </a:fld>
             <a:endParaRPr kumimoji="1" lang="ja-JP" altLang="en-US"/>
           </a:p>
@@ -2353,7 +2353,7 @@
           <a:p>
             <a:fld id="{B56DC137-3F13-8D43-AA57-5640E0D90177}" type="datetimeFigureOut">
               <a:rPr kumimoji="1" lang="ja-JP" altLang="en-US" smtClean="0"/>
-              <a:t>16/05/01</a:t>
+              <a:t>16/06/08</a:t>
             </a:fld>
             <a:endParaRPr kumimoji="1" lang="ja-JP" altLang="en-US"/>
           </a:p>
@@ -2662,7 +2662,7 @@
           <a:p>
             <a:fld id="{B56DC137-3F13-8D43-AA57-5640E0D90177}" type="datetimeFigureOut">
               <a:rPr kumimoji="1" lang="ja-JP" altLang="en-US" smtClean="0"/>
-              <a:t>16/05/01</a:t>
+              <a:t>16/06/08</a:t>
             </a:fld>
             <a:endParaRPr kumimoji="1" lang="ja-JP" altLang="en-US"/>
           </a:p>
@@ -2915,7 +2915,7 @@
           <a:p>
             <a:fld id="{B56DC137-3F13-8D43-AA57-5640E0D90177}" type="datetimeFigureOut">
               <a:rPr kumimoji="1" lang="ja-JP" altLang="en-US" smtClean="0"/>
-              <a:t>16/05/01</a:t>
+              <a:t>16/06/08</a:t>
             </a:fld>
             <a:endParaRPr kumimoji="1" lang="ja-JP" altLang="en-US"/>
           </a:p>
@@ -3160,7 +3160,7 @@
           <a:p>
             <a:fld id="{B56DC137-3F13-8D43-AA57-5640E0D90177}" type="datetimeFigureOut">
               <a:rPr kumimoji="1" lang="ja-JP" altLang="en-US" smtClean="0"/>
-              <a:t>16/05/01</a:t>
+              <a:t>16/06/08</a:t>
             </a:fld>
             <a:endParaRPr kumimoji="1" lang="ja-JP" altLang="en-US"/>
           </a:p>
@@ -3594,11 +3594,11 @@
             </a:r>
             <a:r>
               <a:rPr kumimoji="1" lang="en-US" altLang="ja-JP" dirty="0" smtClean="0"/>
-              <a:t>05/</a:t>
+              <a:t>06/</a:t>
             </a:r>
             <a:r>
               <a:rPr lang="en-US" altLang="ja-JP" dirty="0" smtClean="0"/>
-              <a:t>01</a:t>
+              <a:t>08</a:t>
             </a:r>
             <a:endParaRPr kumimoji="1" lang="ja-JP" altLang="en-US" dirty="0"/>
           </a:p>
@@ -3678,7 +3678,7 @@
         <p:spPr>
           <a:xfrm>
             <a:off x="457200" y="1205650"/>
-            <a:ext cx="7430239" cy="2862322"/>
+            <a:ext cx="8584401" cy="3170099"/>
           </a:xfrm>
           <a:prstGeom prst="rect">
             <a:avLst/>
@@ -3734,39 +3734,22 @@
             </a:pPr>
             <a:r>
               <a:rPr lang="ja-JP" altLang="en-US" sz="2000" dirty="0" smtClean="0"/>
-              <a:t>レート</a:t>
-            </a:r>
-            <a:r>
-              <a:rPr lang="ja-JP" altLang="en-US" sz="2000" dirty="0" smtClean="0"/>
-              <a:t>は</a:t>
-            </a:r>
-            <a:r>
-              <a:rPr lang="ja-JP" altLang="en-US" sz="2000" dirty="0" smtClean="0"/>
-              <a:t>指定されたペア・期間の</a:t>
-            </a:r>
-            <a:r>
-              <a:rPr lang="ja-JP" altLang="en-US" sz="2000" dirty="0" smtClean="0"/>
-              <a:t>ローソク</a:t>
-            </a:r>
-            <a:r>
-              <a:rPr lang="ja-JP" altLang="en-US" sz="2000" dirty="0" smtClean="0"/>
-              <a:t>足</a:t>
-            </a:r>
-            <a:r>
-              <a:rPr lang="ja-JP" altLang="en-US" sz="2000" dirty="0" smtClean="0"/>
-              <a:t>グラフ</a:t>
-            </a:r>
-            <a:r>
-              <a:rPr lang="ja-JP" altLang="en-US" sz="2000" dirty="0" smtClean="0"/>
-              <a:t>を</a:t>
-            </a:r>
-            <a:r>
-              <a:rPr lang="ja-JP" altLang="en-US" sz="2000" dirty="0" smtClean="0"/>
-              <a:t>表示</a:t>
+              <a:t>レートは指定されたペア・期間のローソク足グラフを表示</a:t>
             </a:r>
             <a:r>
               <a:rPr lang="ja-JP" altLang="en-US" sz="2000" dirty="0" smtClean="0"/>
               <a:t>する</a:t>
+            </a:r>
+            <a:endParaRPr lang="en-US" altLang="ja-JP" sz="2000" dirty="0" smtClean="0"/>
+          </a:p>
+          <a:p>
+            <a:pPr marL="800100" lvl="1" indent="-342900">
+              <a:buFont typeface="Arial"/>
+              <a:buChar char="•"/>
+            </a:pPr>
+            <a:r>
+              <a:rPr lang="ja-JP" altLang="en-US" sz="2000" dirty="0" smtClean="0"/>
+              <a:t>ローソク足にマウスを近づけるとその時点のレート情報が表示される</a:t>
             </a:r>
             <a:endParaRPr lang="en-US" altLang="ja-JP" sz="2000" dirty="0" smtClean="0"/>
           </a:p>
@@ -3822,11 +3805,7 @@
             </a:pPr>
             <a:r>
               <a:rPr lang="ja-JP" altLang="en-US" sz="2400" dirty="0" smtClean="0"/>
-              <a:t>タブを押すことで表示するものを</a:t>
-            </a:r>
-            <a:r>
-              <a:rPr lang="ja-JP" altLang="en-US" sz="2400" dirty="0" smtClean="0"/>
-              <a:t>切り替える</a:t>
+              <a:t>タブを押すことで表示するものを切り替える</a:t>
             </a:r>
             <a:endParaRPr lang="en-US" altLang="ja-JP" sz="2400" dirty="0"/>
           </a:p>
@@ -4736,16 +4715,16 @@
       </p:sp>
       <p:grpSp>
         <p:nvGrpSpPr>
-          <p:cNvPr id="7" name="図形グループ 6"/>
+          <p:cNvPr id="11" name="図形グループ 10"/>
           <p:cNvGrpSpPr/>
           <p:nvPr/>
         </p:nvGrpSpPr>
         <p:grpSpPr>
           <a:xfrm>
             <a:off x="457200" y="1296736"/>
-            <a:ext cx="8229600" cy="5106737"/>
+            <a:ext cx="8229600" cy="5110747"/>
             <a:chOff x="457200" y="1296736"/>
-            <a:chExt cx="8229600" cy="5106737"/>
+            <a:chExt cx="8229600" cy="5110747"/>
           </a:xfrm>
         </p:grpSpPr>
         <p:sp>
@@ -4800,7 +4779,7 @@
             <p:nvPr>
               <p:extLst>
                 <p:ext uri="{D42A27DB-BD31-4B8C-83A1-F6EECF244321}">
-                  <p14:modId xmlns:p14="http://schemas.microsoft.com/office/powerpoint/2010/main" val="3775934390"/>
+                  <p14:modId xmlns:p14="http://schemas.microsoft.com/office/powerpoint/2010/main" val="952103451"/>
                 </p:ext>
               </p:extLst>
             </p:nvPr>
@@ -5315,6 +5294,429 @@
             <a:p>
               <a:pPr algn="ctr"/>
               <a:endParaRPr kumimoji="1" lang="ja-JP" altLang="en-US"/>
+            </a:p>
+          </p:txBody>
+        </p:sp>
+        <p:sp>
+          <p:nvSpPr>
+            <p:cNvPr id="4" name="右矢印 3"/>
+            <p:cNvSpPr/>
+            <p:nvPr/>
+          </p:nvSpPr>
+          <p:spPr>
+            <a:xfrm rot="13693427">
+              <a:off x="5418955" y="3423912"/>
+              <a:ext cx="244672" cy="176342"/>
+            </a:xfrm>
+            <a:prstGeom prst="rightArrow">
+              <a:avLst/>
+            </a:prstGeom>
+            <a:solidFill>
+              <a:schemeClr val="bg1"/>
+            </a:solidFill>
+            <a:ln>
+              <a:solidFill>
+                <a:schemeClr val="tx1"/>
+              </a:solidFill>
+            </a:ln>
+          </p:spPr>
+          <p:style>
+            <a:lnRef idx="1">
+              <a:schemeClr val="accent1"/>
+            </a:lnRef>
+            <a:fillRef idx="3">
+              <a:schemeClr val="accent1"/>
+            </a:fillRef>
+            <a:effectRef idx="2">
+              <a:schemeClr val="accent1"/>
+            </a:effectRef>
+            <a:fontRef idx="minor">
+              <a:schemeClr val="lt1"/>
+            </a:fontRef>
+          </p:style>
+          <p:txBody>
+            <a:bodyPr rtlCol="0" anchor="ctr"/>
+            <a:lstStyle/>
+            <a:p>
+              <a:pPr algn="ctr"/>
+              <a:endParaRPr kumimoji="1" lang="ja-JP" altLang="en-US"/>
+            </a:p>
+          </p:txBody>
+        </p:sp>
+        <p:sp>
+          <p:nvSpPr>
+            <p:cNvPr id="8" name="角丸四角形吹き出し 7"/>
+            <p:cNvSpPr/>
+            <p:nvPr/>
+          </p:nvSpPr>
+          <p:spPr>
+            <a:xfrm>
+              <a:off x="4167911" y="2320630"/>
+              <a:ext cx="1087582" cy="1132199"/>
+            </a:xfrm>
+            <a:prstGeom prst="wedgeRoundRectCallout">
+              <a:avLst>
+                <a:gd name="adj1" fmla="val 61640"/>
+                <a:gd name="adj2" fmla="val 36452"/>
+                <a:gd name="adj3" fmla="val 16667"/>
+              </a:avLst>
+            </a:prstGeom>
+            <a:solidFill>
+              <a:schemeClr val="bg1"/>
+            </a:solidFill>
+          </p:spPr>
+          <p:style>
+            <a:lnRef idx="1">
+              <a:schemeClr val="accent1"/>
+            </a:lnRef>
+            <a:fillRef idx="3">
+              <a:schemeClr val="accent1"/>
+            </a:fillRef>
+            <a:effectRef idx="2">
+              <a:schemeClr val="accent1"/>
+            </a:effectRef>
+            <a:fontRef idx="minor">
+              <a:schemeClr val="lt1"/>
+            </a:fontRef>
+          </p:style>
+          <p:txBody>
+            <a:bodyPr rtlCol="0" anchor="ctr"/>
+            <a:lstStyle/>
+            <a:p>
+              <a:pPr algn="ctr"/>
+              <a:r>
+                <a:rPr kumimoji="1" lang="ja-JP" altLang="en-US" sz="1400" dirty="0" smtClean="0">
+                  <a:solidFill>
+                    <a:schemeClr val="tx1"/>
+                  </a:solidFill>
+                  <a:latin typeface="メイリオ"/>
+                  <a:ea typeface="メイリオ"/>
+                  <a:cs typeface="メイリオ"/>
+                </a:rPr>
+                <a:t>始値</a:t>
+              </a:r>
+              <a:r>
+                <a:rPr kumimoji="1" lang="en-US" altLang="ja-JP" sz="1400" dirty="0" smtClean="0">
+                  <a:solidFill>
+                    <a:schemeClr val="tx1"/>
+                  </a:solidFill>
+                  <a:latin typeface="メイリオ"/>
+                  <a:ea typeface="メイリオ"/>
+                  <a:cs typeface="メイリオ"/>
+                </a:rPr>
+                <a:t>: xxx</a:t>
+              </a:r>
+            </a:p>
+            <a:p>
+              <a:pPr algn="ctr"/>
+              <a:r>
+                <a:rPr lang="ja-JP" altLang="en-US" sz="1400" dirty="0" smtClean="0">
+                  <a:solidFill>
+                    <a:schemeClr val="tx1"/>
+                  </a:solidFill>
+                  <a:latin typeface="メイリオ"/>
+                  <a:ea typeface="メイリオ"/>
+                  <a:cs typeface="メイリオ"/>
+                </a:rPr>
+                <a:t>終値</a:t>
+              </a:r>
+              <a:r>
+                <a:rPr lang="en-US" altLang="ja-JP" sz="1400" dirty="0" smtClean="0">
+                  <a:solidFill>
+                    <a:schemeClr val="tx1"/>
+                  </a:solidFill>
+                  <a:latin typeface="メイリオ"/>
+                  <a:ea typeface="メイリオ"/>
+                  <a:cs typeface="メイリオ"/>
+                </a:rPr>
+                <a:t>: xxx</a:t>
+              </a:r>
+            </a:p>
+            <a:p>
+              <a:pPr algn="ctr"/>
+              <a:r>
+                <a:rPr kumimoji="1" lang="ja-JP" altLang="en-US" sz="1400" dirty="0" smtClean="0">
+                  <a:solidFill>
+                    <a:schemeClr val="tx1"/>
+                  </a:solidFill>
+                  <a:latin typeface="メイリオ"/>
+                  <a:ea typeface="メイリオ"/>
+                  <a:cs typeface="メイリオ"/>
+                </a:rPr>
+                <a:t>高値</a:t>
+              </a:r>
+              <a:r>
+                <a:rPr kumimoji="1" lang="en-US" altLang="ja-JP" sz="1400" dirty="0" smtClean="0">
+                  <a:solidFill>
+                    <a:schemeClr val="tx1"/>
+                  </a:solidFill>
+                  <a:latin typeface="メイリオ"/>
+                  <a:ea typeface="メイリオ"/>
+                  <a:cs typeface="メイリオ"/>
+                </a:rPr>
+                <a:t>: xxx</a:t>
+              </a:r>
+            </a:p>
+            <a:p>
+              <a:pPr algn="ctr"/>
+              <a:r>
+                <a:rPr lang="ja-JP" altLang="en-US" sz="1400" dirty="0" smtClean="0">
+                  <a:solidFill>
+                    <a:schemeClr val="tx1"/>
+                  </a:solidFill>
+                  <a:latin typeface="メイリオ"/>
+                  <a:ea typeface="メイリオ"/>
+                  <a:cs typeface="メイリオ"/>
+                </a:rPr>
+                <a:t>安値</a:t>
+              </a:r>
+              <a:r>
+                <a:rPr lang="en-US" altLang="ja-JP" sz="1400" dirty="0" smtClean="0">
+                  <a:solidFill>
+                    <a:schemeClr val="tx1"/>
+                  </a:solidFill>
+                  <a:latin typeface="メイリオ"/>
+                  <a:ea typeface="メイリオ"/>
+                  <a:cs typeface="メイリオ"/>
+                </a:rPr>
+                <a:t>: xxx</a:t>
+              </a:r>
+              <a:endParaRPr kumimoji="1" lang="ja-JP" altLang="en-US" sz="1400" dirty="0">
+                <a:solidFill>
+                  <a:schemeClr val="tx1"/>
+                </a:solidFill>
+                <a:latin typeface="メイリオ"/>
+                <a:ea typeface="メイリオ"/>
+                <a:cs typeface="メイリオ"/>
+              </a:endParaRPr>
+            </a:p>
+          </p:txBody>
+        </p:sp>
+        <p:sp>
+          <p:nvSpPr>
+            <p:cNvPr id="9" name="テキスト ボックス 8"/>
+            <p:cNvSpPr txBox="1"/>
+            <p:nvPr/>
+          </p:nvSpPr>
+          <p:spPr>
+            <a:xfrm>
+              <a:off x="1091497" y="6095696"/>
+              <a:ext cx="707846" cy="307777"/>
+            </a:xfrm>
+            <a:prstGeom prst="rect">
+              <a:avLst/>
+            </a:prstGeom>
+            <a:noFill/>
+          </p:spPr>
+          <p:txBody>
+            <a:bodyPr wrap="none" rtlCol="0">
+              <a:spAutoFit/>
+            </a:bodyPr>
+            <a:lstStyle/>
+            <a:p>
+              <a:r>
+                <a:rPr lang="en-US" altLang="ja-JP" sz="1400" dirty="0" smtClean="0">
+                  <a:latin typeface="メイリオ"/>
+                  <a:ea typeface="メイリオ"/>
+                  <a:cs typeface="メイリオ"/>
+                </a:rPr>
+                <a:t>00:00</a:t>
+              </a:r>
+              <a:endParaRPr kumimoji="1" lang="ja-JP" altLang="en-US" sz="1400" dirty="0">
+                <a:latin typeface="メイリオ"/>
+                <a:ea typeface="メイリオ"/>
+                <a:cs typeface="メイリオ"/>
+              </a:endParaRPr>
+            </a:p>
+          </p:txBody>
+        </p:sp>
+        <p:sp>
+          <p:nvSpPr>
+            <p:cNvPr id="20" name="テキスト ボックス 19"/>
+            <p:cNvSpPr txBox="1"/>
+            <p:nvPr/>
+          </p:nvSpPr>
+          <p:spPr>
+            <a:xfrm>
+              <a:off x="2236007" y="6097701"/>
+              <a:ext cx="707846" cy="307777"/>
+            </a:xfrm>
+            <a:prstGeom prst="rect">
+              <a:avLst/>
+            </a:prstGeom>
+            <a:noFill/>
+          </p:spPr>
+          <p:txBody>
+            <a:bodyPr wrap="none" rtlCol="0">
+              <a:spAutoFit/>
+            </a:bodyPr>
+            <a:lstStyle/>
+            <a:p>
+              <a:r>
+                <a:rPr lang="en-US" altLang="ja-JP" sz="1400" dirty="0" smtClean="0">
+                  <a:latin typeface="メイリオ"/>
+                  <a:ea typeface="メイリオ"/>
+                  <a:cs typeface="メイリオ"/>
+                </a:rPr>
+                <a:t>03:00</a:t>
+              </a:r>
+              <a:endParaRPr kumimoji="1" lang="ja-JP" altLang="en-US" sz="1400" dirty="0">
+                <a:latin typeface="メイリオ"/>
+                <a:ea typeface="メイリオ"/>
+                <a:cs typeface="メイリオ"/>
+              </a:endParaRPr>
+            </a:p>
+          </p:txBody>
+        </p:sp>
+        <p:sp>
+          <p:nvSpPr>
+            <p:cNvPr id="22" name="テキスト ボックス 21"/>
+            <p:cNvSpPr txBox="1"/>
+            <p:nvPr/>
+          </p:nvSpPr>
+          <p:spPr>
+            <a:xfrm>
+              <a:off x="3460065" y="6099706"/>
+              <a:ext cx="707846" cy="307777"/>
+            </a:xfrm>
+            <a:prstGeom prst="rect">
+              <a:avLst/>
+            </a:prstGeom>
+            <a:noFill/>
+          </p:spPr>
+          <p:txBody>
+            <a:bodyPr wrap="none" rtlCol="0">
+              <a:spAutoFit/>
+            </a:bodyPr>
+            <a:lstStyle/>
+            <a:p>
+              <a:r>
+                <a:rPr lang="en-US" altLang="ja-JP" sz="1400" dirty="0" smtClean="0">
+                  <a:latin typeface="メイリオ"/>
+                  <a:ea typeface="メイリオ"/>
+                  <a:cs typeface="メイリオ"/>
+                </a:rPr>
+                <a:t>06:00</a:t>
+              </a:r>
+              <a:endParaRPr kumimoji="1" lang="ja-JP" altLang="en-US" sz="1400" dirty="0">
+                <a:latin typeface="メイリオ"/>
+                <a:ea typeface="メイリオ"/>
+                <a:cs typeface="メイリオ"/>
+              </a:endParaRPr>
+            </a:p>
+          </p:txBody>
+        </p:sp>
+        <p:sp>
+          <p:nvSpPr>
+            <p:cNvPr id="23" name="テキスト ボックス 22"/>
+            <p:cNvSpPr txBox="1"/>
+            <p:nvPr/>
+          </p:nvSpPr>
+          <p:spPr>
+            <a:xfrm>
+              <a:off x="4759235" y="6095696"/>
+              <a:ext cx="707846" cy="307777"/>
+            </a:xfrm>
+            <a:prstGeom prst="rect">
+              <a:avLst/>
+            </a:prstGeom>
+            <a:noFill/>
+          </p:spPr>
+          <p:txBody>
+            <a:bodyPr wrap="none" rtlCol="0">
+              <a:spAutoFit/>
+            </a:bodyPr>
+            <a:lstStyle/>
+            <a:p>
+              <a:r>
+                <a:rPr lang="en-US" altLang="ja-JP" sz="1400" dirty="0" smtClean="0">
+                  <a:latin typeface="メイリオ"/>
+                  <a:ea typeface="メイリオ"/>
+                  <a:cs typeface="メイリオ"/>
+                </a:rPr>
+                <a:t>09:00</a:t>
+              </a:r>
+              <a:endParaRPr kumimoji="1" lang="ja-JP" altLang="en-US" sz="1400" dirty="0">
+                <a:latin typeface="メイリオ"/>
+                <a:ea typeface="メイリオ"/>
+                <a:cs typeface="メイリオ"/>
+              </a:endParaRPr>
+            </a:p>
+          </p:txBody>
+        </p:sp>
+        <p:sp>
+          <p:nvSpPr>
+            <p:cNvPr id="29" name="テキスト ボックス 28"/>
+            <p:cNvSpPr txBox="1"/>
+            <p:nvPr/>
+          </p:nvSpPr>
+          <p:spPr>
+            <a:xfrm>
+              <a:off x="5989345" y="6097701"/>
+              <a:ext cx="707846" cy="307777"/>
+            </a:xfrm>
+            <a:prstGeom prst="rect">
+              <a:avLst/>
+            </a:prstGeom>
+            <a:noFill/>
+          </p:spPr>
+          <p:txBody>
+            <a:bodyPr wrap="none" rtlCol="0">
+              <a:spAutoFit/>
+            </a:bodyPr>
+            <a:lstStyle/>
+            <a:p>
+              <a:r>
+                <a:rPr lang="en-US" altLang="ja-JP" sz="1400" dirty="0" smtClean="0">
+                  <a:latin typeface="メイリオ"/>
+                  <a:ea typeface="メイリオ"/>
+                  <a:cs typeface="メイリオ"/>
+                </a:rPr>
+                <a:t>12:00</a:t>
+              </a:r>
+              <a:endParaRPr kumimoji="1" lang="ja-JP" altLang="en-US" sz="1400" dirty="0">
+                <a:latin typeface="メイリオ"/>
+                <a:ea typeface="メイリオ"/>
+                <a:cs typeface="メイリオ"/>
+              </a:endParaRPr>
+            </a:p>
+          </p:txBody>
+        </p:sp>
+        <p:sp>
+          <p:nvSpPr>
+            <p:cNvPr id="30" name="テキスト ボックス 29"/>
+            <p:cNvSpPr txBox="1"/>
+            <p:nvPr/>
+          </p:nvSpPr>
+          <p:spPr>
+            <a:xfrm>
+              <a:off x="7250109" y="6095696"/>
+              <a:ext cx="707846" cy="307777"/>
+            </a:xfrm>
+            <a:prstGeom prst="rect">
+              <a:avLst/>
+            </a:prstGeom>
+            <a:noFill/>
+          </p:spPr>
+          <p:txBody>
+            <a:bodyPr wrap="none" rtlCol="0">
+              <a:spAutoFit/>
+            </a:bodyPr>
+            <a:lstStyle/>
+            <a:p>
+              <a:r>
+                <a:rPr lang="en-US" altLang="ja-JP" sz="1400" dirty="0" smtClean="0">
+                  <a:latin typeface="メイリオ"/>
+                  <a:ea typeface="メイリオ"/>
+                  <a:cs typeface="メイリオ"/>
+                </a:rPr>
+                <a:t>15:00</a:t>
+              </a:r>
+              <a:endParaRPr kumimoji="1" lang="ja-JP" altLang="en-US" sz="1400" dirty="0">
+                <a:latin typeface="メイリオ"/>
+                <a:ea typeface="メイリオ"/>
+                <a:cs typeface="メイリオ"/>
+              </a:endParaRPr>
             </a:p>
           </p:txBody>
         </p:sp>

--- a/regulus/interface/ui.pptx
+++ b/regulus/interface/ui.pptx
@@ -202,11 +202,11 @@
         </c:dLbls>
         <c:marker val="1"/>
         <c:smooth val="0"/>
-        <c:axId val="516357176"/>
-        <c:axId val="516361784"/>
+        <c:axId val="519793224"/>
+        <c:axId val="475243608"/>
       </c:lineChart>
       <c:catAx>
-        <c:axId val="516357176"/>
+        <c:axId val="519793224"/>
         <c:scaling>
           <c:orientation val="minMax"/>
         </c:scaling>
@@ -215,7 +215,7 @@
         <c:majorTickMark val="out"/>
         <c:minorTickMark val="none"/>
         <c:tickLblPos val="nextTo"/>
-        <c:crossAx val="516361784"/>
+        <c:crossAx val="475243608"/>
         <c:crosses val="autoZero"/>
         <c:auto val="1"/>
         <c:lblAlgn val="ctr"/>
@@ -223,7 +223,7 @@
         <c:noMultiLvlLbl val="0"/>
       </c:catAx>
       <c:valAx>
-        <c:axId val="516361784"/>
+        <c:axId val="475243608"/>
         <c:scaling>
           <c:orientation val="minMax"/>
         </c:scaling>
@@ -234,7 +234,7 @@
         <c:majorTickMark val="out"/>
         <c:minorTickMark val="none"/>
         <c:tickLblPos val="nextTo"/>
-        <c:crossAx val="516357176"/>
+        <c:crossAx val="519793224"/>
         <c:crosses val="autoZero"/>
         <c:crossBetween val="between"/>
       </c:valAx>
@@ -440,7 +440,7 @@
           <a:p>
             <a:fld id="{B56DC137-3F13-8D43-AA57-5640E0D90177}" type="datetimeFigureOut">
               <a:rPr kumimoji="1" lang="ja-JP" altLang="en-US" smtClean="0"/>
-              <a:t>16/05/01</a:t>
+              <a:t>16/06/13</a:t>
             </a:fld>
             <a:endParaRPr kumimoji="1" lang="ja-JP" altLang="en-US"/>
           </a:p>
@@ -642,7 +642,7 @@
           <a:p>
             <a:fld id="{B56DC137-3F13-8D43-AA57-5640E0D90177}" type="datetimeFigureOut">
               <a:rPr kumimoji="1" lang="ja-JP" altLang="en-US" smtClean="0"/>
-              <a:t>16/05/01</a:t>
+              <a:t>16/06/13</a:t>
             </a:fld>
             <a:endParaRPr kumimoji="1" lang="ja-JP" altLang="en-US"/>
           </a:p>
@@ -854,7 +854,7 @@
           <a:p>
             <a:fld id="{B56DC137-3F13-8D43-AA57-5640E0D90177}" type="datetimeFigureOut">
               <a:rPr kumimoji="1" lang="ja-JP" altLang="en-US" smtClean="0"/>
-              <a:t>16/05/01</a:t>
+              <a:t>16/06/13</a:t>
             </a:fld>
             <a:endParaRPr kumimoji="1" lang="ja-JP" altLang="en-US"/>
           </a:p>
@@ -1056,7 +1056,7 @@
           <a:p>
             <a:fld id="{B56DC137-3F13-8D43-AA57-5640E0D90177}" type="datetimeFigureOut">
               <a:rPr kumimoji="1" lang="ja-JP" altLang="en-US" smtClean="0"/>
-              <a:t>16/05/01</a:t>
+              <a:t>16/06/13</a:t>
             </a:fld>
             <a:endParaRPr kumimoji="1" lang="ja-JP" altLang="en-US"/>
           </a:p>
@@ -1302,7 +1302,7 @@
           <a:p>
             <a:fld id="{B56DC137-3F13-8D43-AA57-5640E0D90177}" type="datetimeFigureOut">
               <a:rPr kumimoji="1" lang="ja-JP" altLang="en-US" smtClean="0"/>
-              <a:t>16/05/01</a:t>
+              <a:t>16/06/13</a:t>
             </a:fld>
             <a:endParaRPr kumimoji="1" lang="ja-JP" altLang="en-US"/>
           </a:p>
@@ -1654,7 +1654,7 @@
           <a:p>
             <a:fld id="{B56DC137-3F13-8D43-AA57-5640E0D90177}" type="datetimeFigureOut">
               <a:rPr kumimoji="1" lang="ja-JP" altLang="en-US" smtClean="0"/>
-              <a:t>16/05/01</a:t>
+              <a:t>16/06/13</a:t>
             </a:fld>
             <a:endParaRPr kumimoji="1" lang="ja-JP" altLang="en-US"/>
           </a:p>
@@ -2140,7 +2140,7 @@
           <a:p>
             <a:fld id="{B56DC137-3F13-8D43-AA57-5640E0D90177}" type="datetimeFigureOut">
               <a:rPr kumimoji="1" lang="ja-JP" altLang="en-US" smtClean="0"/>
-              <a:t>16/05/01</a:t>
+              <a:t>16/06/13</a:t>
             </a:fld>
             <a:endParaRPr kumimoji="1" lang="ja-JP" altLang="en-US"/>
           </a:p>
@@ -2258,7 +2258,7 @@
           <a:p>
             <a:fld id="{B56DC137-3F13-8D43-AA57-5640E0D90177}" type="datetimeFigureOut">
               <a:rPr kumimoji="1" lang="ja-JP" altLang="en-US" smtClean="0"/>
-              <a:t>16/05/01</a:t>
+              <a:t>16/06/13</a:t>
             </a:fld>
             <a:endParaRPr kumimoji="1" lang="ja-JP" altLang="en-US"/>
           </a:p>
@@ -2353,7 +2353,7 @@
           <a:p>
             <a:fld id="{B56DC137-3F13-8D43-AA57-5640E0D90177}" type="datetimeFigureOut">
               <a:rPr kumimoji="1" lang="ja-JP" altLang="en-US" smtClean="0"/>
-              <a:t>16/05/01</a:t>
+              <a:t>16/06/13</a:t>
             </a:fld>
             <a:endParaRPr kumimoji="1" lang="ja-JP" altLang="en-US"/>
           </a:p>
@@ -2662,7 +2662,7 @@
           <a:p>
             <a:fld id="{B56DC137-3F13-8D43-AA57-5640E0D90177}" type="datetimeFigureOut">
               <a:rPr kumimoji="1" lang="ja-JP" altLang="en-US" smtClean="0"/>
-              <a:t>16/05/01</a:t>
+              <a:t>16/06/13</a:t>
             </a:fld>
             <a:endParaRPr kumimoji="1" lang="ja-JP" altLang="en-US"/>
           </a:p>
@@ -2915,7 +2915,7 @@
           <a:p>
             <a:fld id="{B56DC137-3F13-8D43-AA57-5640E0D90177}" type="datetimeFigureOut">
               <a:rPr kumimoji="1" lang="ja-JP" altLang="en-US" smtClean="0"/>
-              <a:t>16/05/01</a:t>
+              <a:t>16/06/13</a:t>
             </a:fld>
             <a:endParaRPr kumimoji="1" lang="ja-JP" altLang="en-US"/>
           </a:p>
@@ -3160,7 +3160,7 @@
           <a:p>
             <a:fld id="{B56DC137-3F13-8D43-AA57-5640E0D90177}" type="datetimeFigureOut">
               <a:rPr kumimoji="1" lang="ja-JP" altLang="en-US" smtClean="0"/>
-              <a:t>16/05/01</a:t>
+              <a:t>16/06/13</a:t>
             </a:fld>
             <a:endParaRPr kumimoji="1" lang="ja-JP" altLang="en-US"/>
           </a:p>
@@ -3594,11 +3594,11 @@
             </a:r>
             <a:r>
               <a:rPr kumimoji="1" lang="en-US" altLang="ja-JP" dirty="0" smtClean="0"/>
-              <a:t>05/</a:t>
+              <a:t>06/</a:t>
             </a:r>
             <a:r>
               <a:rPr lang="en-US" altLang="ja-JP" dirty="0" smtClean="0"/>
-              <a:t>01</a:t>
+              <a:t>13</a:t>
             </a:r>
             <a:endParaRPr kumimoji="1" lang="ja-JP" altLang="en-US" dirty="0"/>
           </a:p>
@@ -3678,7 +3678,7 @@
         <p:spPr>
           <a:xfrm>
             <a:off x="457200" y="1205650"/>
-            <a:ext cx="7430239" cy="2862322"/>
+            <a:ext cx="7007046" cy="4093428"/>
           </a:xfrm>
           <a:prstGeom prst="rect">
             <a:avLst/>
@@ -3728,41 +3728,25 @@
             <a:endParaRPr lang="en-US" altLang="ja-JP" sz="2400" dirty="0" smtClean="0"/>
           </a:p>
           <a:p>
-            <a:pPr marL="800100" lvl="1" indent="-342900">
+            <a:pPr lvl="1"/>
+            <a:r>
+              <a:rPr lang="ja-JP" altLang="en-US" sz="2000" dirty="0" smtClean="0"/>
+              <a:t>レート</a:t>
+            </a:r>
+            <a:endParaRPr lang="en-US" altLang="ja-JP" sz="2000" dirty="0" smtClean="0"/>
+          </a:p>
+          <a:p>
+            <a:pPr marL="1257300" lvl="2" indent="-342900">
               <a:buFont typeface="Arial"/>
               <a:buChar char="•"/>
             </a:pPr>
             <a:r>
               <a:rPr lang="ja-JP" altLang="en-US" sz="2000" dirty="0" smtClean="0"/>
-              <a:t>レート</a:t>
+              <a:t>指定</a:t>
             </a:r>
             <a:r>
               <a:rPr lang="ja-JP" altLang="en-US" sz="2000" dirty="0" smtClean="0"/>
-              <a:t>は</a:t>
-            </a:r>
-            <a:r>
-              <a:rPr lang="ja-JP" altLang="en-US" sz="2000" dirty="0" smtClean="0"/>
-              <a:t>指定されたペア・期間の</a:t>
-            </a:r>
-            <a:r>
-              <a:rPr lang="ja-JP" altLang="en-US" sz="2000" dirty="0" smtClean="0"/>
-              <a:t>ローソク</a:t>
-            </a:r>
-            <a:r>
-              <a:rPr lang="ja-JP" altLang="en-US" sz="2000" dirty="0" smtClean="0"/>
-              <a:t>足</a:t>
-            </a:r>
-            <a:r>
-              <a:rPr lang="ja-JP" altLang="en-US" sz="2000" dirty="0" smtClean="0"/>
-              <a:t>グラフ</a:t>
-            </a:r>
-            <a:r>
-              <a:rPr lang="ja-JP" altLang="en-US" sz="2000" dirty="0" smtClean="0"/>
-              <a:t>を</a:t>
-            </a:r>
-            <a:r>
-              <a:rPr lang="ja-JP" altLang="en-US" sz="2000" dirty="0" smtClean="0"/>
-              <a:t>表示</a:t>
+              <a:t>されたペア・期間のローソク足グラフを表示</a:t>
             </a:r>
             <a:r>
               <a:rPr lang="ja-JP" altLang="en-US" sz="2000" dirty="0" smtClean="0"/>
@@ -3771,32 +3755,67 @@
             <a:endParaRPr lang="en-US" altLang="ja-JP" sz="2000" dirty="0" smtClean="0"/>
           </a:p>
           <a:p>
-            <a:pPr marL="800100" lvl="1" indent="-342900">
+            <a:pPr marL="1257300" lvl="2" indent="-342900">
               <a:buFont typeface="Arial"/>
               <a:buChar char="•"/>
             </a:pPr>
             <a:r>
               <a:rPr lang="ja-JP" altLang="en-US" sz="2000" dirty="0" smtClean="0"/>
-              <a:t>ツイートは最新</a:t>
+              <a:t>直近</a:t>
             </a:r>
             <a:r>
               <a:rPr lang="en-US" altLang="ja-JP" sz="2000" dirty="0" smtClean="0"/>
-              <a:t>100</a:t>
+              <a:t>75</a:t>
             </a:r>
             <a:r>
               <a:rPr lang="ja-JP" altLang="en-US" sz="2000" dirty="0" smtClean="0"/>
-              <a:t>件を表示する</a:t>
+              <a:t>本分のレートで移動平均線を表示する</a:t>
             </a:r>
             <a:endParaRPr lang="en-US" altLang="ja-JP" sz="2000" dirty="0" smtClean="0"/>
           </a:p>
           <a:p>
-            <a:pPr marL="800100" lvl="1" indent="-342900">
+            <a:pPr lvl="1"/>
+            <a:r>
+              <a:rPr lang="ja-JP" altLang="en-US" sz="2000" dirty="0" smtClean="0"/>
+              <a:t>ツイート</a:t>
+            </a:r>
+            <a:endParaRPr lang="en-US" altLang="ja-JP" sz="2000" dirty="0" smtClean="0"/>
+          </a:p>
+          <a:p>
+            <a:pPr marL="1257300" lvl="2" indent="-342900">
               <a:buFont typeface="Arial"/>
               <a:buChar char="•"/>
             </a:pPr>
             <a:r>
               <a:rPr lang="ja-JP" altLang="en-US" sz="2000" dirty="0" smtClean="0"/>
-              <a:t>記事は最新</a:t>
+              <a:t>最新</a:t>
+            </a:r>
+            <a:r>
+              <a:rPr lang="en-US" altLang="ja-JP" sz="2000" dirty="0" smtClean="0"/>
+              <a:t>100</a:t>
+            </a:r>
+            <a:r>
+              <a:rPr lang="ja-JP" altLang="en-US" sz="2000" dirty="0" smtClean="0"/>
+              <a:t>件を表示する</a:t>
+            </a:r>
+            <a:endParaRPr lang="en-US" altLang="ja-JP" sz="2000" dirty="0" smtClean="0"/>
+          </a:p>
+          <a:p>
+            <a:pPr lvl="1"/>
+            <a:r>
+              <a:rPr lang="ja-JP" altLang="en-US" sz="2000" dirty="0" smtClean="0"/>
+              <a:t>記事</a:t>
+            </a:r>
+            <a:endParaRPr lang="en-US" altLang="ja-JP" sz="2000" dirty="0" smtClean="0"/>
+          </a:p>
+          <a:p>
+            <a:pPr marL="1257300" lvl="2" indent="-342900">
+              <a:buFont typeface="Arial"/>
+              <a:buChar char="•"/>
+            </a:pPr>
+            <a:r>
+              <a:rPr lang="ja-JP" altLang="en-US" sz="2000" dirty="0" smtClean="0"/>
+              <a:t>最新</a:t>
             </a:r>
             <a:r>
               <a:rPr lang="en-US" altLang="ja-JP" sz="2000" dirty="0" smtClean="0"/>
@@ -3822,11 +3841,7 @@
             </a:pPr>
             <a:r>
               <a:rPr lang="ja-JP" altLang="en-US" sz="2400" dirty="0" smtClean="0"/>
-              <a:t>タブを押すことで表示するものを</a:t>
-            </a:r>
-            <a:r>
-              <a:rPr lang="ja-JP" altLang="en-US" sz="2400" dirty="0" smtClean="0"/>
-              <a:t>切り替える</a:t>
+              <a:t>タブを押すことで表示するものを切り替える</a:t>
             </a:r>
             <a:endParaRPr lang="en-US" altLang="ja-JP" sz="2400" dirty="0"/>
           </a:p>
@@ -5319,6 +5334,328 @@
           </p:txBody>
         </p:sp>
       </p:grpSp>
+      <p:sp>
+        <p:nvSpPr>
+          <p:cNvPr id="4" name="正方形/長方形 3"/>
+          <p:cNvSpPr/>
+          <p:nvPr/>
+        </p:nvSpPr>
+        <p:spPr>
+          <a:xfrm>
+            <a:off x="2262910" y="2389909"/>
+            <a:ext cx="92363" cy="914400"/>
+          </a:xfrm>
+          <a:prstGeom prst="rect">
+            <a:avLst/>
+          </a:prstGeom>
+          <a:solidFill>
+            <a:schemeClr val="accent2"/>
+          </a:solidFill>
+          <a:ln>
+            <a:solidFill>
+              <a:schemeClr val="accent2"/>
+            </a:solidFill>
+          </a:ln>
+        </p:spPr>
+        <p:style>
+          <a:lnRef idx="1">
+            <a:schemeClr val="accent1"/>
+          </a:lnRef>
+          <a:fillRef idx="3">
+            <a:schemeClr val="accent1"/>
+          </a:fillRef>
+          <a:effectRef idx="2">
+            <a:schemeClr val="accent1"/>
+          </a:effectRef>
+          <a:fontRef idx="minor">
+            <a:schemeClr val="lt1"/>
+          </a:fontRef>
+        </p:style>
+        <p:txBody>
+          <a:bodyPr rtlCol="0" anchor="ctr"/>
+          <a:lstStyle/>
+          <a:p>
+            <a:pPr algn="ctr"/>
+            <a:endParaRPr kumimoji="1" lang="ja-JP" altLang="en-US"/>
+          </a:p>
+        </p:txBody>
+      </p:sp>
+      <p:sp>
+        <p:nvSpPr>
+          <p:cNvPr id="20" name="正方形/長方形 19"/>
+          <p:cNvSpPr/>
+          <p:nvPr/>
+        </p:nvSpPr>
+        <p:spPr>
+          <a:xfrm>
+            <a:off x="2507673" y="3304309"/>
+            <a:ext cx="92363" cy="170873"/>
+          </a:xfrm>
+          <a:prstGeom prst="rect">
+            <a:avLst/>
+          </a:prstGeom>
+          <a:solidFill>
+            <a:schemeClr val="accent2"/>
+          </a:solidFill>
+          <a:ln>
+            <a:solidFill>
+              <a:schemeClr val="accent2"/>
+            </a:solidFill>
+          </a:ln>
+        </p:spPr>
+        <p:style>
+          <a:lnRef idx="1">
+            <a:schemeClr val="accent1"/>
+          </a:lnRef>
+          <a:fillRef idx="3">
+            <a:schemeClr val="accent1"/>
+          </a:fillRef>
+          <a:effectRef idx="2">
+            <a:schemeClr val="accent1"/>
+          </a:effectRef>
+          <a:fontRef idx="minor">
+            <a:schemeClr val="lt1"/>
+          </a:fontRef>
+        </p:style>
+        <p:txBody>
+          <a:bodyPr rtlCol="0" anchor="ctr"/>
+          <a:lstStyle/>
+          <a:p>
+            <a:pPr algn="ctr"/>
+            <a:endParaRPr kumimoji="1" lang="ja-JP" altLang="en-US"/>
+          </a:p>
+        </p:txBody>
+      </p:sp>
+      <p:sp>
+        <p:nvSpPr>
+          <p:cNvPr id="22" name="正方形/長方形 21"/>
+          <p:cNvSpPr/>
+          <p:nvPr/>
+        </p:nvSpPr>
+        <p:spPr>
+          <a:xfrm>
+            <a:off x="2776528" y="2847109"/>
+            <a:ext cx="92363" cy="628073"/>
+          </a:xfrm>
+          <a:prstGeom prst="rect">
+            <a:avLst/>
+          </a:prstGeom>
+          <a:solidFill>
+            <a:schemeClr val="accent1"/>
+          </a:solidFill>
+          <a:ln>
+            <a:solidFill>
+              <a:schemeClr val="accent1"/>
+            </a:solidFill>
+          </a:ln>
+        </p:spPr>
+        <p:style>
+          <a:lnRef idx="1">
+            <a:schemeClr val="accent1"/>
+          </a:lnRef>
+          <a:fillRef idx="3">
+            <a:schemeClr val="accent1"/>
+          </a:fillRef>
+          <a:effectRef idx="2">
+            <a:schemeClr val="accent1"/>
+          </a:effectRef>
+          <a:fontRef idx="minor">
+            <a:schemeClr val="lt1"/>
+          </a:fontRef>
+        </p:style>
+        <p:txBody>
+          <a:bodyPr rtlCol="0" anchor="ctr"/>
+          <a:lstStyle/>
+          <a:p>
+            <a:pPr algn="ctr"/>
+            <a:endParaRPr kumimoji="1" lang="ja-JP" altLang="en-US"/>
+          </a:p>
+        </p:txBody>
+      </p:sp>
+      <p:sp>
+        <p:nvSpPr>
+          <p:cNvPr id="23" name="正方形/長方形 22"/>
+          <p:cNvSpPr/>
+          <p:nvPr/>
+        </p:nvSpPr>
+        <p:spPr>
+          <a:xfrm>
+            <a:off x="3021291" y="2574636"/>
+            <a:ext cx="92363" cy="272473"/>
+          </a:xfrm>
+          <a:prstGeom prst="rect">
+            <a:avLst/>
+          </a:prstGeom>
+          <a:solidFill>
+            <a:schemeClr val="accent1"/>
+          </a:solidFill>
+          <a:ln>
+            <a:solidFill>
+              <a:schemeClr val="accent1"/>
+            </a:solidFill>
+          </a:ln>
+        </p:spPr>
+        <p:style>
+          <a:lnRef idx="1">
+            <a:schemeClr val="accent1"/>
+          </a:lnRef>
+          <a:fillRef idx="3">
+            <a:schemeClr val="accent1"/>
+          </a:fillRef>
+          <a:effectRef idx="2">
+            <a:schemeClr val="accent1"/>
+          </a:effectRef>
+          <a:fontRef idx="minor">
+            <a:schemeClr val="lt1"/>
+          </a:fontRef>
+        </p:style>
+        <p:txBody>
+          <a:bodyPr rtlCol="0" anchor="ctr"/>
+          <a:lstStyle/>
+          <a:p>
+            <a:pPr algn="ctr"/>
+            <a:endParaRPr kumimoji="1" lang="ja-JP" altLang="en-US"/>
+          </a:p>
+        </p:txBody>
+      </p:sp>
+      <p:sp>
+        <p:nvSpPr>
+          <p:cNvPr id="29" name="正方形/長方形 28"/>
+          <p:cNvSpPr/>
+          <p:nvPr/>
+        </p:nvSpPr>
+        <p:spPr>
+          <a:xfrm>
+            <a:off x="3260436" y="2574636"/>
+            <a:ext cx="92363" cy="484909"/>
+          </a:xfrm>
+          <a:prstGeom prst="rect">
+            <a:avLst/>
+          </a:prstGeom>
+          <a:solidFill>
+            <a:schemeClr val="accent2"/>
+          </a:solidFill>
+          <a:ln>
+            <a:solidFill>
+              <a:schemeClr val="accent2"/>
+            </a:solidFill>
+          </a:ln>
+        </p:spPr>
+        <p:style>
+          <a:lnRef idx="1">
+            <a:schemeClr val="accent1"/>
+          </a:lnRef>
+          <a:fillRef idx="3">
+            <a:schemeClr val="accent1"/>
+          </a:fillRef>
+          <a:effectRef idx="2">
+            <a:schemeClr val="accent1"/>
+          </a:effectRef>
+          <a:fontRef idx="minor">
+            <a:schemeClr val="lt1"/>
+          </a:fontRef>
+        </p:style>
+        <p:txBody>
+          <a:bodyPr rtlCol="0" anchor="ctr"/>
+          <a:lstStyle/>
+          <a:p>
+            <a:pPr algn="ctr"/>
+            <a:endParaRPr kumimoji="1" lang="ja-JP" altLang="en-US"/>
+          </a:p>
+        </p:txBody>
+      </p:sp>
+      <p:sp>
+        <p:nvSpPr>
+          <p:cNvPr id="30" name="正方形/長方形 29"/>
+          <p:cNvSpPr/>
+          <p:nvPr/>
+        </p:nvSpPr>
+        <p:spPr>
+          <a:xfrm>
+            <a:off x="3505999" y="2955636"/>
+            <a:ext cx="105435" cy="124691"/>
+          </a:xfrm>
+          <a:prstGeom prst="rect">
+            <a:avLst/>
+          </a:prstGeom>
+          <a:solidFill>
+            <a:schemeClr val="accent1"/>
+          </a:solidFill>
+          <a:ln>
+            <a:solidFill>
+              <a:schemeClr val="accent1"/>
+            </a:solidFill>
+          </a:ln>
+        </p:spPr>
+        <p:style>
+          <a:lnRef idx="1">
+            <a:schemeClr val="accent1"/>
+          </a:lnRef>
+          <a:fillRef idx="3">
+            <a:schemeClr val="accent1"/>
+          </a:fillRef>
+          <a:effectRef idx="2">
+            <a:schemeClr val="accent1"/>
+          </a:effectRef>
+          <a:fontRef idx="minor">
+            <a:schemeClr val="lt1"/>
+          </a:fontRef>
+        </p:style>
+        <p:txBody>
+          <a:bodyPr rtlCol="0" anchor="ctr"/>
+          <a:lstStyle/>
+          <a:p>
+            <a:pPr algn="ctr"/>
+            <a:endParaRPr kumimoji="1" lang="ja-JP" altLang="en-US"/>
+          </a:p>
+        </p:txBody>
+      </p:sp>
+      <p:sp>
+        <p:nvSpPr>
+          <p:cNvPr id="31" name="正方形/長方形 30"/>
+          <p:cNvSpPr/>
+          <p:nvPr/>
+        </p:nvSpPr>
+        <p:spPr>
+          <a:xfrm>
+            <a:off x="3759200" y="2969490"/>
+            <a:ext cx="92363" cy="1152237"/>
+          </a:xfrm>
+          <a:prstGeom prst="rect">
+            <a:avLst/>
+          </a:prstGeom>
+          <a:solidFill>
+            <a:schemeClr val="accent2"/>
+          </a:solidFill>
+          <a:ln>
+            <a:solidFill>
+              <a:schemeClr val="accent2"/>
+            </a:solidFill>
+          </a:ln>
+        </p:spPr>
+        <p:style>
+          <a:lnRef idx="1">
+            <a:schemeClr val="accent1"/>
+          </a:lnRef>
+          <a:fillRef idx="3">
+            <a:schemeClr val="accent1"/>
+          </a:fillRef>
+          <a:effectRef idx="2">
+            <a:schemeClr val="accent1"/>
+          </a:effectRef>
+          <a:fontRef idx="minor">
+            <a:schemeClr val="lt1"/>
+          </a:fontRef>
+        </p:style>
+        <p:txBody>
+          <a:bodyPr rtlCol="0" anchor="ctr"/>
+          <a:lstStyle/>
+          <a:p>
+            <a:pPr algn="ctr"/>
+            <a:endParaRPr kumimoji="1" lang="ja-JP" altLang="en-US"/>
+          </a:p>
+        </p:txBody>
+      </p:sp>
     </p:spTree>
     <p:extLst>
       <p:ext uri="{BB962C8B-B14F-4D97-AF65-F5344CB8AC3E}">

--- a/regulus/interface/ui.pptx
+++ b/regulus/interface/ui.pptx
@@ -202,11 +202,11 @@
         </c:dLbls>
         <c:marker val="1"/>
         <c:smooth val="0"/>
-        <c:axId val="519793224"/>
-        <c:axId val="475243608"/>
+        <c:axId val="473977352"/>
+        <c:axId val="473972696"/>
       </c:lineChart>
       <c:catAx>
-        <c:axId val="519793224"/>
+        <c:axId val="473977352"/>
         <c:scaling>
           <c:orientation val="minMax"/>
         </c:scaling>
@@ -215,7 +215,7 @@
         <c:majorTickMark val="out"/>
         <c:minorTickMark val="none"/>
         <c:tickLblPos val="nextTo"/>
-        <c:crossAx val="475243608"/>
+        <c:crossAx val="473972696"/>
         <c:crosses val="autoZero"/>
         <c:auto val="1"/>
         <c:lblAlgn val="ctr"/>
@@ -223,7 +223,7 @@
         <c:noMultiLvlLbl val="0"/>
       </c:catAx>
       <c:valAx>
-        <c:axId val="475243608"/>
+        <c:axId val="473972696"/>
         <c:scaling>
           <c:orientation val="minMax"/>
         </c:scaling>
@@ -234,7 +234,7 @@
         <c:majorTickMark val="out"/>
         <c:minorTickMark val="none"/>
         <c:tickLblPos val="nextTo"/>
-        <c:crossAx val="519793224"/>
+        <c:crossAx val="473977352"/>
         <c:crosses val="autoZero"/>
         <c:crossBetween val="between"/>
       </c:valAx>
@@ -3590,11 +3590,7 @@
             </a:r>
             <a:r>
               <a:rPr kumimoji="1" lang="en-US" altLang="ja-JP" dirty="0" smtClean="0"/>
-              <a:t>2016/</a:t>
-            </a:r>
-            <a:r>
-              <a:rPr kumimoji="1" lang="en-US" altLang="ja-JP" dirty="0" smtClean="0"/>
-              <a:t>06/</a:t>
+              <a:t>2016/06/</a:t>
             </a:r>
             <a:r>
               <a:rPr lang="en-US" altLang="ja-JP" dirty="0" smtClean="0"/>
@@ -3742,15 +3738,7 @@
             </a:pPr>
             <a:r>
               <a:rPr lang="ja-JP" altLang="en-US" sz="2000" dirty="0" smtClean="0"/>
-              <a:t>指定</a:t>
-            </a:r>
-            <a:r>
-              <a:rPr lang="ja-JP" altLang="en-US" sz="2000" dirty="0" smtClean="0"/>
-              <a:t>されたペア・期間のローソク足グラフを表示</a:t>
-            </a:r>
-            <a:r>
-              <a:rPr lang="ja-JP" altLang="en-US" sz="2000" dirty="0" smtClean="0"/>
-              <a:t>する</a:t>
+              <a:t>指定されたペア・期間のローソク足グラフを表示する</a:t>
             </a:r>
             <a:endParaRPr lang="en-US" altLang="ja-JP" sz="2000" dirty="0" smtClean="0"/>
           </a:p>
@@ -4751,7 +4739,7 @@
       </p:sp>
       <p:grpSp>
         <p:nvGrpSpPr>
-          <p:cNvPr id="7" name="図形グループ 6"/>
+          <p:cNvPr id="8" name="図形グループ 7"/>
           <p:cNvGrpSpPr/>
           <p:nvPr/>
         </p:nvGrpSpPr>
@@ -4763,432 +4751,613 @@
             <a:chExt cx="8229600" cy="5106737"/>
           </a:xfrm>
         </p:grpSpPr>
-        <p:sp>
-          <p:nvSpPr>
-            <p:cNvPr id="3" name="正方形/長方形 2"/>
-            <p:cNvSpPr/>
+        <p:grpSp>
+          <p:nvGrpSpPr>
+            <p:cNvPr id="7" name="図形グループ 6"/>
+            <p:cNvGrpSpPr/>
             <p:nvPr/>
-          </p:nvSpPr>
-          <p:spPr>
+          </p:nvGrpSpPr>
+          <p:grpSpPr>
             <a:xfrm>
               <a:off x="457200" y="1296736"/>
               <a:ext cx="8229600" cy="5106737"/>
+              <a:chOff x="457200" y="1296736"/>
+              <a:chExt cx="8229600" cy="5106737"/>
             </a:xfrm>
-            <a:prstGeom prst="rect">
-              <a:avLst/>
-            </a:prstGeom>
-            <a:noFill/>
-            <a:ln w="38100">
+          </p:grpSpPr>
+          <p:sp>
+            <p:nvSpPr>
+              <p:cNvPr id="3" name="正方形/長方形 2"/>
+              <p:cNvSpPr/>
+              <p:nvPr/>
+            </p:nvSpPr>
+            <p:spPr>
+              <a:xfrm>
+                <a:off x="457200" y="1296736"/>
+                <a:ext cx="8229600" cy="5106737"/>
+              </a:xfrm>
+              <a:prstGeom prst="rect">
+                <a:avLst/>
+              </a:prstGeom>
+              <a:noFill/>
+              <a:ln w="38100">
+                <a:solidFill>
+                  <a:schemeClr val="tx1"/>
+                </a:solidFill>
+              </a:ln>
+              <a:effectLst/>
+            </p:spPr>
+            <p:style>
+              <a:lnRef idx="1">
+                <a:schemeClr val="accent1"/>
+              </a:lnRef>
+              <a:fillRef idx="3">
+                <a:schemeClr val="accent1"/>
+              </a:fillRef>
+              <a:effectRef idx="2">
+                <a:schemeClr val="accent1"/>
+              </a:effectRef>
+              <a:fontRef idx="minor">
+                <a:schemeClr val="lt1"/>
+              </a:fontRef>
+            </p:style>
+            <p:txBody>
+              <a:bodyPr rtlCol="0" anchor="ctr"/>
+              <a:lstStyle/>
+              <a:p>
+                <a:pPr algn="ctr"/>
+                <a:endParaRPr kumimoji="1" lang="ja-JP" altLang="en-US"/>
+              </a:p>
+            </p:txBody>
+          </p:sp>
+          <p:graphicFrame>
+            <p:nvGraphicFramePr>
+              <p:cNvPr id="16" name="グラフ 15"/>
+              <p:cNvGraphicFramePr/>
+              <p:nvPr>
+                <p:extLst>
+                  <p:ext uri="{D42A27DB-BD31-4B8C-83A1-F6EECF244321}">
+                    <p14:modId xmlns:p14="http://schemas.microsoft.com/office/powerpoint/2010/main" val="3775934390"/>
+                  </p:ext>
+                </p:extLst>
+              </p:nvPr>
+            </p:nvGraphicFramePr>
+            <p:xfrm>
+              <a:off x="593558" y="1834359"/>
+              <a:ext cx="7963507" cy="4451206"/>
+            </p:xfrm>
+            <a:graphic>
+              <a:graphicData uri="http://schemas.openxmlformats.org/drawingml/2006/chart">
+                <c:chart xmlns:c="http://schemas.openxmlformats.org/drawingml/2006/chart" xmlns:r="http://schemas.openxmlformats.org/officeDocument/2006/relationships" r:id="rId2"/>
+              </a:graphicData>
+            </a:graphic>
+          </p:graphicFrame>
+          <p:cxnSp>
+            <p:nvCxnSpPr>
+              <p:cNvPr id="19" name="直線コネクタ 18"/>
+              <p:cNvCxnSpPr/>
+              <p:nvPr/>
+            </p:nvCxnSpPr>
+            <p:spPr>
+              <a:xfrm>
+                <a:off x="593558" y="1770219"/>
+                <a:ext cx="7963507" cy="0"/>
+              </a:xfrm>
+              <a:prstGeom prst="line">
+                <a:avLst/>
+              </a:prstGeom>
+              <a:ln w="12700">
+                <a:solidFill>
+                  <a:schemeClr val="bg1">
+                    <a:lumMod val="85000"/>
+                  </a:schemeClr>
+                </a:solidFill>
+              </a:ln>
+              <a:effectLst/>
+            </p:spPr>
+            <p:style>
+              <a:lnRef idx="2">
+                <a:schemeClr val="accent1"/>
+              </a:lnRef>
+              <a:fillRef idx="0">
+                <a:schemeClr val="accent1"/>
+              </a:fillRef>
+              <a:effectRef idx="1">
+                <a:schemeClr val="accent1"/>
+              </a:effectRef>
+              <a:fontRef idx="minor">
+                <a:schemeClr val="tx1"/>
+              </a:fontRef>
+            </p:style>
+          </p:cxnSp>
+          <p:cxnSp>
+            <p:nvCxnSpPr>
+              <p:cNvPr id="21" name="直線コネクタ 20"/>
+              <p:cNvCxnSpPr/>
+              <p:nvPr/>
+            </p:nvCxnSpPr>
+            <p:spPr>
+              <a:xfrm flipV="1">
+                <a:off x="1717558" y="1373704"/>
+                <a:ext cx="0" cy="347880"/>
+              </a:xfrm>
+              <a:prstGeom prst="line">
+                <a:avLst/>
+              </a:prstGeom>
+              <a:ln w="12700">
+                <a:solidFill>
+                  <a:schemeClr val="bg1">
+                    <a:lumMod val="85000"/>
+                  </a:schemeClr>
+                </a:solidFill>
+              </a:ln>
+              <a:effectLst/>
+            </p:spPr>
+            <p:style>
+              <a:lnRef idx="2">
+                <a:schemeClr val="accent1"/>
+              </a:lnRef>
+              <a:fillRef idx="0">
+                <a:schemeClr val="accent1"/>
+              </a:fillRef>
+              <a:effectRef idx="1">
+                <a:schemeClr val="accent1"/>
+              </a:effectRef>
+              <a:fontRef idx="minor">
+                <a:schemeClr val="tx1"/>
+              </a:fontRef>
+            </p:style>
+          </p:cxnSp>
+          <p:cxnSp>
+            <p:nvCxnSpPr>
+              <p:cNvPr id="24" name="直線コネクタ 23"/>
+              <p:cNvCxnSpPr/>
+              <p:nvPr/>
+            </p:nvCxnSpPr>
+            <p:spPr>
+              <a:xfrm flipV="1">
+                <a:off x="2868891" y="1373704"/>
+                <a:ext cx="0" cy="347880"/>
+              </a:xfrm>
+              <a:prstGeom prst="line">
+                <a:avLst/>
+              </a:prstGeom>
+              <a:ln w="12700">
+                <a:solidFill>
+                  <a:schemeClr val="bg1">
+                    <a:lumMod val="85000"/>
+                  </a:schemeClr>
+                </a:solidFill>
+              </a:ln>
+              <a:effectLst/>
+            </p:spPr>
+            <p:style>
+              <a:lnRef idx="2">
+                <a:schemeClr val="accent1"/>
+              </a:lnRef>
+              <a:fillRef idx="0">
+                <a:schemeClr val="accent1"/>
+              </a:fillRef>
+              <a:effectRef idx="1">
+                <a:schemeClr val="accent1"/>
+              </a:effectRef>
+              <a:fontRef idx="minor">
+                <a:schemeClr val="tx1"/>
+              </a:fontRef>
+            </p:style>
+          </p:cxnSp>
+          <p:sp>
+            <p:nvSpPr>
+              <p:cNvPr id="25" name="テキスト ボックス 24"/>
+              <p:cNvSpPr txBox="1"/>
+              <p:nvPr/>
+            </p:nvSpPr>
+            <p:spPr>
+              <a:xfrm>
+                <a:off x="756922" y="1383030"/>
+                <a:ext cx="800219" cy="338554"/>
+              </a:xfrm>
+              <a:prstGeom prst="rect">
+                <a:avLst/>
+              </a:prstGeom>
               <a:solidFill>
                 <a:schemeClr val="tx1"/>
               </a:solidFill>
-            </a:ln>
-            <a:effectLst/>
-          </p:spPr>
-          <p:style>
-            <a:lnRef idx="1">
-              <a:schemeClr val="accent1"/>
-            </a:lnRef>
-            <a:fillRef idx="3">
-              <a:schemeClr val="accent1"/>
-            </a:fillRef>
-            <a:effectRef idx="2">
-              <a:schemeClr val="accent1"/>
-            </a:effectRef>
-            <a:fontRef idx="minor">
-              <a:schemeClr val="lt1"/>
-            </a:fontRef>
-          </p:style>
-          <p:txBody>
-            <a:bodyPr rtlCol="0" anchor="ctr"/>
-            <a:lstStyle/>
-            <a:p>
-              <a:pPr algn="ctr"/>
-              <a:endParaRPr kumimoji="1" lang="ja-JP" altLang="en-US"/>
-            </a:p>
-          </p:txBody>
-        </p:sp>
-        <p:graphicFrame>
-          <p:nvGraphicFramePr>
-            <p:cNvPr id="16" name="グラフ 15"/>
-            <p:cNvGraphicFramePr/>
-            <p:nvPr>
-              <p:extLst>
-                <p:ext uri="{D42A27DB-BD31-4B8C-83A1-F6EECF244321}">
-                  <p14:modId xmlns:p14="http://schemas.microsoft.com/office/powerpoint/2010/main" val="3775934390"/>
-                </p:ext>
-              </p:extLst>
-            </p:nvPr>
-          </p:nvGraphicFramePr>
-          <p:xfrm>
-            <a:off x="593558" y="1834359"/>
-            <a:ext cx="7963507" cy="4451206"/>
-          </p:xfrm>
-          <a:graphic>
-            <a:graphicData uri="http://schemas.openxmlformats.org/drawingml/2006/chart">
-              <c:chart xmlns:c="http://schemas.openxmlformats.org/drawingml/2006/chart" xmlns:r="http://schemas.openxmlformats.org/officeDocument/2006/relationships" r:id="rId2"/>
-            </a:graphicData>
-          </a:graphic>
-        </p:graphicFrame>
-        <p:cxnSp>
-          <p:nvCxnSpPr>
-            <p:cNvPr id="19" name="直線コネクタ 18"/>
-            <p:cNvCxnSpPr/>
-            <p:nvPr/>
-          </p:nvCxnSpPr>
-          <p:spPr>
-            <a:xfrm>
-              <a:off x="593558" y="1770219"/>
-              <a:ext cx="7963507" cy="0"/>
-            </a:xfrm>
-            <a:prstGeom prst="line">
-              <a:avLst/>
-            </a:prstGeom>
-            <a:ln w="12700">
-              <a:solidFill>
-                <a:schemeClr val="bg1">
-                  <a:lumMod val="85000"/>
-                </a:schemeClr>
-              </a:solidFill>
-            </a:ln>
-            <a:effectLst/>
-          </p:spPr>
-          <p:style>
-            <a:lnRef idx="2">
-              <a:schemeClr val="accent1"/>
-            </a:lnRef>
-            <a:fillRef idx="0">
-              <a:schemeClr val="accent1"/>
-            </a:fillRef>
-            <a:effectRef idx="1">
-              <a:schemeClr val="accent1"/>
-            </a:effectRef>
-            <a:fontRef idx="minor">
-              <a:schemeClr val="tx1"/>
-            </a:fontRef>
-          </p:style>
-        </p:cxnSp>
-        <p:cxnSp>
-          <p:nvCxnSpPr>
-            <p:cNvPr id="21" name="直線コネクタ 20"/>
-            <p:cNvCxnSpPr/>
-            <p:nvPr/>
-          </p:nvCxnSpPr>
-          <p:spPr>
-            <a:xfrm flipV="1">
-              <a:off x="1717558" y="1373704"/>
-              <a:ext cx="0" cy="347880"/>
-            </a:xfrm>
-            <a:prstGeom prst="line">
-              <a:avLst/>
-            </a:prstGeom>
-            <a:ln w="12700">
-              <a:solidFill>
-                <a:schemeClr val="bg1">
-                  <a:lumMod val="85000"/>
-                </a:schemeClr>
-              </a:solidFill>
-            </a:ln>
-            <a:effectLst/>
-          </p:spPr>
-          <p:style>
-            <a:lnRef idx="2">
-              <a:schemeClr val="accent1"/>
-            </a:lnRef>
-            <a:fillRef idx="0">
-              <a:schemeClr val="accent1"/>
-            </a:fillRef>
-            <a:effectRef idx="1">
-              <a:schemeClr val="accent1"/>
-            </a:effectRef>
-            <a:fontRef idx="minor">
-              <a:schemeClr val="tx1"/>
-            </a:fontRef>
-          </p:style>
-        </p:cxnSp>
-        <p:cxnSp>
-          <p:nvCxnSpPr>
-            <p:cNvPr id="24" name="直線コネクタ 23"/>
-            <p:cNvCxnSpPr/>
-            <p:nvPr/>
-          </p:nvCxnSpPr>
-          <p:spPr>
-            <a:xfrm flipV="1">
-              <a:off x="2868891" y="1373704"/>
-              <a:ext cx="0" cy="347880"/>
-            </a:xfrm>
-            <a:prstGeom prst="line">
-              <a:avLst/>
-            </a:prstGeom>
-            <a:ln w="12700">
-              <a:solidFill>
-                <a:schemeClr val="bg1">
-                  <a:lumMod val="85000"/>
-                </a:schemeClr>
-              </a:solidFill>
-            </a:ln>
-            <a:effectLst/>
-          </p:spPr>
-          <p:style>
-            <a:lnRef idx="2">
-              <a:schemeClr val="accent1"/>
-            </a:lnRef>
-            <a:fillRef idx="0">
-              <a:schemeClr val="accent1"/>
-            </a:fillRef>
-            <a:effectRef idx="1">
-              <a:schemeClr val="accent1"/>
-            </a:effectRef>
-            <a:fontRef idx="minor">
-              <a:schemeClr val="tx1"/>
-            </a:fontRef>
-          </p:style>
-        </p:cxnSp>
-        <p:sp>
-          <p:nvSpPr>
-            <p:cNvPr id="25" name="テキスト ボックス 24"/>
-            <p:cNvSpPr txBox="1"/>
-            <p:nvPr/>
-          </p:nvSpPr>
-          <p:spPr>
-            <a:xfrm>
-              <a:off x="756922" y="1383030"/>
-              <a:ext cx="800219" cy="338554"/>
-            </a:xfrm>
-            <a:prstGeom prst="rect">
-              <a:avLst/>
-            </a:prstGeom>
-            <a:solidFill>
-              <a:schemeClr val="tx1"/>
-            </a:solidFill>
-          </p:spPr>
-          <p:txBody>
-            <a:bodyPr wrap="none" rtlCol="0">
-              <a:spAutoFit/>
-            </a:bodyPr>
-            <a:lstStyle/>
-            <a:p>
-              <a:r>
-                <a:rPr kumimoji="1" lang="ja-JP" altLang="en-US" sz="1600" dirty="0" smtClean="0">
+            </p:spPr>
+            <p:txBody>
+              <a:bodyPr wrap="none" rtlCol="0">
+                <a:spAutoFit/>
+              </a:bodyPr>
+              <a:lstStyle/>
+              <a:p>
+                <a:r>
+                  <a:rPr kumimoji="1" lang="ja-JP" altLang="en-US" sz="1600" dirty="0" smtClean="0">
+                    <a:solidFill>
+                      <a:schemeClr val="bg1"/>
+                    </a:solidFill>
+                    <a:latin typeface="メイリオ"/>
+                    <a:ea typeface="メイリオ"/>
+                    <a:cs typeface="メイリオ"/>
+                  </a:rPr>
+                  <a:t>レート</a:t>
+                </a:r>
+                <a:endParaRPr kumimoji="1" lang="ja-JP" altLang="en-US" sz="1600" dirty="0">
                   <a:solidFill>
                     <a:schemeClr val="bg1"/>
                   </a:solidFill>
                   <a:latin typeface="メイリオ"/>
                   <a:ea typeface="メイリオ"/>
                   <a:cs typeface="メイリオ"/>
-                </a:rPr>
-                <a:t>レート</a:t>
-              </a:r>
-              <a:endParaRPr kumimoji="1" lang="ja-JP" altLang="en-US" sz="1600" dirty="0">
-                <a:solidFill>
-                  <a:schemeClr val="bg1"/>
-                </a:solidFill>
-                <a:latin typeface="メイリオ"/>
-                <a:ea typeface="メイリオ"/>
-                <a:cs typeface="メイリオ"/>
-              </a:endParaRPr>
-            </a:p>
-          </p:txBody>
-        </p:sp>
-        <p:sp>
-          <p:nvSpPr>
-            <p:cNvPr id="26" name="テキスト ボックス 25"/>
-            <p:cNvSpPr txBox="1"/>
-            <p:nvPr/>
-          </p:nvSpPr>
-          <p:spPr>
-            <a:xfrm>
-              <a:off x="1799343" y="1383030"/>
-              <a:ext cx="1005403" cy="338554"/>
-            </a:xfrm>
-            <a:prstGeom prst="rect">
-              <a:avLst/>
-            </a:prstGeom>
-            <a:noFill/>
-          </p:spPr>
-          <p:txBody>
-            <a:bodyPr wrap="none" rtlCol="0">
-              <a:spAutoFit/>
-            </a:bodyPr>
-            <a:lstStyle/>
-            <a:p>
-              <a:r>
-                <a:rPr lang="ja-JP" altLang="en-US" sz="1600" dirty="0" smtClean="0">
+                </a:endParaRPr>
+              </a:p>
+            </p:txBody>
+          </p:sp>
+          <p:sp>
+            <p:nvSpPr>
+              <p:cNvPr id="26" name="テキスト ボックス 25"/>
+              <p:cNvSpPr txBox="1"/>
+              <p:nvPr/>
+            </p:nvSpPr>
+            <p:spPr>
+              <a:xfrm>
+                <a:off x="1799343" y="1383030"/>
+                <a:ext cx="1005403" cy="338554"/>
+              </a:xfrm>
+              <a:prstGeom prst="rect">
+                <a:avLst/>
+              </a:prstGeom>
+              <a:noFill/>
+            </p:spPr>
+            <p:txBody>
+              <a:bodyPr wrap="none" rtlCol="0">
+                <a:spAutoFit/>
+              </a:bodyPr>
+              <a:lstStyle/>
+              <a:p>
+                <a:r>
+                  <a:rPr lang="ja-JP" altLang="en-US" sz="1600" dirty="0" smtClean="0">
+                    <a:latin typeface="メイリオ"/>
+                    <a:ea typeface="メイリオ"/>
+                    <a:cs typeface="メイリオ"/>
+                  </a:rPr>
+                  <a:t>ツイート</a:t>
+                </a:r>
+                <a:endParaRPr kumimoji="1" lang="ja-JP" altLang="en-US" sz="1600" dirty="0">
                   <a:latin typeface="メイリオ"/>
                   <a:ea typeface="メイリオ"/>
                   <a:cs typeface="メイリオ"/>
-                </a:rPr>
-                <a:t>ツイート</a:t>
-              </a:r>
-              <a:endParaRPr kumimoji="1" lang="ja-JP" altLang="en-US" sz="1600" dirty="0">
-                <a:latin typeface="メイリオ"/>
-                <a:ea typeface="メイリオ"/>
-                <a:cs typeface="メイリオ"/>
-              </a:endParaRPr>
-            </a:p>
-          </p:txBody>
-        </p:sp>
-        <p:cxnSp>
-          <p:nvCxnSpPr>
-            <p:cNvPr id="27" name="直線コネクタ 26"/>
-            <p:cNvCxnSpPr/>
-            <p:nvPr/>
-          </p:nvCxnSpPr>
-          <p:spPr>
-            <a:xfrm flipV="1">
-              <a:off x="3611434" y="1397437"/>
-              <a:ext cx="0" cy="347880"/>
-            </a:xfrm>
-            <a:prstGeom prst="line">
-              <a:avLst/>
-            </a:prstGeom>
-            <a:ln w="12700">
-              <a:solidFill>
-                <a:schemeClr val="bg1">
-                  <a:lumMod val="85000"/>
-                </a:schemeClr>
-              </a:solidFill>
-            </a:ln>
-            <a:effectLst/>
-          </p:spPr>
-          <p:style>
-            <a:lnRef idx="2">
-              <a:schemeClr val="accent1"/>
-            </a:lnRef>
-            <a:fillRef idx="0">
-              <a:schemeClr val="accent1"/>
-            </a:fillRef>
-            <a:effectRef idx="1">
-              <a:schemeClr val="accent1"/>
-            </a:effectRef>
-            <a:fontRef idx="minor">
-              <a:schemeClr val="tx1"/>
-            </a:fontRef>
-          </p:style>
-        </p:cxnSp>
-        <p:sp>
-          <p:nvSpPr>
-            <p:cNvPr id="28" name="テキスト ボックス 27"/>
-            <p:cNvSpPr txBox="1"/>
-            <p:nvPr/>
-          </p:nvSpPr>
-          <p:spPr>
-            <a:xfrm>
-              <a:off x="2957146" y="1383030"/>
-              <a:ext cx="595035" cy="338554"/>
-            </a:xfrm>
-            <a:prstGeom prst="rect">
-              <a:avLst/>
-            </a:prstGeom>
-            <a:noFill/>
-          </p:spPr>
-          <p:txBody>
-            <a:bodyPr wrap="none" rtlCol="0">
-              <a:spAutoFit/>
-            </a:bodyPr>
-            <a:lstStyle/>
-            <a:p>
-              <a:r>
-                <a:rPr lang="ja-JP" altLang="en-US" sz="1600" dirty="0" smtClean="0">
+                </a:endParaRPr>
+              </a:p>
+            </p:txBody>
+          </p:sp>
+          <p:cxnSp>
+            <p:nvCxnSpPr>
+              <p:cNvPr id="27" name="直線コネクタ 26"/>
+              <p:cNvCxnSpPr/>
+              <p:nvPr/>
+            </p:nvCxnSpPr>
+            <p:spPr>
+              <a:xfrm flipV="1">
+                <a:off x="3611434" y="1397437"/>
+                <a:ext cx="0" cy="347880"/>
+              </a:xfrm>
+              <a:prstGeom prst="line">
+                <a:avLst/>
+              </a:prstGeom>
+              <a:ln w="12700">
+                <a:solidFill>
+                  <a:schemeClr val="bg1">
+                    <a:lumMod val="85000"/>
+                  </a:schemeClr>
+                </a:solidFill>
+              </a:ln>
+              <a:effectLst/>
+            </p:spPr>
+            <p:style>
+              <a:lnRef idx="2">
+                <a:schemeClr val="accent1"/>
+              </a:lnRef>
+              <a:fillRef idx="0">
+                <a:schemeClr val="accent1"/>
+              </a:fillRef>
+              <a:effectRef idx="1">
+                <a:schemeClr val="accent1"/>
+              </a:effectRef>
+              <a:fontRef idx="minor">
+                <a:schemeClr val="tx1"/>
+              </a:fontRef>
+            </p:style>
+          </p:cxnSp>
+          <p:sp>
+            <p:nvSpPr>
+              <p:cNvPr id="28" name="テキスト ボックス 27"/>
+              <p:cNvSpPr txBox="1"/>
+              <p:nvPr/>
+            </p:nvSpPr>
+            <p:spPr>
+              <a:xfrm>
+                <a:off x="2957146" y="1383030"/>
+                <a:ext cx="595035" cy="338554"/>
+              </a:xfrm>
+              <a:prstGeom prst="rect">
+                <a:avLst/>
+              </a:prstGeom>
+              <a:noFill/>
+            </p:spPr>
+            <p:txBody>
+              <a:bodyPr wrap="none" rtlCol="0">
+                <a:spAutoFit/>
+              </a:bodyPr>
+              <a:lstStyle/>
+              <a:p>
+                <a:r>
+                  <a:rPr lang="ja-JP" altLang="en-US" sz="1600" dirty="0" smtClean="0">
+                    <a:latin typeface="メイリオ"/>
+                    <a:ea typeface="メイリオ"/>
+                    <a:cs typeface="メイリオ"/>
+                  </a:rPr>
+                  <a:t>記事</a:t>
+                </a:r>
+                <a:endParaRPr kumimoji="1" lang="ja-JP" altLang="en-US" sz="1600" dirty="0">
                   <a:latin typeface="メイリオ"/>
                   <a:ea typeface="メイリオ"/>
                   <a:cs typeface="メイリオ"/>
-                </a:rPr>
-                <a:t>記事</a:t>
-              </a:r>
-              <a:endParaRPr kumimoji="1" lang="ja-JP" altLang="en-US" sz="1600" dirty="0">
-                <a:latin typeface="メイリオ"/>
-                <a:ea typeface="メイリオ"/>
-                <a:cs typeface="メイリオ"/>
-              </a:endParaRPr>
-            </a:p>
-          </p:txBody>
-        </p:sp>
-        <p:sp>
-          <p:nvSpPr>
-            <p:cNvPr id="5" name="角丸四角形 4"/>
-            <p:cNvSpPr/>
-            <p:nvPr/>
-          </p:nvSpPr>
-          <p:spPr>
-            <a:xfrm>
-              <a:off x="3867727" y="1397437"/>
-              <a:ext cx="1350818" cy="324147"/>
-            </a:xfrm>
-            <a:prstGeom prst="roundRect">
-              <a:avLst/>
-            </a:prstGeom>
-            <a:noFill/>
-            <a:ln w="12700">
-              <a:solidFill>
-                <a:schemeClr val="tx1"/>
-              </a:solidFill>
-            </a:ln>
-            <a:effectLst/>
-          </p:spPr>
-          <p:style>
-            <a:lnRef idx="1">
-              <a:schemeClr val="accent1"/>
-            </a:lnRef>
-            <a:fillRef idx="3">
-              <a:schemeClr val="accent1"/>
-            </a:fillRef>
-            <a:effectRef idx="2">
-              <a:schemeClr val="accent1"/>
-            </a:effectRef>
-            <a:fontRef idx="minor">
-              <a:schemeClr val="lt1"/>
-            </a:fontRef>
-          </p:style>
-          <p:txBody>
-            <a:bodyPr rtlCol="0" anchor="ctr"/>
-            <a:lstStyle/>
-            <a:p>
-              <a:r>
-                <a:rPr kumimoji="1" lang="en-US" altLang="ja-JP" dirty="0" smtClean="0">
+                </a:endParaRPr>
+              </a:p>
+            </p:txBody>
+          </p:sp>
+          <p:sp>
+            <p:nvSpPr>
+              <p:cNvPr id="5" name="角丸四角形 4"/>
+              <p:cNvSpPr/>
+              <p:nvPr/>
+            </p:nvSpPr>
+            <p:spPr>
+              <a:xfrm>
+                <a:off x="3867727" y="1397437"/>
+                <a:ext cx="1350818" cy="324147"/>
+              </a:xfrm>
+              <a:prstGeom prst="roundRect">
+                <a:avLst/>
+              </a:prstGeom>
+              <a:noFill/>
+              <a:ln w="12700">
+                <a:solidFill>
+                  <a:schemeClr val="tx1"/>
+                </a:solidFill>
+              </a:ln>
+              <a:effectLst/>
+            </p:spPr>
+            <p:style>
+              <a:lnRef idx="1">
+                <a:schemeClr val="accent1"/>
+              </a:lnRef>
+              <a:fillRef idx="3">
+                <a:schemeClr val="accent1"/>
+              </a:fillRef>
+              <a:effectRef idx="2">
+                <a:schemeClr val="accent1"/>
+              </a:effectRef>
+              <a:fontRef idx="minor">
+                <a:schemeClr val="lt1"/>
+              </a:fontRef>
+            </p:style>
+            <p:txBody>
+              <a:bodyPr rtlCol="0" anchor="ctr"/>
+              <a:lstStyle/>
+              <a:p>
+                <a:r>
+                  <a:rPr kumimoji="1" lang="en-US" altLang="ja-JP" dirty="0" smtClean="0">
+                    <a:solidFill>
+                      <a:schemeClr val="tx1"/>
+                    </a:solidFill>
+                    <a:latin typeface="メイリオ"/>
+                    <a:ea typeface="メイリオ"/>
+                    <a:cs typeface="メイリオ"/>
+                  </a:rPr>
+                  <a:t>USDJPY</a:t>
+                </a:r>
+                <a:endParaRPr kumimoji="1" lang="ja-JP" altLang="en-US" dirty="0">
                   <a:solidFill>
                     <a:schemeClr val="tx1"/>
                   </a:solidFill>
                   <a:latin typeface="メイリオ"/>
                   <a:ea typeface="メイリオ"/>
                   <a:cs typeface="メイリオ"/>
-                </a:rPr>
-                <a:t>USDJPY</a:t>
-              </a:r>
-              <a:endParaRPr kumimoji="1" lang="ja-JP" altLang="en-US" dirty="0">
+                </a:endParaRPr>
+              </a:p>
+            </p:txBody>
+          </p:sp>
+          <p:sp>
+            <p:nvSpPr>
+              <p:cNvPr id="6" name="二等辺三角形 5"/>
+              <p:cNvSpPr/>
+              <p:nvPr/>
+            </p:nvSpPr>
+            <p:spPr>
+              <a:xfrm rot="10800000">
+                <a:off x="4976089" y="1513765"/>
+                <a:ext cx="160159" cy="112776"/>
+              </a:xfrm>
+              <a:prstGeom prst="triangle">
+                <a:avLst/>
+              </a:prstGeom>
+              <a:solidFill>
+                <a:schemeClr val="tx1"/>
+              </a:solidFill>
+              <a:ln>
                 <a:solidFill>
                   <a:schemeClr val="tx1"/>
                 </a:solidFill>
-                <a:latin typeface="メイリオ"/>
-                <a:ea typeface="メイリオ"/>
-                <a:cs typeface="メイリオ"/>
-              </a:endParaRPr>
-            </a:p>
-          </p:txBody>
-        </p:sp>
+              </a:ln>
+              <a:effectLst/>
+            </p:spPr>
+            <p:style>
+              <a:lnRef idx="1">
+                <a:schemeClr val="accent1"/>
+              </a:lnRef>
+              <a:fillRef idx="3">
+                <a:schemeClr val="accent1"/>
+              </a:fillRef>
+              <a:effectRef idx="2">
+                <a:schemeClr val="accent1"/>
+              </a:effectRef>
+              <a:fontRef idx="minor">
+                <a:schemeClr val="lt1"/>
+              </a:fontRef>
+            </p:style>
+            <p:txBody>
+              <a:bodyPr rtlCol="0" anchor="ctr"/>
+              <a:lstStyle/>
+              <a:p>
+                <a:pPr algn="ctr"/>
+                <a:endParaRPr kumimoji="1" lang="ja-JP" altLang="en-US"/>
+              </a:p>
+            </p:txBody>
+          </p:sp>
+          <p:sp>
+            <p:nvSpPr>
+              <p:cNvPr id="17" name="角丸四角形 16"/>
+              <p:cNvSpPr/>
+              <p:nvPr/>
+            </p:nvSpPr>
+            <p:spPr>
+              <a:xfrm>
+                <a:off x="5428670" y="1397437"/>
+                <a:ext cx="1350818" cy="324147"/>
+              </a:xfrm>
+              <a:prstGeom prst="roundRect">
+                <a:avLst/>
+              </a:prstGeom>
+              <a:noFill/>
+              <a:ln w="12700">
+                <a:solidFill>
+                  <a:schemeClr val="tx1"/>
+                </a:solidFill>
+              </a:ln>
+              <a:effectLst/>
+            </p:spPr>
+            <p:style>
+              <a:lnRef idx="1">
+                <a:schemeClr val="accent1"/>
+              </a:lnRef>
+              <a:fillRef idx="3">
+                <a:schemeClr val="accent1"/>
+              </a:fillRef>
+              <a:effectRef idx="2">
+                <a:schemeClr val="accent1"/>
+              </a:effectRef>
+              <a:fontRef idx="minor">
+                <a:schemeClr val="lt1"/>
+              </a:fontRef>
+            </p:style>
+            <p:txBody>
+              <a:bodyPr rtlCol="0" anchor="ctr"/>
+              <a:lstStyle/>
+              <a:p>
+                <a:r>
+                  <a:rPr lang="en-US" altLang="ja-JP" dirty="0" smtClean="0">
+                    <a:solidFill>
+                      <a:schemeClr val="tx1"/>
+                    </a:solidFill>
+                    <a:latin typeface="メイリオ"/>
+                    <a:ea typeface="メイリオ"/>
+                    <a:cs typeface="メイリオ"/>
+                  </a:rPr>
+                  <a:t>5</a:t>
+                </a:r>
+                <a:r>
+                  <a:rPr lang="ja-JP" altLang="en-US" dirty="0" smtClean="0">
+                    <a:solidFill>
+                      <a:schemeClr val="tx1"/>
+                    </a:solidFill>
+                    <a:latin typeface="メイリオ"/>
+                    <a:ea typeface="メイリオ"/>
+                    <a:cs typeface="メイリオ"/>
+                  </a:rPr>
+                  <a:t>分足</a:t>
+                </a:r>
+                <a:endParaRPr kumimoji="1" lang="ja-JP" altLang="en-US" dirty="0">
+                  <a:solidFill>
+                    <a:schemeClr val="tx1"/>
+                  </a:solidFill>
+                  <a:latin typeface="メイリオ"/>
+                  <a:ea typeface="メイリオ"/>
+                  <a:cs typeface="メイリオ"/>
+                </a:endParaRPr>
+              </a:p>
+            </p:txBody>
+          </p:sp>
+          <p:sp>
+            <p:nvSpPr>
+              <p:cNvPr id="18" name="二等辺三角形 17"/>
+              <p:cNvSpPr/>
+              <p:nvPr/>
+            </p:nvSpPr>
+            <p:spPr>
+              <a:xfrm rot="10800000">
+                <a:off x="6537032" y="1513765"/>
+                <a:ext cx="160159" cy="112776"/>
+              </a:xfrm>
+              <a:prstGeom prst="triangle">
+                <a:avLst/>
+              </a:prstGeom>
+              <a:solidFill>
+                <a:schemeClr val="tx1"/>
+              </a:solidFill>
+              <a:ln>
+                <a:solidFill>
+                  <a:schemeClr val="tx1"/>
+                </a:solidFill>
+              </a:ln>
+              <a:effectLst/>
+            </p:spPr>
+            <p:style>
+              <a:lnRef idx="1">
+                <a:schemeClr val="accent1"/>
+              </a:lnRef>
+              <a:fillRef idx="3">
+                <a:schemeClr val="accent1"/>
+              </a:fillRef>
+              <a:effectRef idx="2">
+                <a:schemeClr val="accent1"/>
+              </a:effectRef>
+              <a:fontRef idx="minor">
+                <a:schemeClr val="lt1"/>
+              </a:fontRef>
+            </p:style>
+            <p:txBody>
+              <a:bodyPr rtlCol="0" anchor="ctr"/>
+              <a:lstStyle/>
+              <a:p>
+                <a:pPr algn="ctr"/>
+                <a:endParaRPr kumimoji="1" lang="ja-JP" altLang="en-US"/>
+              </a:p>
+            </p:txBody>
+          </p:sp>
+        </p:grpSp>
         <p:sp>
           <p:nvSpPr>
-            <p:cNvPr id="6" name="二等辺三角形 5"/>
+            <p:cNvPr id="4" name="正方形/長方形 3"/>
             <p:cNvSpPr/>
             <p:nvPr/>
           </p:nvSpPr>
           <p:spPr>
-            <a:xfrm rot="10800000">
-              <a:off x="4976089" y="1513765"/>
-              <a:ext cx="160159" cy="112776"/>
+            <a:xfrm>
+              <a:off x="2262910" y="2389909"/>
+              <a:ext cx="92363" cy="914400"/>
             </a:xfrm>
-            <a:prstGeom prst="triangle">
+            <a:prstGeom prst="rect">
               <a:avLst/>
             </a:prstGeom>
             <a:solidFill>
-              <a:schemeClr val="tx1"/>
+              <a:schemeClr val="accent2"/>
             </a:solidFill>
             <a:ln>
               <a:solidFill>
-                <a:schemeClr val="tx1"/>
+                <a:schemeClr val="accent2"/>
               </a:solidFill>
             </a:ln>
-            <a:effectLst/>
           </p:spPr>
           <p:style>
             <a:lnRef idx="1">
@@ -5215,25 +5384,26 @@
         </p:sp>
         <p:sp>
           <p:nvSpPr>
-            <p:cNvPr id="17" name="角丸四角形 16"/>
+            <p:cNvPr id="20" name="正方形/長方形 19"/>
             <p:cNvSpPr/>
             <p:nvPr/>
           </p:nvSpPr>
           <p:spPr>
             <a:xfrm>
-              <a:off x="5428670" y="1397437"/>
-              <a:ext cx="1350818" cy="324147"/>
+              <a:off x="2507673" y="3304309"/>
+              <a:ext cx="92363" cy="170873"/>
             </a:xfrm>
-            <a:prstGeom prst="roundRect">
+            <a:prstGeom prst="rect">
               <a:avLst/>
             </a:prstGeom>
-            <a:noFill/>
-            <a:ln w="12700">
+            <a:solidFill>
+              <a:schemeClr val="accent2"/>
+            </a:solidFill>
+            <a:ln>
               <a:solidFill>
-                <a:schemeClr val="tx1"/>
+                <a:schemeClr val="accent2"/>
               </a:solidFill>
             </a:ln>
-            <a:effectLst/>
           </p:spPr>
           <p:style>
             <a:lnRef idx="1">
@@ -5253,62 +5423,217 @@
             <a:bodyPr rtlCol="0" anchor="ctr"/>
             <a:lstStyle/>
             <a:p>
-              <a:r>
-                <a:rPr lang="en-US" altLang="ja-JP" dirty="0" smtClean="0">
-                  <a:solidFill>
-                    <a:schemeClr val="tx1"/>
-                  </a:solidFill>
-                  <a:latin typeface="メイリオ"/>
-                  <a:ea typeface="メイリオ"/>
-                  <a:cs typeface="メイリオ"/>
-                </a:rPr>
-                <a:t>5</a:t>
-              </a:r>
-              <a:r>
-                <a:rPr lang="ja-JP" altLang="en-US" dirty="0" smtClean="0">
-                  <a:solidFill>
-                    <a:schemeClr val="tx1"/>
-                  </a:solidFill>
-                  <a:latin typeface="メイリオ"/>
-                  <a:ea typeface="メイリオ"/>
-                  <a:cs typeface="メイリオ"/>
-                </a:rPr>
-                <a:t>分足</a:t>
-              </a:r>
-              <a:endParaRPr kumimoji="1" lang="ja-JP" altLang="en-US" dirty="0">
-                <a:solidFill>
-                  <a:schemeClr val="tx1"/>
-                </a:solidFill>
-                <a:latin typeface="メイリオ"/>
-                <a:ea typeface="メイリオ"/>
-                <a:cs typeface="メイリオ"/>
-              </a:endParaRPr>
+              <a:pPr algn="ctr"/>
+              <a:endParaRPr kumimoji="1" lang="ja-JP" altLang="en-US"/>
             </a:p>
           </p:txBody>
         </p:sp>
         <p:sp>
           <p:nvSpPr>
-            <p:cNvPr id="18" name="二等辺三角形 17"/>
+            <p:cNvPr id="22" name="正方形/長方形 21"/>
             <p:cNvSpPr/>
             <p:nvPr/>
           </p:nvSpPr>
           <p:spPr>
-            <a:xfrm rot="10800000">
-              <a:off x="6537032" y="1513765"/>
-              <a:ext cx="160159" cy="112776"/>
+            <a:xfrm>
+              <a:off x="2776528" y="2847109"/>
+              <a:ext cx="92363" cy="628073"/>
             </a:xfrm>
-            <a:prstGeom prst="triangle">
+            <a:prstGeom prst="rect">
               <a:avLst/>
             </a:prstGeom>
             <a:solidFill>
-              <a:schemeClr val="tx1"/>
+              <a:schemeClr val="accent1"/>
             </a:solidFill>
             <a:ln>
               <a:solidFill>
-                <a:schemeClr val="tx1"/>
+                <a:schemeClr val="accent1"/>
               </a:solidFill>
             </a:ln>
-            <a:effectLst/>
+          </p:spPr>
+          <p:style>
+            <a:lnRef idx="1">
+              <a:schemeClr val="accent1"/>
+            </a:lnRef>
+            <a:fillRef idx="3">
+              <a:schemeClr val="accent1"/>
+            </a:fillRef>
+            <a:effectRef idx="2">
+              <a:schemeClr val="accent1"/>
+            </a:effectRef>
+            <a:fontRef idx="minor">
+              <a:schemeClr val="lt1"/>
+            </a:fontRef>
+          </p:style>
+          <p:txBody>
+            <a:bodyPr rtlCol="0" anchor="ctr"/>
+            <a:lstStyle/>
+            <a:p>
+              <a:pPr algn="ctr"/>
+              <a:endParaRPr kumimoji="1" lang="ja-JP" altLang="en-US"/>
+            </a:p>
+          </p:txBody>
+        </p:sp>
+        <p:sp>
+          <p:nvSpPr>
+            <p:cNvPr id="23" name="正方形/長方形 22"/>
+            <p:cNvSpPr/>
+            <p:nvPr/>
+          </p:nvSpPr>
+          <p:spPr>
+            <a:xfrm>
+              <a:off x="3021291" y="2574636"/>
+              <a:ext cx="92363" cy="272473"/>
+            </a:xfrm>
+            <a:prstGeom prst="rect">
+              <a:avLst/>
+            </a:prstGeom>
+            <a:solidFill>
+              <a:schemeClr val="accent1"/>
+            </a:solidFill>
+            <a:ln>
+              <a:solidFill>
+                <a:schemeClr val="accent1"/>
+              </a:solidFill>
+            </a:ln>
+          </p:spPr>
+          <p:style>
+            <a:lnRef idx="1">
+              <a:schemeClr val="accent1"/>
+            </a:lnRef>
+            <a:fillRef idx="3">
+              <a:schemeClr val="accent1"/>
+            </a:fillRef>
+            <a:effectRef idx="2">
+              <a:schemeClr val="accent1"/>
+            </a:effectRef>
+            <a:fontRef idx="minor">
+              <a:schemeClr val="lt1"/>
+            </a:fontRef>
+          </p:style>
+          <p:txBody>
+            <a:bodyPr rtlCol="0" anchor="ctr"/>
+            <a:lstStyle/>
+            <a:p>
+              <a:pPr algn="ctr"/>
+              <a:endParaRPr kumimoji="1" lang="ja-JP" altLang="en-US"/>
+            </a:p>
+          </p:txBody>
+        </p:sp>
+        <p:sp>
+          <p:nvSpPr>
+            <p:cNvPr id="29" name="正方形/長方形 28"/>
+            <p:cNvSpPr/>
+            <p:nvPr/>
+          </p:nvSpPr>
+          <p:spPr>
+            <a:xfrm>
+              <a:off x="3260436" y="2574636"/>
+              <a:ext cx="92363" cy="484909"/>
+            </a:xfrm>
+            <a:prstGeom prst="rect">
+              <a:avLst/>
+            </a:prstGeom>
+            <a:solidFill>
+              <a:schemeClr val="accent2"/>
+            </a:solidFill>
+            <a:ln>
+              <a:solidFill>
+                <a:schemeClr val="accent2"/>
+              </a:solidFill>
+            </a:ln>
+          </p:spPr>
+          <p:style>
+            <a:lnRef idx="1">
+              <a:schemeClr val="accent1"/>
+            </a:lnRef>
+            <a:fillRef idx="3">
+              <a:schemeClr val="accent1"/>
+            </a:fillRef>
+            <a:effectRef idx="2">
+              <a:schemeClr val="accent1"/>
+            </a:effectRef>
+            <a:fontRef idx="minor">
+              <a:schemeClr val="lt1"/>
+            </a:fontRef>
+          </p:style>
+          <p:txBody>
+            <a:bodyPr rtlCol="0" anchor="ctr"/>
+            <a:lstStyle/>
+            <a:p>
+              <a:pPr algn="ctr"/>
+              <a:endParaRPr kumimoji="1" lang="ja-JP" altLang="en-US"/>
+            </a:p>
+          </p:txBody>
+        </p:sp>
+        <p:sp>
+          <p:nvSpPr>
+            <p:cNvPr id="30" name="正方形/長方形 29"/>
+            <p:cNvSpPr/>
+            <p:nvPr/>
+          </p:nvSpPr>
+          <p:spPr>
+            <a:xfrm>
+              <a:off x="3505999" y="2955636"/>
+              <a:ext cx="105435" cy="124691"/>
+            </a:xfrm>
+            <a:prstGeom prst="rect">
+              <a:avLst/>
+            </a:prstGeom>
+            <a:solidFill>
+              <a:schemeClr val="accent1"/>
+            </a:solidFill>
+            <a:ln>
+              <a:solidFill>
+                <a:schemeClr val="accent1"/>
+              </a:solidFill>
+            </a:ln>
+          </p:spPr>
+          <p:style>
+            <a:lnRef idx="1">
+              <a:schemeClr val="accent1"/>
+            </a:lnRef>
+            <a:fillRef idx="3">
+              <a:schemeClr val="accent1"/>
+            </a:fillRef>
+            <a:effectRef idx="2">
+              <a:schemeClr val="accent1"/>
+            </a:effectRef>
+            <a:fontRef idx="minor">
+              <a:schemeClr val="lt1"/>
+            </a:fontRef>
+          </p:style>
+          <p:txBody>
+            <a:bodyPr rtlCol="0" anchor="ctr"/>
+            <a:lstStyle/>
+            <a:p>
+              <a:pPr algn="ctr"/>
+              <a:endParaRPr kumimoji="1" lang="ja-JP" altLang="en-US"/>
+            </a:p>
+          </p:txBody>
+        </p:sp>
+        <p:sp>
+          <p:nvSpPr>
+            <p:cNvPr id="31" name="正方形/長方形 30"/>
+            <p:cNvSpPr/>
+            <p:nvPr/>
+          </p:nvSpPr>
+          <p:spPr>
+            <a:xfrm>
+              <a:off x="3759200" y="2969490"/>
+              <a:ext cx="92363" cy="1152237"/>
+            </a:xfrm>
+            <a:prstGeom prst="rect">
+              <a:avLst/>
+            </a:prstGeom>
+            <a:solidFill>
+              <a:schemeClr val="accent2"/>
+            </a:solidFill>
+            <a:ln>
+              <a:solidFill>
+                <a:schemeClr val="accent2"/>
+              </a:solidFill>
+            </a:ln>
           </p:spPr>
           <p:style>
             <a:lnRef idx="1">
@@ -5334,328 +5659,6 @@
           </p:txBody>
         </p:sp>
       </p:grpSp>
-      <p:sp>
-        <p:nvSpPr>
-          <p:cNvPr id="4" name="正方形/長方形 3"/>
-          <p:cNvSpPr/>
-          <p:nvPr/>
-        </p:nvSpPr>
-        <p:spPr>
-          <a:xfrm>
-            <a:off x="2262910" y="2389909"/>
-            <a:ext cx="92363" cy="914400"/>
-          </a:xfrm>
-          <a:prstGeom prst="rect">
-            <a:avLst/>
-          </a:prstGeom>
-          <a:solidFill>
-            <a:schemeClr val="accent2"/>
-          </a:solidFill>
-          <a:ln>
-            <a:solidFill>
-              <a:schemeClr val="accent2"/>
-            </a:solidFill>
-          </a:ln>
-        </p:spPr>
-        <p:style>
-          <a:lnRef idx="1">
-            <a:schemeClr val="accent1"/>
-          </a:lnRef>
-          <a:fillRef idx="3">
-            <a:schemeClr val="accent1"/>
-          </a:fillRef>
-          <a:effectRef idx="2">
-            <a:schemeClr val="accent1"/>
-          </a:effectRef>
-          <a:fontRef idx="minor">
-            <a:schemeClr val="lt1"/>
-          </a:fontRef>
-        </p:style>
-        <p:txBody>
-          <a:bodyPr rtlCol="0" anchor="ctr"/>
-          <a:lstStyle/>
-          <a:p>
-            <a:pPr algn="ctr"/>
-            <a:endParaRPr kumimoji="1" lang="ja-JP" altLang="en-US"/>
-          </a:p>
-        </p:txBody>
-      </p:sp>
-      <p:sp>
-        <p:nvSpPr>
-          <p:cNvPr id="20" name="正方形/長方形 19"/>
-          <p:cNvSpPr/>
-          <p:nvPr/>
-        </p:nvSpPr>
-        <p:spPr>
-          <a:xfrm>
-            <a:off x="2507673" y="3304309"/>
-            <a:ext cx="92363" cy="170873"/>
-          </a:xfrm>
-          <a:prstGeom prst="rect">
-            <a:avLst/>
-          </a:prstGeom>
-          <a:solidFill>
-            <a:schemeClr val="accent2"/>
-          </a:solidFill>
-          <a:ln>
-            <a:solidFill>
-              <a:schemeClr val="accent2"/>
-            </a:solidFill>
-          </a:ln>
-        </p:spPr>
-        <p:style>
-          <a:lnRef idx="1">
-            <a:schemeClr val="accent1"/>
-          </a:lnRef>
-          <a:fillRef idx="3">
-            <a:schemeClr val="accent1"/>
-          </a:fillRef>
-          <a:effectRef idx="2">
-            <a:schemeClr val="accent1"/>
-          </a:effectRef>
-          <a:fontRef idx="minor">
-            <a:schemeClr val="lt1"/>
-          </a:fontRef>
-        </p:style>
-        <p:txBody>
-          <a:bodyPr rtlCol="0" anchor="ctr"/>
-          <a:lstStyle/>
-          <a:p>
-            <a:pPr algn="ctr"/>
-            <a:endParaRPr kumimoji="1" lang="ja-JP" altLang="en-US"/>
-          </a:p>
-        </p:txBody>
-      </p:sp>
-      <p:sp>
-        <p:nvSpPr>
-          <p:cNvPr id="22" name="正方形/長方形 21"/>
-          <p:cNvSpPr/>
-          <p:nvPr/>
-        </p:nvSpPr>
-        <p:spPr>
-          <a:xfrm>
-            <a:off x="2776528" y="2847109"/>
-            <a:ext cx="92363" cy="628073"/>
-          </a:xfrm>
-          <a:prstGeom prst="rect">
-            <a:avLst/>
-          </a:prstGeom>
-          <a:solidFill>
-            <a:schemeClr val="accent1"/>
-          </a:solidFill>
-          <a:ln>
-            <a:solidFill>
-              <a:schemeClr val="accent1"/>
-            </a:solidFill>
-          </a:ln>
-        </p:spPr>
-        <p:style>
-          <a:lnRef idx="1">
-            <a:schemeClr val="accent1"/>
-          </a:lnRef>
-          <a:fillRef idx="3">
-            <a:schemeClr val="accent1"/>
-          </a:fillRef>
-          <a:effectRef idx="2">
-            <a:schemeClr val="accent1"/>
-          </a:effectRef>
-          <a:fontRef idx="minor">
-            <a:schemeClr val="lt1"/>
-          </a:fontRef>
-        </p:style>
-        <p:txBody>
-          <a:bodyPr rtlCol="0" anchor="ctr"/>
-          <a:lstStyle/>
-          <a:p>
-            <a:pPr algn="ctr"/>
-            <a:endParaRPr kumimoji="1" lang="ja-JP" altLang="en-US"/>
-          </a:p>
-        </p:txBody>
-      </p:sp>
-      <p:sp>
-        <p:nvSpPr>
-          <p:cNvPr id="23" name="正方形/長方形 22"/>
-          <p:cNvSpPr/>
-          <p:nvPr/>
-        </p:nvSpPr>
-        <p:spPr>
-          <a:xfrm>
-            <a:off x="3021291" y="2574636"/>
-            <a:ext cx="92363" cy="272473"/>
-          </a:xfrm>
-          <a:prstGeom prst="rect">
-            <a:avLst/>
-          </a:prstGeom>
-          <a:solidFill>
-            <a:schemeClr val="accent1"/>
-          </a:solidFill>
-          <a:ln>
-            <a:solidFill>
-              <a:schemeClr val="accent1"/>
-            </a:solidFill>
-          </a:ln>
-        </p:spPr>
-        <p:style>
-          <a:lnRef idx="1">
-            <a:schemeClr val="accent1"/>
-          </a:lnRef>
-          <a:fillRef idx="3">
-            <a:schemeClr val="accent1"/>
-          </a:fillRef>
-          <a:effectRef idx="2">
-            <a:schemeClr val="accent1"/>
-          </a:effectRef>
-          <a:fontRef idx="minor">
-            <a:schemeClr val="lt1"/>
-          </a:fontRef>
-        </p:style>
-        <p:txBody>
-          <a:bodyPr rtlCol="0" anchor="ctr"/>
-          <a:lstStyle/>
-          <a:p>
-            <a:pPr algn="ctr"/>
-            <a:endParaRPr kumimoji="1" lang="ja-JP" altLang="en-US"/>
-          </a:p>
-        </p:txBody>
-      </p:sp>
-      <p:sp>
-        <p:nvSpPr>
-          <p:cNvPr id="29" name="正方形/長方形 28"/>
-          <p:cNvSpPr/>
-          <p:nvPr/>
-        </p:nvSpPr>
-        <p:spPr>
-          <a:xfrm>
-            <a:off x="3260436" y="2574636"/>
-            <a:ext cx="92363" cy="484909"/>
-          </a:xfrm>
-          <a:prstGeom prst="rect">
-            <a:avLst/>
-          </a:prstGeom>
-          <a:solidFill>
-            <a:schemeClr val="accent2"/>
-          </a:solidFill>
-          <a:ln>
-            <a:solidFill>
-              <a:schemeClr val="accent2"/>
-            </a:solidFill>
-          </a:ln>
-        </p:spPr>
-        <p:style>
-          <a:lnRef idx="1">
-            <a:schemeClr val="accent1"/>
-          </a:lnRef>
-          <a:fillRef idx="3">
-            <a:schemeClr val="accent1"/>
-          </a:fillRef>
-          <a:effectRef idx="2">
-            <a:schemeClr val="accent1"/>
-          </a:effectRef>
-          <a:fontRef idx="minor">
-            <a:schemeClr val="lt1"/>
-          </a:fontRef>
-        </p:style>
-        <p:txBody>
-          <a:bodyPr rtlCol="0" anchor="ctr"/>
-          <a:lstStyle/>
-          <a:p>
-            <a:pPr algn="ctr"/>
-            <a:endParaRPr kumimoji="1" lang="ja-JP" altLang="en-US"/>
-          </a:p>
-        </p:txBody>
-      </p:sp>
-      <p:sp>
-        <p:nvSpPr>
-          <p:cNvPr id="30" name="正方形/長方形 29"/>
-          <p:cNvSpPr/>
-          <p:nvPr/>
-        </p:nvSpPr>
-        <p:spPr>
-          <a:xfrm>
-            <a:off x="3505999" y="2955636"/>
-            <a:ext cx="105435" cy="124691"/>
-          </a:xfrm>
-          <a:prstGeom prst="rect">
-            <a:avLst/>
-          </a:prstGeom>
-          <a:solidFill>
-            <a:schemeClr val="accent1"/>
-          </a:solidFill>
-          <a:ln>
-            <a:solidFill>
-              <a:schemeClr val="accent1"/>
-            </a:solidFill>
-          </a:ln>
-        </p:spPr>
-        <p:style>
-          <a:lnRef idx="1">
-            <a:schemeClr val="accent1"/>
-          </a:lnRef>
-          <a:fillRef idx="3">
-            <a:schemeClr val="accent1"/>
-          </a:fillRef>
-          <a:effectRef idx="2">
-            <a:schemeClr val="accent1"/>
-          </a:effectRef>
-          <a:fontRef idx="minor">
-            <a:schemeClr val="lt1"/>
-          </a:fontRef>
-        </p:style>
-        <p:txBody>
-          <a:bodyPr rtlCol="0" anchor="ctr"/>
-          <a:lstStyle/>
-          <a:p>
-            <a:pPr algn="ctr"/>
-            <a:endParaRPr kumimoji="1" lang="ja-JP" altLang="en-US"/>
-          </a:p>
-        </p:txBody>
-      </p:sp>
-      <p:sp>
-        <p:nvSpPr>
-          <p:cNvPr id="31" name="正方形/長方形 30"/>
-          <p:cNvSpPr/>
-          <p:nvPr/>
-        </p:nvSpPr>
-        <p:spPr>
-          <a:xfrm>
-            <a:off x="3759200" y="2969490"/>
-            <a:ext cx="92363" cy="1152237"/>
-          </a:xfrm>
-          <a:prstGeom prst="rect">
-            <a:avLst/>
-          </a:prstGeom>
-          <a:solidFill>
-            <a:schemeClr val="accent2"/>
-          </a:solidFill>
-          <a:ln>
-            <a:solidFill>
-              <a:schemeClr val="accent2"/>
-            </a:solidFill>
-          </a:ln>
-        </p:spPr>
-        <p:style>
-          <a:lnRef idx="1">
-            <a:schemeClr val="accent1"/>
-          </a:lnRef>
-          <a:fillRef idx="3">
-            <a:schemeClr val="accent1"/>
-          </a:fillRef>
-          <a:effectRef idx="2">
-            <a:schemeClr val="accent1"/>
-          </a:effectRef>
-          <a:fontRef idx="minor">
-            <a:schemeClr val="lt1"/>
-          </a:fontRef>
-        </p:style>
-        <p:txBody>
-          <a:bodyPr rtlCol="0" anchor="ctr"/>
-          <a:lstStyle/>
-          <a:p>
-            <a:pPr algn="ctr"/>
-            <a:endParaRPr kumimoji="1" lang="ja-JP" altLang="en-US"/>
-          </a:p>
-        </p:txBody>
-      </p:sp>
     </p:spTree>
     <p:extLst>
       <p:ext uri="{BB962C8B-B14F-4D97-AF65-F5344CB8AC3E}">

--- a/regulus/interface/ui.pptx
+++ b/regulus/interface/ui.pptx
@@ -202,11 +202,11 @@
         </c:dLbls>
         <c:marker val="1"/>
         <c:smooth val="0"/>
-        <c:axId val="473977352"/>
-        <c:axId val="473972696"/>
+        <c:axId val="522414520"/>
+        <c:axId val="522418648"/>
       </c:lineChart>
       <c:catAx>
-        <c:axId val="473977352"/>
+        <c:axId val="522414520"/>
         <c:scaling>
           <c:orientation val="minMax"/>
         </c:scaling>
@@ -215,7 +215,7 @@
         <c:majorTickMark val="out"/>
         <c:minorTickMark val="none"/>
         <c:tickLblPos val="nextTo"/>
-        <c:crossAx val="473972696"/>
+        <c:crossAx val="522418648"/>
         <c:crosses val="autoZero"/>
         <c:auto val="1"/>
         <c:lblAlgn val="ctr"/>
@@ -223,7 +223,7 @@
         <c:noMultiLvlLbl val="0"/>
       </c:catAx>
       <c:valAx>
-        <c:axId val="473972696"/>
+        <c:axId val="522418648"/>
         <c:scaling>
           <c:orientation val="minMax"/>
         </c:scaling>
@@ -234,7 +234,7 @@
         <c:majorTickMark val="out"/>
         <c:minorTickMark val="none"/>
         <c:tickLblPos val="nextTo"/>
-        <c:crossAx val="473977352"/>
+        <c:crossAx val="522414520"/>
         <c:crosses val="autoZero"/>
         <c:crossBetween val="between"/>
       </c:valAx>
@@ -440,7 +440,7 @@
           <a:p>
             <a:fld id="{B56DC137-3F13-8D43-AA57-5640E0D90177}" type="datetimeFigureOut">
               <a:rPr kumimoji="1" lang="ja-JP" altLang="en-US" smtClean="0"/>
-              <a:t>16/06/13</a:t>
+              <a:t>16/06/21</a:t>
             </a:fld>
             <a:endParaRPr kumimoji="1" lang="ja-JP" altLang="en-US"/>
           </a:p>
@@ -642,7 +642,7 @@
           <a:p>
             <a:fld id="{B56DC137-3F13-8D43-AA57-5640E0D90177}" type="datetimeFigureOut">
               <a:rPr kumimoji="1" lang="ja-JP" altLang="en-US" smtClean="0"/>
-              <a:t>16/06/13</a:t>
+              <a:t>16/06/21</a:t>
             </a:fld>
             <a:endParaRPr kumimoji="1" lang="ja-JP" altLang="en-US"/>
           </a:p>
@@ -854,7 +854,7 @@
           <a:p>
             <a:fld id="{B56DC137-3F13-8D43-AA57-5640E0D90177}" type="datetimeFigureOut">
               <a:rPr kumimoji="1" lang="ja-JP" altLang="en-US" smtClean="0"/>
-              <a:t>16/06/13</a:t>
+              <a:t>16/06/21</a:t>
             </a:fld>
             <a:endParaRPr kumimoji="1" lang="ja-JP" altLang="en-US"/>
           </a:p>
@@ -1056,7 +1056,7 @@
           <a:p>
             <a:fld id="{B56DC137-3F13-8D43-AA57-5640E0D90177}" type="datetimeFigureOut">
               <a:rPr kumimoji="1" lang="ja-JP" altLang="en-US" smtClean="0"/>
-              <a:t>16/06/13</a:t>
+              <a:t>16/06/21</a:t>
             </a:fld>
             <a:endParaRPr kumimoji="1" lang="ja-JP" altLang="en-US"/>
           </a:p>
@@ -1302,7 +1302,7 @@
           <a:p>
             <a:fld id="{B56DC137-3F13-8D43-AA57-5640E0D90177}" type="datetimeFigureOut">
               <a:rPr kumimoji="1" lang="ja-JP" altLang="en-US" smtClean="0"/>
-              <a:t>16/06/13</a:t>
+              <a:t>16/06/21</a:t>
             </a:fld>
             <a:endParaRPr kumimoji="1" lang="ja-JP" altLang="en-US"/>
           </a:p>
@@ -1654,7 +1654,7 @@
           <a:p>
             <a:fld id="{B56DC137-3F13-8D43-AA57-5640E0D90177}" type="datetimeFigureOut">
               <a:rPr kumimoji="1" lang="ja-JP" altLang="en-US" smtClean="0"/>
-              <a:t>16/06/13</a:t>
+              <a:t>16/06/21</a:t>
             </a:fld>
             <a:endParaRPr kumimoji="1" lang="ja-JP" altLang="en-US"/>
           </a:p>
@@ -2140,7 +2140,7 @@
           <a:p>
             <a:fld id="{B56DC137-3F13-8D43-AA57-5640E0D90177}" type="datetimeFigureOut">
               <a:rPr kumimoji="1" lang="ja-JP" altLang="en-US" smtClean="0"/>
-              <a:t>16/06/13</a:t>
+              <a:t>16/06/21</a:t>
             </a:fld>
             <a:endParaRPr kumimoji="1" lang="ja-JP" altLang="en-US"/>
           </a:p>
@@ -2258,7 +2258,7 @@
           <a:p>
             <a:fld id="{B56DC137-3F13-8D43-AA57-5640E0D90177}" type="datetimeFigureOut">
               <a:rPr kumimoji="1" lang="ja-JP" altLang="en-US" smtClean="0"/>
-              <a:t>16/06/13</a:t>
+              <a:t>16/06/21</a:t>
             </a:fld>
             <a:endParaRPr kumimoji="1" lang="ja-JP" altLang="en-US"/>
           </a:p>
@@ -2353,7 +2353,7 @@
           <a:p>
             <a:fld id="{B56DC137-3F13-8D43-AA57-5640E0D90177}" type="datetimeFigureOut">
               <a:rPr kumimoji="1" lang="ja-JP" altLang="en-US" smtClean="0"/>
-              <a:t>16/06/13</a:t>
+              <a:t>16/06/21</a:t>
             </a:fld>
             <a:endParaRPr kumimoji="1" lang="ja-JP" altLang="en-US"/>
           </a:p>
@@ -2662,7 +2662,7 @@
           <a:p>
             <a:fld id="{B56DC137-3F13-8D43-AA57-5640E0D90177}" type="datetimeFigureOut">
               <a:rPr kumimoji="1" lang="ja-JP" altLang="en-US" smtClean="0"/>
-              <a:t>16/06/13</a:t>
+              <a:t>16/06/21</a:t>
             </a:fld>
             <a:endParaRPr kumimoji="1" lang="ja-JP" altLang="en-US"/>
           </a:p>
@@ -2915,7 +2915,7 @@
           <a:p>
             <a:fld id="{B56DC137-3F13-8D43-AA57-5640E0D90177}" type="datetimeFigureOut">
               <a:rPr kumimoji="1" lang="ja-JP" altLang="en-US" smtClean="0"/>
-              <a:t>16/06/13</a:t>
+              <a:t>16/06/21</a:t>
             </a:fld>
             <a:endParaRPr kumimoji="1" lang="ja-JP" altLang="en-US"/>
           </a:p>
@@ -3160,7 +3160,7 @@
           <a:p>
             <a:fld id="{B56DC137-3F13-8D43-AA57-5640E0D90177}" type="datetimeFigureOut">
               <a:rPr kumimoji="1" lang="ja-JP" altLang="en-US" smtClean="0"/>
-              <a:t>16/06/13</a:t>
+              <a:t>16/06/21</a:t>
             </a:fld>
             <a:endParaRPr kumimoji="1" lang="ja-JP" altLang="en-US"/>
           </a:p>
@@ -3590,11 +3590,15 @@
             </a:r>
             <a:r>
               <a:rPr kumimoji="1" lang="en-US" altLang="ja-JP" dirty="0" smtClean="0"/>
-              <a:t>2016/06/</a:t>
+              <a:t>2016/06</a:t>
+            </a:r>
+            <a:r>
+              <a:rPr kumimoji="1" lang="en-US" altLang="ja-JP" dirty="0" smtClean="0"/>
+              <a:t>/</a:t>
             </a:r>
             <a:r>
               <a:rPr lang="en-US" altLang="ja-JP" dirty="0" smtClean="0"/>
-              <a:t>13</a:t>
+              <a:t>21</a:t>
             </a:r>
             <a:endParaRPr kumimoji="1" lang="ja-JP" altLang="en-US" dirty="0"/>
           </a:p>
@@ -3674,7 +3678,7 @@
         <p:spPr>
           <a:xfrm>
             <a:off x="457200" y="1205650"/>
-            <a:ext cx="7007046" cy="4093428"/>
+            <a:ext cx="7725192" cy="4401204"/>
           </a:xfrm>
           <a:prstGeom prst="rect">
             <a:avLst/>
@@ -3738,7 +3742,34 @@
             </a:pPr>
             <a:r>
               <a:rPr lang="ja-JP" altLang="en-US" sz="2000" dirty="0" smtClean="0"/>
-              <a:t>指定されたペア・期間のローソク足グラフを表示する</a:t>
+              <a:t>指定されたペア・期間のローソク足グラフを表示</a:t>
+            </a:r>
+            <a:r>
+              <a:rPr lang="ja-JP" altLang="en-US" sz="2000" dirty="0" smtClean="0"/>
+              <a:t>する</a:t>
+            </a:r>
+            <a:endParaRPr lang="en-US" altLang="ja-JP" sz="2000" dirty="0" smtClean="0"/>
+          </a:p>
+          <a:p>
+            <a:pPr marL="1257300" lvl="2" indent="-342900">
+              <a:buFont typeface="Arial"/>
+              <a:buChar char="•"/>
+            </a:pPr>
+            <a:r>
+              <a:rPr lang="ja-JP" altLang="en-US" sz="2000" dirty="0"/>
+              <a:t>ローソク足にマウスを近づける</a:t>
+            </a:r>
+            <a:r>
+              <a:rPr lang="ja-JP" altLang="en-US" sz="2000" dirty="0" smtClean="0"/>
+              <a:t>とレート</a:t>
+            </a:r>
+            <a:r>
+              <a:rPr lang="ja-JP" altLang="en-US" sz="2000" dirty="0"/>
+              <a:t>情報が表示</a:t>
+            </a:r>
+            <a:r>
+              <a:rPr lang="ja-JP" altLang="en-US" sz="2000" dirty="0" smtClean="0"/>
+              <a:t>される</a:t>
             </a:r>
             <a:endParaRPr lang="en-US" altLang="ja-JP" sz="2000" dirty="0" smtClean="0"/>
           </a:p>
@@ -4739,7 +4770,7 @@
       </p:sp>
       <p:grpSp>
         <p:nvGrpSpPr>
-          <p:cNvPr id="8" name="図形グループ 7"/>
+          <p:cNvPr id="10" name="図形グループ 9"/>
           <p:cNvGrpSpPr/>
           <p:nvPr/>
         </p:nvGrpSpPr>
@@ -5658,6 +5689,201 @@
             </a:p>
           </p:txBody>
         </p:sp>
+        <p:sp>
+          <p:nvSpPr>
+            <p:cNvPr id="32" name="右矢印 31"/>
+            <p:cNvSpPr/>
+            <p:nvPr/>
+          </p:nvSpPr>
+          <p:spPr>
+            <a:xfrm rot="13693427">
+              <a:off x="3768020" y="3423912"/>
+              <a:ext cx="244672" cy="176342"/>
+            </a:xfrm>
+            <a:prstGeom prst="rightArrow">
+              <a:avLst/>
+            </a:prstGeom>
+            <a:solidFill>
+              <a:schemeClr val="bg1"/>
+            </a:solidFill>
+            <a:ln>
+              <a:solidFill>
+                <a:schemeClr val="tx1"/>
+              </a:solidFill>
+            </a:ln>
+          </p:spPr>
+          <p:style>
+            <a:lnRef idx="1">
+              <a:schemeClr val="accent1"/>
+            </a:lnRef>
+            <a:fillRef idx="3">
+              <a:schemeClr val="accent1"/>
+            </a:fillRef>
+            <a:effectRef idx="2">
+              <a:schemeClr val="accent1"/>
+            </a:effectRef>
+            <a:fontRef idx="minor">
+              <a:schemeClr val="lt1"/>
+            </a:fontRef>
+          </p:style>
+          <p:txBody>
+            <a:bodyPr rtlCol="0" anchor="ctr"/>
+            <a:lstStyle/>
+            <a:p>
+              <a:pPr algn="ctr"/>
+              <a:endParaRPr kumimoji="1" lang="ja-JP" altLang="en-US"/>
+            </a:p>
+          </p:txBody>
+        </p:sp>
+        <p:sp>
+          <p:nvSpPr>
+            <p:cNvPr id="33" name="角丸四角形吹き出し 32"/>
+            <p:cNvSpPr/>
+            <p:nvPr/>
+          </p:nvSpPr>
+          <p:spPr>
+            <a:xfrm>
+              <a:off x="2516976" y="2320630"/>
+              <a:ext cx="1087582" cy="1132199"/>
+            </a:xfrm>
+            <a:prstGeom prst="wedgeRoundRectCallout">
+              <a:avLst>
+                <a:gd name="adj1" fmla="val 61640"/>
+                <a:gd name="adj2" fmla="val 36452"/>
+                <a:gd name="adj3" fmla="val 16667"/>
+              </a:avLst>
+            </a:prstGeom>
+            <a:solidFill>
+              <a:schemeClr val="bg1"/>
+            </a:solidFill>
+          </p:spPr>
+          <p:style>
+            <a:lnRef idx="1">
+              <a:schemeClr val="accent1"/>
+            </a:lnRef>
+            <a:fillRef idx="3">
+              <a:schemeClr val="accent1"/>
+            </a:fillRef>
+            <a:effectRef idx="2">
+              <a:schemeClr val="accent1"/>
+            </a:effectRef>
+            <a:fontRef idx="minor">
+              <a:schemeClr val="lt1"/>
+            </a:fontRef>
+          </p:style>
+          <p:txBody>
+            <a:bodyPr rtlCol="0" anchor="ctr"/>
+            <a:lstStyle/>
+            <a:p>
+              <a:pPr algn="ctr"/>
+              <a:r>
+                <a:rPr kumimoji="1" lang="ja-JP" altLang="en-US" sz="1400" dirty="0" smtClean="0">
+                  <a:solidFill>
+                    <a:schemeClr val="tx1"/>
+                  </a:solidFill>
+                  <a:latin typeface="メイリオ"/>
+                  <a:ea typeface="メイリオ"/>
+                  <a:cs typeface="メイリオ"/>
+                </a:rPr>
+                <a:t>始値</a:t>
+              </a:r>
+              <a:r>
+                <a:rPr kumimoji="1" lang="en-US" altLang="ja-JP" sz="1400" dirty="0" smtClean="0">
+                  <a:solidFill>
+                    <a:schemeClr val="tx1"/>
+                  </a:solidFill>
+                  <a:latin typeface="メイリオ"/>
+                  <a:ea typeface="メイリオ"/>
+                  <a:cs typeface="メイリオ"/>
+                </a:rPr>
+                <a:t>: xxx</a:t>
+              </a:r>
+            </a:p>
+            <a:p>
+              <a:pPr algn="ctr"/>
+              <a:r>
+                <a:rPr lang="ja-JP" altLang="en-US" sz="1400" dirty="0" smtClean="0">
+                  <a:solidFill>
+                    <a:schemeClr val="tx1"/>
+                  </a:solidFill>
+                  <a:latin typeface="メイリオ"/>
+                  <a:ea typeface="メイリオ"/>
+                  <a:cs typeface="メイリオ"/>
+                </a:rPr>
+                <a:t>終値</a:t>
+              </a:r>
+              <a:r>
+                <a:rPr lang="en-US" altLang="ja-JP" sz="1400" dirty="0" smtClean="0">
+                  <a:solidFill>
+                    <a:schemeClr val="tx1"/>
+                  </a:solidFill>
+                  <a:latin typeface="メイリオ"/>
+                  <a:ea typeface="メイリオ"/>
+                  <a:cs typeface="メイリオ"/>
+                </a:rPr>
+                <a:t>: xxx</a:t>
+              </a:r>
+            </a:p>
+            <a:p>
+              <a:pPr algn="ctr"/>
+              <a:r>
+                <a:rPr kumimoji="1" lang="ja-JP" altLang="en-US" sz="1400" dirty="0" smtClean="0">
+                  <a:solidFill>
+                    <a:schemeClr val="tx1"/>
+                  </a:solidFill>
+                  <a:latin typeface="メイリオ"/>
+                  <a:ea typeface="メイリオ"/>
+                  <a:cs typeface="メイリオ"/>
+                </a:rPr>
+                <a:t>高値</a:t>
+              </a:r>
+              <a:r>
+                <a:rPr kumimoji="1" lang="en-US" altLang="ja-JP" sz="1400" dirty="0" smtClean="0">
+                  <a:solidFill>
+                    <a:schemeClr val="tx1"/>
+                  </a:solidFill>
+                  <a:latin typeface="メイリオ"/>
+                  <a:ea typeface="メイリオ"/>
+                  <a:cs typeface="メイリオ"/>
+                </a:rPr>
+                <a:t>: xxx</a:t>
+              </a:r>
+            </a:p>
+            <a:p>
+              <a:pPr algn="ctr"/>
+              <a:r>
+                <a:rPr lang="ja-JP" altLang="en-US" sz="1400" dirty="0" smtClean="0">
+                  <a:solidFill>
+                    <a:schemeClr val="tx1"/>
+                  </a:solidFill>
+                  <a:latin typeface="メイリオ"/>
+                  <a:ea typeface="メイリオ"/>
+                  <a:cs typeface="メイリオ"/>
+                </a:rPr>
+                <a:t>安値</a:t>
+              </a:r>
+              <a:r>
+                <a:rPr lang="en-US" altLang="ja-JP" sz="1400" dirty="0" smtClean="0">
+                  <a:solidFill>
+                    <a:schemeClr val="tx1"/>
+                  </a:solidFill>
+                  <a:latin typeface="メイリオ"/>
+                  <a:ea typeface="メイリオ"/>
+                  <a:cs typeface="メイリオ"/>
+                </a:rPr>
+                <a:t>: xxx</a:t>
+              </a:r>
+              <a:endParaRPr kumimoji="1" lang="ja-JP" altLang="en-US" sz="1400" dirty="0">
+                <a:solidFill>
+                  <a:schemeClr val="tx1"/>
+                </a:solidFill>
+                <a:latin typeface="メイリオ"/>
+                <a:ea typeface="メイリオ"/>
+                <a:cs typeface="メイリオ"/>
+              </a:endParaRPr>
+            </a:p>
+          </p:txBody>
+        </p:sp>
       </p:grpSp>
     </p:spTree>
     <p:extLst>

--- a/regulus/interface/ui.pptx
+++ b/regulus/interface/ui.pptx
@@ -146,6 +146,13 @@
               </c:strCache>
             </c:strRef>
           </c:tx>
+          <c:spPr>
+            <a:ln>
+              <a:solidFill>
+                <a:srgbClr val="00BC00"/>
+              </a:solidFill>
+            </a:ln>
+          </c:spPr>
           <c:marker>
             <c:symbol val="none"/>
           </c:marker>
@@ -202,11 +209,11 @@
         </c:dLbls>
         <c:marker val="1"/>
         <c:smooth val="0"/>
-        <c:axId val="522414520"/>
-        <c:axId val="522418648"/>
+        <c:axId val="475053800"/>
+        <c:axId val="475056856"/>
       </c:lineChart>
       <c:catAx>
-        <c:axId val="522414520"/>
+        <c:axId val="475053800"/>
         <c:scaling>
           <c:orientation val="minMax"/>
         </c:scaling>
@@ -215,7 +222,7 @@
         <c:majorTickMark val="out"/>
         <c:minorTickMark val="none"/>
         <c:tickLblPos val="nextTo"/>
-        <c:crossAx val="522418648"/>
+        <c:crossAx val="475056856"/>
         <c:crosses val="autoZero"/>
         <c:auto val="1"/>
         <c:lblAlgn val="ctr"/>
@@ -223,7 +230,7 @@
         <c:noMultiLvlLbl val="0"/>
       </c:catAx>
       <c:valAx>
-        <c:axId val="522418648"/>
+        <c:axId val="475056856"/>
         <c:scaling>
           <c:orientation val="minMax"/>
         </c:scaling>
@@ -234,7 +241,7 @@
         <c:majorTickMark val="out"/>
         <c:minorTickMark val="none"/>
         <c:tickLblPos val="nextTo"/>
-        <c:crossAx val="522414520"/>
+        <c:crossAx val="475053800"/>
         <c:crosses val="autoZero"/>
         <c:crossBetween val="between"/>
       </c:valAx>
@@ -440,7 +447,7 @@
           <a:p>
             <a:fld id="{B56DC137-3F13-8D43-AA57-5640E0D90177}" type="datetimeFigureOut">
               <a:rPr kumimoji="1" lang="ja-JP" altLang="en-US" smtClean="0"/>
-              <a:t>16/06/21</a:t>
+              <a:t>16/10/16</a:t>
             </a:fld>
             <a:endParaRPr kumimoji="1" lang="ja-JP" altLang="en-US"/>
           </a:p>
@@ -642,7 +649,7 @@
           <a:p>
             <a:fld id="{B56DC137-3F13-8D43-AA57-5640E0D90177}" type="datetimeFigureOut">
               <a:rPr kumimoji="1" lang="ja-JP" altLang="en-US" smtClean="0"/>
-              <a:t>16/06/21</a:t>
+              <a:t>16/10/16</a:t>
             </a:fld>
             <a:endParaRPr kumimoji="1" lang="ja-JP" altLang="en-US"/>
           </a:p>
@@ -854,7 +861,7 @@
           <a:p>
             <a:fld id="{B56DC137-3F13-8D43-AA57-5640E0D90177}" type="datetimeFigureOut">
               <a:rPr kumimoji="1" lang="ja-JP" altLang="en-US" smtClean="0"/>
-              <a:t>16/06/21</a:t>
+              <a:t>16/10/16</a:t>
             </a:fld>
             <a:endParaRPr kumimoji="1" lang="ja-JP" altLang="en-US"/>
           </a:p>
@@ -1056,7 +1063,7 @@
           <a:p>
             <a:fld id="{B56DC137-3F13-8D43-AA57-5640E0D90177}" type="datetimeFigureOut">
               <a:rPr kumimoji="1" lang="ja-JP" altLang="en-US" smtClean="0"/>
-              <a:t>16/06/21</a:t>
+              <a:t>16/10/16</a:t>
             </a:fld>
             <a:endParaRPr kumimoji="1" lang="ja-JP" altLang="en-US"/>
           </a:p>
@@ -1302,7 +1309,7 @@
           <a:p>
             <a:fld id="{B56DC137-3F13-8D43-AA57-5640E0D90177}" type="datetimeFigureOut">
               <a:rPr kumimoji="1" lang="ja-JP" altLang="en-US" smtClean="0"/>
-              <a:t>16/06/21</a:t>
+              <a:t>16/10/16</a:t>
             </a:fld>
             <a:endParaRPr kumimoji="1" lang="ja-JP" altLang="en-US"/>
           </a:p>
@@ -1654,7 +1661,7 @@
           <a:p>
             <a:fld id="{B56DC137-3F13-8D43-AA57-5640E0D90177}" type="datetimeFigureOut">
               <a:rPr kumimoji="1" lang="ja-JP" altLang="en-US" smtClean="0"/>
-              <a:t>16/06/21</a:t>
+              <a:t>16/10/16</a:t>
             </a:fld>
             <a:endParaRPr kumimoji="1" lang="ja-JP" altLang="en-US"/>
           </a:p>
@@ -2140,7 +2147,7 @@
           <a:p>
             <a:fld id="{B56DC137-3F13-8D43-AA57-5640E0D90177}" type="datetimeFigureOut">
               <a:rPr kumimoji="1" lang="ja-JP" altLang="en-US" smtClean="0"/>
-              <a:t>16/06/21</a:t>
+              <a:t>16/10/16</a:t>
             </a:fld>
             <a:endParaRPr kumimoji="1" lang="ja-JP" altLang="en-US"/>
           </a:p>
@@ -2258,7 +2265,7 @@
           <a:p>
             <a:fld id="{B56DC137-3F13-8D43-AA57-5640E0D90177}" type="datetimeFigureOut">
               <a:rPr kumimoji="1" lang="ja-JP" altLang="en-US" smtClean="0"/>
-              <a:t>16/06/21</a:t>
+              <a:t>16/10/16</a:t>
             </a:fld>
             <a:endParaRPr kumimoji="1" lang="ja-JP" altLang="en-US"/>
           </a:p>
@@ -2353,7 +2360,7 @@
           <a:p>
             <a:fld id="{B56DC137-3F13-8D43-AA57-5640E0D90177}" type="datetimeFigureOut">
               <a:rPr kumimoji="1" lang="ja-JP" altLang="en-US" smtClean="0"/>
-              <a:t>16/06/21</a:t>
+              <a:t>16/10/16</a:t>
             </a:fld>
             <a:endParaRPr kumimoji="1" lang="ja-JP" altLang="en-US"/>
           </a:p>
@@ -2662,7 +2669,7 @@
           <a:p>
             <a:fld id="{B56DC137-3F13-8D43-AA57-5640E0D90177}" type="datetimeFigureOut">
               <a:rPr kumimoji="1" lang="ja-JP" altLang="en-US" smtClean="0"/>
-              <a:t>16/06/21</a:t>
+              <a:t>16/10/16</a:t>
             </a:fld>
             <a:endParaRPr kumimoji="1" lang="ja-JP" altLang="en-US"/>
           </a:p>
@@ -2915,7 +2922,7 @@
           <a:p>
             <a:fld id="{B56DC137-3F13-8D43-AA57-5640E0D90177}" type="datetimeFigureOut">
               <a:rPr kumimoji="1" lang="ja-JP" altLang="en-US" smtClean="0"/>
-              <a:t>16/06/21</a:t>
+              <a:t>16/10/16</a:t>
             </a:fld>
             <a:endParaRPr kumimoji="1" lang="ja-JP" altLang="en-US"/>
           </a:p>
@@ -3160,7 +3167,7 @@
           <a:p>
             <a:fld id="{B56DC137-3F13-8D43-AA57-5640E0D90177}" type="datetimeFigureOut">
               <a:rPr kumimoji="1" lang="ja-JP" altLang="en-US" smtClean="0"/>
-              <a:t>16/06/21</a:t>
+              <a:t>16/10/16</a:t>
             </a:fld>
             <a:endParaRPr kumimoji="1" lang="ja-JP" altLang="en-US"/>
           </a:p>
@@ -3590,7 +3597,7 @@
             </a:r>
             <a:r>
               <a:rPr kumimoji="1" lang="en-US" altLang="ja-JP" dirty="0" smtClean="0"/>
-              <a:t>2016/06</a:t>
+              <a:t>2016</a:t>
             </a:r>
             <a:r>
               <a:rPr kumimoji="1" lang="en-US" altLang="ja-JP" dirty="0" smtClean="0"/>
@@ -3598,7 +3605,15 @@
             </a:r>
             <a:r>
               <a:rPr lang="en-US" altLang="ja-JP" dirty="0" smtClean="0"/>
-              <a:t>21</a:t>
+              <a:t>10</a:t>
+            </a:r>
+            <a:r>
+              <a:rPr kumimoji="1" lang="en-US" altLang="ja-JP" dirty="0" smtClean="0"/>
+              <a:t>/</a:t>
+            </a:r>
+            <a:r>
+              <a:rPr lang="en-US" altLang="ja-JP" dirty="0" smtClean="0"/>
+              <a:t>16</a:t>
             </a:r>
             <a:endParaRPr kumimoji="1" lang="ja-JP" altLang="en-US" dirty="0"/>
           </a:p>
@@ -3678,7 +3693,7 @@
         <p:spPr>
           <a:xfrm>
             <a:off x="457200" y="1205650"/>
-            <a:ext cx="7725192" cy="4401204"/>
+            <a:ext cx="8084264" cy="4955202"/>
           </a:xfrm>
           <a:prstGeom prst="rect">
             <a:avLst/>
@@ -3742,11 +3757,7 @@
             </a:pPr>
             <a:r>
               <a:rPr lang="ja-JP" altLang="en-US" sz="2000" dirty="0" smtClean="0"/>
-              <a:t>指定されたペア・期間のローソク足グラフを表示</a:t>
-            </a:r>
-            <a:r>
-              <a:rPr lang="ja-JP" altLang="en-US" sz="2000" dirty="0" smtClean="0"/>
-              <a:t>する</a:t>
+              <a:t>指定されたペア・期間のローソク足グラフを表示する</a:t>
             </a:r>
             <a:endParaRPr lang="en-US" altLang="ja-JP" sz="2000" dirty="0" smtClean="0"/>
           </a:p>
@@ -3788,9 +3799,35 @@
             </a:r>
             <a:r>
               <a:rPr lang="ja-JP" altLang="en-US" sz="2000" dirty="0" smtClean="0"/>
-              <a:t>本分のレートで移動平均線を表示する</a:t>
+              <a:t>本分のレートで移動平均線を表示</a:t>
+            </a:r>
+            <a:r>
+              <a:rPr lang="ja-JP" altLang="en-US" sz="2000" dirty="0" smtClean="0"/>
+              <a:t>する</a:t>
             </a:r>
             <a:endParaRPr lang="en-US" altLang="ja-JP" sz="2000" dirty="0" smtClean="0"/>
+          </a:p>
+          <a:p>
+            <a:pPr marL="1257300" lvl="2" indent="-342900">
+              <a:buFont typeface="Arial"/>
+              <a:buChar char="•"/>
+            </a:pPr>
+            <a:r>
+              <a:rPr lang="ja-JP" altLang="en-US" sz="2000" dirty="0" smtClean="0"/>
+              <a:t>未来のレート情報をローソク足グラフで表示する</a:t>
+            </a:r>
+            <a:endParaRPr lang="en-US" altLang="ja-JP" sz="2000" dirty="0" smtClean="0"/>
+          </a:p>
+          <a:p>
+            <a:pPr marL="1714500" lvl="3" indent="-342900">
+              <a:buFont typeface="Arial"/>
+              <a:buChar char="•"/>
+            </a:pPr>
+            <a:r>
+              <a:rPr lang="ja-JP" altLang="en-US" sz="1600" dirty="0" smtClean="0"/>
+              <a:t>過去のレート情報と未来のレート情報の間には境界線が表示されている</a:t>
+            </a:r>
+            <a:endParaRPr lang="en-US" altLang="ja-JP" sz="1600" dirty="0" smtClean="0"/>
           </a:p>
           <a:p>
             <a:pPr lvl="1"/>
@@ -4770,7 +4807,7 @@
       </p:sp>
       <p:grpSp>
         <p:nvGrpSpPr>
-          <p:cNvPr id="10" name="図形グループ 9"/>
+          <p:cNvPr id="7" name="図形グループ 6"/>
           <p:cNvGrpSpPr/>
           <p:nvPr/>
         </p:nvGrpSpPr>
@@ -4782,613 +4819,432 @@
             <a:chExt cx="8229600" cy="5106737"/>
           </a:xfrm>
         </p:grpSpPr>
-        <p:grpSp>
-          <p:nvGrpSpPr>
-            <p:cNvPr id="7" name="図形グループ 6"/>
-            <p:cNvGrpSpPr/>
+        <p:sp>
+          <p:nvSpPr>
+            <p:cNvPr id="3" name="正方形/長方形 2"/>
+            <p:cNvSpPr/>
             <p:nvPr/>
-          </p:nvGrpSpPr>
-          <p:grpSpPr>
+          </p:nvSpPr>
+          <p:spPr>
             <a:xfrm>
               <a:off x="457200" y="1296736"/>
               <a:ext cx="8229600" cy="5106737"/>
-              <a:chOff x="457200" y="1296736"/>
-              <a:chExt cx="8229600" cy="5106737"/>
             </a:xfrm>
-          </p:grpSpPr>
-          <p:sp>
-            <p:nvSpPr>
-              <p:cNvPr id="3" name="正方形/長方形 2"/>
-              <p:cNvSpPr/>
-              <p:nvPr/>
-            </p:nvSpPr>
-            <p:spPr>
-              <a:xfrm>
-                <a:off x="457200" y="1296736"/>
-                <a:ext cx="8229600" cy="5106737"/>
-              </a:xfrm>
-              <a:prstGeom prst="rect">
-                <a:avLst/>
-              </a:prstGeom>
-              <a:noFill/>
-              <a:ln w="38100">
-                <a:solidFill>
-                  <a:schemeClr val="tx1"/>
-                </a:solidFill>
-              </a:ln>
-              <a:effectLst/>
-            </p:spPr>
-            <p:style>
-              <a:lnRef idx="1">
-                <a:schemeClr val="accent1"/>
-              </a:lnRef>
-              <a:fillRef idx="3">
-                <a:schemeClr val="accent1"/>
-              </a:fillRef>
-              <a:effectRef idx="2">
-                <a:schemeClr val="accent1"/>
-              </a:effectRef>
-              <a:fontRef idx="minor">
-                <a:schemeClr val="lt1"/>
-              </a:fontRef>
-            </p:style>
-            <p:txBody>
-              <a:bodyPr rtlCol="0" anchor="ctr"/>
-              <a:lstStyle/>
-              <a:p>
-                <a:pPr algn="ctr"/>
-                <a:endParaRPr kumimoji="1" lang="ja-JP" altLang="en-US"/>
-              </a:p>
-            </p:txBody>
-          </p:sp>
-          <p:graphicFrame>
-            <p:nvGraphicFramePr>
-              <p:cNvPr id="16" name="グラフ 15"/>
-              <p:cNvGraphicFramePr/>
-              <p:nvPr>
-                <p:extLst>
-                  <p:ext uri="{D42A27DB-BD31-4B8C-83A1-F6EECF244321}">
-                    <p14:modId xmlns:p14="http://schemas.microsoft.com/office/powerpoint/2010/main" val="3775934390"/>
-                  </p:ext>
-                </p:extLst>
-              </p:nvPr>
-            </p:nvGraphicFramePr>
-            <p:xfrm>
-              <a:off x="593558" y="1834359"/>
-              <a:ext cx="7963507" cy="4451206"/>
-            </p:xfrm>
-            <a:graphic>
-              <a:graphicData uri="http://schemas.openxmlformats.org/drawingml/2006/chart">
-                <c:chart xmlns:c="http://schemas.openxmlformats.org/drawingml/2006/chart" xmlns:r="http://schemas.openxmlformats.org/officeDocument/2006/relationships" r:id="rId2"/>
-              </a:graphicData>
-            </a:graphic>
-          </p:graphicFrame>
-          <p:cxnSp>
-            <p:nvCxnSpPr>
-              <p:cNvPr id="19" name="直線コネクタ 18"/>
-              <p:cNvCxnSpPr/>
-              <p:nvPr/>
-            </p:nvCxnSpPr>
-            <p:spPr>
-              <a:xfrm>
-                <a:off x="593558" y="1770219"/>
-                <a:ext cx="7963507" cy="0"/>
-              </a:xfrm>
-              <a:prstGeom prst="line">
-                <a:avLst/>
-              </a:prstGeom>
-              <a:ln w="12700">
-                <a:solidFill>
-                  <a:schemeClr val="bg1">
-                    <a:lumMod val="85000"/>
-                  </a:schemeClr>
-                </a:solidFill>
-              </a:ln>
-              <a:effectLst/>
-            </p:spPr>
-            <p:style>
-              <a:lnRef idx="2">
-                <a:schemeClr val="accent1"/>
-              </a:lnRef>
-              <a:fillRef idx="0">
-                <a:schemeClr val="accent1"/>
-              </a:fillRef>
-              <a:effectRef idx="1">
-                <a:schemeClr val="accent1"/>
-              </a:effectRef>
-              <a:fontRef idx="minor">
-                <a:schemeClr val="tx1"/>
-              </a:fontRef>
-            </p:style>
-          </p:cxnSp>
-          <p:cxnSp>
-            <p:nvCxnSpPr>
-              <p:cNvPr id="21" name="直線コネクタ 20"/>
-              <p:cNvCxnSpPr/>
-              <p:nvPr/>
-            </p:nvCxnSpPr>
-            <p:spPr>
-              <a:xfrm flipV="1">
-                <a:off x="1717558" y="1373704"/>
-                <a:ext cx="0" cy="347880"/>
-              </a:xfrm>
-              <a:prstGeom prst="line">
-                <a:avLst/>
-              </a:prstGeom>
-              <a:ln w="12700">
-                <a:solidFill>
-                  <a:schemeClr val="bg1">
-                    <a:lumMod val="85000"/>
-                  </a:schemeClr>
-                </a:solidFill>
-              </a:ln>
-              <a:effectLst/>
-            </p:spPr>
-            <p:style>
-              <a:lnRef idx="2">
-                <a:schemeClr val="accent1"/>
-              </a:lnRef>
-              <a:fillRef idx="0">
-                <a:schemeClr val="accent1"/>
-              </a:fillRef>
-              <a:effectRef idx="1">
-                <a:schemeClr val="accent1"/>
-              </a:effectRef>
-              <a:fontRef idx="minor">
-                <a:schemeClr val="tx1"/>
-              </a:fontRef>
-            </p:style>
-          </p:cxnSp>
-          <p:cxnSp>
-            <p:nvCxnSpPr>
-              <p:cNvPr id="24" name="直線コネクタ 23"/>
-              <p:cNvCxnSpPr/>
-              <p:nvPr/>
-            </p:nvCxnSpPr>
-            <p:spPr>
-              <a:xfrm flipV="1">
-                <a:off x="2868891" y="1373704"/>
-                <a:ext cx="0" cy="347880"/>
-              </a:xfrm>
-              <a:prstGeom prst="line">
-                <a:avLst/>
-              </a:prstGeom>
-              <a:ln w="12700">
-                <a:solidFill>
-                  <a:schemeClr val="bg1">
-                    <a:lumMod val="85000"/>
-                  </a:schemeClr>
-                </a:solidFill>
-              </a:ln>
-              <a:effectLst/>
-            </p:spPr>
-            <p:style>
-              <a:lnRef idx="2">
-                <a:schemeClr val="accent1"/>
-              </a:lnRef>
-              <a:fillRef idx="0">
-                <a:schemeClr val="accent1"/>
-              </a:fillRef>
-              <a:effectRef idx="1">
-                <a:schemeClr val="accent1"/>
-              </a:effectRef>
-              <a:fontRef idx="minor">
-                <a:schemeClr val="tx1"/>
-              </a:fontRef>
-            </p:style>
-          </p:cxnSp>
-          <p:sp>
-            <p:nvSpPr>
-              <p:cNvPr id="25" name="テキスト ボックス 24"/>
-              <p:cNvSpPr txBox="1"/>
-              <p:nvPr/>
-            </p:nvSpPr>
-            <p:spPr>
-              <a:xfrm>
-                <a:off x="756922" y="1383030"/>
-                <a:ext cx="800219" cy="338554"/>
-              </a:xfrm>
-              <a:prstGeom prst="rect">
-                <a:avLst/>
-              </a:prstGeom>
+            <a:prstGeom prst="rect">
+              <a:avLst/>
+            </a:prstGeom>
+            <a:noFill/>
+            <a:ln w="38100">
               <a:solidFill>
                 <a:schemeClr val="tx1"/>
               </a:solidFill>
-            </p:spPr>
-            <p:txBody>
-              <a:bodyPr wrap="none" rtlCol="0">
-                <a:spAutoFit/>
-              </a:bodyPr>
-              <a:lstStyle/>
-              <a:p>
-                <a:r>
-                  <a:rPr kumimoji="1" lang="ja-JP" altLang="en-US" sz="1600" dirty="0" smtClean="0">
-                    <a:solidFill>
-                      <a:schemeClr val="bg1"/>
-                    </a:solidFill>
-                    <a:latin typeface="メイリオ"/>
-                    <a:ea typeface="メイリオ"/>
-                    <a:cs typeface="メイリオ"/>
-                  </a:rPr>
-                  <a:t>レート</a:t>
-                </a:r>
-                <a:endParaRPr kumimoji="1" lang="ja-JP" altLang="en-US" sz="1600" dirty="0">
+            </a:ln>
+            <a:effectLst/>
+          </p:spPr>
+          <p:style>
+            <a:lnRef idx="1">
+              <a:schemeClr val="accent1"/>
+            </a:lnRef>
+            <a:fillRef idx="3">
+              <a:schemeClr val="accent1"/>
+            </a:fillRef>
+            <a:effectRef idx="2">
+              <a:schemeClr val="accent1"/>
+            </a:effectRef>
+            <a:fontRef idx="minor">
+              <a:schemeClr val="lt1"/>
+            </a:fontRef>
+          </p:style>
+          <p:txBody>
+            <a:bodyPr rtlCol="0" anchor="ctr"/>
+            <a:lstStyle/>
+            <a:p>
+              <a:pPr algn="ctr"/>
+              <a:endParaRPr kumimoji="1" lang="ja-JP" altLang="en-US"/>
+            </a:p>
+          </p:txBody>
+        </p:sp>
+        <p:graphicFrame>
+          <p:nvGraphicFramePr>
+            <p:cNvPr id="16" name="グラフ 15"/>
+            <p:cNvGraphicFramePr/>
+            <p:nvPr>
+              <p:extLst>
+                <p:ext uri="{D42A27DB-BD31-4B8C-83A1-F6EECF244321}">
+                  <p14:modId xmlns:p14="http://schemas.microsoft.com/office/powerpoint/2010/main" val="3814607497"/>
+                </p:ext>
+              </p:extLst>
+            </p:nvPr>
+          </p:nvGraphicFramePr>
+          <p:xfrm>
+            <a:off x="593558" y="1834359"/>
+            <a:ext cx="7963507" cy="4451206"/>
+          </p:xfrm>
+          <a:graphic>
+            <a:graphicData uri="http://schemas.openxmlformats.org/drawingml/2006/chart">
+              <c:chart xmlns:c="http://schemas.openxmlformats.org/drawingml/2006/chart" xmlns:r="http://schemas.openxmlformats.org/officeDocument/2006/relationships" r:id="rId2"/>
+            </a:graphicData>
+          </a:graphic>
+        </p:graphicFrame>
+        <p:cxnSp>
+          <p:nvCxnSpPr>
+            <p:cNvPr id="19" name="直線コネクタ 18"/>
+            <p:cNvCxnSpPr/>
+            <p:nvPr/>
+          </p:nvCxnSpPr>
+          <p:spPr>
+            <a:xfrm>
+              <a:off x="593558" y="1770219"/>
+              <a:ext cx="7963507" cy="0"/>
+            </a:xfrm>
+            <a:prstGeom prst="line">
+              <a:avLst/>
+            </a:prstGeom>
+            <a:ln w="12700">
+              <a:solidFill>
+                <a:schemeClr val="bg1">
+                  <a:lumMod val="85000"/>
+                </a:schemeClr>
+              </a:solidFill>
+            </a:ln>
+            <a:effectLst/>
+          </p:spPr>
+          <p:style>
+            <a:lnRef idx="2">
+              <a:schemeClr val="accent1"/>
+            </a:lnRef>
+            <a:fillRef idx="0">
+              <a:schemeClr val="accent1"/>
+            </a:fillRef>
+            <a:effectRef idx="1">
+              <a:schemeClr val="accent1"/>
+            </a:effectRef>
+            <a:fontRef idx="minor">
+              <a:schemeClr val="tx1"/>
+            </a:fontRef>
+          </p:style>
+        </p:cxnSp>
+        <p:cxnSp>
+          <p:nvCxnSpPr>
+            <p:cNvPr id="21" name="直線コネクタ 20"/>
+            <p:cNvCxnSpPr/>
+            <p:nvPr/>
+          </p:nvCxnSpPr>
+          <p:spPr>
+            <a:xfrm flipV="1">
+              <a:off x="1717558" y="1373704"/>
+              <a:ext cx="0" cy="347880"/>
+            </a:xfrm>
+            <a:prstGeom prst="line">
+              <a:avLst/>
+            </a:prstGeom>
+            <a:ln w="12700">
+              <a:solidFill>
+                <a:schemeClr val="bg1">
+                  <a:lumMod val="85000"/>
+                </a:schemeClr>
+              </a:solidFill>
+            </a:ln>
+            <a:effectLst/>
+          </p:spPr>
+          <p:style>
+            <a:lnRef idx="2">
+              <a:schemeClr val="accent1"/>
+            </a:lnRef>
+            <a:fillRef idx="0">
+              <a:schemeClr val="accent1"/>
+            </a:fillRef>
+            <a:effectRef idx="1">
+              <a:schemeClr val="accent1"/>
+            </a:effectRef>
+            <a:fontRef idx="minor">
+              <a:schemeClr val="tx1"/>
+            </a:fontRef>
+          </p:style>
+        </p:cxnSp>
+        <p:cxnSp>
+          <p:nvCxnSpPr>
+            <p:cNvPr id="24" name="直線コネクタ 23"/>
+            <p:cNvCxnSpPr/>
+            <p:nvPr/>
+          </p:nvCxnSpPr>
+          <p:spPr>
+            <a:xfrm flipV="1">
+              <a:off x="2868891" y="1373704"/>
+              <a:ext cx="0" cy="347880"/>
+            </a:xfrm>
+            <a:prstGeom prst="line">
+              <a:avLst/>
+            </a:prstGeom>
+            <a:ln w="12700">
+              <a:solidFill>
+                <a:schemeClr val="bg1">
+                  <a:lumMod val="85000"/>
+                </a:schemeClr>
+              </a:solidFill>
+            </a:ln>
+            <a:effectLst/>
+          </p:spPr>
+          <p:style>
+            <a:lnRef idx="2">
+              <a:schemeClr val="accent1"/>
+            </a:lnRef>
+            <a:fillRef idx="0">
+              <a:schemeClr val="accent1"/>
+            </a:fillRef>
+            <a:effectRef idx="1">
+              <a:schemeClr val="accent1"/>
+            </a:effectRef>
+            <a:fontRef idx="minor">
+              <a:schemeClr val="tx1"/>
+            </a:fontRef>
+          </p:style>
+        </p:cxnSp>
+        <p:sp>
+          <p:nvSpPr>
+            <p:cNvPr id="25" name="テキスト ボックス 24"/>
+            <p:cNvSpPr txBox="1"/>
+            <p:nvPr/>
+          </p:nvSpPr>
+          <p:spPr>
+            <a:xfrm>
+              <a:off x="756922" y="1383030"/>
+              <a:ext cx="800219" cy="338554"/>
+            </a:xfrm>
+            <a:prstGeom prst="rect">
+              <a:avLst/>
+            </a:prstGeom>
+            <a:solidFill>
+              <a:schemeClr val="tx1"/>
+            </a:solidFill>
+          </p:spPr>
+          <p:txBody>
+            <a:bodyPr wrap="none" rtlCol="0">
+              <a:spAutoFit/>
+            </a:bodyPr>
+            <a:lstStyle/>
+            <a:p>
+              <a:r>
+                <a:rPr kumimoji="1" lang="ja-JP" altLang="en-US" sz="1600" dirty="0" smtClean="0">
                   <a:solidFill>
                     <a:schemeClr val="bg1"/>
                   </a:solidFill>
                   <a:latin typeface="メイリオ"/>
                   <a:ea typeface="メイリオ"/>
                   <a:cs typeface="メイリオ"/>
-                </a:endParaRPr>
-              </a:p>
-            </p:txBody>
-          </p:sp>
-          <p:sp>
-            <p:nvSpPr>
-              <p:cNvPr id="26" name="テキスト ボックス 25"/>
-              <p:cNvSpPr txBox="1"/>
-              <p:nvPr/>
-            </p:nvSpPr>
-            <p:spPr>
-              <a:xfrm>
-                <a:off x="1799343" y="1383030"/>
-                <a:ext cx="1005403" cy="338554"/>
-              </a:xfrm>
-              <a:prstGeom prst="rect">
-                <a:avLst/>
-              </a:prstGeom>
-              <a:noFill/>
-            </p:spPr>
-            <p:txBody>
-              <a:bodyPr wrap="none" rtlCol="0">
-                <a:spAutoFit/>
-              </a:bodyPr>
-              <a:lstStyle/>
-              <a:p>
-                <a:r>
-                  <a:rPr lang="ja-JP" altLang="en-US" sz="1600" dirty="0" smtClean="0">
-                    <a:latin typeface="メイリオ"/>
-                    <a:ea typeface="メイリオ"/>
-                    <a:cs typeface="メイリオ"/>
-                  </a:rPr>
-                  <a:t>ツイート</a:t>
-                </a:r>
-                <a:endParaRPr kumimoji="1" lang="ja-JP" altLang="en-US" sz="1600" dirty="0">
+                </a:rPr>
+                <a:t>レート</a:t>
+              </a:r>
+              <a:endParaRPr kumimoji="1" lang="ja-JP" altLang="en-US" sz="1600" dirty="0">
+                <a:solidFill>
+                  <a:schemeClr val="bg1"/>
+                </a:solidFill>
+                <a:latin typeface="メイリオ"/>
+                <a:ea typeface="メイリオ"/>
+                <a:cs typeface="メイリオ"/>
+              </a:endParaRPr>
+            </a:p>
+          </p:txBody>
+        </p:sp>
+        <p:sp>
+          <p:nvSpPr>
+            <p:cNvPr id="26" name="テキスト ボックス 25"/>
+            <p:cNvSpPr txBox="1"/>
+            <p:nvPr/>
+          </p:nvSpPr>
+          <p:spPr>
+            <a:xfrm>
+              <a:off x="1799343" y="1383030"/>
+              <a:ext cx="1005403" cy="338554"/>
+            </a:xfrm>
+            <a:prstGeom prst="rect">
+              <a:avLst/>
+            </a:prstGeom>
+            <a:noFill/>
+          </p:spPr>
+          <p:txBody>
+            <a:bodyPr wrap="none" rtlCol="0">
+              <a:spAutoFit/>
+            </a:bodyPr>
+            <a:lstStyle/>
+            <a:p>
+              <a:r>
+                <a:rPr lang="ja-JP" altLang="en-US" sz="1600" dirty="0" smtClean="0">
                   <a:latin typeface="メイリオ"/>
                   <a:ea typeface="メイリオ"/>
                   <a:cs typeface="メイリオ"/>
-                </a:endParaRPr>
-              </a:p>
-            </p:txBody>
-          </p:sp>
-          <p:cxnSp>
-            <p:nvCxnSpPr>
-              <p:cNvPr id="27" name="直線コネクタ 26"/>
-              <p:cNvCxnSpPr/>
-              <p:nvPr/>
-            </p:nvCxnSpPr>
-            <p:spPr>
-              <a:xfrm flipV="1">
-                <a:off x="3611434" y="1397437"/>
-                <a:ext cx="0" cy="347880"/>
-              </a:xfrm>
-              <a:prstGeom prst="line">
-                <a:avLst/>
-              </a:prstGeom>
-              <a:ln w="12700">
-                <a:solidFill>
-                  <a:schemeClr val="bg1">
-                    <a:lumMod val="85000"/>
-                  </a:schemeClr>
-                </a:solidFill>
-              </a:ln>
-              <a:effectLst/>
-            </p:spPr>
-            <p:style>
-              <a:lnRef idx="2">
-                <a:schemeClr val="accent1"/>
-              </a:lnRef>
-              <a:fillRef idx="0">
-                <a:schemeClr val="accent1"/>
-              </a:fillRef>
-              <a:effectRef idx="1">
-                <a:schemeClr val="accent1"/>
-              </a:effectRef>
-              <a:fontRef idx="minor">
-                <a:schemeClr val="tx1"/>
-              </a:fontRef>
-            </p:style>
-          </p:cxnSp>
-          <p:sp>
-            <p:nvSpPr>
-              <p:cNvPr id="28" name="テキスト ボックス 27"/>
-              <p:cNvSpPr txBox="1"/>
-              <p:nvPr/>
-            </p:nvSpPr>
-            <p:spPr>
-              <a:xfrm>
-                <a:off x="2957146" y="1383030"/>
-                <a:ext cx="595035" cy="338554"/>
-              </a:xfrm>
-              <a:prstGeom prst="rect">
-                <a:avLst/>
-              </a:prstGeom>
-              <a:noFill/>
-            </p:spPr>
-            <p:txBody>
-              <a:bodyPr wrap="none" rtlCol="0">
-                <a:spAutoFit/>
-              </a:bodyPr>
-              <a:lstStyle/>
-              <a:p>
-                <a:r>
-                  <a:rPr lang="ja-JP" altLang="en-US" sz="1600" dirty="0" smtClean="0">
-                    <a:latin typeface="メイリオ"/>
-                    <a:ea typeface="メイリオ"/>
-                    <a:cs typeface="メイリオ"/>
-                  </a:rPr>
-                  <a:t>記事</a:t>
-                </a:r>
-                <a:endParaRPr kumimoji="1" lang="ja-JP" altLang="en-US" sz="1600" dirty="0">
+                </a:rPr>
+                <a:t>ツイート</a:t>
+              </a:r>
+              <a:endParaRPr kumimoji="1" lang="ja-JP" altLang="en-US" sz="1600" dirty="0">
+                <a:latin typeface="メイリオ"/>
+                <a:ea typeface="メイリオ"/>
+                <a:cs typeface="メイリオ"/>
+              </a:endParaRPr>
+            </a:p>
+          </p:txBody>
+        </p:sp>
+        <p:cxnSp>
+          <p:nvCxnSpPr>
+            <p:cNvPr id="27" name="直線コネクタ 26"/>
+            <p:cNvCxnSpPr/>
+            <p:nvPr/>
+          </p:nvCxnSpPr>
+          <p:spPr>
+            <a:xfrm flipV="1">
+              <a:off x="3611434" y="1397437"/>
+              <a:ext cx="0" cy="347880"/>
+            </a:xfrm>
+            <a:prstGeom prst="line">
+              <a:avLst/>
+            </a:prstGeom>
+            <a:ln w="12700">
+              <a:solidFill>
+                <a:schemeClr val="bg1">
+                  <a:lumMod val="85000"/>
+                </a:schemeClr>
+              </a:solidFill>
+            </a:ln>
+            <a:effectLst/>
+          </p:spPr>
+          <p:style>
+            <a:lnRef idx="2">
+              <a:schemeClr val="accent1"/>
+            </a:lnRef>
+            <a:fillRef idx="0">
+              <a:schemeClr val="accent1"/>
+            </a:fillRef>
+            <a:effectRef idx="1">
+              <a:schemeClr val="accent1"/>
+            </a:effectRef>
+            <a:fontRef idx="minor">
+              <a:schemeClr val="tx1"/>
+            </a:fontRef>
+          </p:style>
+        </p:cxnSp>
+        <p:sp>
+          <p:nvSpPr>
+            <p:cNvPr id="28" name="テキスト ボックス 27"/>
+            <p:cNvSpPr txBox="1"/>
+            <p:nvPr/>
+          </p:nvSpPr>
+          <p:spPr>
+            <a:xfrm>
+              <a:off x="2957146" y="1383030"/>
+              <a:ext cx="595035" cy="338554"/>
+            </a:xfrm>
+            <a:prstGeom prst="rect">
+              <a:avLst/>
+            </a:prstGeom>
+            <a:noFill/>
+          </p:spPr>
+          <p:txBody>
+            <a:bodyPr wrap="none" rtlCol="0">
+              <a:spAutoFit/>
+            </a:bodyPr>
+            <a:lstStyle/>
+            <a:p>
+              <a:r>
+                <a:rPr lang="ja-JP" altLang="en-US" sz="1600" dirty="0" smtClean="0">
                   <a:latin typeface="メイリオ"/>
                   <a:ea typeface="メイリオ"/>
                   <a:cs typeface="メイリオ"/>
-                </a:endParaRPr>
-              </a:p>
-            </p:txBody>
-          </p:sp>
-          <p:sp>
-            <p:nvSpPr>
-              <p:cNvPr id="5" name="角丸四角形 4"/>
-              <p:cNvSpPr/>
-              <p:nvPr/>
-            </p:nvSpPr>
-            <p:spPr>
-              <a:xfrm>
-                <a:off x="3867727" y="1397437"/>
-                <a:ext cx="1350818" cy="324147"/>
-              </a:xfrm>
-              <a:prstGeom prst="roundRect">
-                <a:avLst/>
-              </a:prstGeom>
-              <a:noFill/>
-              <a:ln w="12700">
-                <a:solidFill>
-                  <a:schemeClr val="tx1"/>
-                </a:solidFill>
-              </a:ln>
-              <a:effectLst/>
-            </p:spPr>
-            <p:style>
-              <a:lnRef idx="1">
-                <a:schemeClr val="accent1"/>
-              </a:lnRef>
-              <a:fillRef idx="3">
-                <a:schemeClr val="accent1"/>
-              </a:fillRef>
-              <a:effectRef idx="2">
-                <a:schemeClr val="accent1"/>
-              </a:effectRef>
-              <a:fontRef idx="minor">
-                <a:schemeClr val="lt1"/>
-              </a:fontRef>
-            </p:style>
-            <p:txBody>
-              <a:bodyPr rtlCol="0" anchor="ctr"/>
-              <a:lstStyle/>
-              <a:p>
-                <a:r>
-                  <a:rPr kumimoji="1" lang="en-US" altLang="ja-JP" dirty="0" smtClean="0">
-                    <a:solidFill>
-                      <a:schemeClr val="tx1"/>
-                    </a:solidFill>
-                    <a:latin typeface="メイリオ"/>
-                    <a:ea typeface="メイリオ"/>
-                    <a:cs typeface="メイリオ"/>
-                  </a:rPr>
-                  <a:t>USDJPY</a:t>
-                </a:r>
-                <a:endParaRPr kumimoji="1" lang="ja-JP" altLang="en-US" dirty="0">
+                </a:rPr>
+                <a:t>記事</a:t>
+              </a:r>
+              <a:endParaRPr kumimoji="1" lang="ja-JP" altLang="en-US" sz="1600" dirty="0">
+                <a:latin typeface="メイリオ"/>
+                <a:ea typeface="メイリオ"/>
+                <a:cs typeface="メイリオ"/>
+              </a:endParaRPr>
+            </a:p>
+          </p:txBody>
+        </p:sp>
+        <p:sp>
+          <p:nvSpPr>
+            <p:cNvPr id="5" name="角丸四角形 4"/>
+            <p:cNvSpPr/>
+            <p:nvPr/>
+          </p:nvSpPr>
+          <p:spPr>
+            <a:xfrm>
+              <a:off x="5576387" y="1397437"/>
+              <a:ext cx="1350818" cy="324147"/>
+            </a:xfrm>
+            <a:prstGeom prst="roundRect">
+              <a:avLst/>
+            </a:prstGeom>
+            <a:noFill/>
+            <a:ln w="12700">
+              <a:solidFill>
+                <a:schemeClr val="tx1"/>
+              </a:solidFill>
+            </a:ln>
+            <a:effectLst/>
+          </p:spPr>
+          <p:style>
+            <a:lnRef idx="1">
+              <a:schemeClr val="accent1"/>
+            </a:lnRef>
+            <a:fillRef idx="3">
+              <a:schemeClr val="accent1"/>
+            </a:fillRef>
+            <a:effectRef idx="2">
+              <a:schemeClr val="accent1"/>
+            </a:effectRef>
+            <a:fontRef idx="minor">
+              <a:schemeClr val="lt1"/>
+            </a:fontRef>
+          </p:style>
+          <p:txBody>
+            <a:bodyPr rtlCol="0" anchor="ctr"/>
+            <a:lstStyle/>
+            <a:p>
+              <a:r>
+                <a:rPr kumimoji="1" lang="en-US" altLang="ja-JP" dirty="0" smtClean="0">
                   <a:solidFill>
                     <a:schemeClr val="tx1"/>
                   </a:solidFill>
                   <a:latin typeface="メイリオ"/>
                   <a:ea typeface="メイリオ"/>
                   <a:cs typeface="メイリオ"/>
-                </a:endParaRPr>
-              </a:p>
-            </p:txBody>
-          </p:sp>
-          <p:sp>
-            <p:nvSpPr>
-              <p:cNvPr id="6" name="二等辺三角形 5"/>
-              <p:cNvSpPr/>
-              <p:nvPr/>
-            </p:nvSpPr>
-            <p:spPr>
-              <a:xfrm rot="10800000">
-                <a:off x="4976089" y="1513765"/>
-                <a:ext cx="160159" cy="112776"/>
-              </a:xfrm>
-              <a:prstGeom prst="triangle">
-                <a:avLst/>
-              </a:prstGeom>
-              <a:solidFill>
-                <a:schemeClr val="tx1"/>
-              </a:solidFill>
-              <a:ln>
+                </a:rPr>
+                <a:t>USDJPY</a:t>
+              </a:r>
+              <a:endParaRPr kumimoji="1" lang="ja-JP" altLang="en-US" dirty="0">
                 <a:solidFill>
                   <a:schemeClr val="tx1"/>
                 </a:solidFill>
-              </a:ln>
-              <a:effectLst/>
-            </p:spPr>
-            <p:style>
-              <a:lnRef idx="1">
-                <a:schemeClr val="accent1"/>
-              </a:lnRef>
-              <a:fillRef idx="3">
-                <a:schemeClr val="accent1"/>
-              </a:fillRef>
-              <a:effectRef idx="2">
-                <a:schemeClr val="accent1"/>
-              </a:effectRef>
-              <a:fontRef idx="minor">
-                <a:schemeClr val="lt1"/>
-              </a:fontRef>
-            </p:style>
-            <p:txBody>
-              <a:bodyPr rtlCol="0" anchor="ctr"/>
-              <a:lstStyle/>
-              <a:p>
-                <a:pPr algn="ctr"/>
-                <a:endParaRPr kumimoji="1" lang="ja-JP" altLang="en-US"/>
-              </a:p>
-            </p:txBody>
-          </p:sp>
-          <p:sp>
-            <p:nvSpPr>
-              <p:cNvPr id="17" name="角丸四角形 16"/>
-              <p:cNvSpPr/>
-              <p:nvPr/>
-            </p:nvSpPr>
-            <p:spPr>
-              <a:xfrm>
-                <a:off x="5428670" y="1397437"/>
-                <a:ext cx="1350818" cy="324147"/>
-              </a:xfrm>
-              <a:prstGeom prst="roundRect">
-                <a:avLst/>
-              </a:prstGeom>
-              <a:noFill/>
-              <a:ln w="12700">
-                <a:solidFill>
-                  <a:schemeClr val="tx1"/>
-                </a:solidFill>
-              </a:ln>
-              <a:effectLst/>
-            </p:spPr>
-            <p:style>
-              <a:lnRef idx="1">
-                <a:schemeClr val="accent1"/>
-              </a:lnRef>
-              <a:fillRef idx="3">
-                <a:schemeClr val="accent1"/>
-              </a:fillRef>
-              <a:effectRef idx="2">
-                <a:schemeClr val="accent1"/>
-              </a:effectRef>
-              <a:fontRef idx="minor">
-                <a:schemeClr val="lt1"/>
-              </a:fontRef>
-            </p:style>
-            <p:txBody>
-              <a:bodyPr rtlCol="0" anchor="ctr"/>
-              <a:lstStyle/>
-              <a:p>
-                <a:r>
-                  <a:rPr lang="en-US" altLang="ja-JP" dirty="0" smtClean="0">
-                    <a:solidFill>
-                      <a:schemeClr val="tx1"/>
-                    </a:solidFill>
-                    <a:latin typeface="メイリオ"/>
-                    <a:ea typeface="メイリオ"/>
-                    <a:cs typeface="メイリオ"/>
-                  </a:rPr>
-                  <a:t>5</a:t>
-                </a:r>
-                <a:r>
-                  <a:rPr lang="ja-JP" altLang="en-US" dirty="0" smtClean="0">
-                    <a:solidFill>
-                      <a:schemeClr val="tx1"/>
-                    </a:solidFill>
-                    <a:latin typeface="メイリオ"/>
-                    <a:ea typeface="メイリオ"/>
-                    <a:cs typeface="メイリオ"/>
-                  </a:rPr>
-                  <a:t>分足</a:t>
-                </a:r>
-                <a:endParaRPr kumimoji="1" lang="ja-JP" altLang="en-US" dirty="0">
-                  <a:solidFill>
-                    <a:schemeClr val="tx1"/>
-                  </a:solidFill>
-                  <a:latin typeface="メイリオ"/>
-                  <a:ea typeface="メイリオ"/>
-                  <a:cs typeface="メイリオ"/>
-                </a:endParaRPr>
-              </a:p>
-            </p:txBody>
-          </p:sp>
-          <p:sp>
-            <p:nvSpPr>
-              <p:cNvPr id="18" name="二等辺三角形 17"/>
-              <p:cNvSpPr/>
-              <p:nvPr/>
-            </p:nvSpPr>
-            <p:spPr>
-              <a:xfrm rot="10800000">
-                <a:off x="6537032" y="1513765"/>
-                <a:ext cx="160159" cy="112776"/>
-              </a:xfrm>
-              <a:prstGeom prst="triangle">
-                <a:avLst/>
-              </a:prstGeom>
-              <a:solidFill>
-                <a:schemeClr val="tx1"/>
-              </a:solidFill>
-              <a:ln>
-                <a:solidFill>
-                  <a:schemeClr val="tx1"/>
-                </a:solidFill>
-              </a:ln>
-              <a:effectLst/>
-            </p:spPr>
-            <p:style>
-              <a:lnRef idx="1">
-                <a:schemeClr val="accent1"/>
-              </a:lnRef>
-              <a:fillRef idx="3">
-                <a:schemeClr val="accent1"/>
-              </a:fillRef>
-              <a:effectRef idx="2">
-                <a:schemeClr val="accent1"/>
-              </a:effectRef>
-              <a:fontRef idx="minor">
-                <a:schemeClr val="lt1"/>
-              </a:fontRef>
-            </p:style>
-            <p:txBody>
-              <a:bodyPr rtlCol="0" anchor="ctr"/>
-              <a:lstStyle/>
-              <a:p>
-                <a:pPr algn="ctr"/>
-                <a:endParaRPr kumimoji="1" lang="ja-JP" altLang="en-US"/>
-              </a:p>
-            </p:txBody>
-          </p:sp>
-        </p:grpSp>
+                <a:latin typeface="メイリオ"/>
+                <a:ea typeface="メイリオ"/>
+                <a:cs typeface="メイリオ"/>
+              </a:endParaRPr>
+            </a:p>
+          </p:txBody>
+        </p:sp>
         <p:sp>
           <p:nvSpPr>
-            <p:cNvPr id="4" name="正方形/長方形 3"/>
+            <p:cNvPr id="6" name="二等辺三角形 5"/>
             <p:cNvSpPr/>
             <p:nvPr/>
           </p:nvSpPr>
           <p:spPr>
-            <a:xfrm>
-              <a:off x="2262910" y="2389909"/>
-              <a:ext cx="92363" cy="914400"/>
+            <a:xfrm rot="10800000">
+              <a:off x="6684749" y="1513765"/>
+              <a:ext cx="160159" cy="112776"/>
             </a:xfrm>
-            <a:prstGeom prst="rect">
+            <a:prstGeom prst="triangle">
               <a:avLst/>
             </a:prstGeom>
             <a:solidFill>
-              <a:schemeClr val="accent2"/>
+              <a:schemeClr val="tx1"/>
             </a:solidFill>
             <a:ln>
               <a:solidFill>
-                <a:schemeClr val="accent2"/>
+                <a:schemeClr val="tx1"/>
               </a:solidFill>
             </a:ln>
+            <a:effectLst/>
           </p:spPr>
           <p:style>
             <a:lnRef idx="1">
@@ -5415,26 +5271,100 @@
         </p:sp>
         <p:sp>
           <p:nvSpPr>
-            <p:cNvPr id="20" name="正方形/長方形 19"/>
+            <p:cNvPr id="17" name="角丸四角形 16"/>
             <p:cNvSpPr/>
             <p:nvPr/>
           </p:nvSpPr>
           <p:spPr>
             <a:xfrm>
-              <a:off x="2507673" y="3304309"/>
-              <a:ext cx="92363" cy="170873"/>
+              <a:off x="7137330" y="1397437"/>
+              <a:ext cx="1350818" cy="324147"/>
             </a:xfrm>
-            <a:prstGeom prst="rect">
+            <a:prstGeom prst="roundRect">
+              <a:avLst/>
+            </a:prstGeom>
+            <a:noFill/>
+            <a:ln w="12700">
+              <a:solidFill>
+                <a:schemeClr val="tx1"/>
+              </a:solidFill>
+            </a:ln>
+            <a:effectLst/>
+          </p:spPr>
+          <p:style>
+            <a:lnRef idx="1">
+              <a:schemeClr val="accent1"/>
+            </a:lnRef>
+            <a:fillRef idx="3">
+              <a:schemeClr val="accent1"/>
+            </a:fillRef>
+            <a:effectRef idx="2">
+              <a:schemeClr val="accent1"/>
+            </a:effectRef>
+            <a:fontRef idx="minor">
+              <a:schemeClr val="lt1"/>
+            </a:fontRef>
+          </p:style>
+          <p:txBody>
+            <a:bodyPr rtlCol="0" anchor="ctr"/>
+            <a:lstStyle/>
+            <a:p>
+              <a:r>
+                <a:rPr lang="en-US" altLang="ja-JP" dirty="0" smtClean="0">
+                  <a:solidFill>
+                    <a:schemeClr val="tx1"/>
+                  </a:solidFill>
+                  <a:latin typeface="メイリオ"/>
+                  <a:ea typeface="メイリオ"/>
+                  <a:cs typeface="メイリオ"/>
+                </a:rPr>
+                <a:t>5</a:t>
+              </a:r>
+              <a:r>
+                <a:rPr lang="ja-JP" altLang="en-US" dirty="0" smtClean="0">
+                  <a:solidFill>
+                    <a:schemeClr val="tx1"/>
+                  </a:solidFill>
+                  <a:latin typeface="メイリオ"/>
+                  <a:ea typeface="メイリオ"/>
+                  <a:cs typeface="メイリオ"/>
+                </a:rPr>
+                <a:t>分足</a:t>
+              </a:r>
+              <a:endParaRPr kumimoji="1" lang="ja-JP" altLang="en-US" dirty="0">
+                <a:solidFill>
+                  <a:schemeClr val="tx1"/>
+                </a:solidFill>
+                <a:latin typeface="メイリオ"/>
+                <a:ea typeface="メイリオ"/>
+                <a:cs typeface="メイリオ"/>
+              </a:endParaRPr>
+            </a:p>
+          </p:txBody>
+        </p:sp>
+        <p:sp>
+          <p:nvSpPr>
+            <p:cNvPr id="18" name="二等辺三角形 17"/>
+            <p:cNvSpPr/>
+            <p:nvPr/>
+          </p:nvSpPr>
+          <p:spPr>
+            <a:xfrm rot="10800000">
+              <a:off x="8245692" y="1513765"/>
+              <a:ext cx="160159" cy="112776"/>
+            </a:xfrm>
+            <a:prstGeom prst="triangle">
               <a:avLst/>
             </a:prstGeom>
             <a:solidFill>
-              <a:schemeClr val="accent2"/>
+              <a:schemeClr val="tx1"/>
             </a:solidFill>
             <a:ln>
               <a:solidFill>
-                <a:schemeClr val="accent2"/>
+                <a:schemeClr val="tx1"/>
               </a:solidFill>
             </a:ln>
+            <a:effectLst/>
           </p:spPr>
           <p:style>
             <a:lnRef idx="1">
@@ -5459,432 +5389,560 @@
             </a:p>
           </p:txBody>
         </p:sp>
-        <p:sp>
-          <p:nvSpPr>
-            <p:cNvPr id="22" name="正方形/長方形 21"/>
-            <p:cNvSpPr/>
-            <p:nvPr/>
-          </p:nvSpPr>
-          <p:spPr>
-            <a:xfrm>
-              <a:off x="2776528" y="2847109"/>
-              <a:ext cx="92363" cy="628073"/>
-            </a:xfrm>
-            <a:prstGeom prst="rect">
-              <a:avLst/>
-            </a:prstGeom>
-            <a:solidFill>
-              <a:schemeClr val="accent1"/>
-            </a:solidFill>
-            <a:ln>
-              <a:solidFill>
-                <a:schemeClr val="accent1"/>
-              </a:solidFill>
-            </a:ln>
-          </p:spPr>
-          <p:style>
-            <a:lnRef idx="1">
-              <a:schemeClr val="accent1"/>
-            </a:lnRef>
-            <a:fillRef idx="3">
-              <a:schemeClr val="accent1"/>
-            </a:fillRef>
-            <a:effectRef idx="2">
-              <a:schemeClr val="accent1"/>
-            </a:effectRef>
-            <a:fontRef idx="minor">
-              <a:schemeClr val="lt1"/>
-            </a:fontRef>
-          </p:style>
-          <p:txBody>
-            <a:bodyPr rtlCol="0" anchor="ctr"/>
-            <a:lstStyle/>
-            <a:p>
-              <a:pPr algn="ctr"/>
-              <a:endParaRPr kumimoji="1" lang="ja-JP" altLang="en-US"/>
-            </a:p>
-          </p:txBody>
-        </p:sp>
-        <p:sp>
-          <p:nvSpPr>
-            <p:cNvPr id="23" name="正方形/長方形 22"/>
-            <p:cNvSpPr/>
-            <p:nvPr/>
-          </p:nvSpPr>
-          <p:spPr>
-            <a:xfrm>
-              <a:off x="3021291" y="2574636"/>
-              <a:ext cx="92363" cy="272473"/>
-            </a:xfrm>
-            <a:prstGeom prst="rect">
-              <a:avLst/>
-            </a:prstGeom>
-            <a:solidFill>
-              <a:schemeClr val="accent1"/>
-            </a:solidFill>
-            <a:ln>
-              <a:solidFill>
-                <a:schemeClr val="accent1"/>
-              </a:solidFill>
-            </a:ln>
-          </p:spPr>
-          <p:style>
-            <a:lnRef idx="1">
-              <a:schemeClr val="accent1"/>
-            </a:lnRef>
-            <a:fillRef idx="3">
-              <a:schemeClr val="accent1"/>
-            </a:fillRef>
-            <a:effectRef idx="2">
-              <a:schemeClr val="accent1"/>
-            </a:effectRef>
-            <a:fontRef idx="minor">
-              <a:schemeClr val="lt1"/>
-            </a:fontRef>
-          </p:style>
-          <p:txBody>
-            <a:bodyPr rtlCol="0" anchor="ctr"/>
-            <a:lstStyle/>
-            <a:p>
-              <a:pPr algn="ctr"/>
-              <a:endParaRPr kumimoji="1" lang="ja-JP" altLang="en-US"/>
-            </a:p>
-          </p:txBody>
-        </p:sp>
-        <p:sp>
-          <p:nvSpPr>
-            <p:cNvPr id="29" name="正方形/長方形 28"/>
-            <p:cNvSpPr/>
-            <p:nvPr/>
-          </p:nvSpPr>
-          <p:spPr>
-            <a:xfrm>
-              <a:off x="3260436" y="2574636"/>
-              <a:ext cx="92363" cy="484909"/>
-            </a:xfrm>
-            <a:prstGeom prst="rect">
-              <a:avLst/>
-            </a:prstGeom>
+      </p:grpSp>
+      <p:sp>
+        <p:nvSpPr>
+          <p:cNvPr id="4" name="正方形/長方形 3"/>
+          <p:cNvSpPr/>
+          <p:nvPr/>
+        </p:nvSpPr>
+        <p:spPr>
+          <a:xfrm>
+            <a:off x="2262910" y="2389909"/>
+            <a:ext cx="92363" cy="914400"/>
+          </a:xfrm>
+          <a:prstGeom prst="rect">
+            <a:avLst/>
+          </a:prstGeom>
+          <a:solidFill>
+            <a:schemeClr val="accent2"/>
+          </a:solidFill>
+          <a:ln>
             <a:solidFill>
               <a:schemeClr val="accent2"/>
             </a:solidFill>
-            <a:ln>
-              <a:solidFill>
-                <a:schemeClr val="accent2"/>
-              </a:solidFill>
-            </a:ln>
-          </p:spPr>
-          <p:style>
-            <a:lnRef idx="1">
-              <a:schemeClr val="accent1"/>
-            </a:lnRef>
-            <a:fillRef idx="3">
-              <a:schemeClr val="accent1"/>
-            </a:fillRef>
-            <a:effectRef idx="2">
-              <a:schemeClr val="accent1"/>
-            </a:effectRef>
-            <a:fontRef idx="minor">
-              <a:schemeClr val="lt1"/>
-            </a:fontRef>
-          </p:style>
-          <p:txBody>
-            <a:bodyPr rtlCol="0" anchor="ctr"/>
-            <a:lstStyle/>
-            <a:p>
-              <a:pPr algn="ctr"/>
-              <a:endParaRPr kumimoji="1" lang="ja-JP" altLang="en-US"/>
-            </a:p>
-          </p:txBody>
-        </p:sp>
-        <p:sp>
-          <p:nvSpPr>
-            <p:cNvPr id="30" name="正方形/長方形 29"/>
-            <p:cNvSpPr/>
-            <p:nvPr/>
-          </p:nvSpPr>
-          <p:spPr>
-            <a:xfrm>
-              <a:off x="3505999" y="2955636"/>
-              <a:ext cx="105435" cy="124691"/>
-            </a:xfrm>
-            <a:prstGeom prst="rect">
-              <a:avLst/>
-            </a:prstGeom>
-            <a:solidFill>
-              <a:schemeClr val="accent1"/>
-            </a:solidFill>
-            <a:ln>
-              <a:solidFill>
-                <a:schemeClr val="accent1"/>
-              </a:solidFill>
-            </a:ln>
-          </p:spPr>
-          <p:style>
-            <a:lnRef idx="1">
-              <a:schemeClr val="accent1"/>
-            </a:lnRef>
-            <a:fillRef idx="3">
-              <a:schemeClr val="accent1"/>
-            </a:fillRef>
-            <a:effectRef idx="2">
-              <a:schemeClr val="accent1"/>
-            </a:effectRef>
-            <a:fontRef idx="minor">
-              <a:schemeClr val="lt1"/>
-            </a:fontRef>
-          </p:style>
-          <p:txBody>
-            <a:bodyPr rtlCol="0" anchor="ctr"/>
-            <a:lstStyle/>
-            <a:p>
-              <a:pPr algn="ctr"/>
-              <a:endParaRPr kumimoji="1" lang="ja-JP" altLang="en-US"/>
-            </a:p>
-          </p:txBody>
-        </p:sp>
-        <p:sp>
-          <p:nvSpPr>
-            <p:cNvPr id="31" name="正方形/長方形 30"/>
-            <p:cNvSpPr/>
-            <p:nvPr/>
-          </p:nvSpPr>
-          <p:spPr>
-            <a:xfrm>
-              <a:off x="3759200" y="2969490"/>
-              <a:ext cx="92363" cy="1152237"/>
-            </a:xfrm>
-            <a:prstGeom prst="rect">
-              <a:avLst/>
-            </a:prstGeom>
+          </a:ln>
+        </p:spPr>
+        <p:style>
+          <a:lnRef idx="1">
+            <a:schemeClr val="accent1"/>
+          </a:lnRef>
+          <a:fillRef idx="3">
+            <a:schemeClr val="accent1"/>
+          </a:fillRef>
+          <a:effectRef idx="2">
+            <a:schemeClr val="accent1"/>
+          </a:effectRef>
+          <a:fontRef idx="minor">
+            <a:schemeClr val="lt1"/>
+          </a:fontRef>
+        </p:style>
+        <p:txBody>
+          <a:bodyPr rtlCol="0" anchor="ctr"/>
+          <a:lstStyle/>
+          <a:p>
+            <a:pPr algn="ctr"/>
+            <a:endParaRPr kumimoji="1" lang="ja-JP" altLang="en-US"/>
+          </a:p>
+        </p:txBody>
+      </p:sp>
+      <p:sp>
+        <p:nvSpPr>
+          <p:cNvPr id="20" name="正方形/長方形 19"/>
+          <p:cNvSpPr/>
+          <p:nvPr/>
+        </p:nvSpPr>
+        <p:spPr>
+          <a:xfrm>
+            <a:off x="2507673" y="3304309"/>
+            <a:ext cx="92363" cy="170873"/>
+          </a:xfrm>
+          <a:prstGeom prst="rect">
+            <a:avLst/>
+          </a:prstGeom>
+          <a:solidFill>
+            <a:schemeClr val="accent2"/>
+          </a:solidFill>
+          <a:ln>
             <a:solidFill>
               <a:schemeClr val="accent2"/>
             </a:solidFill>
-            <a:ln>
-              <a:solidFill>
-                <a:schemeClr val="accent2"/>
-              </a:solidFill>
-            </a:ln>
-          </p:spPr>
-          <p:style>
-            <a:lnRef idx="1">
-              <a:schemeClr val="accent1"/>
-            </a:lnRef>
-            <a:fillRef idx="3">
-              <a:schemeClr val="accent1"/>
-            </a:fillRef>
-            <a:effectRef idx="2">
-              <a:schemeClr val="accent1"/>
-            </a:effectRef>
-            <a:fontRef idx="minor">
-              <a:schemeClr val="lt1"/>
-            </a:fontRef>
-          </p:style>
-          <p:txBody>
-            <a:bodyPr rtlCol="0" anchor="ctr"/>
-            <a:lstStyle/>
-            <a:p>
-              <a:pPr algn="ctr"/>
-              <a:endParaRPr kumimoji="1" lang="ja-JP" altLang="en-US"/>
-            </a:p>
-          </p:txBody>
-        </p:sp>
-        <p:sp>
-          <p:nvSpPr>
-            <p:cNvPr id="32" name="右矢印 31"/>
-            <p:cNvSpPr/>
-            <p:nvPr/>
-          </p:nvSpPr>
-          <p:spPr>
-            <a:xfrm rot="13693427">
-              <a:off x="3768020" y="3423912"/>
-              <a:ext cx="244672" cy="176342"/>
-            </a:xfrm>
-            <a:prstGeom prst="rightArrow">
-              <a:avLst/>
-            </a:prstGeom>
+          </a:ln>
+        </p:spPr>
+        <p:style>
+          <a:lnRef idx="1">
+            <a:schemeClr val="accent1"/>
+          </a:lnRef>
+          <a:fillRef idx="3">
+            <a:schemeClr val="accent1"/>
+          </a:fillRef>
+          <a:effectRef idx="2">
+            <a:schemeClr val="accent1"/>
+          </a:effectRef>
+          <a:fontRef idx="minor">
+            <a:schemeClr val="lt1"/>
+          </a:fontRef>
+        </p:style>
+        <p:txBody>
+          <a:bodyPr rtlCol="0" anchor="ctr"/>
+          <a:lstStyle/>
+          <a:p>
+            <a:pPr algn="ctr"/>
+            <a:endParaRPr kumimoji="1" lang="ja-JP" altLang="en-US"/>
+          </a:p>
+        </p:txBody>
+      </p:sp>
+      <p:sp>
+        <p:nvSpPr>
+          <p:cNvPr id="22" name="正方形/長方形 21"/>
+          <p:cNvSpPr/>
+          <p:nvPr/>
+        </p:nvSpPr>
+        <p:spPr>
+          <a:xfrm>
+            <a:off x="2776528" y="2847109"/>
+            <a:ext cx="92363" cy="628073"/>
+          </a:xfrm>
+          <a:prstGeom prst="rect">
+            <a:avLst/>
+          </a:prstGeom>
+          <a:solidFill>
+            <a:schemeClr val="accent1"/>
+          </a:solidFill>
+          <a:ln>
             <a:solidFill>
-              <a:schemeClr val="bg1"/>
+              <a:schemeClr val="accent1"/>
             </a:solidFill>
-            <a:ln>
-              <a:solidFill>
-                <a:schemeClr val="tx1"/>
-              </a:solidFill>
-            </a:ln>
-          </p:spPr>
-          <p:style>
-            <a:lnRef idx="1">
-              <a:schemeClr val="accent1"/>
-            </a:lnRef>
-            <a:fillRef idx="3">
-              <a:schemeClr val="accent1"/>
-            </a:fillRef>
-            <a:effectRef idx="2">
-              <a:schemeClr val="accent1"/>
-            </a:effectRef>
-            <a:fontRef idx="minor">
-              <a:schemeClr val="lt1"/>
-            </a:fontRef>
-          </p:style>
-          <p:txBody>
-            <a:bodyPr rtlCol="0" anchor="ctr"/>
-            <a:lstStyle/>
-            <a:p>
-              <a:pPr algn="ctr"/>
-              <a:endParaRPr kumimoji="1" lang="ja-JP" altLang="en-US"/>
-            </a:p>
-          </p:txBody>
-        </p:sp>
-        <p:sp>
-          <p:nvSpPr>
-            <p:cNvPr id="33" name="角丸四角形吹き出し 32"/>
-            <p:cNvSpPr/>
-            <p:nvPr/>
-          </p:nvSpPr>
-          <p:spPr>
-            <a:xfrm>
-              <a:off x="2516976" y="2320630"/>
-              <a:ext cx="1087582" cy="1132199"/>
-            </a:xfrm>
-            <a:prstGeom prst="wedgeRoundRectCallout">
-              <a:avLst>
-                <a:gd name="adj1" fmla="val 61640"/>
-                <a:gd name="adj2" fmla="val 36452"/>
-                <a:gd name="adj3" fmla="val 16667"/>
-              </a:avLst>
-            </a:prstGeom>
+          </a:ln>
+        </p:spPr>
+        <p:style>
+          <a:lnRef idx="1">
+            <a:schemeClr val="accent1"/>
+          </a:lnRef>
+          <a:fillRef idx="3">
+            <a:schemeClr val="accent1"/>
+          </a:fillRef>
+          <a:effectRef idx="2">
+            <a:schemeClr val="accent1"/>
+          </a:effectRef>
+          <a:fontRef idx="minor">
+            <a:schemeClr val="lt1"/>
+          </a:fontRef>
+        </p:style>
+        <p:txBody>
+          <a:bodyPr rtlCol="0" anchor="ctr"/>
+          <a:lstStyle/>
+          <a:p>
+            <a:pPr algn="ctr"/>
+            <a:endParaRPr kumimoji="1" lang="ja-JP" altLang="en-US"/>
+          </a:p>
+        </p:txBody>
+      </p:sp>
+      <p:sp>
+        <p:nvSpPr>
+          <p:cNvPr id="23" name="正方形/長方形 22"/>
+          <p:cNvSpPr/>
+          <p:nvPr/>
+        </p:nvSpPr>
+        <p:spPr>
+          <a:xfrm>
+            <a:off x="3021291" y="2574636"/>
+            <a:ext cx="92363" cy="272473"/>
+          </a:xfrm>
+          <a:prstGeom prst="rect">
+            <a:avLst/>
+          </a:prstGeom>
+          <a:solidFill>
+            <a:schemeClr val="accent1"/>
+          </a:solidFill>
+          <a:ln>
             <a:solidFill>
-              <a:schemeClr val="bg1"/>
+              <a:schemeClr val="accent1"/>
             </a:solidFill>
-          </p:spPr>
-          <p:style>
-            <a:lnRef idx="1">
-              <a:schemeClr val="accent1"/>
-            </a:lnRef>
-            <a:fillRef idx="3">
-              <a:schemeClr val="accent1"/>
-            </a:fillRef>
-            <a:effectRef idx="2">
-              <a:schemeClr val="accent1"/>
-            </a:effectRef>
-            <a:fontRef idx="minor">
-              <a:schemeClr val="lt1"/>
-            </a:fontRef>
-          </p:style>
-          <p:txBody>
-            <a:bodyPr rtlCol="0" anchor="ctr"/>
-            <a:lstStyle/>
-            <a:p>
-              <a:pPr algn="ctr"/>
-              <a:r>
-                <a:rPr kumimoji="1" lang="ja-JP" altLang="en-US" sz="1400" dirty="0" smtClean="0">
-                  <a:solidFill>
-                    <a:schemeClr val="tx1"/>
-                  </a:solidFill>
-                  <a:latin typeface="メイリオ"/>
-                  <a:ea typeface="メイリオ"/>
-                  <a:cs typeface="メイリオ"/>
-                </a:rPr>
-                <a:t>始値</a:t>
-              </a:r>
-              <a:r>
-                <a:rPr kumimoji="1" lang="en-US" altLang="ja-JP" sz="1400" dirty="0" smtClean="0">
-                  <a:solidFill>
-                    <a:schemeClr val="tx1"/>
-                  </a:solidFill>
-                  <a:latin typeface="メイリオ"/>
-                  <a:ea typeface="メイリオ"/>
-                  <a:cs typeface="メイリオ"/>
-                </a:rPr>
-                <a:t>: xxx</a:t>
-              </a:r>
-            </a:p>
-            <a:p>
-              <a:pPr algn="ctr"/>
-              <a:r>
-                <a:rPr lang="ja-JP" altLang="en-US" sz="1400" dirty="0" smtClean="0">
-                  <a:solidFill>
-                    <a:schemeClr val="tx1"/>
-                  </a:solidFill>
-                  <a:latin typeface="メイリオ"/>
-                  <a:ea typeface="メイリオ"/>
-                  <a:cs typeface="メイリオ"/>
-                </a:rPr>
-                <a:t>終値</a:t>
-              </a:r>
-              <a:r>
-                <a:rPr lang="en-US" altLang="ja-JP" sz="1400" dirty="0" smtClean="0">
-                  <a:solidFill>
-                    <a:schemeClr val="tx1"/>
-                  </a:solidFill>
-                  <a:latin typeface="メイリオ"/>
-                  <a:ea typeface="メイリオ"/>
-                  <a:cs typeface="メイリオ"/>
-                </a:rPr>
-                <a:t>: xxx</a:t>
-              </a:r>
-            </a:p>
-            <a:p>
-              <a:pPr algn="ctr"/>
-              <a:r>
-                <a:rPr kumimoji="1" lang="ja-JP" altLang="en-US" sz="1400" dirty="0" smtClean="0">
-                  <a:solidFill>
-                    <a:schemeClr val="tx1"/>
-                  </a:solidFill>
-                  <a:latin typeface="メイリオ"/>
-                  <a:ea typeface="メイリオ"/>
-                  <a:cs typeface="メイリオ"/>
-                </a:rPr>
-                <a:t>高値</a:t>
-              </a:r>
-              <a:r>
-                <a:rPr kumimoji="1" lang="en-US" altLang="ja-JP" sz="1400" dirty="0" smtClean="0">
-                  <a:solidFill>
-                    <a:schemeClr val="tx1"/>
-                  </a:solidFill>
-                  <a:latin typeface="メイリオ"/>
-                  <a:ea typeface="メイリオ"/>
-                  <a:cs typeface="メイリオ"/>
-                </a:rPr>
-                <a:t>: xxx</a:t>
-              </a:r>
-            </a:p>
-            <a:p>
-              <a:pPr algn="ctr"/>
-              <a:r>
-                <a:rPr lang="ja-JP" altLang="en-US" sz="1400" dirty="0" smtClean="0">
-                  <a:solidFill>
-                    <a:schemeClr val="tx1"/>
-                  </a:solidFill>
-                  <a:latin typeface="メイリオ"/>
-                  <a:ea typeface="メイリオ"/>
-                  <a:cs typeface="メイリオ"/>
-                </a:rPr>
-                <a:t>安値</a:t>
-              </a:r>
-              <a:r>
-                <a:rPr lang="en-US" altLang="ja-JP" sz="1400" dirty="0" smtClean="0">
-                  <a:solidFill>
-                    <a:schemeClr val="tx1"/>
-                  </a:solidFill>
-                  <a:latin typeface="メイリオ"/>
-                  <a:ea typeface="メイリオ"/>
-                  <a:cs typeface="メイリオ"/>
-                </a:rPr>
-                <a:t>: xxx</a:t>
-              </a:r>
-              <a:endParaRPr kumimoji="1" lang="ja-JP" altLang="en-US" sz="1400" dirty="0">
+          </a:ln>
+        </p:spPr>
+        <p:style>
+          <a:lnRef idx="1">
+            <a:schemeClr val="accent1"/>
+          </a:lnRef>
+          <a:fillRef idx="3">
+            <a:schemeClr val="accent1"/>
+          </a:fillRef>
+          <a:effectRef idx="2">
+            <a:schemeClr val="accent1"/>
+          </a:effectRef>
+          <a:fontRef idx="minor">
+            <a:schemeClr val="lt1"/>
+          </a:fontRef>
+        </p:style>
+        <p:txBody>
+          <a:bodyPr rtlCol="0" anchor="ctr"/>
+          <a:lstStyle/>
+          <a:p>
+            <a:pPr algn="ctr"/>
+            <a:endParaRPr kumimoji="1" lang="ja-JP" altLang="en-US"/>
+          </a:p>
+        </p:txBody>
+      </p:sp>
+      <p:sp>
+        <p:nvSpPr>
+          <p:cNvPr id="29" name="正方形/長方形 28"/>
+          <p:cNvSpPr/>
+          <p:nvPr/>
+        </p:nvSpPr>
+        <p:spPr>
+          <a:xfrm>
+            <a:off x="3260436" y="2574636"/>
+            <a:ext cx="92363" cy="484909"/>
+          </a:xfrm>
+          <a:prstGeom prst="rect">
+            <a:avLst/>
+          </a:prstGeom>
+          <a:solidFill>
+            <a:schemeClr val="accent2"/>
+          </a:solidFill>
+          <a:ln>
+            <a:solidFill>
+              <a:schemeClr val="accent2"/>
+            </a:solidFill>
+          </a:ln>
+        </p:spPr>
+        <p:style>
+          <a:lnRef idx="1">
+            <a:schemeClr val="accent1"/>
+          </a:lnRef>
+          <a:fillRef idx="3">
+            <a:schemeClr val="accent1"/>
+          </a:fillRef>
+          <a:effectRef idx="2">
+            <a:schemeClr val="accent1"/>
+          </a:effectRef>
+          <a:fontRef idx="minor">
+            <a:schemeClr val="lt1"/>
+          </a:fontRef>
+        </p:style>
+        <p:txBody>
+          <a:bodyPr rtlCol="0" anchor="ctr"/>
+          <a:lstStyle/>
+          <a:p>
+            <a:pPr algn="ctr"/>
+            <a:endParaRPr kumimoji="1" lang="ja-JP" altLang="en-US"/>
+          </a:p>
+        </p:txBody>
+      </p:sp>
+      <p:sp>
+        <p:nvSpPr>
+          <p:cNvPr id="30" name="正方形/長方形 29"/>
+          <p:cNvSpPr/>
+          <p:nvPr/>
+        </p:nvSpPr>
+        <p:spPr>
+          <a:xfrm>
+            <a:off x="3505999" y="2955636"/>
+            <a:ext cx="105435" cy="124691"/>
+          </a:xfrm>
+          <a:prstGeom prst="rect">
+            <a:avLst/>
+          </a:prstGeom>
+          <a:solidFill>
+            <a:schemeClr val="accent1"/>
+          </a:solidFill>
+          <a:ln>
+            <a:solidFill>
+              <a:schemeClr val="accent1"/>
+            </a:solidFill>
+          </a:ln>
+        </p:spPr>
+        <p:style>
+          <a:lnRef idx="1">
+            <a:schemeClr val="accent1"/>
+          </a:lnRef>
+          <a:fillRef idx="3">
+            <a:schemeClr val="accent1"/>
+          </a:fillRef>
+          <a:effectRef idx="2">
+            <a:schemeClr val="accent1"/>
+          </a:effectRef>
+          <a:fontRef idx="minor">
+            <a:schemeClr val="lt1"/>
+          </a:fontRef>
+        </p:style>
+        <p:txBody>
+          <a:bodyPr rtlCol="0" anchor="ctr"/>
+          <a:lstStyle/>
+          <a:p>
+            <a:pPr algn="ctr"/>
+            <a:endParaRPr kumimoji="1" lang="ja-JP" altLang="en-US"/>
+          </a:p>
+        </p:txBody>
+      </p:sp>
+      <p:sp>
+        <p:nvSpPr>
+          <p:cNvPr id="31" name="正方形/長方形 30"/>
+          <p:cNvSpPr/>
+          <p:nvPr/>
+        </p:nvSpPr>
+        <p:spPr>
+          <a:xfrm>
+            <a:off x="3759200" y="2969490"/>
+            <a:ext cx="92363" cy="1152237"/>
+          </a:xfrm>
+          <a:prstGeom prst="rect">
+            <a:avLst/>
+          </a:prstGeom>
+          <a:solidFill>
+            <a:schemeClr val="accent2"/>
+          </a:solidFill>
+          <a:ln>
+            <a:solidFill>
+              <a:schemeClr val="accent2"/>
+            </a:solidFill>
+          </a:ln>
+        </p:spPr>
+        <p:style>
+          <a:lnRef idx="1">
+            <a:schemeClr val="accent1"/>
+          </a:lnRef>
+          <a:fillRef idx="3">
+            <a:schemeClr val="accent1"/>
+          </a:fillRef>
+          <a:effectRef idx="2">
+            <a:schemeClr val="accent1"/>
+          </a:effectRef>
+          <a:fontRef idx="minor">
+            <a:schemeClr val="lt1"/>
+          </a:fontRef>
+        </p:style>
+        <p:txBody>
+          <a:bodyPr rtlCol="0" anchor="ctr"/>
+          <a:lstStyle/>
+          <a:p>
+            <a:pPr algn="ctr"/>
+            <a:endParaRPr kumimoji="1" lang="ja-JP" altLang="en-US"/>
+          </a:p>
+        </p:txBody>
+      </p:sp>
+      <p:sp>
+        <p:nvSpPr>
+          <p:cNvPr id="32" name="右矢印 31"/>
+          <p:cNvSpPr/>
+          <p:nvPr/>
+        </p:nvSpPr>
+        <p:spPr>
+          <a:xfrm rot="13693427">
+            <a:off x="3768020" y="3423912"/>
+            <a:ext cx="244672" cy="176342"/>
+          </a:xfrm>
+          <a:prstGeom prst="rightArrow">
+            <a:avLst/>
+          </a:prstGeom>
+          <a:solidFill>
+            <a:schemeClr val="bg1"/>
+          </a:solidFill>
+          <a:ln>
+            <a:solidFill>
+              <a:schemeClr val="tx1"/>
+            </a:solidFill>
+          </a:ln>
+        </p:spPr>
+        <p:style>
+          <a:lnRef idx="1">
+            <a:schemeClr val="accent1"/>
+          </a:lnRef>
+          <a:fillRef idx="3">
+            <a:schemeClr val="accent1"/>
+          </a:fillRef>
+          <a:effectRef idx="2">
+            <a:schemeClr val="accent1"/>
+          </a:effectRef>
+          <a:fontRef idx="minor">
+            <a:schemeClr val="lt1"/>
+          </a:fontRef>
+        </p:style>
+        <p:txBody>
+          <a:bodyPr rtlCol="0" anchor="ctr"/>
+          <a:lstStyle/>
+          <a:p>
+            <a:pPr algn="ctr"/>
+            <a:endParaRPr kumimoji="1" lang="ja-JP" altLang="en-US"/>
+          </a:p>
+        </p:txBody>
+      </p:sp>
+      <p:sp>
+        <p:nvSpPr>
+          <p:cNvPr id="33" name="角丸四角形吹き出し 32"/>
+          <p:cNvSpPr/>
+          <p:nvPr/>
+        </p:nvSpPr>
+        <p:spPr>
+          <a:xfrm>
+            <a:off x="2516976" y="2320630"/>
+            <a:ext cx="1087582" cy="1132199"/>
+          </a:xfrm>
+          <a:prstGeom prst="wedgeRoundRectCallout">
+            <a:avLst>
+              <a:gd name="adj1" fmla="val 61640"/>
+              <a:gd name="adj2" fmla="val 36452"/>
+              <a:gd name="adj3" fmla="val 16667"/>
+            </a:avLst>
+          </a:prstGeom>
+          <a:solidFill>
+            <a:schemeClr val="bg1"/>
+          </a:solidFill>
+        </p:spPr>
+        <p:style>
+          <a:lnRef idx="1">
+            <a:schemeClr val="accent1"/>
+          </a:lnRef>
+          <a:fillRef idx="3">
+            <a:schemeClr val="accent1"/>
+          </a:fillRef>
+          <a:effectRef idx="2">
+            <a:schemeClr val="accent1"/>
+          </a:effectRef>
+          <a:fontRef idx="minor">
+            <a:schemeClr val="lt1"/>
+          </a:fontRef>
+        </p:style>
+        <p:txBody>
+          <a:bodyPr rtlCol="0" anchor="ctr"/>
+          <a:lstStyle/>
+          <a:p>
+            <a:pPr algn="ctr"/>
+            <a:r>
+              <a:rPr kumimoji="1" lang="ja-JP" altLang="en-US" sz="1400" dirty="0" smtClean="0">
                 <a:solidFill>
                   <a:schemeClr val="tx1"/>
                 </a:solidFill>
                 <a:latin typeface="メイリオ"/>
                 <a:ea typeface="メイリオ"/>
                 <a:cs typeface="メイリオ"/>
-              </a:endParaRPr>
-            </a:p>
-          </p:txBody>
-        </p:sp>
-      </p:grpSp>
+              </a:rPr>
+              <a:t>始値</a:t>
+            </a:r>
+            <a:r>
+              <a:rPr kumimoji="1" lang="en-US" altLang="ja-JP" sz="1400" dirty="0" smtClean="0">
+                <a:solidFill>
+                  <a:schemeClr val="tx1"/>
+                </a:solidFill>
+                <a:latin typeface="メイリオ"/>
+                <a:ea typeface="メイリオ"/>
+                <a:cs typeface="メイリオ"/>
+              </a:rPr>
+              <a:t>: xxx</a:t>
+            </a:r>
+          </a:p>
+          <a:p>
+            <a:pPr algn="ctr"/>
+            <a:r>
+              <a:rPr lang="ja-JP" altLang="en-US" sz="1400" dirty="0" smtClean="0">
+                <a:solidFill>
+                  <a:schemeClr val="tx1"/>
+                </a:solidFill>
+                <a:latin typeface="メイリオ"/>
+                <a:ea typeface="メイリオ"/>
+                <a:cs typeface="メイリオ"/>
+              </a:rPr>
+              <a:t>終値</a:t>
+            </a:r>
+            <a:r>
+              <a:rPr lang="en-US" altLang="ja-JP" sz="1400" dirty="0" smtClean="0">
+                <a:solidFill>
+                  <a:schemeClr val="tx1"/>
+                </a:solidFill>
+                <a:latin typeface="メイリオ"/>
+                <a:ea typeface="メイリオ"/>
+                <a:cs typeface="メイリオ"/>
+              </a:rPr>
+              <a:t>: xxx</a:t>
+            </a:r>
+          </a:p>
+          <a:p>
+            <a:pPr algn="ctr"/>
+            <a:r>
+              <a:rPr kumimoji="1" lang="ja-JP" altLang="en-US" sz="1400" dirty="0" smtClean="0">
+                <a:solidFill>
+                  <a:schemeClr val="tx1"/>
+                </a:solidFill>
+                <a:latin typeface="メイリオ"/>
+                <a:ea typeface="メイリオ"/>
+                <a:cs typeface="メイリオ"/>
+              </a:rPr>
+              <a:t>高値</a:t>
+            </a:r>
+            <a:r>
+              <a:rPr kumimoji="1" lang="en-US" altLang="ja-JP" sz="1400" dirty="0" smtClean="0">
+                <a:solidFill>
+                  <a:schemeClr val="tx1"/>
+                </a:solidFill>
+                <a:latin typeface="メイリオ"/>
+                <a:ea typeface="メイリオ"/>
+                <a:cs typeface="メイリオ"/>
+              </a:rPr>
+              <a:t>: xxx</a:t>
+            </a:r>
+          </a:p>
+          <a:p>
+            <a:pPr algn="ctr"/>
+            <a:r>
+              <a:rPr lang="ja-JP" altLang="en-US" sz="1400" dirty="0" smtClean="0">
+                <a:solidFill>
+                  <a:schemeClr val="tx1"/>
+                </a:solidFill>
+                <a:latin typeface="メイリオ"/>
+                <a:ea typeface="メイリオ"/>
+                <a:cs typeface="メイリオ"/>
+              </a:rPr>
+              <a:t>安値</a:t>
+            </a:r>
+            <a:r>
+              <a:rPr lang="en-US" altLang="ja-JP" sz="1400" dirty="0" smtClean="0">
+                <a:solidFill>
+                  <a:schemeClr val="tx1"/>
+                </a:solidFill>
+                <a:latin typeface="メイリオ"/>
+                <a:ea typeface="メイリオ"/>
+                <a:cs typeface="メイリオ"/>
+              </a:rPr>
+              <a:t>: xxx</a:t>
+            </a:r>
+            <a:endParaRPr kumimoji="1" lang="ja-JP" altLang="en-US" sz="1400" dirty="0">
+              <a:solidFill>
+                <a:schemeClr val="tx1"/>
+              </a:solidFill>
+              <a:latin typeface="メイリオ"/>
+              <a:ea typeface="メイリオ"/>
+              <a:cs typeface="メイリオ"/>
+            </a:endParaRPr>
+          </a:p>
+        </p:txBody>
+      </p:sp>
+      <p:cxnSp>
+        <p:nvCxnSpPr>
+          <p:cNvPr id="9" name="直線コネクタ 8"/>
+          <p:cNvCxnSpPr/>
+          <p:nvPr/>
+        </p:nvCxnSpPr>
+        <p:spPr>
+          <a:xfrm>
+            <a:off x="6315355" y="2042177"/>
+            <a:ext cx="0" cy="4030732"/>
+          </a:xfrm>
+          <a:prstGeom prst="line">
+            <a:avLst/>
+          </a:prstGeom>
+          <a:ln w="19050">
+            <a:solidFill>
+              <a:srgbClr val="FF6B71"/>
+            </a:solidFill>
+          </a:ln>
+          <a:effectLst/>
+        </p:spPr>
+        <p:style>
+          <a:lnRef idx="2">
+            <a:schemeClr val="accent1"/>
+          </a:lnRef>
+          <a:fillRef idx="0">
+            <a:schemeClr val="accent1"/>
+          </a:fillRef>
+          <a:effectRef idx="1">
+            <a:schemeClr val="accent1"/>
+          </a:effectRef>
+          <a:fontRef idx="minor">
+            <a:schemeClr val="tx1"/>
+          </a:fontRef>
+        </p:style>
+      </p:cxnSp>
     </p:spTree>
     <p:extLst>
       <p:ext uri="{BB962C8B-B14F-4D97-AF65-F5344CB8AC3E}">
